--- a/html/presentations/CoderDojoBrayHTML_session2.pptx
+++ b/html/presentations/CoderDojoBrayHTML_session2.pptx
@@ -5,27 +5,28 @@
     <p:sldMasterId id="2147483672" r:id="rId1"/>
   </p:sldMasterIdLst>
   <p:notesMasterIdLst>
-    <p:notesMasterId r:id="rId20"/>
+    <p:notesMasterId r:id="rId21"/>
   </p:notesMasterIdLst>
   <p:sldIdLst>
     <p:sldId id="256" r:id="rId2"/>
-    <p:sldId id="257" r:id="rId3"/>
-    <p:sldId id="258" r:id="rId4"/>
-    <p:sldId id="259" r:id="rId5"/>
-    <p:sldId id="266" r:id="rId6"/>
-    <p:sldId id="267" r:id="rId7"/>
-    <p:sldId id="260" r:id="rId8"/>
-    <p:sldId id="261" r:id="rId9"/>
-    <p:sldId id="268" r:id="rId10"/>
-    <p:sldId id="269" r:id="rId11"/>
-    <p:sldId id="262" r:id="rId12"/>
-    <p:sldId id="273" r:id="rId13"/>
-    <p:sldId id="263" r:id="rId14"/>
-    <p:sldId id="270" r:id="rId15"/>
-    <p:sldId id="274" r:id="rId16"/>
-    <p:sldId id="272" r:id="rId17"/>
-    <p:sldId id="265" r:id="rId18"/>
-    <p:sldId id="271" r:id="rId19"/>
+    <p:sldId id="275" r:id="rId3"/>
+    <p:sldId id="257" r:id="rId4"/>
+    <p:sldId id="258" r:id="rId5"/>
+    <p:sldId id="259" r:id="rId6"/>
+    <p:sldId id="266" r:id="rId7"/>
+    <p:sldId id="267" r:id="rId8"/>
+    <p:sldId id="260" r:id="rId9"/>
+    <p:sldId id="261" r:id="rId10"/>
+    <p:sldId id="268" r:id="rId11"/>
+    <p:sldId id="269" r:id="rId12"/>
+    <p:sldId id="262" r:id="rId13"/>
+    <p:sldId id="273" r:id="rId14"/>
+    <p:sldId id="263" r:id="rId15"/>
+    <p:sldId id="270" r:id="rId16"/>
+    <p:sldId id="274" r:id="rId17"/>
+    <p:sldId id="272" r:id="rId18"/>
+    <p:sldId id="265" r:id="rId19"/>
+    <p:sldId id="271" r:id="rId20"/>
   </p:sldIdLst>
   <p:sldSz cx="9144000" cy="6858000" type="screen4x3"/>
   <p:notesSz cx="6858000" cy="9144000"/>
@@ -209,7 +210,7 @@
           <a:p>
             <a:fld id="{9650A110-E0B9-45FC-A343-D8EC5640BF3F}" type="datetimeFigureOut">
               <a:rPr lang="en-IE" smtClean="0"/>
-              <a:t>26/07/2012</a:t>
+              <a:t>12/09/2012</a:t>
             </a:fld>
             <a:endParaRPr lang="en-IE"/>
           </a:p>
@@ -551,7 +552,7 @@
     </p:spTree>
     <p:extLst>
       <p:ext uri="{BB962C8B-B14F-4D97-AF65-F5344CB8AC3E}">
-        <p14:creationId xmlns:p14="http://schemas.microsoft.com/office/powerpoint/2010/main" val="2067379537"/>
+        <p14:creationId xmlns:p14="http://schemas.microsoft.com/office/powerpoint/2010/main" val="564335125"/>
       </p:ext>
     </p:extLst>
   </p:cSld>
@@ -606,16 +607,8 @@
           <a:lstStyle/>
           <a:p>
             <a:r>
-              <a:rPr lang="en-IE" baseline="0" dirty="0" smtClean="0"/>
-              <a:t>We just add some CSS styling to make the &lt;</a:t>
-            </a:r>
-            <a:r>
-              <a:rPr lang="en-IE" baseline="0" dirty="0" err="1" smtClean="0"/>
-              <a:t>ul</a:t>
-            </a:r>
-            <a:r>
-              <a:rPr lang="en-IE" baseline="0" dirty="0" smtClean="0"/>
-              <a:t>&gt; into a horizontal menu</a:t>
+              <a:rPr lang="en-US" baseline="0" dirty="0" smtClean="0"/>
+              <a:t>Now get the kids to add a table of their own, on their own pages</a:t>
             </a:r>
           </a:p>
           <a:p>
@@ -624,55 +617,17 @@
           <a:p>
             <a:r>
               <a:rPr lang="en-US" baseline="0" dirty="0" smtClean="0"/>
-              <a:t>Note that we have not introduced proper CSS “classes” or “id” notions here, that is for the next session which will focus on CSS</a:t>
-            </a:r>
-          </a:p>
-          <a:p>
-            <a:r>
-              <a:rPr lang="en-US" baseline="0" dirty="0" smtClean="0"/>
-              <a:t>This one will be just apply the styling to all &lt;</a:t>
-            </a:r>
-            <a:r>
-              <a:rPr lang="en-US" baseline="0" dirty="0" err="1" smtClean="0"/>
-              <a:t>ul</a:t>
-            </a:r>
-            <a:r>
-              <a:rPr lang="en-US" baseline="0" dirty="0" smtClean="0"/>
-              <a:t>&gt; lists it finds on the page</a:t>
+              <a:t>This might take a while to get it to look right … tables are a bit of a pain. No wonder nobody uses them any more …</a:t>
             </a:r>
           </a:p>
           <a:p>
             <a:endParaRPr lang="en-US" baseline="0" dirty="0" smtClean="0"/>
           </a:p>
           <a:p>
-            <a:r>
-              <a:rPr lang="en-US" baseline="0" dirty="0" smtClean="0"/>
-              <a:t>If a kid have &gt;1 &lt;</a:t>
-            </a:r>
-            <a:r>
-              <a:rPr lang="en-US" baseline="0" dirty="0" err="1" smtClean="0"/>
-              <a:t>ul</a:t>
-            </a:r>
-            <a:r>
-              <a:rPr lang="en-US" baseline="0" dirty="0" smtClean="0"/>
-              <a:t>&gt; list and their page looks silly, then just to the “class” trick for their CSS and explain that we will come back to that later.</a:t>
-            </a:r>
-          </a:p>
-          <a:p>
             <a:endParaRPr lang="en-US" baseline="0" dirty="0" smtClean="0"/>
           </a:p>
           <a:p>
-            <a:r>
-              <a:rPr lang="en-US" baseline="0" dirty="0" smtClean="0"/>
-              <a:t>The easiest way to show this is to take the session2_d.css and uncomment, one at a time, each of the CSS directives in the li {} block in the &lt;style&gt; section</a:t>
-            </a:r>
-            <a:endParaRPr lang="en-IE" baseline="0" dirty="0" smtClean="0"/>
-          </a:p>
-          <a:p>
-            <a:endParaRPr lang="en-IE" baseline="0" dirty="0" smtClean="0"/>
-          </a:p>
-          <a:p>
-            <a:endParaRPr lang="en-IE" baseline="0" dirty="0" smtClean="0"/>
+            <a:endParaRPr lang="en-US" baseline="0" dirty="0" smtClean="0"/>
           </a:p>
         </p:txBody>
       </p:sp>
@@ -757,8 +712,31 @@
           <a:lstStyle/>
           <a:p>
             <a:r>
+              <a:rPr lang="en-IE" baseline="0" dirty="0" smtClean="0"/>
+              <a:t>We just add some CSS styling to make the &lt;</a:t>
+            </a:r>
+            <a:r>
+              <a:rPr lang="en-IE" baseline="0" dirty="0" err="1" smtClean="0"/>
+              <a:t>ul</a:t>
+            </a:r>
+            <a:r>
+              <a:rPr lang="en-IE" baseline="0" dirty="0" smtClean="0"/>
+              <a:t>&gt; into a horizontal menu</a:t>
+            </a:r>
+          </a:p>
+          <a:p>
+            <a:endParaRPr lang="en-US" baseline="0" dirty="0" smtClean="0"/>
+          </a:p>
+          <a:p>
+            <a:r>
               <a:rPr lang="en-US" baseline="0" dirty="0" smtClean="0"/>
-              <a:t>These are the example styles we use, to turn a &lt;</a:t>
+              <a:t>Note that we have not introduced proper CSS “classes” or “id” notions here, that is for the next session which will focus on CSS</a:t>
+            </a:r>
+          </a:p>
+          <a:p>
+            <a:r>
+              <a:rPr lang="en-US" baseline="0" dirty="0" smtClean="0"/>
+              <a:t>This one will be just apply the styling to all &lt;</a:t>
             </a:r>
             <a:r>
               <a:rPr lang="en-US" baseline="0" dirty="0" err="1" smtClean="0"/>
@@ -766,7 +744,7 @@
             </a:r>
             <a:r>
               <a:rPr lang="en-US" baseline="0" dirty="0" smtClean="0"/>
-              <a:t>&gt; into a horizontal menu</a:t>
+              <a:t>&gt; lists it finds on the page</a:t>
             </a:r>
           </a:p>
           <a:p>
@@ -775,57 +753,47 @@
           <a:p>
             <a:r>
               <a:rPr lang="en-US" baseline="0" dirty="0" smtClean="0"/>
-              <a:t>In a later session (next week probably) we will look at doing this differently, using </a:t>
+              <a:t>If a kid have &gt;1 &lt;</a:t>
             </a:r>
             <a:r>
               <a:rPr lang="en-US" baseline="0" dirty="0" err="1" smtClean="0"/>
-              <a:t>float:left</a:t>
+              <a:t>ul</a:t>
             </a:r>
             <a:r>
               <a:rPr lang="en-US" baseline="0" dirty="0" smtClean="0"/>
-              <a:t> and </a:t>
-            </a:r>
-            <a:r>
-              <a:rPr lang="en-US" baseline="0" dirty="0" err="1" smtClean="0"/>
-              <a:t>float:right</a:t>
-            </a:r>
+              <a:t>&gt; list and their page looks silly, then just to the “class” trick for their CSS and explain that we will come back to that later.</a:t>
+            </a:r>
+          </a:p>
+          <a:p>
+            <a:endParaRPr lang="en-US" baseline="0" dirty="0" smtClean="0"/>
+          </a:p>
+          <a:p>
             <a:r>
               <a:rPr lang="en-US" baseline="0" dirty="0" smtClean="0"/>
-              <a:t> for menus</a:t>
-            </a:r>
-          </a:p>
-          <a:p>
+              <a:t>The easiest way to show this is to take the session2_d.css and uncomment, one at a time, each of the CSS directives in the li {} block in the &lt;style&gt; </a:t>
+            </a:r>
             <a:r>
               <a:rPr lang="en-US" baseline="0" dirty="0" smtClean="0"/>
-              <a:t>And identifying menus properly with CSS class identifiers</a:t>
-            </a:r>
-          </a:p>
-          <a:p>
-            <a:endParaRPr lang="en-US" baseline="0" dirty="0" smtClean="0"/>
-          </a:p>
-          <a:p>
-            <a:r>
-              <a:rPr lang="en-US" baseline="0" dirty="0" smtClean="0"/>
-              <a:t>For now, this will do nicely … </a:t>
-            </a:r>
-          </a:p>
-          <a:p>
-            <a:endParaRPr lang="en-US" baseline="0" dirty="0" smtClean="0"/>
-          </a:p>
-          <a:p>
-            <a:r>
-              <a:rPr lang="en-US" baseline="0" dirty="0" smtClean="0"/>
-              <a:t>The easiest way to show this is to do it online, commenting in one row at a time and showing what this does to the display</a:t>
-            </a:r>
-          </a:p>
-          <a:p>
-            <a:r>
-              <a:rPr lang="en-US" baseline="0" dirty="0" smtClean="0"/>
-              <a:t>/* and */ are the CSS comment delimiters</a:t>
+              <a:t>section</a:t>
             </a:r>
             <a:endParaRPr lang="en-IE" baseline="0" dirty="0" smtClean="0"/>
           </a:p>
           <a:p>
+            <a:endParaRPr lang="en-IE" baseline="0" dirty="0" smtClean="0"/>
+          </a:p>
+          <a:p>
+            <a:r>
+              <a:rPr lang="en-IE" baseline="0" dirty="0" smtClean="0"/>
+              <a:t>You can also fire up Chrome, open up Tools-&gt;Developer Tools, find an item controlled by CSS and selectively turn them off using the </a:t>
+            </a:r>
+            <a:r>
+              <a:rPr lang="en-IE" baseline="0" dirty="0" err="1" smtClean="0"/>
+              <a:t>tickboxes</a:t>
+            </a:r>
+            <a:r>
+              <a:rPr lang="en-IE" baseline="0" dirty="0" smtClean="0"/>
+              <a:t> on the right hand side.</a:t>
+            </a:r>
             <a:endParaRPr lang="en-IE" baseline="0" dirty="0" smtClean="0"/>
           </a:p>
           <a:p>
@@ -913,6 +881,76 @@
           <a:bodyPr/>
           <a:lstStyle/>
           <a:p>
+            <a:r>
+              <a:rPr lang="en-US" baseline="0" dirty="0" smtClean="0"/>
+              <a:t>These are the example styles we use, to turn a &lt;</a:t>
+            </a:r>
+            <a:r>
+              <a:rPr lang="en-US" baseline="0" dirty="0" err="1" smtClean="0"/>
+              <a:t>ul</a:t>
+            </a:r>
+            <a:r>
+              <a:rPr lang="en-US" baseline="0" dirty="0" smtClean="0"/>
+              <a:t>&gt; into a horizontal menu</a:t>
+            </a:r>
+          </a:p>
+          <a:p>
+            <a:endParaRPr lang="en-US" baseline="0" dirty="0" smtClean="0"/>
+          </a:p>
+          <a:p>
+            <a:r>
+              <a:rPr lang="en-US" baseline="0" dirty="0" smtClean="0"/>
+              <a:t>In a later session (next week probably) we will look at doing this differently, using </a:t>
+            </a:r>
+            <a:r>
+              <a:rPr lang="en-US" baseline="0" dirty="0" err="1" smtClean="0"/>
+              <a:t>float:left</a:t>
+            </a:r>
+            <a:r>
+              <a:rPr lang="en-US" baseline="0" dirty="0" smtClean="0"/>
+              <a:t> and </a:t>
+            </a:r>
+            <a:r>
+              <a:rPr lang="en-US" baseline="0" dirty="0" err="1" smtClean="0"/>
+              <a:t>float:right</a:t>
+            </a:r>
+            <a:r>
+              <a:rPr lang="en-US" baseline="0" dirty="0" smtClean="0"/>
+              <a:t> for menus</a:t>
+            </a:r>
+          </a:p>
+          <a:p>
+            <a:r>
+              <a:rPr lang="en-US" baseline="0" dirty="0" smtClean="0"/>
+              <a:t>And identifying menus properly with CSS class identifiers</a:t>
+            </a:r>
+          </a:p>
+          <a:p>
+            <a:endParaRPr lang="en-US" baseline="0" dirty="0" smtClean="0"/>
+          </a:p>
+          <a:p>
+            <a:r>
+              <a:rPr lang="en-US" baseline="0" dirty="0" smtClean="0"/>
+              <a:t>For now, this will do nicely … </a:t>
+            </a:r>
+          </a:p>
+          <a:p>
+            <a:endParaRPr lang="en-US" baseline="0" dirty="0" smtClean="0"/>
+          </a:p>
+          <a:p>
+            <a:r>
+              <a:rPr lang="en-US" baseline="0" dirty="0" smtClean="0"/>
+              <a:t>The easiest way to show this is to do it online, commenting in one row at a time and showing what this does to the display</a:t>
+            </a:r>
+          </a:p>
+          <a:p>
+            <a:r>
+              <a:rPr lang="en-US" baseline="0" dirty="0" smtClean="0"/>
+              <a:t>/* and */ are the CSS comment delimiters</a:t>
+            </a:r>
+            <a:endParaRPr lang="en-IE" baseline="0" dirty="0" smtClean="0"/>
+          </a:p>
+          <a:p>
             <a:endParaRPr lang="en-IE" baseline="0" dirty="0" smtClean="0"/>
           </a:p>
           <a:p>
@@ -1003,19 +1041,6 @@
             <a:endParaRPr lang="en-IE" baseline="0" dirty="0" smtClean="0"/>
           </a:p>
           <a:p>
-            <a:r>
-              <a:rPr lang="en-US" baseline="0" dirty="0" smtClean="0"/>
-              <a:t>This moves the CSS into a separate file</a:t>
-            </a:r>
-          </a:p>
-          <a:p>
-            <a:endParaRPr lang="en-US" baseline="0" dirty="0" smtClean="0"/>
-          </a:p>
-          <a:p>
-            <a:r>
-              <a:rPr lang="en-US" baseline="0" dirty="0" smtClean="0"/>
-              <a:t>After moving the web page should display properly as before</a:t>
-            </a:r>
             <a:endParaRPr lang="en-IE" baseline="0" dirty="0" smtClean="0"/>
           </a:p>
         </p:txBody>
@@ -1200,9 +1225,12 @@
           <a:bodyPr/>
           <a:lstStyle/>
           <a:p>
+            <a:endParaRPr lang="en-IE" baseline="0" dirty="0" smtClean="0"/>
+          </a:p>
+          <a:p>
             <a:r>
               <a:rPr lang="en-US" baseline="0" dirty="0" smtClean="0"/>
-              <a:t>We could throw up on the screen now the few “planet” styled backgrounds which are in the session2 data</a:t>
+              <a:t>This moves the CSS into a separate file</a:t>
             </a:r>
           </a:p>
           <a:p>
@@ -1211,7 +1239,7 @@
           <a:p>
             <a:r>
               <a:rPr lang="en-US" baseline="0" dirty="0" smtClean="0"/>
-              <a:t>These have a simple, ugly-but-functional </a:t>
+              <a:t>After moving the web page should display properly as before</a:t>
             </a:r>
             <a:endParaRPr lang="en-IE" baseline="0" dirty="0" smtClean="0"/>
           </a:p>
@@ -1297,6 +1325,19 @@
           <a:bodyPr/>
           <a:lstStyle/>
           <a:p>
+            <a:r>
+              <a:rPr lang="en-US" baseline="0" dirty="0" smtClean="0"/>
+              <a:t>We could throw up on the screen now the few “planet” styled backgrounds which are in the session2 data</a:t>
+            </a:r>
+          </a:p>
+          <a:p>
+            <a:endParaRPr lang="en-US" baseline="0" dirty="0" smtClean="0"/>
+          </a:p>
+          <a:p>
+            <a:r>
+              <a:rPr lang="en-US" baseline="0" dirty="0" smtClean="0"/>
+              <a:t>These have a simple, ugly-but-functional </a:t>
+            </a:r>
             <a:endParaRPr lang="en-IE" baseline="0" dirty="0" smtClean="0"/>
           </a:p>
         </p:txBody>
@@ -1421,6 +1462,90 @@
 </p:notes>
 </file>
 
+<file path=ppt/notesSlides/notesSlide18.xml><?xml version="1.0" encoding="utf-8"?>
+<p:notes xmlns:a="http://schemas.openxmlformats.org/drawingml/2006/main" xmlns:r="http://schemas.openxmlformats.org/officeDocument/2006/relationships" xmlns:p="http://schemas.openxmlformats.org/presentationml/2006/main">
+  <p:cSld>
+    <p:spTree>
+      <p:nvGrpSpPr>
+        <p:cNvPr id="1" name=""/>
+        <p:cNvGrpSpPr/>
+        <p:nvPr/>
+      </p:nvGrpSpPr>
+      <p:grpSpPr>
+        <a:xfrm>
+          <a:off x="0" y="0"/>
+          <a:ext cx="0" cy="0"/>
+          <a:chOff x="0" y="0"/>
+          <a:chExt cx="0" cy="0"/>
+        </a:xfrm>
+      </p:grpSpPr>
+      <p:sp>
+        <p:nvSpPr>
+          <p:cNvPr id="2" name="Slide Image Placeholder 1"/>
+          <p:cNvSpPr>
+            <a:spLocks noGrp="1" noRot="1" noChangeAspect="1"/>
+          </p:cNvSpPr>
+          <p:nvPr>
+            <p:ph type="sldImg"/>
+          </p:nvPr>
+        </p:nvSpPr>
+        <p:spPr/>
+      </p:sp>
+      <p:sp>
+        <p:nvSpPr>
+          <p:cNvPr id="3" name="Notes Placeholder 2"/>
+          <p:cNvSpPr>
+            <a:spLocks noGrp="1"/>
+          </p:cNvSpPr>
+          <p:nvPr>
+            <p:ph type="body" idx="1"/>
+          </p:nvPr>
+        </p:nvSpPr>
+        <p:spPr/>
+        <p:txBody>
+          <a:bodyPr/>
+          <a:lstStyle/>
+          <a:p>
+            <a:endParaRPr lang="en-IE" baseline="0" dirty="0" smtClean="0"/>
+          </a:p>
+        </p:txBody>
+      </p:sp>
+      <p:sp>
+        <p:nvSpPr>
+          <p:cNvPr id="4" name="Slide Number Placeholder 3"/>
+          <p:cNvSpPr>
+            <a:spLocks noGrp="1"/>
+          </p:cNvSpPr>
+          <p:nvPr>
+            <p:ph type="sldNum" sz="quarter" idx="10"/>
+          </p:nvPr>
+        </p:nvSpPr>
+        <p:spPr/>
+        <p:txBody>
+          <a:bodyPr/>
+          <a:lstStyle/>
+          <a:p>
+            <a:fld id="{ABE5CB41-8F34-4FAE-BDD8-10A032863583}" type="slidenum">
+              <a:rPr lang="en-IE" smtClean="0"/>
+              <a:t>19</a:t>
+            </a:fld>
+            <a:endParaRPr lang="en-IE"/>
+          </a:p>
+        </p:txBody>
+      </p:sp>
+    </p:spTree>
+    <p:extLst>
+      <p:ext uri="{BB962C8B-B14F-4D97-AF65-F5344CB8AC3E}">
+        <p14:creationId xmlns:p14="http://schemas.microsoft.com/office/powerpoint/2010/main" val="2154761357"/>
+      </p:ext>
+    </p:extLst>
+  </p:cSld>
+  <p:clrMapOvr>
+    <a:masterClrMapping/>
+  </p:clrMapOvr>
+</p:notes>
+</file>
+
 <file path=ppt/notesSlides/notesSlide2.xml><?xml version="1.0" encoding="utf-8"?>
 <p:notes xmlns:a="http://schemas.openxmlformats.org/drawingml/2006/main" xmlns:r="http://schemas.openxmlformats.org/officeDocument/2006/relationships" xmlns:p="http://schemas.openxmlformats.org/presentationml/2006/main">
   <p:cSld>
@@ -1465,59 +1590,6 @@
           <a:bodyPr/>
           <a:lstStyle/>
           <a:p>
-            <a:r>
-              <a:rPr lang="en-US" dirty="0" smtClean="0"/>
-              <a:t>Mentors should identify new attendees, and run through the standard</a:t>
-            </a:r>
-            <a:r>
-              <a:rPr lang="en-US" baseline="0" dirty="0" smtClean="0"/>
-              <a:t> setup with them: </a:t>
-            </a:r>
-            <a:r>
-              <a:rPr lang="en-IE" dirty="0" smtClean="0"/>
-              <a:t>check </a:t>
-            </a:r>
-            <a:r>
-              <a:rPr lang="en-IE" dirty="0" smtClean="0"/>
-              <a:t>that all laptops are up and running, are</a:t>
-            </a:r>
-            <a:r>
-              <a:rPr lang="en-IE" baseline="0" dirty="0" smtClean="0"/>
-              <a:t> on the wireless network, can see the internet (google.ie, youtube.com, https://thimble.webmaker.org, dojo.hallamor.org)</a:t>
-            </a:r>
-          </a:p>
-          <a:p>
-            <a:endParaRPr lang="en-IE" baseline="0" dirty="0" smtClean="0"/>
-          </a:p>
-          <a:p>
-            <a:r>
-              <a:rPr lang="en-IE" baseline="0" dirty="0" smtClean="0"/>
-              <a:t>We would also like to have a decent editor (komodo edit is good: is saves on errors) and ideally Chrome as the browser installed.</a:t>
-            </a:r>
-          </a:p>
-          <a:p>
-            <a:endParaRPr lang="en-IE" baseline="0" dirty="0" smtClean="0"/>
-          </a:p>
-          <a:p>
-            <a:r>
-              <a:rPr lang="en-IE" baseline="0" dirty="0" smtClean="0"/>
-              <a:t>Having the same browser everywhere makes it much easier for mentors to help out in later sessions.</a:t>
-            </a:r>
-          </a:p>
-          <a:p>
-            <a:r>
-              <a:rPr lang="en-IE" baseline="0" dirty="0" smtClean="0"/>
-              <a:t>So now we need to go around and make sure everyone is setup.</a:t>
-            </a:r>
-          </a:p>
-          <a:p>
-            <a:endParaRPr lang="en-IE" baseline="0" dirty="0" smtClean="0"/>
-          </a:p>
-          <a:p>
-            <a:r>
-              <a:rPr lang="en-IE" baseline="0" dirty="0" smtClean="0"/>
-              <a:t>USB keys should have the installs for our tools.</a:t>
-            </a:r>
             <a:endParaRPr lang="en-IE" dirty="0"/>
           </a:p>
         </p:txBody>
@@ -1548,7 +1620,7 @@
     </p:spTree>
     <p:extLst>
       <p:ext uri="{BB962C8B-B14F-4D97-AF65-F5344CB8AC3E}">
-        <p14:creationId xmlns:p14="http://schemas.microsoft.com/office/powerpoint/2010/main" val="45962937"/>
+        <p14:creationId xmlns:p14="http://schemas.microsoft.com/office/powerpoint/2010/main" val="2067379537"/>
       </p:ext>
     </p:extLst>
   </p:cSld>
@@ -1603,53 +1675,67 @@
           <a:lstStyle/>
           <a:p>
             <a:r>
+              <a:rPr lang="en-US" dirty="0" smtClean="0"/>
+              <a:t>Mentors should identify new attendees, and run through the standard</a:t>
+            </a:r>
+            <a:r>
+              <a:rPr lang="en-US" baseline="0" dirty="0" smtClean="0"/>
+              <a:t> setup with them: </a:t>
+            </a:r>
+            <a:r>
               <a:rPr lang="en-IE" dirty="0" smtClean="0"/>
-              <a:t>Start with an empty page again,</a:t>
+              <a:t>check that all laptops are up and running, are</a:t>
             </a:r>
             <a:r>
               <a:rPr lang="en-IE" baseline="0" dirty="0" smtClean="0"/>
-              <a:t> saved locally.</a:t>
-            </a:r>
-          </a:p>
-          <a:p>
-            <a:endParaRPr lang="en-US" baseline="0" dirty="0" smtClean="0"/>
-          </a:p>
-          <a:p>
-            <a:r>
-              <a:rPr lang="en-US" baseline="0" dirty="0" smtClean="0"/>
-              <a:t>This is just a reminder of what a page looks like: &lt;html&gt;, &lt;head&gt;, &lt;body&gt; tags …</a:t>
-            </a:r>
-          </a:p>
-          <a:p>
-            <a:endParaRPr lang="en-US" baseline="0" dirty="0" smtClean="0"/>
-          </a:p>
-          <a:p>
-            <a:r>
-              <a:rPr lang="en-US" baseline="0" dirty="0" smtClean="0"/>
-              <a:t>If they have a page from last week, just copy and rename that to a new file.</a:t>
-            </a:r>
-          </a:p>
-          <a:p>
-            <a:r>
-              <a:rPr lang="en-US" baseline="0" dirty="0" smtClean="0"/>
-              <a:t>And start off by deleting the content they don’t want out of last week’s page</a:t>
-            </a:r>
-          </a:p>
-          <a:p>
-            <a:r>
-              <a:rPr lang="en-US" baseline="0" dirty="0" smtClean="0"/>
-              <a:t>Or of course you can keep it, and just add to it.</a:t>
-            </a:r>
-          </a:p>
-          <a:p>
-            <a:endParaRPr lang="en-US" baseline="0" dirty="0" smtClean="0"/>
-          </a:p>
-          <a:p>
-            <a:r>
-              <a:rPr lang="en-US" baseline="0" dirty="0" smtClean="0"/>
-              <a:t>When we show the &lt;tags&gt; we will show part of the page only</a:t>
-            </a:r>
+              <a:t> on the wireless network, can see the internet (google.ie</a:t>
+            </a:r>
+            <a:r>
+              <a:rPr lang="en-IE" baseline="0" dirty="0" smtClean="0"/>
+              <a:t>, </a:t>
+            </a:r>
+            <a:r>
+              <a:rPr lang="en-IE" baseline="0" dirty="0" smtClean="0"/>
+              <a:t>https://thimble.webmaker.org, dojo.hallamor.org)</a:t>
+            </a:r>
+          </a:p>
+          <a:p>
             <a:endParaRPr lang="en-IE" baseline="0" dirty="0" smtClean="0"/>
+          </a:p>
+          <a:p>
+            <a:r>
+              <a:rPr lang="en-IE" baseline="0" dirty="0" smtClean="0"/>
+              <a:t>We would also like to have a decent editor (komodo edit is good: is saves on errors) and ideally Chrome as the browser installed.</a:t>
+            </a:r>
+          </a:p>
+          <a:p>
+            <a:endParaRPr lang="en-IE" baseline="0" dirty="0" smtClean="0"/>
+          </a:p>
+          <a:p>
+            <a:r>
+              <a:rPr lang="en-IE" baseline="0" dirty="0" smtClean="0"/>
+              <a:t>Having the same browser everywhere makes it much easier for mentors to help out in later sessions.</a:t>
+            </a:r>
+          </a:p>
+          <a:p>
+            <a:r>
+              <a:rPr lang="en-IE" baseline="0" dirty="0" smtClean="0"/>
+              <a:t>So now we need to go around and make sure everyone is setup.</a:t>
+            </a:r>
+          </a:p>
+          <a:p>
+            <a:endParaRPr lang="en-IE" baseline="0" dirty="0" smtClean="0"/>
+          </a:p>
+          <a:p>
+            <a:r>
+              <a:rPr lang="en-IE" baseline="0" dirty="0" smtClean="0"/>
+              <a:t>USB keys should have the installs for our </a:t>
+            </a:r>
+            <a:r>
+              <a:rPr lang="en-IE" baseline="0" dirty="0" smtClean="0"/>
+              <a:t>tools, although sometimes these have been seen not to work and a download from the internet was required.</a:t>
+            </a:r>
+            <a:endParaRPr lang="en-IE" dirty="0"/>
           </a:p>
         </p:txBody>
       </p:sp>
@@ -1679,7 +1765,7 @@
     </p:spTree>
     <p:extLst>
       <p:ext uri="{BB962C8B-B14F-4D97-AF65-F5344CB8AC3E}">
-        <p14:creationId xmlns:p14="http://schemas.microsoft.com/office/powerpoint/2010/main" val="2154761357"/>
+        <p14:creationId xmlns:p14="http://schemas.microsoft.com/office/powerpoint/2010/main" val="45962937"/>
       </p:ext>
     </p:extLst>
   </p:cSld>
@@ -1734,27 +1820,42 @@
           <a:lstStyle/>
           <a:p>
             <a:r>
-              <a:rPr lang="en-US" dirty="0" smtClean="0"/>
-              <a:t>So we’ll add some list elements to a page</a:t>
-            </a:r>
-          </a:p>
-          <a:p>
-            <a:endParaRPr lang="en-US" dirty="0" smtClean="0"/>
-          </a:p>
-          <a:p>
-            <a:r>
-              <a:rPr lang="en-US" dirty="0" smtClean="0"/>
-              <a:t>Lists are very</a:t>
-            </a:r>
+              <a:rPr lang="en-IE" dirty="0" smtClean="0"/>
+              <a:t>Start with an empty page again,</a:t>
+            </a:r>
+            <a:r>
+              <a:rPr lang="en-IE" baseline="0" dirty="0" smtClean="0"/>
+              <a:t> saved locally.</a:t>
+            </a:r>
+          </a:p>
+          <a:p>
+            <a:endParaRPr lang="en-US" baseline="0" dirty="0" smtClean="0"/>
+          </a:p>
+          <a:p>
             <a:r>
               <a:rPr lang="en-US" baseline="0" dirty="0" smtClean="0"/>
-              <a:t> important because they are used all the time on webpages</a:t>
-            </a:r>
+              <a:t>This is just a reminder of what a page looks like: &lt;html&gt;, &lt;head&gt;, &lt;body&gt; tags …</a:t>
+            </a:r>
+          </a:p>
+          <a:p>
+            <a:endParaRPr lang="en-US" baseline="0" dirty="0" smtClean="0"/>
           </a:p>
           <a:p>
             <a:r>
               <a:rPr lang="en-US" baseline="0" dirty="0" smtClean="0"/>
-              <a:t>We will see later on today how using some CSS, we can turn a simple list into a menu to navigate through our website.</a:t>
+              <a:t>If they have a page from last week, just copy and rename that to a new file.</a:t>
+            </a:r>
+          </a:p>
+          <a:p>
+            <a:r>
+              <a:rPr lang="en-US" baseline="0" dirty="0" smtClean="0"/>
+              <a:t>And start off by deleting the content they don’t want out of last week’s page</a:t>
+            </a:r>
+          </a:p>
+          <a:p>
+            <a:r>
+              <a:rPr lang="en-US" baseline="0" dirty="0" smtClean="0"/>
+              <a:t>Or of course you can keep it, and just add to it.</a:t>
             </a:r>
           </a:p>
           <a:p>
@@ -1763,41 +1864,9 @@
           <a:p>
             <a:r>
               <a:rPr lang="en-US" baseline="0" dirty="0" smtClean="0"/>
-              <a:t>Lists can contain text, or images, or they can be lists of links to other pages.</a:t>
-            </a:r>
-          </a:p>
-          <a:p>
-            <a:endParaRPr lang="en-US" baseline="0" dirty="0" smtClean="0"/>
-          </a:p>
-          <a:p>
-            <a:r>
-              <a:rPr lang="en-US" baseline="0" dirty="0" smtClean="0"/>
-              <a:t>Now following session2_a.html, go through making an unordered and an ordered list</a:t>
-            </a:r>
-          </a:p>
-          <a:p>
-            <a:r>
-              <a:rPr lang="en-US" baseline="0" dirty="0" smtClean="0"/>
-              <a:t>Show that when you insert a new item into the middle of an ordered list, the remaining items automatically renumber.</a:t>
-            </a:r>
-          </a:p>
-          <a:p>
-            <a:endParaRPr lang="en-US" baseline="0" dirty="0" smtClean="0"/>
-          </a:p>
-          <a:p>
-            <a:r>
-              <a:rPr lang="en-US" baseline="0" dirty="0" smtClean="0"/>
-              <a:t>Kids should create some lists on a sample page, and experiment with adding in text, images </a:t>
-            </a:r>
-            <a:r>
-              <a:rPr lang="en-US" baseline="0" dirty="0" err="1" smtClean="0"/>
-              <a:t>etc</a:t>
-            </a:r>
-            <a:r>
-              <a:rPr lang="en-US" baseline="0" dirty="0" smtClean="0"/>
-              <a:t> into the list.</a:t>
-            </a:r>
-            <a:endParaRPr lang="en-IE" dirty="0"/>
+              <a:t>When we show the &lt;tags&gt; we will show part of the page only</a:t>
+            </a:r>
+            <a:endParaRPr lang="en-IE" baseline="0" dirty="0" smtClean="0"/>
           </a:p>
         </p:txBody>
       </p:sp>
@@ -1883,23 +1952,35 @@
           <a:p>
             <a:r>
               <a:rPr lang="en-US" dirty="0" smtClean="0"/>
-              <a:t>Now the</a:t>
+              <a:t>So we’ll add some list elements to a page</a:t>
+            </a:r>
+          </a:p>
+          <a:p>
+            <a:endParaRPr lang="en-US" dirty="0" smtClean="0"/>
+          </a:p>
+          <a:p>
+            <a:r>
+              <a:rPr lang="en-US" dirty="0" smtClean="0"/>
+              <a:t>Lists are very</a:t>
             </a:r>
             <a:r>
               <a:rPr lang="en-US" baseline="0" dirty="0" smtClean="0"/>
-              <a:t> kids need to create a few HTML pages in the same directory, say three</a:t>
+              <a:t> important because they are used all the time on webpages</a:t>
             </a:r>
           </a:p>
           <a:p>
             <a:r>
               <a:rPr lang="en-US" baseline="0" dirty="0" smtClean="0"/>
-              <a:t>The main page of the website should be called “main.html” or “index.html”</a:t>
-            </a:r>
+              <a:t>We will see later on today how using some CSS, we can turn a simple list into a menu to navigate through our website.</a:t>
+            </a:r>
+          </a:p>
+          <a:p>
+            <a:endParaRPr lang="en-US" baseline="0" dirty="0" smtClean="0"/>
           </a:p>
           <a:p>
             <a:r>
               <a:rPr lang="en-US" baseline="0" dirty="0" smtClean="0"/>
-              <a:t>The other pages can be called anything</a:t>
+              <a:t>Lists can contain text, or images, or they can be lists of links to other pages.</a:t>
             </a:r>
           </a:p>
           <a:p>
@@ -1908,7 +1989,13 @@
           <a:p>
             <a:r>
               <a:rPr lang="en-US" baseline="0" dirty="0" smtClean="0"/>
-              <a:t>The easiest way to do this is to copy the page they already have been working on, and rename it</a:t>
+              <a:t>Now following session2_a.html, go through making an unordered and an ordered list</a:t>
+            </a:r>
+          </a:p>
+          <a:p>
+            <a:r>
+              <a:rPr lang="en-US" baseline="0" dirty="0" smtClean="0"/>
+              <a:t>Show that when you insert a new item into the middle of an ordered list, the remaining items automatically renumber.</a:t>
             </a:r>
           </a:p>
           <a:p>
@@ -1917,38 +2004,17 @@
           <a:p>
             <a:r>
               <a:rPr lang="en-US" baseline="0" dirty="0" smtClean="0"/>
-              <a:t>Then modify each page so that it is different</a:t>
-            </a:r>
-            <a:r>
-              <a:rPr lang="en-IE" baseline="0" dirty="0" smtClean="0"/>
-              <a:t> and they can tell them apart (change the heading and title)</a:t>
-            </a:r>
-          </a:p>
-          <a:p>
+              <a:t>Kids should create some lists on a sample page, and experiment with adding in text, images </a:t>
+            </a:r>
+            <a:r>
+              <a:rPr lang="en-US" baseline="0" dirty="0" err="1" smtClean="0"/>
+              <a:t>etc</a:t>
+            </a:r>
             <a:r>
               <a:rPr lang="en-US" baseline="0" dirty="0" smtClean="0"/>
-              <a:t>They should choose what their website is going to be about (their family, school, a band, a team, the </a:t>
-            </a:r>
-            <a:r>
-              <a:rPr lang="en-US" baseline="0" dirty="0" err="1" smtClean="0"/>
-              <a:t>olympics</a:t>
-            </a:r>
-            <a:r>
-              <a:rPr lang="en-US" baseline="0" dirty="0" smtClean="0"/>
-              <a:t> … ) with one page per topic</a:t>
-            </a:r>
-          </a:p>
-          <a:p>
-            <a:endParaRPr lang="en-US" baseline="0" dirty="0" smtClean="0"/>
-          </a:p>
-          <a:p>
-            <a:r>
-              <a:rPr lang="en-US" baseline="0" dirty="0" smtClean="0"/>
-              <a:t>Now they have their three pages done, we will link them all together using a menu on the first page</a:t>
-            </a:r>
-          </a:p>
-          <a:p>
-            <a:endParaRPr lang="en-US" baseline="0" dirty="0" smtClean="0"/>
+              <a:t> into the list.</a:t>
+            </a:r>
+            <a:endParaRPr lang="en-IE" dirty="0"/>
           </a:p>
         </p:txBody>
       </p:sp>
@@ -2033,10 +2099,80 @@
           <a:lstStyle/>
           <a:p>
             <a:r>
+              <a:rPr lang="en-US" dirty="0" smtClean="0"/>
+              <a:t>Now the</a:t>
+            </a:r>
+            <a:r>
               <a:rPr lang="en-US" baseline="0" dirty="0" smtClean="0"/>
-              <a:t>Work through on screen as per session2_b.html making a list of all the items</a:t>
-            </a:r>
-            <a:endParaRPr lang="en-IE" baseline="0" dirty="0" smtClean="0"/>
+              <a:t> kids need to create a few HTML pages in the same directory, say </a:t>
+            </a:r>
+            <a:r>
+              <a:rPr lang="en-US" baseline="0" dirty="0" smtClean="0"/>
+              <a:t>three</a:t>
+            </a:r>
+          </a:p>
+          <a:p>
+            <a:endParaRPr lang="en-US" baseline="0" dirty="0" smtClean="0"/>
+          </a:p>
+          <a:p>
+            <a:r>
+              <a:rPr lang="en-US" baseline="0" dirty="0" smtClean="0"/>
+              <a:t>The main page of the website should be called “main.html” or “index.html”</a:t>
+            </a:r>
+          </a:p>
+          <a:p>
+            <a:r>
+              <a:rPr lang="en-US" baseline="0" dirty="0" smtClean="0"/>
+              <a:t>The other pages can be called anything</a:t>
+            </a:r>
+          </a:p>
+          <a:p>
+            <a:endParaRPr lang="en-US" baseline="0" dirty="0" smtClean="0"/>
+          </a:p>
+          <a:p>
+            <a:r>
+              <a:rPr lang="en-US" baseline="0" dirty="0" smtClean="0"/>
+              <a:t>The easiest way to do this is to copy the page they already have been working on, and rename it</a:t>
+            </a:r>
+          </a:p>
+          <a:p>
+            <a:endParaRPr lang="en-US" baseline="0" dirty="0" smtClean="0"/>
+          </a:p>
+          <a:p>
+            <a:r>
+              <a:rPr lang="en-US" baseline="0" dirty="0" smtClean="0"/>
+              <a:t>Then modify each page so that it is different</a:t>
+            </a:r>
+            <a:r>
+              <a:rPr lang="en-IE" baseline="0" dirty="0" smtClean="0"/>
+              <a:t> and they can tell them apart (change the heading and title)</a:t>
+            </a:r>
+          </a:p>
+          <a:p>
+            <a:r>
+              <a:rPr lang="en-US" baseline="0" dirty="0" smtClean="0"/>
+              <a:t>They should choose what their website is going to be about (their family, school, a band, a team, the </a:t>
+            </a:r>
+            <a:r>
+              <a:rPr lang="en-US" baseline="0" dirty="0" err="1" smtClean="0"/>
+              <a:t>olympics</a:t>
+            </a:r>
+            <a:r>
+              <a:rPr lang="en-US" baseline="0" dirty="0" smtClean="0"/>
+              <a:t> … ) with one page per topic</a:t>
+            </a:r>
+          </a:p>
+          <a:p>
+            <a:endParaRPr lang="en-US" baseline="0" dirty="0" smtClean="0"/>
+          </a:p>
+          <a:p>
+            <a:r>
+              <a:rPr lang="en-US" baseline="0" dirty="0" smtClean="0"/>
+              <a:t>Now they have their three pages done, we will link them all together using a menu on the first page</a:t>
+            </a:r>
+          </a:p>
+          <a:p>
+            <a:endParaRPr lang="en-US" baseline="0" dirty="0" smtClean="0"/>
           </a:p>
         </p:txBody>
       </p:sp>
@@ -2122,11 +2258,9 @@
           <a:p>
             <a:r>
               <a:rPr lang="en-US" baseline="0" dirty="0" smtClean="0"/>
-              <a:t>We’re looking at the &lt;table&gt; tag here</a:t>
-            </a:r>
-          </a:p>
-          <a:p>
-            <a:endParaRPr lang="en-US" baseline="0" dirty="0" smtClean="0"/>
+              <a:t>Work through on screen as per session2_b.html making a list of all the items</a:t>
+            </a:r>
+            <a:endParaRPr lang="en-IE" baseline="0" dirty="0" smtClean="0"/>
           </a:p>
         </p:txBody>
       </p:sp>
@@ -2218,89 +2352,6 @@
           <a:p>
             <a:endParaRPr lang="en-US" baseline="0" dirty="0" smtClean="0"/>
           </a:p>
-          <a:p>
-            <a:r>
-              <a:rPr lang="en-US" baseline="0" dirty="0" smtClean="0"/>
-              <a:t>&lt;</a:t>
-            </a:r>
-            <a:r>
-              <a:rPr lang="en-US" baseline="0" dirty="0" err="1" smtClean="0"/>
-              <a:t>th</a:t>
-            </a:r>
-            <a:r>
-              <a:rPr lang="en-US" baseline="0" dirty="0" smtClean="0"/>
-              <a:t>&gt; is the heading cell</a:t>
-            </a:r>
-          </a:p>
-          <a:p>
-            <a:r>
-              <a:rPr lang="en-US" baseline="0" dirty="0" smtClean="0"/>
-              <a:t>&lt;td&gt; is a standard data cell</a:t>
-            </a:r>
-          </a:p>
-          <a:p>
-            <a:endParaRPr lang="en-US" baseline="0" dirty="0" smtClean="0"/>
-          </a:p>
-          <a:p>
-            <a:r>
-              <a:rPr lang="en-US" baseline="0" dirty="0" smtClean="0"/>
-              <a:t>The best thing to do here is to work through some examples, using the session2_c.html as a framework.</a:t>
-            </a:r>
-          </a:p>
-          <a:p>
-            <a:r>
-              <a:rPr lang="en-US" baseline="0" dirty="0" smtClean="0"/>
-              <a:t>The attributes we will mention are border=, </a:t>
-            </a:r>
-            <a:r>
-              <a:rPr lang="en-US" baseline="0" dirty="0" err="1" smtClean="0"/>
-              <a:t>colspan</a:t>
-            </a:r>
-            <a:r>
-              <a:rPr lang="en-US" baseline="0" dirty="0" smtClean="0"/>
-              <a:t>=, </a:t>
-            </a:r>
-            <a:r>
-              <a:rPr lang="en-US" baseline="0" dirty="0" err="1" smtClean="0"/>
-              <a:t>rowspan</a:t>
-            </a:r>
-            <a:r>
-              <a:rPr lang="en-US" baseline="0" dirty="0" smtClean="0"/>
-              <a:t>=, and width=X%</a:t>
-            </a:r>
-          </a:p>
-          <a:p>
-            <a:endParaRPr lang="en-US" baseline="0" dirty="0" smtClean="0"/>
-          </a:p>
-          <a:p>
-            <a:r>
-              <a:rPr lang="en-US" baseline="0" dirty="0" smtClean="0"/>
-              <a:t>In going through the &lt;table&gt;, first leave out the </a:t>
-            </a:r>
-            <a:r>
-              <a:rPr lang="en-US" baseline="0" dirty="0" err="1" smtClean="0"/>
-              <a:t>colspan</a:t>
-            </a:r>
-            <a:r>
-              <a:rPr lang="en-US" baseline="0" dirty="0" smtClean="0"/>
-              <a:t>. You will see that the title does not match up.</a:t>
-            </a:r>
-          </a:p>
-          <a:p>
-            <a:r>
-              <a:rPr lang="en-US" baseline="0" dirty="0" smtClean="0"/>
-              <a:t>Then add it in: now the title matches the cells below.</a:t>
-            </a:r>
-          </a:p>
-          <a:p>
-            <a:r>
-              <a:rPr lang="en-US" baseline="0" dirty="0" smtClean="0"/>
-              <a:t>Also omit the width specification for the images, then add it in and you will see the images resize maintaining aspect ratio.</a:t>
-            </a:r>
-          </a:p>
-          <a:p>
-            <a:endParaRPr lang="en-US" baseline="0" dirty="0" smtClean="0"/>
-          </a:p>
         </p:txBody>
       </p:sp>
       <p:sp>
@@ -2385,7 +2436,7 @@
           <a:p>
             <a:r>
               <a:rPr lang="en-US" baseline="0" dirty="0" smtClean="0"/>
-              <a:t>Now get the kids to add a table of their own, on their own pages</a:t>
+              <a:t>We’re looking at the &lt;table&gt; tag here</a:t>
             </a:r>
           </a:p>
           <a:p>
@@ -2394,14 +2445,82 @@
           <a:p>
             <a:r>
               <a:rPr lang="en-US" baseline="0" dirty="0" smtClean="0"/>
-              <a:t>This might take a while to get it to look right … tables are a bit of a pain. No wonder nobody uses them any more …</a:t>
+              <a:t>&lt;</a:t>
+            </a:r>
+            <a:r>
+              <a:rPr lang="en-US" baseline="0" dirty="0" err="1" smtClean="0"/>
+              <a:t>th</a:t>
+            </a:r>
+            <a:r>
+              <a:rPr lang="en-US" baseline="0" dirty="0" smtClean="0"/>
+              <a:t>&gt; is the heading cell</a:t>
+            </a:r>
+          </a:p>
+          <a:p>
+            <a:r>
+              <a:rPr lang="en-US" baseline="0" dirty="0" smtClean="0"/>
+              <a:t>&lt;td&gt; is a standard data cell</a:t>
             </a:r>
           </a:p>
           <a:p>
             <a:endParaRPr lang="en-US" baseline="0" dirty="0" smtClean="0"/>
           </a:p>
           <a:p>
+            <a:r>
+              <a:rPr lang="en-US" baseline="0" dirty="0" smtClean="0"/>
+              <a:t>The best thing to do here is to work through some examples, using the session2_c.html as a framework.</a:t>
+            </a:r>
+          </a:p>
+          <a:p>
+            <a:r>
+              <a:rPr lang="en-US" baseline="0" dirty="0" smtClean="0"/>
+              <a:t>The attributes we will mention are border=, </a:t>
+            </a:r>
+            <a:r>
+              <a:rPr lang="en-US" baseline="0" dirty="0" err="1" smtClean="0"/>
+              <a:t>colspan</a:t>
+            </a:r>
+            <a:r>
+              <a:rPr lang="en-US" baseline="0" dirty="0" smtClean="0"/>
+              <a:t>=, </a:t>
+            </a:r>
+            <a:r>
+              <a:rPr lang="en-US" baseline="0" dirty="0" err="1" smtClean="0"/>
+              <a:t>rowspan</a:t>
+            </a:r>
+            <a:r>
+              <a:rPr lang="en-US" baseline="0" dirty="0" smtClean="0"/>
+              <a:t>=, and width=X%</a:t>
+            </a:r>
+          </a:p>
+          <a:p>
             <a:endParaRPr lang="en-US" baseline="0" dirty="0" smtClean="0"/>
+          </a:p>
+          <a:p>
+            <a:r>
+              <a:rPr lang="en-US" baseline="0" dirty="0" smtClean="0"/>
+              <a:t>In going through the &lt;table&gt;, first leave out the </a:t>
+            </a:r>
+            <a:r>
+              <a:rPr lang="en-US" baseline="0" dirty="0" err="1" smtClean="0"/>
+              <a:t>colspan</a:t>
+            </a:r>
+            <a:r>
+              <a:rPr lang="en-US" baseline="0" dirty="0" smtClean="0"/>
+              <a:t>. You will see that the title does not match up.</a:t>
+            </a:r>
+          </a:p>
+          <a:p>
+            <a:r>
+              <a:rPr lang="en-US" baseline="0" dirty="0" smtClean="0"/>
+              <a:t>Then add it in: now the title matches the cells below.</a:t>
+            </a:r>
+          </a:p>
+          <a:p>
+            <a:r>
+              <a:rPr lang="en-US" baseline="0" dirty="0" smtClean="0"/>
+              <a:t>Also omit the width specification for the images, then add it in and you will see the images resize maintaining aspect ratio.</a:t>
+            </a:r>
           </a:p>
           <a:p>
             <a:endParaRPr lang="en-US" baseline="0" dirty="0" smtClean="0"/>
@@ -2687,7 +2806,7 @@
           <a:p>
             <a:fld id="{6D57282B-8A94-4CFA-A812-B2453AD9C772}" type="datetimeFigureOut">
               <a:rPr lang="en-IE" smtClean="0"/>
-              <a:t>26/07/2012</a:t>
+              <a:t>12/09/2012</a:t>
             </a:fld>
             <a:endParaRPr lang="en-IE" dirty="0"/>
           </a:p>
@@ -2910,7 +3029,7 @@
           <a:p>
             <a:fld id="{6D57282B-8A94-4CFA-A812-B2453AD9C772}" type="datetimeFigureOut">
               <a:rPr lang="en-IE" smtClean="0"/>
-              <a:t>26/07/2012</a:t>
+              <a:t>12/09/2012</a:t>
             </a:fld>
             <a:endParaRPr lang="en-IE"/>
           </a:p>
@@ -3190,7 +3309,7 @@
           <a:p>
             <a:fld id="{6D57282B-8A94-4CFA-A812-B2453AD9C772}" type="datetimeFigureOut">
               <a:rPr lang="en-IE" smtClean="0"/>
-              <a:t>26/07/2012</a:t>
+              <a:t>12/09/2012</a:t>
             </a:fld>
             <a:endParaRPr lang="en-IE"/>
           </a:p>
@@ -3369,7 +3488,7 @@
           <a:p>
             <a:fld id="{6D57282B-8A94-4CFA-A812-B2453AD9C772}" type="datetimeFigureOut">
               <a:rPr lang="en-IE" smtClean="0"/>
-              <a:t>26/07/2012</a:t>
+              <a:t>12/09/2012</a:t>
             </a:fld>
             <a:endParaRPr lang="en-IE"/>
           </a:p>
@@ -3763,7 +3882,7 @@
           <a:p>
             <a:fld id="{6D57282B-8A94-4CFA-A812-B2453AD9C772}" type="datetimeFigureOut">
               <a:rPr lang="en-IE" smtClean="0"/>
-              <a:t>26/07/2012</a:t>
+              <a:t>12/09/2012</a:t>
             </a:fld>
             <a:endParaRPr lang="en-IE"/>
           </a:p>
@@ -4050,7 +4169,7 @@
           <a:p>
             <a:fld id="{6D57282B-8A94-4CFA-A812-B2453AD9C772}" type="datetimeFigureOut">
               <a:rPr lang="en-IE" smtClean="0"/>
-              <a:t>26/07/2012</a:t>
+              <a:t>12/09/2012</a:t>
             </a:fld>
             <a:endParaRPr lang="en-IE"/>
           </a:p>
@@ -4472,7 +4591,7 @@
           <a:p>
             <a:fld id="{6D57282B-8A94-4CFA-A812-B2453AD9C772}" type="datetimeFigureOut">
               <a:rPr lang="en-IE" smtClean="0"/>
-              <a:t>26/07/2012</a:t>
+              <a:t>12/09/2012</a:t>
             </a:fld>
             <a:endParaRPr lang="en-IE"/>
           </a:p>
@@ -4587,7 +4706,7 @@
           <a:p>
             <a:fld id="{6D57282B-8A94-4CFA-A812-B2453AD9C772}" type="datetimeFigureOut">
               <a:rPr lang="en-IE" smtClean="0"/>
-              <a:t>26/07/2012</a:t>
+              <a:t>12/09/2012</a:t>
             </a:fld>
             <a:endParaRPr lang="en-IE"/>
           </a:p>
@@ -4677,7 +4796,7 @@
           <a:p>
             <a:fld id="{6D57282B-8A94-4CFA-A812-B2453AD9C772}" type="datetimeFigureOut">
               <a:rPr lang="en-IE" smtClean="0"/>
-              <a:t>26/07/2012</a:t>
+              <a:t>12/09/2012</a:t>
             </a:fld>
             <a:endParaRPr lang="en-IE"/>
           </a:p>
@@ -4955,7 +5074,7 @@
           <a:p>
             <a:fld id="{6D57282B-8A94-4CFA-A812-B2453AD9C772}" type="datetimeFigureOut">
               <a:rPr lang="en-IE" smtClean="0"/>
-              <a:t>26/07/2012</a:t>
+              <a:t>12/09/2012</a:t>
             </a:fld>
             <a:endParaRPr lang="en-IE"/>
           </a:p>
@@ -5316,7 +5435,7 @@
           <a:p>
             <a:fld id="{6D57282B-8A94-4CFA-A812-B2453AD9C772}" type="datetimeFigureOut">
               <a:rPr lang="en-IE" smtClean="0"/>
-              <a:t>26/07/2012</a:t>
+              <a:t>12/09/2012</a:t>
             </a:fld>
             <a:endParaRPr lang="en-IE"/>
           </a:p>
@@ -5753,7 +5872,7 @@
           <a:p>
             <a:fld id="{6D57282B-8A94-4CFA-A812-B2453AD9C772}" type="datetimeFigureOut">
               <a:rPr lang="en-IE" smtClean="0"/>
-              <a:t>26/07/2012</a:t>
+              <a:t>12/09/2012</a:t>
             </a:fld>
             <a:endParaRPr lang="en-IE"/>
           </a:p>
@@ -6330,7 +6449,7 @@
           <a:p>
             <a:r>
               <a:rPr lang="en-IE" dirty="0" smtClean="0"/>
-              <a:t>Now add a Table to your site</a:t>
+              <a:t>A Table in HTML</a:t>
             </a:r>
             <a:endParaRPr lang="en-IE" dirty="0"/>
           </a:p>
@@ -6349,7 +6468,7 @@
         <p:spPr/>
         <p:txBody>
           <a:bodyPr>
-            <a:normAutofit/>
+            <a:normAutofit fontScale="92500" lnSpcReduction="20000"/>
           </a:bodyPr>
           <a:lstStyle/>
           <a:p>
@@ -6358,13 +6477,101 @@
             </a:pPr>
             <a:r>
               <a:rPr lang="en-US" dirty="0" smtClean="0"/>
-              <a:t>You can have as many rows or columns as you like</a:t>
+              <a:t>&lt;table&gt;</a:t>
             </a:r>
           </a:p>
           <a:p>
             <a:pPr marL="118872" indent="0">
               <a:buNone/>
             </a:pPr>
+            <a:r>
+              <a:rPr lang="en-US" dirty="0" smtClean="0"/>
+              <a:t>&lt;</a:t>
+            </a:r>
+            <a:r>
+              <a:rPr lang="en-US" dirty="0" err="1" smtClean="0"/>
+              <a:t>tr</a:t>
+            </a:r>
+            <a:r>
+              <a:rPr lang="en-US" dirty="0" smtClean="0"/>
+              <a:t>&gt;</a:t>
+            </a:r>
+          </a:p>
+          <a:p>
+            <a:pPr marL="118872" indent="0">
+              <a:buNone/>
+            </a:pPr>
+            <a:r>
+              <a:rPr lang="en-US" dirty="0"/>
+              <a:t>	</a:t>
+            </a:r>
+            <a:r>
+              <a:rPr lang="en-US" dirty="0" smtClean="0"/>
+              <a:t>&lt;</a:t>
+            </a:r>
+            <a:r>
+              <a:rPr lang="en-US" dirty="0" err="1" smtClean="0"/>
+              <a:t>th</a:t>
+            </a:r>
+            <a:r>
+              <a:rPr lang="en-US" dirty="0" smtClean="0"/>
+              <a:t>&gt;&lt;/</a:t>
+            </a:r>
+            <a:r>
+              <a:rPr lang="en-US" dirty="0" err="1" smtClean="0"/>
+              <a:t>th</a:t>
+            </a:r>
+            <a:r>
+              <a:rPr lang="en-US" dirty="0" smtClean="0"/>
+              <a:t>&gt;</a:t>
+            </a:r>
+          </a:p>
+          <a:p>
+            <a:pPr marL="118872" indent="0">
+              <a:buNone/>
+            </a:pPr>
+            <a:r>
+              <a:rPr lang="en-US" dirty="0"/>
+              <a:t>	</a:t>
+            </a:r>
+            <a:r>
+              <a:rPr lang="en-US" dirty="0" smtClean="0"/>
+              <a:t>&lt;</a:t>
+            </a:r>
+            <a:r>
+              <a:rPr lang="en-US" dirty="0" err="1" smtClean="0"/>
+              <a:t>th</a:t>
+            </a:r>
+            <a:r>
+              <a:rPr lang="en-US" dirty="0" smtClean="0"/>
+              <a:t>&gt;&lt;/</a:t>
+            </a:r>
+            <a:r>
+              <a:rPr lang="en-US" dirty="0" err="1" smtClean="0"/>
+              <a:t>th</a:t>
+            </a:r>
+            <a:r>
+              <a:rPr lang="en-US" dirty="0"/>
+              <a:t>&gt;</a:t>
+            </a:r>
+            <a:endParaRPr lang="en-US" dirty="0" smtClean="0"/>
+          </a:p>
+          <a:p>
+            <a:pPr marL="118872" indent="0">
+              <a:buNone/>
+            </a:pPr>
+            <a:r>
+              <a:rPr lang="en-US" dirty="0" smtClean="0"/>
+              <a:t>&lt;/</a:t>
+            </a:r>
+            <a:r>
+              <a:rPr lang="en-US" dirty="0" err="1" smtClean="0"/>
+              <a:t>tr</a:t>
+            </a:r>
+            <a:r>
+              <a:rPr lang="en-US" dirty="0" smtClean="0"/>
+              <a:t>&gt;</a:t>
+            </a:r>
             <a:endParaRPr lang="en-US" dirty="0"/>
           </a:p>
           <a:p>
@@ -6373,7 +6580,73 @@
             </a:pPr>
             <a:r>
               <a:rPr lang="en-US" dirty="0" smtClean="0"/>
-              <a:t>Remember you can put anything, not just text, into a table cell … links, pictures, lists, other tables … </a:t>
+              <a:t>&lt;</a:t>
+            </a:r>
+            <a:r>
+              <a:rPr lang="en-US" dirty="0" err="1" smtClean="0"/>
+              <a:t>tr</a:t>
+            </a:r>
+            <a:r>
+              <a:rPr lang="en-US" dirty="0" smtClean="0"/>
+              <a:t>&gt;</a:t>
+            </a:r>
+          </a:p>
+          <a:p>
+            <a:pPr marL="118872" indent="0">
+              <a:buNone/>
+            </a:pPr>
+            <a:r>
+              <a:rPr lang="en-US" dirty="0"/>
+              <a:t>	</a:t>
+            </a:r>
+            <a:r>
+              <a:rPr lang="en-US" dirty="0" smtClean="0"/>
+              <a:t>&lt;td&gt;&lt;/td&gt;</a:t>
+            </a:r>
+          </a:p>
+          <a:p>
+            <a:pPr marL="118872" indent="0">
+              <a:buNone/>
+            </a:pPr>
+            <a:r>
+              <a:rPr lang="en-US" dirty="0"/>
+              <a:t>	</a:t>
+            </a:r>
+            <a:r>
+              <a:rPr lang="en-US" dirty="0" smtClean="0"/>
+              <a:t>&lt;td&gt;&lt;/td&gt;</a:t>
+            </a:r>
+          </a:p>
+          <a:p>
+            <a:pPr marL="118872" indent="0">
+              <a:buNone/>
+            </a:pPr>
+            <a:r>
+              <a:rPr lang="en-US" dirty="0" smtClean="0"/>
+              <a:t>&lt;/</a:t>
+            </a:r>
+            <a:r>
+              <a:rPr lang="en-US" dirty="0" err="1" smtClean="0"/>
+              <a:t>tr</a:t>
+            </a:r>
+            <a:r>
+              <a:rPr lang="en-US" dirty="0" smtClean="0"/>
+              <a:t>&gt;</a:t>
+            </a:r>
+          </a:p>
+          <a:p>
+            <a:pPr marL="118872" indent="0">
+              <a:buNone/>
+            </a:pPr>
+            <a:endParaRPr lang="en-US" dirty="0" smtClean="0"/>
+          </a:p>
+          <a:p>
+            <a:pPr marL="118872" indent="0">
+              <a:buNone/>
+            </a:pPr>
+            <a:r>
+              <a:rPr lang="en-US" dirty="0" smtClean="0"/>
+              <a:t>&lt;/table&gt;</a:t>
             </a:r>
             <a:endParaRPr lang="en-IE" dirty="0" smtClean="0"/>
           </a:p>
@@ -6382,7 +6655,7 @@
     </p:spTree>
     <p:extLst>
       <p:ext uri="{BB962C8B-B14F-4D97-AF65-F5344CB8AC3E}">
-        <p14:creationId xmlns:p14="http://schemas.microsoft.com/office/powerpoint/2010/main" val="144294739"/>
+        <p14:creationId xmlns:p14="http://schemas.microsoft.com/office/powerpoint/2010/main" val="1420006174"/>
       </p:ext>
     </p:extLst>
   </p:cSld>
@@ -6432,8 +6705,8 @@
           <a:lstStyle/>
           <a:p>
             <a:r>
-              <a:rPr lang="en-US" dirty="0" smtClean="0"/>
-              <a:t>Adding some CSS Style</a:t>
+              <a:rPr lang="en-IE" dirty="0" smtClean="0"/>
+              <a:t>Now add a Table to your site</a:t>
             </a:r>
             <a:endParaRPr lang="en-IE" dirty="0"/>
           </a:p>
@@ -6452,7 +6725,7 @@
         <p:spPr/>
         <p:txBody>
           <a:bodyPr>
-            <a:normAutofit lnSpcReduction="10000"/>
+            <a:normAutofit/>
           </a:bodyPr>
           <a:lstStyle/>
           <a:p>
@@ -6460,16 +6733,8 @@
               <a:buNone/>
             </a:pPr>
             <a:r>
-              <a:rPr lang="en-IE" dirty="0" smtClean="0"/>
-              <a:t>Now: let’s turn your &lt;</a:t>
-            </a:r>
-            <a:r>
-              <a:rPr lang="en-IE" dirty="0" err="1" smtClean="0"/>
-              <a:t>ul</a:t>
-            </a:r>
-            <a:r>
-              <a:rPr lang="en-IE" dirty="0" smtClean="0"/>
-              <a:t>&gt; into a real menu using CSS styling</a:t>
+              <a:rPr lang="en-US" dirty="0" smtClean="0"/>
+              <a:t>You can have as many rows or columns as you like</a:t>
             </a:r>
           </a:p>
           <a:p>
@@ -6479,64 +6744,21 @@
             <a:endParaRPr lang="en-US" dirty="0"/>
           </a:p>
           <a:p>
-            <a:r>
-              <a:rPr lang="en-US" dirty="0" smtClean="0"/>
-              <a:t>We’ll make a menu first …</a:t>
-            </a:r>
-          </a:p>
-          <a:p>
-            <a:r>
-              <a:rPr lang="en-US" dirty="0" smtClean="0"/>
-              <a:t>… then put all the CSS into a separate file</a:t>
-            </a:r>
-          </a:p>
-          <a:p>
-            <a:endParaRPr lang="en-US" dirty="0"/>
-          </a:p>
-          <a:p>
-            <a:r>
-              <a:rPr lang="en-US" dirty="0" smtClean="0"/>
-              <a:t>Look at </a:t>
-            </a:r>
-            <a:r>
-              <a:rPr lang="en-IE" dirty="0">
-                <a:hlinkClick r:id="rId3"/>
-              </a:rPr>
-              <a:t>http://html-color-codes.info</a:t>
-            </a:r>
-            <a:r>
-              <a:rPr lang="en-IE" dirty="0" smtClean="0">
-                <a:hlinkClick r:id="rId3"/>
-              </a:rPr>
-              <a:t>/</a:t>
-            </a:r>
-            <a:r>
-              <a:rPr lang="en-IE" dirty="0" smtClean="0"/>
-              <a:t> for colour information</a:t>
-            </a:r>
-          </a:p>
-          <a:p>
-            <a:r>
-              <a:rPr lang="en-US" dirty="0" smtClean="0"/>
-              <a:t>Look at </a:t>
-            </a:r>
-            <a:r>
-              <a:rPr lang="en-IE" dirty="0">
-                <a:hlinkClick r:id="rId4"/>
-              </a:rPr>
-              <a:t>http://www.w3schools.com</a:t>
-            </a:r>
-            <a:r>
-              <a:rPr lang="en-US" dirty="0" smtClean="0"/>
-              <a:t> for HTML and CSS info</a:t>
-            </a:r>
+            <a:pPr marL="118872" indent="0">
+              <a:buNone/>
+            </a:pPr>
+            <a:r>
+              <a:rPr lang="en-US" dirty="0" smtClean="0"/>
+              <a:t>Remember you can put anything, not just text, into a table cell … links, pictures, lists, other tables … </a:t>
+            </a:r>
+            <a:endParaRPr lang="en-IE" dirty="0" smtClean="0"/>
           </a:p>
         </p:txBody>
       </p:sp>
     </p:spTree>
     <p:extLst>
       <p:ext uri="{BB962C8B-B14F-4D97-AF65-F5344CB8AC3E}">
-        <p14:creationId xmlns:p14="http://schemas.microsoft.com/office/powerpoint/2010/main" val="3253493219"/>
+        <p14:creationId xmlns:p14="http://schemas.microsoft.com/office/powerpoint/2010/main" val="144294739"/>
       </p:ext>
     </p:extLst>
   </p:cSld>
@@ -6606,7 +6828,7 @@
         <p:spPr/>
         <p:txBody>
           <a:bodyPr>
-            <a:normAutofit fontScale="85000" lnSpcReduction="20000"/>
+            <a:normAutofit lnSpcReduction="10000"/>
           </a:bodyPr>
           <a:lstStyle/>
           <a:p>
@@ -6614,198 +6836,83 @@
               <a:buNone/>
             </a:pPr>
             <a:r>
-              <a:rPr lang="en-US" dirty="0" smtClean="0"/>
-              <a:t>&lt;</a:t>
-            </a:r>
-            <a:r>
-              <a:rPr lang="en-US" dirty="0"/>
-              <a:t>style&gt;		</a:t>
-            </a:r>
-            <a:endParaRPr lang="en-US" dirty="0" smtClean="0"/>
+              <a:rPr lang="en-IE" dirty="0" smtClean="0"/>
+              <a:t>Now: let’s turn your &lt;</a:t>
+            </a:r>
+            <a:r>
+              <a:rPr lang="en-IE" dirty="0" err="1" smtClean="0"/>
+              <a:t>ul</a:t>
+            </a:r>
+            <a:r>
+              <a:rPr lang="en-IE" dirty="0" smtClean="0"/>
+              <a:t>&gt; into a real menu using CSS styling</a:t>
+            </a:r>
           </a:p>
           <a:p>
             <a:pPr marL="118872" indent="0">
               <a:buNone/>
             </a:pPr>
-            <a:r>
-              <a:rPr lang="en-US" dirty="0" smtClean="0"/>
-              <a:t>li</a:t>
-            </a:r>
-            <a:r>
-              <a:rPr lang="en-US" dirty="0"/>
-              <a:t>		</a:t>
-            </a:r>
-            <a:endParaRPr lang="en-US" dirty="0" smtClean="0"/>
-          </a:p>
-          <a:p>
-            <a:pPr marL="118872" indent="0">
-              <a:buNone/>
-            </a:pPr>
-            <a:r>
-              <a:rPr lang="en-US" dirty="0" smtClean="0"/>
-              <a:t>{</a:t>
-            </a:r>
-            <a:r>
-              <a:rPr lang="en-US" dirty="0"/>
-              <a:t>			</a:t>
-            </a:r>
-            <a:endParaRPr lang="en-US" dirty="0" smtClean="0"/>
-          </a:p>
-          <a:p>
-            <a:pPr marL="118872" indent="0">
-              <a:buNone/>
-            </a:pPr>
-            <a:r>
-              <a:rPr lang="en-US" dirty="0" smtClean="0"/>
-              <a:t>list-style-type</a:t>
-            </a:r>
-            <a:r>
-              <a:rPr lang="en-US" dirty="0"/>
-              <a:t>: none;			</a:t>
-            </a:r>
-            <a:endParaRPr lang="en-US" dirty="0" smtClean="0"/>
-          </a:p>
-          <a:p>
-            <a:pPr marL="118872" indent="0">
-              <a:buNone/>
-            </a:pPr>
-            <a:r>
-              <a:rPr lang="en-US" dirty="0" smtClean="0"/>
-              <a:t>display</a:t>
-            </a:r>
-            <a:r>
-              <a:rPr lang="en-US" dirty="0"/>
-              <a:t>: inline;		    </a:t>
-            </a:r>
-            <a:endParaRPr lang="en-US" dirty="0" smtClean="0"/>
-          </a:p>
-          <a:p>
-            <a:pPr marL="118872" indent="0">
-              <a:buNone/>
-            </a:pPr>
-            <a:r>
-              <a:rPr lang="en-US" dirty="0" smtClean="0"/>
-              <a:t>padding</a:t>
-            </a:r>
-            <a:r>
-              <a:rPr lang="en-US" dirty="0"/>
-              <a:t>: 20px;			</a:t>
-            </a:r>
-            <a:endParaRPr lang="en-US" dirty="0" smtClean="0"/>
-          </a:p>
-          <a:p>
-            <a:pPr marL="118872" indent="0">
-              <a:buNone/>
-            </a:pPr>
-            <a:r>
-              <a:rPr lang="en-US" dirty="0" smtClean="0"/>
-              <a:t>border</a:t>
-            </a:r>
-            <a:r>
-              <a:rPr lang="en-US" dirty="0"/>
-              <a:t>: 2px Solid </a:t>
-            </a:r>
-            <a:r>
-              <a:rPr lang="en-US" dirty="0" err="1"/>
-              <a:t>Lightgray</a:t>
-            </a:r>
-            <a:r>
-              <a:rPr lang="en-US" dirty="0"/>
-              <a:t>;		</a:t>
-            </a:r>
-            <a:endParaRPr lang="en-US" dirty="0" smtClean="0"/>
-          </a:p>
-          <a:p>
-            <a:pPr marL="118872" indent="0">
-              <a:buNone/>
-            </a:pPr>
-            <a:r>
-              <a:rPr lang="en-US" dirty="0" smtClean="0"/>
-              <a:t>background-color</a:t>
-            </a:r>
-            <a:r>
-              <a:rPr lang="en-US" dirty="0"/>
-              <a:t>: #01DFD7;		</a:t>
-            </a:r>
-            <a:endParaRPr lang="en-US" dirty="0" smtClean="0"/>
-          </a:p>
-          <a:p>
-            <a:pPr marL="118872" indent="0">
-              <a:buNone/>
-            </a:pPr>
-            <a:r>
-              <a:rPr lang="en-US" dirty="0" smtClean="0"/>
-              <a:t>font-size:16px;</a:t>
-            </a:r>
-          </a:p>
-          <a:p>
-            <a:pPr marL="118872" indent="0">
-              <a:buNone/>
-            </a:pPr>
-            <a:r>
-              <a:rPr lang="en-US" dirty="0" smtClean="0"/>
-              <a:t>font-weight</a:t>
-            </a:r>
-            <a:r>
-              <a:rPr lang="en-US" dirty="0"/>
-              <a:t>: </a:t>
-            </a:r>
-            <a:r>
-              <a:rPr lang="en-US" dirty="0" smtClean="0"/>
-              <a:t>bold;</a:t>
-            </a:r>
-          </a:p>
-          <a:p>
-            <a:pPr marL="118872" indent="0">
-              <a:buNone/>
-            </a:pPr>
-            <a:r>
-              <a:rPr lang="en-US" dirty="0" smtClean="0"/>
-              <a:t>font-family</a:t>
-            </a:r>
-            <a:r>
-              <a:rPr lang="en-US" dirty="0"/>
-              <a:t>: Arial</a:t>
-            </a:r>
-            <a:r>
-              <a:rPr lang="en-US" dirty="0" smtClean="0"/>
-              <a:t>;</a:t>
-            </a:r>
-          </a:p>
-          <a:p>
-            <a:pPr marL="118872" indent="0">
-              <a:buNone/>
-            </a:pPr>
-            <a:r>
-              <a:rPr lang="en-US" dirty="0" smtClean="0"/>
-              <a:t>}</a:t>
-            </a:r>
-            <a:r>
-              <a:rPr lang="en-US" dirty="0"/>
-              <a:t>		</a:t>
-            </a:r>
-            <a:endParaRPr lang="en-US" dirty="0" smtClean="0"/>
-          </a:p>
-          <a:p>
-            <a:pPr marL="118872" indent="0">
-              <a:buNone/>
-            </a:pPr>
-            <a:r>
-              <a:rPr lang="en-US" dirty="0" smtClean="0"/>
-              <a:t>&lt;/</a:t>
-            </a:r>
-            <a:r>
-              <a:rPr lang="en-US" dirty="0"/>
-              <a:t>style&gt;</a:t>
-            </a:r>
-            <a:endParaRPr lang="en-US" dirty="0" smtClean="0"/>
+            <a:endParaRPr lang="en-US" dirty="0"/>
+          </a:p>
+          <a:p>
+            <a:r>
+              <a:rPr lang="en-US" dirty="0" smtClean="0"/>
+              <a:t>We’ll make a menu first …</a:t>
+            </a:r>
+          </a:p>
+          <a:p>
+            <a:r>
+              <a:rPr lang="en-US" dirty="0" smtClean="0"/>
+              <a:t>… then put all the CSS into a separate file</a:t>
+            </a:r>
+          </a:p>
+          <a:p>
+            <a:endParaRPr lang="en-US" dirty="0"/>
+          </a:p>
+          <a:p>
+            <a:r>
+              <a:rPr lang="en-US" dirty="0" smtClean="0"/>
+              <a:t>Look at </a:t>
+            </a:r>
+            <a:r>
+              <a:rPr lang="en-IE" dirty="0">
+                <a:hlinkClick r:id="rId3"/>
+              </a:rPr>
+              <a:t>http://html-color-codes.info</a:t>
+            </a:r>
+            <a:r>
+              <a:rPr lang="en-IE" dirty="0" smtClean="0">
+                <a:hlinkClick r:id="rId3"/>
+              </a:rPr>
+              <a:t>/</a:t>
+            </a:r>
+            <a:r>
+              <a:rPr lang="en-IE" dirty="0" smtClean="0"/>
+              <a:t> for colour information</a:t>
+            </a:r>
+          </a:p>
+          <a:p>
+            <a:r>
+              <a:rPr lang="en-US" dirty="0" smtClean="0"/>
+              <a:t>Look at </a:t>
+            </a:r>
+            <a:r>
+              <a:rPr lang="en-IE" dirty="0">
+                <a:hlinkClick r:id="rId4"/>
+              </a:rPr>
+              <a:t>http://www.w3schools.com</a:t>
+            </a:r>
+            <a:r>
+              <a:rPr lang="en-US" dirty="0" smtClean="0"/>
+              <a:t> for HTML and CSS info</a:t>
+            </a:r>
           </a:p>
         </p:txBody>
       </p:sp>
     </p:spTree>
     <p:extLst>
       <p:ext uri="{BB962C8B-B14F-4D97-AF65-F5344CB8AC3E}">
-        <p14:creationId xmlns:p14="http://schemas.microsoft.com/office/powerpoint/2010/main" val="3709497951"/>
+        <p14:creationId xmlns:p14="http://schemas.microsoft.com/office/powerpoint/2010/main" val="3253493219"/>
       </p:ext>
     </p:extLst>
   </p:cSld>
@@ -6855,8 +6962,8 @@
           <a:lstStyle/>
           <a:p>
             <a:r>
-              <a:rPr lang="en-IE" dirty="0" smtClean="0"/>
-              <a:t>Moving CSS to a file</a:t>
+              <a:rPr lang="en-US" dirty="0" smtClean="0"/>
+              <a:t>Adding some CSS Style</a:t>
             </a:r>
             <a:endParaRPr lang="en-IE" dirty="0"/>
           </a:p>
@@ -6875,7 +6982,7 @@
         <p:spPr/>
         <p:txBody>
           <a:bodyPr>
-            <a:normAutofit/>
+            <a:normAutofit fontScale="85000" lnSpcReduction="20000"/>
           </a:bodyPr>
           <a:lstStyle/>
           <a:p>
@@ -6883,15 +6990,28 @@
               <a:buNone/>
             </a:pPr>
             <a:r>
-              <a:rPr lang="en-IE" dirty="0" smtClean="0"/>
-              <a:t>We’ve been putting CSS into the main HTML file: that’s not the usual way it’s done</a:t>
-            </a:r>
+              <a:rPr lang="en-US" dirty="0" smtClean="0"/>
+              <a:t>&lt;</a:t>
+            </a:r>
+            <a:r>
+              <a:rPr lang="en-US" dirty="0"/>
+              <a:t>style&gt;		</a:t>
+            </a:r>
+            <a:endParaRPr lang="en-US" dirty="0" smtClean="0"/>
           </a:p>
           <a:p>
             <a:pPr marL="118872" indent="0">
               <a:buNone/>
             </a:pPr>
-            <a:endParaRPr lang="en-US" dirty="0"/>
+            <a:r>
+              <a:rPr lang="en-US" dirty="0" smtClean="0"/>
+              <a:t>li</a:t>
+            </a:r>
+            <a:r>
+              <a:rPr lang="en-US" dirty="0"/>
+              <a:t>		</a:t>
+            </a:r>
+            <a:endParaRPr lang="en-US" dirty="0" smtClean="0"/>
           </a:p>
           <a:p>
             <a:pPr marL="118872" indent="0">
@@ -6899,36 +7019,169 @@
             </a:pPr>
             <a:r>
               <a:rPr lang="en-US" dirty="0" smtClean="0"/>
-              <a:t>Normally it lives in it’s own file</a:t>
-            </a:r>
+              <a:t>{</a:t>
+            </a:r>
+            <a:r>
+              <a:rPr lang="en-US" dirty="0"/>
+              <a:t>			</a:t>
+            </a:r>
+            <a:endParaRPr lang="en-US" dirty="0" smtClean="0"/>
           </a:p>
           <a:p>
             <a:pPr marL="118872" indent="0">
               <a:buNone/>
             </a:pPr>
-            <a:endParaRPr lang="en-US" dirty="0"/>
-          </a:p>
-          <a:p>
-            <a:r>
-              <a:rPr lang="en-US" dirty="0" smtClean="0"/>
-              <a:t>Easy to change</a:t>
-            </a:r>
-          </a:p>
-          <a:p>
-            <a:r>
-              <a:rPr lang="en-US" dirty="0" smtClean="0"/>
-              <a:t>Easy to share between pages</a:t>
-            </a:r>
-          </a:p>
-          <a:p>
-            <a:endParaRPr lang="en-IE" dirty="0" smtClean="0"/>
+            <a:r>
+              <a:rPr lang="en-US" dirty="0" smtClean="0"/>
+              <a:t>list-style-type</a:t>
+            </a:r>
+            <a:r>
+              <a:rPr lang="en-US" dirty="0"/>
+              <a:t>: none;			</a:t>
+            </a:r>
+            <a:endParaRPr lang="en-US" dirty="0" smtClean="0"/>
+          </a:p>
+          <a:p>
+            <a:pPr marL="118872" indent="0">
+              <a:buNone/>
+            </a:pPr>
+            <a:r>
+              <a:rPr lang="en-US" dirty="0" smtClean="0"/>
+              <a:t>display</a:t>
+            </a:r>
+            <a:r>
+              <a:rPr lang="en-US" dirty="0"/>
+              <a:t>: inline;		    </a:t>
+            </a:r>
+            <a:endParaRPr lang="en-US" dirty="0" smtClean="0"/>
+          </a:p>
+          <a:p>
+            <a:pPr marL="118872" indent="0">
+              <a:buNone/>
+            </a:pPr>
+            <a:r>
+              <a:rPr lang="en-US" dirty="0" smtClean="0"/>
+              <a:t>padding</a:t>
+            </a:r>
+            <a:r>
+              <a:rPr lang="en-US" dirty="0"/>
+              <a:t>: 20px;			</a:t>
+            </a:r>
+            <a:endParaRPr lang="en-US" dirty="0" smtClean="0"/>
+          </a:p>
+          <a:p>
+            <a:pPr marL="118872" indent="0">
+              <a:buNone/>
+            </a:pPr>
+            <a:r>
+              <a:rPr lang="en-US" dirty="0" smtClean="0"/>
+              <a:t>border</a:t>
+            </a:r>
+            <a:r>
+              <a:rPr lang="en-US" dirty="0"/>
+              <a:t>: 2px Solid </a:t>
+            </a:r>
+            <a:r>
+              <a:rPr lang="en-US" dirty="0" err="1"/>
+              <a:t>Lightgray</a:t>
+            </a:r>
+            <a:r>
+              <a:rPr lang="en-US" dirty="0"/>
+              <a:t>;		</a:t>
+            </a:r>
+            <a:endParaRPr lang="en-US" dirty="0" smtClean="0"/>
+          </a:p>
+          <a:p>
+            <a:pPr marL="118872" indent="0">
+              <a:buNone/>
+            </a:pPr>
+            <a:r>
+              <a:rPr lang="en-US" dirty="0" smtClean="0"/>
+              <a:t>background-color</a:t>
+            </a:r>
+            <a:r>
+              <a:rPr lang="en-US" dirty="0"/>
+              <a:t>: #01DFD7;		</a:t>
+            </a:r>
+            <a:endParaRPr lang="en-US" dirty="0" smtClean="0"/>
+          </a:p>
+          <a:p>
+            <a:pPr marL="118872" indent="0">
+              <a:buNone/>
+            </a:pPr>
+            <a:r>
+              <a:rPr lang="en-US" dirty="0" smtClean="0"/>
+              <a:t>font-size:16px;</a:t>
+            </a:r>
+          </a:p>
+          <a:p>
+            <a:pPr marL="118872" indent="0">
+              <a:buNone/>
+            </a:pPr>
+            <a:r>
+              <a:rPr lang="en-US" dirty="0" smtClean="0"/>
+              <a:t>font-weight</a:t>
+            </a:r>
+            <a:r>
+              <a:rPr lang="en-US" dirty="0"/>
+              <a:t>: </a:t>
+            </a:r>
+            <a:r>
+              <a:rPr lang="en-US" dirty="0" smtClean="0"/>
+              <a:t>bold;</a:t>
+            </a:r>
+          </a:p>
+          <a:p>
+            <a:pPr marL="118872" indent="0">
+              <a:buNone/>
+            </a:pPr>
+            <a:r>
+              <a:rPr lang="en-US" dirty="0" smtClean="0"/>
+              <a:t>font-family</a:t>
+            </a:r>
+            <a:r>
+              <a:rPr lang="en-US" dirty="0"/>
+              <a:t>: Arial</a:t>
+            </a:r>
+            <a:r>
+              <a:rPr lang="en-US" dirty="0" smtClean="0"/>
+              <a:t>;</a:t>
+            </a:r>
+          </a:p>
+          <a:p>
+            <a:pPr marL="118872" indent="0">
+              <a:buNone/>
+            </a:pPr>
+            <a:r>
+              <a:rPr lang="en-US" dirty="0" smtClean="0"/>
+              <a:t>}</a:t>
+            </a:r>
+            <a:r>
+              <a:rPr lang="en-US" dirty="0"/>
+              <a:t>		</a:t>
+            </a:r>
+            <a:endParaRPr lang="en-US" dirty="0" smtClean="0"/>
+          </a:p>
+          <a:p>
+            <a:pPr marL="118872" indent="0">
+              <a:buNone/>
+            </a:pPr>
+            <a:r>
+              <a:rPr lang="en-US" dirty="0" smtClean="0"/>
+              <a:t>&lt;/</a:t>
+            </a:r>
+            <a:r>
+              <a:rPr lang="en-US" dirty="0"/>
+              <a:t>style&gt;</a:t>
+            </a:r>
+            <a:endParaRPr lang="en-US" dirty="0" smtClean="0"/>
           </a:p>
         </p:txBody>
       </p:sp>
     </p:spTree>
     <p:extLst>
       <p:ext uri="{BB962C8B-B14F-4D97-AF65-F5344CB8AC3E}">
-        <p14:creationId xmlns:p14="http://schemas.microsoft.com/office/powerpoint/2010/main" val="2463035431"/>
+        <p14:creationId xmlns:p14="http://schemas.microsoft.com/office/powerpoint/2010/main" val="3709497951"/>
       </p:ext>
     </p:extLst>
   </p:cSld>
@@ -6998,110 +7251,52 @@
         <p:spPr/>
         <p:txBody>
           <a:bodyPr>
-            <a:normAutofit lnSpcReduction="10000"/>
+            <a:normAutofit/>
           </a:bodyPr>
           <a:lstStyle/>
           <a:p>
-            <a:r>
-              <a:rPr lang="en-US" dirty="0" smtClean="0"/>
-              <a:t>Make an empty file called “styles.css” </a:t>
-            </a:r>
-          </a:p>
-          <a:p>
-            <a:r>
-              <a:rPr lang="en-US" dirty="0" smtClean="0"/>
-              <a:t>Copy everything between &lt;style&gt;…&lt;/style&gt; into that file and save it</a:t>
-            </a:r>
-          </a:p>
-          <a:p>
-            <a:r>
-              <a:rPr lang="en-US" dirty="0" smtClean="0"/>
-              <a:t>Change your HTML to be like this:</a:t>
-            </a:r>
-          </a:p>
-          <a:p>
             <a:pPr marL="118872" indent="0">
               <a:buNone/>
             </a:pPr>
-            <a:endParaRPr lang="en-US" dirty="0" smtClean="0"/>
+            <a:r>
+              <a:rPr lang="en-IE" dirty="0" smtClean="0"/>
+              <a:t>We’ve been putting CSS into the main HTML file: that’s not the usual way it’s done</a:t>
+            </a:r>
           </a:p>
           <a:p>
             <a:pPr marL="118872" indent="0">
               <a:buNone/>
             </a:pPr>
-            <a:r>
-              <a:rPr lang="en-US" dirty="0" smtClean="0"/>
-              <a:t>&lt;head&gt;</a:t>
-            </a:r>
+            <a:endParaRPr lang="en-US" dirty="0"/>
           </a:p>
           <a:p>
             <a:pPr marL="118872" indent="0">
               <a:buNone/>
             </a:pPr>
             <a:r>
-              <a:rPr lang="en-US" sz="2400" dirty="0" smtClean="0"/>
-              <a:t>…</a:t>
+              <a:rPr lang="en-US" dirty="0" smtClean="0"/>
+              <a:t>Normally it lives in it’s own file</a:t>
             </a:r>
           </a:p>
           <a:p>
             <a:pPr marL="118872" indent="0">
               <a:buNone/>
             </a:pPr>
-            <a:r>
-              <a:rPr lang="en-US" sz="2400" dirty="0" smtClean="0"/>
-              <a:t>&lt;link </a:t>
-            </a:r>
-            <a:r>
-              <a:rPr lang="en-US" sz="2400" dirty="0" err="1" smtClean="0"/>
-              <a:t>href</a:t>
-            </a:r>
-            <a:r>
-              <a:rPr lang="en-US" sz="2400" dirty="0" smtClean="0"/>
-              <a:t>=“styles.css” </a:t>
-            </a:r>
-            <a:r>
-              <a:rPr lang="en-US" sz="2400" dirty="0" err="1" smtClean="0"/>
-              <a:t>rel</a:t>
-            </a:r>
-            <a:r>
-              <a:rPr lang="en-US" sz="2400" dirty="0" smtClean="0"/>
-              <a:t>=“</a:t>
-            </a:r>
-            <a:r>
-              <a:rPr lang="en-US" sz="2400" dirty="0" err="1" smtClean="0"/>
-              <a:t>stylesheet</a:t>
-            </a:r>
-            <a:r>
-              <a:rPr lang="en-US" sz="2400" dirty="0" smtClean="0"/>
-              <a:t>” type=“text/</a:t>
-            </a:r>
-            <a:r>
-              <a:rPr lang="en-US" sz="2400" dirty="0" err="1" smtClean="0"/>
-              <a:t>css</a:t>
-            </a:r>
-            <a:r>
-              <a:rPr lang="en-US" sz="2400" dirty="0" smtClean="0"/>
-              <a:t>” /&gt;</a:t>
-            </a:r>
-            <a:endParaRPr lang="en-US" sz="2400" dirty="0" smtClean="0"/>
-          </a:p>
-          <a:p>
-            <a:pPr marL="118872" indent="0">
-              <a:buNone/>
-            </a:pPr>
-            <a:r>
-              <a:rPr lang="en-US" dirty="0" smtClean="0"/>
-              <a:t>…</a:t>
-            </a:r>
-          </a:p>
-          <a:p>
-            <a:pPr marL="118872" indent="0">
-              <a:buNone/>
-            </a:pPr>
-            <a:r>
-              <a:rPr lang="en-US" dirty="0" smtClean="0"/>
-              <a:t>&lt;/head&gt;</a:t>
-            </a:r>
+            <a:endParaRPr lang="en-US" dirty="0"/>
+          </a:p>
+          <a:p>
+            <a:r>
+              <a:rPr lang="en-US" dirty="0" smtClean="0"/>
+              <a:t>Easy to change</a:t>
+            </a:r>
+          </a:p>
+          <a:p>
+            <a:r>
+              <a:rPr lang="en-US" dirty="0" smtClean="0"/>
+              <a:t>Easy to share between pages</a:t>
+            </a:r>
+          </a:p>
+          <a:p>
             <a:endParaRPr lang="en-IE" dirty="0" smtClean="0"/>
           </a:p>
         </p:txBody>
@@ -7109,7 +7304,7 @@
     </p:spTree>
     <p:extLst>
       <p:ext uri="{BB962C8B-B14F-4D97-AF65-F5344CB8AC3E}">
-        <p14:creationId xmlns:p14="http://schemas.microsoft.com/office/powerpoint/2010/main" val="1705139460"/>
+        <p14:creationId xmlns:p14="http://schemas.microsoft.com/office/powerpoint/2010/main" val="2463035431"/>
       </p:ext>
     </p:extLst>
   </p:cSld>
@@ -7159,8 +7354,8 @@
           <a:lstStyle/>
           <a:p>
             <a:r>
-              <a:rPr lang="en-US" dirty="0" smtClean="0"/>
-              <a:t>Changing our Menu</a:t>
+              <a:rPr lang="en-IE" dirty="0" smtClean="0"/>
+              <a:t>Moving CSS to a file</a:t>
             </a:r>
             <a:endParaRPr lang="en-IE" dirty="0"/>
           </a:p>
@@ -7179,30 +7374,25 @@
         <p:spPr/>
         <p:txBody>
           <a:bodyPr>
-            <a:normAutofit fontScale="85000" lnSpcReduction="20000"/>
+            <a:normAutofit lnSpcReduction="10000"/>
           </a:bodyPr>
           <a:lstStyle/>
           <a:p>
             <a:r>
               <a:rPr lang="en-US" dirty="0" smtClean="0"/>
-              <a:t>We can also use CSS to make the menu change when you move your mouse over an item</a:t>
-            </a:r>
-          </a:p>
-          <a:p>
-            <a:pPr lvl="1"/>
-            <a:r>
-              <a:rPr lang="en-US" dirty="0" smtClean="0"/>
-              <a:t>This is called “hovering” you mouse over an item</a:t>
-            </a:r>
-          </a:p>
-          <a:p>
-            <a:pPr lvl="1"/>
-            <a:endParaRPr lang="en-US" dirty="0" smtClean="0"/>
-          </a:p>
-          <a:p>
-            <a:r>
-              <a:rPr lang="en-US" dirty="0" smtClean="0"/>
-              <a:t>Open up “styles.css” and add this:</a:t>
+              <a:t>Make an empty file called “styles.css” </a:t>
+            </a:r>
+          </a:p>
+          <a:p>
+            <a:r>
+              <a:rPr lang="en-US" dirty="0" smtClean="0"/>
+              <a:t>Copy everything between &lt;style&gt;…&lt;/style&gt; into that file and save it</a:t>
+            </a:r>
+          </a:p>
+          <a:p>
+            <a:r>
+              <a:rPr lang="en-US" dirty="0" smtClean="0"/>
+              <a:t>Change your HTML to be like this:</a:t>
             </a:r>
           </a:p>
           <a:p>
@@ -7216,18 +7406,17 @@
               <a:buNone/>
             </a:pPr>
             <a:r>
-              <a:rPr lang="en-US" dirty="0" err="1" smtClean="0"/>
-              <a:t>li:hover</a:t>
-            </a:r>
-            <a:endParaRPr lang="en-US" dirty="0" smtClean="0"/>
+              <a:rPr lang="en-US" dirty="0" smtClean="0"/>
+              <a:t>&lt;head&gt;</a:t>
+            </a:r>
           </a:p>
           <a:p>
             <a:pPr marL="118872" indent="0">
               <a:buNone/>
             </a:pPr>
             <a:r>
-              <a:rPr lang="en-US" dirty="0" smtClean="0"/>
-              <a:t>{</a:t>
+              <a:rPr lang="en-US" sz="2400" dirty="0" smtClean="0"/>
+              <a:t>…</a:t>
             </a:r>
           </a:p>
           <a:p>
@@ -7235,80 +7424,67 @@
               <a:buNone/>
             </a:pPr>
             <a:r>
-              <a:rPr lang="en-IE" dirty="0"/>
-              <a:t>	border: 2px Solid Red;	</a:t>
+              <a:rPr lang="en-US" sz="2400" dirty="0" smtClean="0"/>
+              <a:t>&lt;link </a:t>
+            </a:r>
+            <a:r>
+              <a:rPr lang="en-US" sz="2400" dirty="0" err="1" smtClean="0"/>
+              <a:t>href</a:t>
+            </a:r>
+            <a:r>
+              <a:rPr lang="en-US" sz="2400" dirty="0" smtClean="0"/>
+              <a:t>=“styles.css” </a:t>
+            </a:r>
+            <a:r>
+              <a:rPr lang="en-US" sz="2400" dirty="0" err="1" smtClean="0"/>
+              <a:t>rel</a:t>
+            </a:r>
+            <a:r>
+              <a:rPr lang="en-US" sz="2400" dirty="0" smtClean="0"/>
+              <a:t>=“</a:t>
+            </a:r>
+            <a:r>
+              <a:rPr lang="en-US" sz="2400" dirty="0" err="1" smtClean="0"/>
+              <a:t>stylesheet</a:t>
+            </a:r>
+            <a:r>
+              <a:rPr lang="en-US" sz="2400" dirty="0" smtClean="0"/>
+              <a:t>” type=“text/</a:t>
+            </a:r>
+            <a:r>
+              <a:rPr lang="en-US" sz="2400" dirty="0" err="1" smtClean="0"/>
+              <a:t>css</a:t>
+            </a:r>
+            <a:r>
+              <a:rPr lang="en-US" sz="2400" dirty="0" smtClean="0"/>
+              <a:t>” /&gt;</a:t>
+            </a:r>
+          </a:p>
+          <a:p>
+            <a:pPr marL="118872" indent="0">
+              <a:buNone/>
+            </a:pPr>
+            <a:r>
+              <a:rPr lang="en-US" dirty="0" smtClean="0"/>
+              <a:t>…</a:t>
+            </a:r>
+          </a:p>
+          <a:p>
+            <a:pPr marL="118872" indent="0">
+              <a:buNone/>
+            </a:pPr>
+            <a:r>
+              <a:rPr lang="en-US" dirty="0" smtClean="0"/>
+              <a:t>&lt;/head&gt;</a:t>
             </a:r>
             <a:endParaRPr lang="en-IE" dirty="0" smtClean="0"/>
-          </a:p>
-          <a:p>
-            <a:pPr marL="118872" indent="0">
-              <a:buNone/>
-            </a:pPr>
-            <a:r>
-              <a:rPr lang="en-IE" dirty="0"/>
-              <a:t>	</a:t>
-            </a:r>
-            <a:r>
-              <a:rPr lang="en-IE" dirty="0" smtClean="0"/>
-              <a:t>background-</a:t>
-            </a:r>
-            <a:r>
-              <a:rPr lang="en-IE" dirty="0" err="1" smtClean="0"/>
-              <a:t>color</a:t>
-            </a:r>
-            <a:r>
-              <a:rPr lang="en-IE" dirty="0"/>
-              <a:t>: </a:t>
-            </a:r>
-            <a:r>
-              <a:rPr lang="en-IE" dirty="0" err="1"/>
-              <a:t>Lightgreen</a:t>
-            </a:r>
-            <a:r>
-              <a:rPr lang="en-IE" dirty="0"/>
-              <a:t>;</a:t>
-            </a:r>
-            <a:endParaRPr lang="en-US" dirty="0" smtClean="0"/>
-          </a:p>
-          <a:p>
-            <a:pPr marL="118872" indent="0">
-              <a:buNone/>
-            </a:pPr>
-            <a:r>
-              <a:rPr lang="en-US" dirty="0"/>
-              <a:t>}</a:t>
-            </a:r>
-            <a:endParaRPr lang="en-US" dirty="0" smtClean="0"/>
-          </a:p>
-          <a:p>
-            <a:pPr marL="118872" indent="0">
-              <a:buNone/>
-            </a:pPr>
-            <a:endParaRPr lang="en-US" dirty="0" smtClean="0"/>
-          </a:p>
-          <a:p>
-            <a:pPr marL="118872" indent="0">
-              <a:buNone/>
-            </a:pPr>
-            <a:r>
-              <a:rPr lang="en-US" dirty="0" smtClean="0"/>
-              <a:t>Pick your own </a:t>
-            </a:r>
-            <a:r>
-              <a:rPr lang="en-US" dirty="0" err="1" smtClean="0"/>
-              <a:t>colours</a:t>
-            </a:r>
-            <a:r>
-              <a:rPr lang="en-US" dirty="0" smtClean="0"/>
-              <a:t> and see how it looks …</a:t>
-            </a:r>
           </a:p>
         </p:txBody>
       </p:sp>
     </p:spTree>
     <p:extLst>
       <p:ext uri="{BB962C8B-B14F-4D97-AF65-F5344CB8AC3E}">
-        <p14:creationId xmlns:p14="http://schemas.microsoft.com/office/powerpoint/2010/main" val="1860791689"/>
+        <p14:creationId xmlns:p14="http://schemas.microsoft.com/office/powerpoint/2010/main" val="1705139460"/>
       </p:ext>
     </p:extLst>
   </p:cSld>
@@ -7358,79 +7534,156 @@
           <a:lstStyle/>
           <a:p>
             <a:r>
+              <a:rPr lang="en-US" dirty="0" smtClean="0"/>
+              <a:t>Changing our Menu</a:t>
+            </a:r>
+            <a:endParaRPr lang="en-IE" dirty="0"/>
+          </a:p>
+        </p:txBody>
+      </p:sp>
+      <p:sp>
+        <p:nvSpPr>
+          <p:cNvPr id="3" name="Content Placeholder 2"/>
+          <p:cNvSpPr>
+            <a:spLocks noGrp="1"/>
+          </p:cNvSpPr>
+          <p:nvPr>
+            <p:ph idx="1"/>
+          </p:nvPr>
+        </p:nvSpPr>
+        <p:spPr/>
+        <p:txBody>
+          <a:bodyPr>
+            <a:normAutofit fontScale="85000" lnSpcReduction="20000"/>
+          </a:bodyPr>
+          <a:lstStyle/>
+          <a:p>
+            <a:r>
+              <a:rPr lang="en-US" dirty="0" smtClean="0"/>
+              <a:t>We can also use CSS to make the menu change when you move your mouse over an item</a:t>
+            </a:r>
+          </a:p>
+          <a:p>
+            <a:pPr lvl="1"/>
+            <a:r>
+              <a:rPr lang="en-US" dirty="0" smtClean="0"/>
+              <a:t>This is called “hovering” you mouse over an item</a:t>
+            </a:r>
+          </a:p>
+          <a:p>
+            <a:pPr lvl="1"/>
+            <a:endParaRPr lang="en-US" dirty="0" smtClean="0"/>
+          </a:p>
+          <a:p>
+            <a:r>
+              <a:rPr lang="en-US" dirty="0" smtClean="0"/>
+              <a:t>Open up “styles.css” and add this:</a:t>
+            </a:r>
+          </a:p>
+          <a:p>
+            <a:pPr marL="118872" indent="0">
+              <a:buNone/>
+            </a:pPr>
+            <a:endParaRPr lang="en-US" dirty="0" smtClean="0"/>
+          </a:p>
+          <a:p>
+            <a:pPr marL="118872" indent="0">
+              <a:buNone/>
+            </a:pPr>
+            <a:r>
+              <a:rPr lang="en-US" dirty="0" err="1" smtClean="0"/>
+              <a:t>li:hover</a:t>
+            </a:r>
+            <a:endParaRPr lang="en-US" dirty="0" smtClean="0"/>
+          </a:p>
+          <a:p>
+            <a:pPr marL="118872" indent="0">
+              <a:buNone/>
+            </a:pPr>
+            <a:r>
+              <a:rPr lang="en-US" dirty="0" smtClean="0"/>
+              <a:t>{</a:t>
+            </a:r>
+          </a:p>
+          <a:p>
+            <a:pPr marL="118872" indent="0">
+              <a:buNone/>
+            </a:pPr>
+            <a:r>
+              <a:rPr lang="en-IE" dirty="0"/>
+              <a:t>	border: 2px Solid Red;	</a:t>
+            </a:r>
+            <a:endParaRPr lang="en-IE" dirty="0" smtClean="0"/>
+          </a:p>
+          <a:p>
+            <a:pPr marL="118872" indent="0">
+              <a:buNone/>
+            </a:pPr>
+            <a:r>
+              <a:rPr lang="en-IE" dirty="0"/>
+              <a:t>	</a:t>
+            </a:r>
+            <a:r>
               <a:rPr lang="en-IE" dirty="0" smtClean="0"/>
-              <a:t>Work on your web site!</a:t>
-            </a:r>
-            <a:endParaRPr lang="en-IE" dirty="0"/>
-          </a:p>
-        </p:txBody>
-      </p:sp>
-      <p:sp>
-        <p:nvSpPr>
-          <p:cNvPr id="3" name="Content Placeholder 2"/>
-          <p:cNvSpPr>
-            <a:spLocks noGrp="1"/>
-          </p:cNvSpPr>
-          <p:nvPr>
-            <p:ph idx="1"/>
-          </p:nvPr>
-        </p:nvSpPr>
-        <p:spPr/>
-        <p:txBody>
-          <a:bodyPr>
-            <a:normAutofit/>
-          </a:bodyPr>
-          <a:lstStyle/>
+              <a:t>background-</a:t>
+            </a:r>
+            <a:r>
+              <a:rPr lang="en-IE" dirty="0" err="1" smtClean="0"/>
+              <a:t>color</a:t>
+            </a:r>
+            <a:r>
+              <a:rPr lang="en-IE" dirty="0"/>
+              <a:t>: </a:t>
+            </a:r>
+            <a:r>
+              <a:rPr lang="en-IE" dirty="0" err="1"/>
+              <a:t>Lightgreen</a:t>
+            </a:r>
+            <a:r>
+              <a:rPr lang="en-IE" dirty="0"/>
+              <a:t>;</a:t>
+            </a:r>
+            <a:endParaRPr lang="en-US" dirty="0" smtClean="0"/>
+          </a:p>
           <a:p>
             <a:pPr marL="118872" indent="0">
               <a:buNone/>
             </a:pPr>
             <a:r>
-              <a:rPr lang="en-US" dirty="0" smtClean="0"/>
-              <a:t>Now in the time we have left, work on your web site!</a:t>
-            </a:r>
+              <a:rPr lang="en-US" dirty="0"/>
+              <a:t>}</a:t>
+            </a:r>
+            <a:endParaRPr lang="en-US" dirty="0" smtClean="0"/>
           </a:p>
           <a:p>
             <a:pPr marL="118872" indent="0">
               <a:buNone/>
             </a:pPr>
-            <a:endParaRPr lang="en-US" dirty="0"/>
-          </a:p>
-          <a:p>
-            <a:r>
-              <a:rPr lang="en-US" dirty="0" smtClean="0"/>
-              <a:t>Add in pictures and video from last week</a:t>
-            </a:r>
-          </a:p>
-          <a:p>
-            <a:r>
-              <a:rPr lang="en-US" dirty="0" smtClean="0"/>
-              <a:t>Layout your pages using tables</a:t>
-            </a:r>
-          </a:p>
-          <a:p>
-            <a:r>
-              <a:rPr lang="en-US" dirty="0" smtClean="0"/>
-              <a:t>Style your menus and backgrounds using </a:t>
+            <a:endParaRPr lang="en-US" dirty="0" smtClean="0"/>
+          </a:p>
+          <a:p>
+            <a:pPr marL="118872" indent="0">
+              <a:buNone/>
+            </a:pPr>
+            <a:r>
+              <a:rPr lang="en-US" dirty="0" smtClean="0"/>
+              <a:t>Pick your own </a:t>
             </a:r>
             <a:r>
               <a:rPr lang="en-US" dirty="0" err="1" smtClean="0"/>
               <a:t>colours</a:t>
             </a:r>
-            <a:endParaRPr lang="en-US" dirty="0" smtClean="0"/>
-          </a:p>
-          <a:p>
-            <a:endParaRPr lang="en-US" dirty="0" smtClean="0"/>
-          </a:p>
-          <a:p>
-            <a:endParaRPr lang="en-IE" dirty="0" smtClean="0"/>
+            <a:r>
+              <a:rPr lang="en-US" dirty="0" smtClean="0"/>
+              <a:t> and see how it looks …</a:t>
+            </a:r>
           </a:p>
         </p:txBody>
       </p:sp>
     </p:spTree>
     <p:extLst>
       <p:ext uri="{BB962C8B-B14F-4D97-AF65-F5344CB8AC3E}">
-        <p14:creationId xmlns:p14="http://schemas.microsoft.com/office/powerpoint/2010/main" val="661884775"/>
+        <p14:creationId xmlns:p14="http://schemas.microsoft.com/office/powerpoint/2010/main" val="1860791689"/>
       </p:ext>
     </p:extLst>
   </p:cSld>
@@ -7481,7 +7734,7 @@
           <a:p>
             <a:r>
               <a:rPr lang="en-IE" dirty="0" smtClean="0"/>
-              <a:t>Now Practice Some More!</a:t>
+              <a:t>Work on your web site!</a:t>
             </a:r>
             <a:endParaRPr lang="en-IE" dirty="0"/>
           </a:p>
@@ -7508,96 +7761,59 @@
               <a:buNone/>
             </a:pPr>
             <a:r>
-              <a:rPr lang="en-IE" dirty="0" smtClean="0"/>
-              <a:t>Now you’ve made </a:t>
-            </a:r>
-            <a:r>
-              <a:rPr lang="en-IE" dirty="0" smtClean="0"/>
-              <a:t>your </a:t>
-            </a:r>
-            <a:r>
-              <a:rPr lang="en-IE" dirty="0" smtClean="0"/>
-              <a:t>first web </a:t>
-            </a:r>
-            <a:r>
-              <a:rPr lang="en-IE" dirty="0" smtClean="0"/>
-              <a:t>site!</a:t>
-            </a:r>
+              <a:rPr lang="en-US" dirty="0" smtClean="0"/>
+              <a:t>Now in the time we have left, work on your web site!</a:t>
+            </a:r>
+          </a:p>
+          <a:p>
+            <a:pPr marL="118872" indent="0">
+              <a:buNone/>
+            </a:pPr>
+            <a:endParaRPr lang="en-US" dirty="0"/>
+          </a:p>
+          <a:p>
+            <a:r>
+              <a:rPr lang="en-US" dirty="0" smtClean="0"/>
+              <a:t>Add in pictures and </a:t>
+            </a:r>
+            <a:r>
+              <a:rPr lang="en-US" dirty="0" smtClean="0"/>
+              <a:t>maps from </a:t>
+            </a:r>
+            <a:r>
+              <a:rPr lang="en-US" dirty="0" smtClean="0"/>
+              <a:t>last week</a:t>
+            </a:r>
+          </a:p>
+          <a:p>
+            <a:r>
+              <a:rPr lang="en-US" dirty="0" smtClean="0"/>
+              <a:t>Layout your pages using tables</a:t>
+            </a:r>
+          </a:p>
+          <a:p>
+            <a:r>
+              <a:rPr lang="en-US" dirty="0" smtClean="0"/>
+              <a:t>Style your menus and backgrounds using </a:t>
+            </a:r>
+            <a:r>
+              <a:rPr lang="en-US" dirty="0" err="1" smtClean="0"/>
+              <a:t>colours</a:t>
+            </a:r>
+            <a:endParaRPr lang="en-US" dirty="0" smtClean="0"/>
+          </a:p>
+          <a:p>
+            <a:endParaRPr lang="en-US" dirty="0" smtClean="0"/>
+          </a:p>
+          <a:p>
             <a:endParaRPr lang="en-IE" dirty="0" smtClean="0"/>
-          </a:p>
-          <a:p>
-            <a:pPr marL="118872" indent="0">
-              <a:buNone/>
-            </a:pPr>
-            <a:endParaRPr lang="en-IE" dirty="0" smtClean="0"/>
-          </a:p>
-          <a:p>
-            <a:pPr marL="118872" indent="0">
-              <a:buNone/>
-            </a:pPr>
-            <a:r>
-              <a:rPr lang="en-IE" dirty="0"/>
-              <a:t>At home, practice what you learned this week</a:t>
-            </a:r>
-          </a:p>
-          <a:p>
-            <a:pPr marL="118872" indent="0">
-              <a:buNone/>
-            </a:pPr>
-            <a:endParaRPr lang="en-IE" dirty="0"/>
-          </a:p>
-          <a:p>
-            <a:pPr marL="118872" indent="0">
-              <a:buNone/>
-            </a:pPr>
-            <a:r>
-              <a:rPr lang="en-IE" dirty="0" smtClean="0"/>
-              <a:t>Look at </a:t>
-            </a:r>
-            <a:r>
-              <a:rPr lang="en-IE" dirty="0" smtClean="0">
-                <a:hlinkClick r:id="rId3"/>
-              </a:rPr>
-              <a:t>www.w3schools.com</a:t>
-            </a:r>
-            <a:r>
-              <a:rPr lang="en-IE" dirty="0" smtClean="0"/>
-              <a:t> for examples of other CSS styles (we will look more at this next week)</a:t>
-            </a:r>
-            <a:endParaRPr lang="en-IE" dirty="0" smtClean="0"/>
-          </a:p>
-          <a:p>
-            <a:pPr marL="118872" indent="0">
-              <a:buNone/>
-            </a:pPr>
-            <a:endParaRPr lang="en-IE" dirty="0"/>
-          </a:p>
-          <a:p>
-            <a:pPr marL="118872" indent="0">
-              <a:buNone/>
-            </a:pPr>
-            <a:r>
-              <a:rPr lang="en-IE" dirty="0" smtClean="0"/>
-              <a:t>See you next week for more </a:t>
-            </a:r>
-            <a:r>
-              <a:rPr lang="en-IE" dirty="0" smtClean="0"/>
-              <a:t>HTML and CSS</a:t>
-            </a:r>
-            <a:endParaRPr lang="en-IE" dirty="0" smtClean="0"/>
-          </a:p>
-          <a:p>
-            <a:pPr marL="118872" indent="0">
-              <a:buNone/>
-            </a:pPr>
-            <a:endParaRPr lang="en-IE" sz="2800" dirty="0" smtClean="0"/>
           </a:p>
         </p:txBody>
       </p:sp>
     </p:spTree>
     <p:extLst>
       <p:ext uri="{BB962C8B-B14F-4D97-AF65-F5344CB8AC3E}">
-        <p14:creationId xmlns:p14="http://schemas.microsoft.com/office/powerpoint/2010/main" val="3785644732"/>
+        <p14:creationId xmlns:p14="http://schemas.microsoft.com/office/powerpoint/2010/main" val="661884775"/>
       </p:ext>
     </p:extLst>
   </p:cSld>
@@ -7648,7 +7864,7 @@
           <a:p>
             <a:r>
               <a:rPr lang="en-IE" dirty="0" smtClean="0"/>
-              <a:t>Next Week … </a:t>
+              <a:t>Now Practice Some More!</a:t>
             </a:r>
             <a:endParaRPr lang="en-IE" dirty="0"/>
           </a:p>
@@ -7675,6 +7891,154 @@
               <a:buNone/>
             </a:pPr>
             <a:r>
+              <a:rPr lang="en-IE" dirty="0" smtClean="0"/>
+              <a:t>Now you’ve made your first web site!</a:t>
+            </a:r>
+          </a:p>
+          <a:p>
+            <a:pPr marL="118872" indent="0">
+              <a:buNone/>
+            </a:pPr>
+            <a:endParaRPr lang="en-IE" dirty="0" smtClean="0"/>
+          </a:p>
+          <a:p>
+            <a:pPr marL="118872" indent="0">
+              <a:buNone/>
+            </a:pPr>
+            <a:r>
+              <a:rPr lang="en-IE" dirty="0"/>
+              <a:t>At home, practice what you learned this week</a:t>
+            </a:r>
+          </a:p>
+          <a:p>
+            <a:pPr marL="118872" indent="0">
+              <a:buNone/>
+            </a:pPr>
+            <a:endParaRPr lang="en-IE" dirty="0"/>
+          </a:p>
+          <a:p>
+            <a:pPr marL="118872" indent="0">
+              <a:buNone/>
+            </a:pPr>
+            <a:r>
+              <a:rPr lang="en-IE" dirty="0" smtClean="0"/>
+              <a:t>Look at </a:t>
+            </a:r>
+            <a:r>
+              <a:rPr lang="en-IE" dirty="0" smtClean="0">
+                <a:hlinkClick r:id="rId3"/>
+              </a:rPr>
+              <a:t>www.w3schools.com</a:t>
+            </a:r>
+            <a:r>
+              <a:rPr lang="en-IE" dirty="0" smtClean="0"/>
+              <a:t> for examples of other CSS styles (we will look more at this next week)</a:t>
+            </a:r>
+          </a:p>
+          <a:p>
+            <a:pPr marL="118872" indent="0">
+              <a:buNone/>
+            </a:pPr>
+            <a:endParaRPr lang="en-IE" dirty="0"/>
+          </a:p>
+          <a:p>
+            <a:pPr marL="118872" indent="0">
+              <a:buNone/>
+            </a:pPr>
+            <a:r>
+              <a:rPr lang="en-IE" dirty="0" smtClean="0"/>
+              <a:t>See you next week for more HTML and CSS</a:t>
+            </a:r>
+          </a:p>
+          <a:p>
+            <a:pPr marL="118872" indent="0">
+              <a:buNone/>
+            </a:pPr>
+            <a:endParaRPr lang="en-IE" sz="2800" dirty="0" smtClean="0"/>
+          </a:p>
+        </p:txBody>
+      </p:sp>
+    </p:spTree>
+    <p:extLst>
+      <p:ext uri="{BB962C8B-B14F-4D97-AF65-F5344CB8AC3E}">
+        <p14:creationId xmlns:p14="http://schemas.microsoft.com/office/powerpoint/2010/main" val="3785644732"/>
+      </p:ext>
+    </p:extLst>
+  </p:cSld>
+  <p:clrMapOvr>
+    <a:masterClrMapping/>
+  </p:clrMapOvr>
+  <p:timing>
+    <p:tnLst>
+      <p:par>
+        <p:cTn id="1" dur="indefinite" restart="never" nodeType="tmRoot"/>
+      </p:par>
+    </p:tnLst>
+  </p:timing>
+</p:sld>
+</file>
+
+<file path=ppt/slides/slide19.xml><?xml version="1.0" encoding="utf-8"?>
+<p:sld xmlns:a="http://schemas.openxmlformats.org/drawingml/2006/main" xmlns:r="http://schemas.openxmlformats.org/officeDocument/2006/relationships" xmlns:p="http://schemas.openxmlformats.org/presentationml/2006/main">
+  <p:cSld>
+    <p:spTree>
+      <p:nvGrpSpPr>
+        <p:cNvPr id="1" name=""/>
+        <p:cNvGrpSpPr/>
+        <p:nvPr/>
+      </p:nvGrpSpPr>
+      <p:grpSpPr>
+        <a:xfrm>
+          <a:off x="0" y="0"/>
+          <a:ext cx="0" cy="0"/>
+          <a:chOff x="0" y="0"/>
+          <a:chExt cx="0" cy="0"/>
+        </a:xfrm>
+      </p:grpSpPr>
+      <p:sp>
+        <p:nvSpPr>
+          <p:cNvPr id="2" name="Title 1"/>
+          <p:cNvSpPr>
+            <a:spLocks noGrp="1"/>
+          </p:cNvSpPr>
+          <p:nvPr>
+            <p:ph type="title"/>
+          </p:nvPr>
+        </p:nvSpPr>
+        <p:spPr/>
+        <p:txBody>
+          <a:bodyPr/>
+          <a:lstStyle/>
+          <a:p>
+            <a:r>
+              <a:rPr lang="en-IE" dirty="0" smtClean="0"/>
+              <a:t>Next Week … </a:t>
+            </a:r>
+            <a:endParaRPr lang="en-IE" dirty="0"/>
+          </a:p>
+        </p:txBody>
+      </p:sp>
+      <p:sp>
+        <p:nvSpPr>
+          <p:cNvPr id="3" name="Content Placeholder 2"/>
+          <p:cNvSpPr>
+            <a:spLocks noGrp="1"/>
+          </p:cNvSpPr>
+          <p:nvPr>
+            <p:ph idx="1"/>
+          </p:nvPr>
+        </p:nvSpPr>
+        <p:spPr/>
+        <p:txBody>
+          <a:bodyPr>
+            <a:normAutofit/>
+          </a:bodyPr>
+          <a:lstStyle/>
+          <a:p>
+            <a:pPr marL="118872" indent="0">
+              <a:buNone/>
+            </a:pPr>
+            <a:r>
               <a:rPr lang="en-US" dirty="0" smtClean="0"/>
               <a:t>Next Week:</a:t>
             </a:r>
@@ -7688,13 +8052,21 @@
           <a:p>
             <a:r>
               <a:rPr lang="en-US" dirty="0" smtClean="0"/>
-              <a:t>We’ll look at using CSS to layout your web pages</a:t>
-            </a:r>
-          </a:p>
-          <a:p>
-            <a:r>
-              <a:rPr lang="en-US" dirty="0" smtClean="0"/>
-              <a:t>We’ll look at using styles to make your pages even fancier</a:t>
+              <a:t>We’ll look at </a:t>
+            </a:r>
+            <a:r>
+              <a:rPr lang="en-IE" dirty="0" smtClean="0"/>
+              <a:t>how to use CSS to turn a list into a professional-looking menu that you can reuse</a:t>
+            </a:r>
+            <a:br>
+              <a:rPr lang="en-IE" dirty="0" smtClean="0"/>
+            </a:br>
+            <a:endParaRPr lang="en-IE" dirty="0" smtClean="0"/>
+          </a:p>
+          <a:p>
+            <a:r>
+              <a:rPr lang="en-IE" dirty="0" smtClean="0"/>
+              <a:t>We’ll show you how to publish your website onto dojo.hallamor.org</a:t>
             </a:r>
             <a:endParaRPr lang="en-IE" dirty="0" smtClean="0"/>
           </a:p>
@@ -7753,133 +8125,80 @@
             <p:ph type="title"/>
           </p:nvPr>
         </p:nvSpPr>
-        <p:spPr>
-          <a:xfrm>
-            <a:off x="1571625" y="155448"/>
-            <a:ext cx="7115175" cy="1252728"/>
-          </a:xfrm>
-        </p:spPr>
-        <p:txBody>
-          <a:bodyPr>
-            <a:normAutofit fontScale="90000"/>
-          </a:bodyPr>
-          <a:lstStyle/>
-          <a:p>
+        <p:spPr/>
+        <p:txBody>
+          <a:bodyPr/>
+          <a:lstStyle/>
+          <a:p>
+            <a:r>
+              <a:rPr lang="en-IE" dirty="0" err="1" smtClean="0"/>
+              <a:t>WiFi</a:t>
+            </a:r>
             <a:r>
               <a:rPr lang="en-IE" dirty="0" smtClean="0"/>
-              <a:t>Session </a:t>
-            </a:r>
-            <a:r>
-              <a:rPr lang="en-IE" dirty="0" smtClean="0"/>
-              <a:t>#2</a:t>
-            </a:r>
-            <a:r>
-              <a:rPr lang="en-IE" dirty="0" smtClean="0"/>
+              <a:t> Network</a:t>
+            </a:r>
+            <a:endParaRPr lang="en-IE" dirty="0"/>
+          </a:p>
+        </p:txBody>
+      </p:sp>
+      <p:sp>
+        <p:nvSpPr>
+          <p:cNvPr id="3" name="Content Placeholder 2"/>
+          <p:cNvSpPr>
+            <a:spLocks noGrp="1"/>
+          </p:cNvSpPr>
+          <p:nvPr>
+            <p:ph idx="1"/>
+          </p:nvPr>
+        </p:nvSpPr>
+        <p:spPr/>
+        <p:txBody>
+          <a:bodyPr/>
+          <a:lstStyle/>
+          <a:p>
+            <a:r>
+              <a:rPr lang="en-IE" sz="6600" dirty="0" smtClean="0"/>
+              <a:t>Wireless network is: </a:t>
+            </a:r>
+            <a:br>
+              <a:rPr lang="en-IE" sz="6600" dirty="0" smtClean="0"/>
+            </a:br>
+            <a:r>
+              <a:rPr lang="en-IE" sz="6600" dirty="0" smtClean="0"/>
               <a:t/>
             </a:r>
             <a:br>
-              <a:rPr lang="en-IE" dirty="0" smtClean="0"/>
+              <a:rPr lang="en-IE" sz="6600" dirty="0" smtClean="0"/>
             </a:br>
             <a:r>
-              <a:rPr lang="en-IE" dirty="0" smtClean="0"/>
-              <a:t>What will you do today?</a:t>
-            </a:r>
-            <a:endParaRPr lang="en-IE" dirty="0"/>
-          </a:p>
-        </p:txBody>
-      </p:sp>
-      <p:sp>
-        <p:nvSpPr>
-          <p:cNvPr id="3" name="Content Placeholder 2"/>
-          <p:cNvSpPr>
-            <a:spLocks noGrp="1"/>
-          </p:cNvSpPr>
-          <p:nvPr>
-            <p:ph idx="1"/>
-          </p:nvPr>
-        </p:nvSpPr>
-        <p:spPr/>
-        <p:txBody>
-          <a:bodyPr>
-            <a:normAutofit/>
-          </a:bodyPr>
-          <a:lstStyle/>
-          <a:p>
-            <a:endParaRPr lang="en-IE" dirty="0" smtClean="0"/>
-          </a:p>
-          <a:p>
-            <a:r>
-              <a:rPr lang="en-IE" dirty="0" smtClean="0"/>
-              <a:t>Review last week’s work</a:t>
-            </a:r>
-            <a:endParaRPr lang="en-IE" dirty="0" smtClean="0"/>
-          </a:p>
-          <a:p>
-            <a:r>
-              <a:rPr lang="en-IE" dirty="0" smtClean="0"/>
-              <a:t>Add some more HTML tags</a:t>
-            </a:r>
-          </a:p>
-          <a:p>
-            <a:pPr lvl="1"/>
-            <a:r>
-              <a:rPr lang="en-IE" dirty="0"/>
-              <a:t>Lists</a:t>
-            </a:r>
-          </a:p>
-          <a:p>
-            <a:pPr lvl="1"/>
-            <a:r>
-              <a:rPr lang="en-US" dirty="0" smtClean="0"/>
-              <a:t>Links</a:t>
-            </a:r>
-            <a:endParaRPr lang="en-IE" dirty="0" smtClean="0"/>
-          </a:p>
-          <a:p>
-            <a:pPr lvl="1"/>
-            <a:r>
-              <a:rPr lang="en-US" dirty="0" smtClean="0"/>
-              <a:t>Tables</a:t>
-            </a:r>
-            <a:endParaRPr lang="en-IE" dirty="0" smtClean="0"/>
-          </a:p>
-          <a:p>
-            <a:pPr lvl="1"/>
-            <a:r>
-              <a:rPr lang="en-US" dirty="0" smtClean="0"/>
-              <a:t>… and make a complete website</a:t>
-            </a:r>
-            <a:endParaRPr lang="en-IE" dirty="0" smtClean="0"/>
-          </a:p>
-          <a:p>
-            <a:r>
-              <a:rPr lang="en-US" dirty="0" smtClean="0"/>
-              <a:t>… and tidy up our CSS</a:t>
-            </a:r>
-            <a:endParaRPr lang="en-IE" dirty="0" smtClean="0"/>
-          </a:p>
-          <a:p>
-            <a:endParaRPr lang="en-IE" dirty="0"/>
+              <a:rPr lang="en-IE" sz="6600" dirty="0" smtClean="0"/>
+              <a:t>       </a:t>
+            </a:r>
+            <a:r>
+              <a:rPr lang="en-IE" sz="8800" b="1" dirty="0" err="1" smtClean="0"/>
+              <a:t>coderdojo</a:t>
+            </a:r>
+            <a:endParaRPr lang="en-IE" sz="8800" b="1" dirty="0" smtClean="0"/>
+          </a:p>
+          <a:p>
+            <a:pPr marL="118872" indent="0">
+              <a:buNone/>
+            </a:pPr>
+            <a:endParaRPr lang="en-IE" b="1" dirty="0"/>
           </a:p>
         </p:txBody>
       </p:sp>
     </p:spTree>
     <p:extLst>
       <p:ext uri="{BB962C8B-B14F-4D97-AF65-F5344CB8AC3E}">
-        <p14:creationId xmlns:p14="http://schemas.microsoft.com/office/powerpoint/2010/main" val="621390032"/>
+        <p14:creationId xmlns:p14="http://schemas.microsoft.com/office/powerpoint/2010/main" val="3427478695"/>
       </p:ext>
     </p:extLst>
   </p:cSld>
   <p:clrMapOvr>
     <a:masterClrMapping/>
   </p:clrMapOvr>
-  <p:timing>
-    <p:tnLst>
-      <p:par>
-        <p:cTn id="1" dur="indefinite" restart="never" nodeType="tmRoot"/>
-      </p:par>
-    </p:tnLst>
-  </p:timing>
 </p:sld>
 </file>
 
@@ -7910,14 +8229,28 @@
             <p:ph type="title"/>
           </p:nvPr>
         </p:nvSpPr>
-        <p:spPr/>
-        <p:txBody>
-          <a:bodyPr/>
-          <a:lstStyle/>
-          <a:p>
-            <a:r>
-              <a:rPr lang="en-US" dirty="0" smtClean="0"/>
-              <a:t>Last week @ CoderDojo</a:t>
+        <p:spPr>
+          <a:xfrm>
+            <a:off x="1571625" y="155448"/>
+            <a:ext cx="7115175" cy="1252728"/>
+          </a:xfrm>
+        </p:spPr>
+        <p:txBody>
+          <a:bodyPr>
+            <a:normAutofit fontScale="90000"/>
+          </a:bodyPr>
+          <a:lstStyle/>
+          <a:p>
+            <a:r>
+              <a:rPr lang="en-IE" dirty="0" smtClean="0"/>
+              <a:t>Session #2</a:t>
+            </a:r>
+            <a:br>
+              <a:rPr lang="en-IE" dirty="0" smtClean="0"/>
+            </a:br>
+            <a:r>
+              <a:rPr lang="en-IE" dirty="0" smtClean="0"/>
+              <a:t>What will you do today?</a:t>
             </a:r>
             <a:endParaRPr lang="en-IE" dirty="0"/>
           </a:p>
@@ -7936,63 +8269,63 @@
         <p:spPr/>
         <p:txBody>
           <a:bodyPr>
-            <a:normAutofit lnSpcReduction="10000"/>
+            <a:normAutofit/>
           </a:bodyPr>
           <a:lstStyle/>
           <a:p>
+            <a:endParaRPr lang="en-IE" dirty="0" smtClean="0"/>
+          </a:p>
+          <a:p>
             <a:r>
               <a:rPr lang="en-IE" dirty="0" smtClean="0"/>
-              <a:t>Don’t worry if you weren’t here</a:t>
+              <a:t>Review last week’s work</a:t>
+            </a:r>
+          </a:p>
+          <a:p>
+            <a:r>
+              <a:rPr lang="en-IE" dirty="0" smtClean="0"/>
+              <a:t>Add some more HTML tags</a:t>
             </a:r>
           </a:p>
           <a:p>
             <a:pPr lvl="1"/>
             <a:r>
-              <a:rPr lang="en-US" dirty="0" smtClean="0"/>
-              <a:t>The mentors will get you started and help you catch up</a:t>
-            </a:r>
-          </a:p>
-          <a:p>
-            <a:r>
-              <a:rPr lang="en-US" dirty="0" smtClean="0"/>
-              <a:t>We looked at what HTML source code looks like</a:t>
+              <a:rPr lang="en-IE" dirty="0"/>
+              <a:t>Lists</a:t>
+            </a:r>
+          </a:p>
+          <a:p>
+            <a:pPr lvl="1"/>
+            <a:r>
+              <a:rPr lang="en-US" dirty="0" smtClean="0"/>
+              <a:t>Links</a:t>
             </a:r>
             <a:endParaRPr lang="en-IE" dirty="0" smtClean="0"/>
           </a:p>
           <a:p>
-            <a:r>
-              <a:rPr lang="en-IE" dirty="0" smtClean="0"/>
-              <a:t>We looked at &lt;h1&gt;, &lt;h2&gt;, &lt;</a:t>
-            </a:r>
-            <a:r>
-              <a:rPr lang="en-IE" dirty="0" err="1" smtClean="0"/>
-              <a:t>img</a:t>
-            </a:r>
-            <a:r>
-              <a:rPr lang="en-IE" dirty="0" smtClean="0"/>
-              <a:t>&gt;, &lt;marquee&gt;, &lt;p&gt;, &lt;</a:t>
-            </a:r>
-            <a:r>
-              <a:rPr lang="en-IE" dirty="0" err="1" smtClean="0"/>
-              <a:t>br</a:t>
-            </a:r>
-            <a:r>
-              <a:rPr lang="en-IE" dirty="0" smtClean="0"/>
-              <a:t>/&gt;, &lt;a&gt; tags</a:t>
-            </a:r>
-          </a:p>
-          <a:p>
-            <a:r>
-              <a:rPr lang="en-US" dirty="0" smtClean="0"/>
-              <a:t>We added some CSS style!</a:t>
+            <a:pPr lvl="1"/>
+            <a:r>
+              <a:rPr lang="en-US" dirty="0" smtClean="0"/>
+              <a:t>Tables</a:t>
             </a:r>
             <a:endParaRPr lang="en-IE" dirty="0" smtClean="0"/>
           </a:p>
           <a:p>
-            <a:r>
-              <a:rPr lang="en-US" dirty="0" smtClean="0"/>
-              <a:t>We embedded some video and published your page on Mozilla Thimble</a:t>
-            </a:r>
+            <a:pPr lvl="1"/>
+            <a:r>
+              <a:rPr lang="en-US" dirty="0" smtClean="0"/>
+              <a:t>… and make a complete website</a:t>
+            </a:r>
+            <a:endParaRPr lang="en-IE" dirty="0" smtClean="0"/>
+          </a:p>
+          <a:p>
+            <a:r>
+              <a:rPr lang="en-US" dirty="0" smtClean="0"/>
+              <a:t>… and tidy up our CSS</a:t>
+            </a:r>
+            <a:endParaRPr lang="en-IE" dirty="0" smtClean="0"/>
+          </a:p>
+          <a:p>
             <a:endParaRPr lang="en-IE" dirty="0"/>
           </a:p>
         </p:txBody>
@@ -8000,7 +8333,7 @@
     </p:spTree>
     <p:extLst>
       <p:ext uri="{BB962C8B-B14F-4D97-AF65-F5344CB8AC3E}">
-        <p14:creationId xmlns:p14="http://schemas.microsoft.com/office/powerpoint/2010/main" val="446287894"/>
+        <p14:creationId xmlns:p14="http://schemas.microsoft.com/office/powerpoint/2010/main" val="621390032"/>
       </p:ext>
     </p:extLst>
   </p:cSld>
@@ -8046,14 +8379,12 @@
         </p:nvSpPr>
         <p:spPr/>
         <p:txBody>
-          <a:bodyPr>
-            <a:normAutofit/>
-          </a:bodyPr>
-          <a:lstStyle/>
-          <a:p>
-            <a:r>
-              <a:rPr lang="en-US" dirty="0" smtClean="0"/>
-              <a:t>HTML: reminder</a:t>
+          <a:bodyPr/>
+          <a:lstStyle/>
+          <a:p>
+            <a:r>
+              <a:rPr lang="en-US" dirty="0" smtClean="0"/>
+              <a:t>Last week @ CoderDojo</a:t>
             </a:r>
             <a:endParaRPr lang="en-IE" dirty="0"/>
           </a:p>
@@ -8076,124 +8407,66 @@
           </a:bodyPr>
           <a:lstStyle/>
           <a:p>
-            <a:pPr marL="118872" indent="0">
-              <a:buNone/>
-            </a:pPr>
             <a:r>
               <a:rPr lang="en-IE" dirty="0" smtClean="0"/>
-              <a:t>&lt;html&gt;</a:t>
-            </a:r>
-          </a:p>
-          <a:p>
-            <a:pPr marL="118872" indent="0">
-              <a:buNone/>
-            </a:pPr>
-            <a:r>
-              <a:rPr lang="en-IE" dirty="0"/>
-              <a:t> </a:t>
-            </a:r>
+              <a:t>Don’t worry if you weren’t here</a:t>
+            </a:r>
+          </a:p>
+          <a:p>
+            <a:pPr lvl="1"/>
+            <a:r>
+              <a:rPr lang="en-US" dirty="0" smtClean="0"/>
+              <a:t>The mentors will get you started and help you catch up</a:t>
+            </a:r>
+          </a:p>
+          <a:p>
+            <a:r>
+              <a:rPr lang="en-US" dirty="0" smtClean="0"/>
+              <a:t>We looked at what HTML source code looks like</a:t>
+            </a:r>
+            <a:endParaRPr lang="en-IE" dirty="0" smtClean="0"/>
+          </a:p>
+          <a:p>
             <a:r>
               <a:rPr lang="en-IE" dirty="0" smtClean="0"/>
-              <a:t>   &lt;head&gt;</a:t>
-            </a:r>
-          </a:p>
-          <a:p>
-            <a:pPr marL="118872" indent="0">
-              <a:buNone/>
-            </a:pPr>
-            <a:r>
-              <a:rPr lang="en-IE" dirty="0"/>
-              <a:t>	</a:t>
+              <a:t>We looked at &lt;h1&gt;, &lt;h2&gt;, &lt;</a:t>
+            </a:r>
+            <a:r>
+              <a:rPr lang="en-IE" dirty="0" err="1" smtClean="0"/>
+              <a:t>img</a:t>
             </a:r>
             <a:r>
               <a:rPr lang="en-IE" dirty="0" smtClean="0"/>
-              <a:t>&lt;</a:t>
+              <a:t>&gt;, &lt;marquee&gt;, &lt;p&gt;, &lt;</a:t>
+            </a:r>
+            <a:r>
+              <a:rPr lang="en-IE" dirty="0" err="1" smtClean="0"/>
+              <a:t>br</a:t>
             </a:r>
             <a:r>
               <a:rPr lang="en-IE" dirty="0" smtClean="0"/>
-              <a:t>title&gt;My Website&lt;/</a:t>
-            </a:r>
-            <a:r>
-              <a:rPr lang="en-IE" dirty="0" smtClean="0"/>
-              <a:t>title&gt;</a:t>
-            </a:r>
-          </a:p>
-          <a:p>
-            <a:pPr marL="118872" indent="0">
-              <a:buNone/>
-            </a:pPr>
-            <a:r>
-              <a:rPr lang="en-IE" dirty="0"/>
-              <a:t> </a:t>
-            </a:r>
-            <a:r>
-              <a:rPr lang="en-IE" dirty="0" smtClean="0"/>
-              <a:t>   &lt;/head&gt;</a:t>
-            </a:r>
-          </a:p>
-          <a:p>
-            <a:pPr marL="118872" indent="0">
-              <a:buNone/>
-            </a:pPr>
+              <a:t>/&gt;, &lt;a&gt; tags</a:t>
+            </a:r>
+          </a:p>
+          <a:p>
+            <a:r>
+              <a:rPr lang="en-US" dirty="0" smtClean="0"/>
+              <a:t>We added some CSS style!</a:t>
+            </a:r>
             <a:endParaRPr lang="en-IE" dirty="0" smtClean="0"/>
           </a:p>
           <a:p>
-            <a:pPr marL="118872" indent="0">
-              <a:buNone/>
-            </a:pPr>
-            <a:r>
-              <a:rPr lang="en-IE" dirty="0" smtClean="0"/>
-              <a:t>    &lt;body&gt;</a:t>
-            </a:r>
-          </a:p>
-          <a:p>
-            <a:pPr marL="118872" indent="0">
-              <a:buNone/>
-            </a:pPr>
-            <a:r>
-              <a:rPr lang="en-IE" dirty="0"/>
-              <a:t>	</a:t>
-            </a:r>
-            <a:r>
-              <a:rPr lang="en-IE" b="1" dirty="0" smtClean="0">
-                <a:solidFill>
-                  <a:srgbClr val="C00000"/>
-                </a:solidFill>
-              </a:rPr>
-              <a:t>… most stuff goes in here …</a:t>
-            </a:r>
-            <a:endParaRPr lang="en-IE" b="1" dirty="0" smtClean="0">
-              <a:solidFill>
-                <a:srgbClr val="C00000"/>
-              </a:solidFill>
-            </a:endParaRPr>
-          </a:p>
-          <a:p>
-            <a:pPr marL="118872" indent="0">
-              <a:buNone/>
-            </a:pPr>
-            <a:r>
-              <a:rPr lang="en-IE" dirty="0"/>
-              <a:t> </a:t>
-            </a:r>
-            <a:r>
-              <a:rPr lang="en-IE" dirty="0" smtClean="0"/>
-              <a:t>   &lt;/body&gt;</a:t>
-            </a:r>
-          </a:p>
-          <a:p>
-            <a:pPr marL="118872" indent="0">
-              <a:buNone/>
-            </a:pPr>
-            <a:endParaRPr lang="en-IE" dirty="0" smtClean="0"/>
-          </a:p>
-          <a:p>
-            <a:pPr marL="118872" indent="0">
-              <a:buNone/>
-            </a:pPr>
-            <a:r>
-              <a:rPr lang="en-IE" dirty="0" smtClean="0"/>
-              <a:t>&lt;/html&gt;</a:t>
+            <a:r>
+              <a:rPr lang="en-US" dirty="0" smtClean="0"/>
+              <a:t>We embedded </a:t>
+            </a:r>
+            <a:r>
+              <a:rPr lang="en-US" dirty="0" smtClean="0"/>
+              <a:t>a map and </a:t>
+            </a:r>
+            <a:r>
+              <a:rPr lang="en-US" dirty="0" smtClean="0"/>
+              <a:t>published your page on Mozilla Thimble</a:t>
             </a:r>
             <a:endParaRPr lang="en-IE" dirty="0"/>
           </a:p>
@@ -8202,7 +8475,7 @@
     </p:spTree>
     <p:extLst>
       <p:ext uri="{BB962C8B-B14F-4D97-AF65-F5344CB8AC3E}">
-        <p14:creationId xmlns:p14="http://schemas.microsoft.com/office/powerpoint/2010/main" val="4210354779"/>
+        <p14:creationId xmlns:p14="http://schemas.microsoft.com/office/powerpoint/2010/main" val="446287894"/>
       </p:ext>
     </p:extLst>
   </p:cSld>
@@ -8249,49 +8522,54 @@
         <p:spPr/>
         <p:txBody>
           <a:bodyPr>
-            <a:normAutofit fontScale="90000"/>
-          </a:bodyPr>
-          <a:lstStyle/>
-          <a:p>
-            <a:r>
-              <a:rPr lang="en-IE" dirty="0" smtClean="0"/>
-              <a:t>Lists: Unordered and Ordered</a:t>
-            </a:r>
-            <a:endParaRPr lang="en-IE" dirty="0"/>
-          </a:p>
-        </p:txBody>
-      </p:sp>
-      <p:sp>
-        <p:nvSpPr>
-          <p:cNvPr id="3" name="Content Placeholder 2"/>
-          <p:cNvSpPr>
-            <a:spLocks noGrp="1"/>
-          </p:cNvSpPr>
-          <p:nvPr>
-            <p:ph idx="1"/>
-          </p:nvPr>
-        </p:nvSpPr>
-        <p:spPr/>
-        <p:txBody>
-          <a:bodyPr>
             <a:normAutofit/>
           </a:bodyPr>
           <a:lstStyle/>
           <a:p>
+            <a:r>
+              <a:rPr lang="en-US" dirty="0" smtClean="0"/>
+              <a:t>HTML: reminder</a:t>
+            </a:r>
+            <a:endParaRPr lang="en-IE" dirty="0"/>
+          </a:p>
+        </p:txBody>
+      </p:sp>
+      <p:sp>
+        <p:nvSpPr>
+          <p:cNvPr id="3" name="Content Placeholder 2"/>
+          <p:cNvSpPr>
+            <a:spLocks noGrp="1"/>
+          </p:cNvSpPr>
+          <p:nvPr>
+            <p:ph idx="1"/>
+          </p:nvPr>
+        </p:nvSpPr>
+        <p:spPr/>
+        <p:txBody>
+          <a:bodyPr>
+            <a:normAutofit lnSpcReduction="10000"/>
+          </a:bodyPr>
+          <a:lstStyle/>
+          <a:p>
             <a:pPr marL="118872" indent="0">
               <a:buNone/>
             </a:pPr>
             <a:r>
               <a:rPr lang="en-IE" dirty="0" smtClean="0"/>
-              <a:t>&lt;</a:t>
-            </a:r>
-            <a:r>
-              <a:rPr lang="en-IE" dirty="0" err="1" smtClean="0"/>
-              <a:t>ul</a:t>
+              <a:t>&lt;html&gt;</a:t>
+            </a:r>
+          </a:p>
+          <a:p>
+            <a:pPr marL="118872" indent="0">
+              <a:buNone/>
+            </a:pPr>
+            <a:r>
+              <a:rPr lang="en-IE" dirty="0"/>
+              <a:t> </a:t>
             </a:r>
             <a:r>
               <a:rPr lang="en-IE" dirty="0" smtClean="0"/>
-              <a:t>&gt;</a:t>
+              <a:t>   &lt;head&gt;</a:t>
             </a:r>
           </a:p>
           <a:p>
@@ -8299,12 +8577,12 @@
               <a:buNone/>
             </a:pPr>
             <a:r>
-              <a:rPr lang="en-US" dirty="0"/>
+              <a:rPr lang="en-IE" dirty="0"/>
               <a:t>	</a:t>
             </a:r>
             <a:r>
-              <a:rPr lang="en-US" dirty="0" smtClean="0"/>
-              <a:t>&lt;li&gt;Item 1&lt;/li&gt;</a:t>
+              <a:rPr lang="en-IE" dirty="0" smtClean="0"/>
+              <a:t>&lt;title&gt;My Website&lt;/title&gt;</a:t>
             </a:r>
           </a:p>
           <a:p>
@@ -8312,13 +8590,63 @@
               <a:buNone/>
             </a:pPr>
             <a:r>
-              <a:rPr lang="en-US" dirty="0"/>
+              <a:rPr lang="en-IE" dirty="0"/>
+              <a:t> </a:t>
+            </a:r>
+            <a:r>
+              <a:rPr lang="en-IE" dirty="0" smtClean="0"/>
+              <a:t>   &lt;/head&gt;</a:t>
+            </a:r>
+          </a:p>
+          <a:p>
+            <a:pPr marL="118872" indent="0">
+              <a:buNone/>
+            </a:pPr>
+            <a:endParaRPr lang="en-IE" dirty="0" smtClean="0"/>
+          </a:p>
+          <a:p>
+            <a:pPr marL="118872" indent="0">
+              <a:buNone/>
+            </a:pPr>
+            <a:r>
+              <a:rPr lang="en-IE" dirty="0" smtClean="0"/>
+              <a:t>    &lt;body&gt;</a:t>
+            </a:r>
+          </a:p>
+          <a:p>
+            <a:pPr marL="118872" indent="0">
+              <a:buNone/>
+            </a:pPr>
+            <a:r>
+              <a:rPr lang="en-IE" dirty="0"/>
               <a:t>	</a:t>
             </a:r>
             <a:r>
-              <a:rPr lang="en-US" dirty="0" smtClean="0"/>
-              <a:t>&lt;li&gt;Item 2&gt;/li&gt;</a:t>
-            </a:r>
+              <a:rPr lang="en-IE" b="1" dirty="0" smtClean="0">
+                <a:solidFill>
+                  <a:srgbClr val="C00000"/>
+                </a:solidFill>
+              </a:rPr>
+              <a:t>… most stuff goes in here …</a:t>
+            </a:r>
+          </a:p>
+          <a:p>
+            <a:pPr marL="118872" indent="0">
+              <a:buNone/>
+            </a:pPr>
+            <a:r>
+              <a:rPr lang="en-IE" dirty="0"/>
+              <a:t> </a:t>
+            </a:r>
+            <a:r>
+              <a:rPr lang="en-IE" dirty="0" smtClean="0"/>
+              <a:t>   &lt;/body&gt;</a:t>
+            </a:r>
+          </a:p>
+          <a:p>
+            <a:pPr marL="118872" indent="0">
+              <a:buNone/>
+            </a:pPr>
             <a:endParaRPr lang="en-IE" dirty="0" smtClean="0"/>
           </a:p>
           <a:p>
@@ -8326,82 +8654,8 @@
               <a:buNone/>
             </a:pPr>
             <a:r>
-              <a:rPr lang="en-US" dirty="0" smtClean="0"/>
-              <a:t>&lt;/</a:t>
-            </a:r>
-            <a:r>
-              <a:rPr lang="en-US" dirty="0" err="1" smtClean="0"/>
-              <a:t>ul</a:t>
-            </a:r>
-            <a:r>
-              <a:rPr lang="en-US" dirty="0" smtClean="0"/>
-              <a:t>&gt;</a:t>
-            </a:r>
-          </a:p>
-          <a:p>
-            <a:pPr marL="118872" indent="0">
-              <a:buNone/>
-            </a:pPr>
-            <a:endParaRPr lang="en-US" dirty="0"/>
-          </a:p>
-          <a:p>
-            <a:pPr marL="118872" indent="0">
-              <a:buNone/>
-            </a:pPr>
-            <a:r>
-              <a:rPr lang="en-US" dirty="0" smtClean="0"/>
-              <a:t>&lt;</a:t>
-            </a:r>
-            <a:r>
-              <a:rPr lang="en-US" dirty="0" err="1" smtClean="0"/>
-              <a:t>ol</a:t>
-            </a:r>
-            <a:r>
-              <a:rPr lang="en-US" dirty="0" smtClean="0"/>
-              <a:t>&gt;</a:t>
-            </a:r>
-          </a:p>
-          <a:p>
-            <a:pPr marL="118872" indent="0">
-              <a:buNone/>
-            </a:pPr>
-            <a:r>
-              <a:rPr lang="en-US" dirty="0"/>
-              <a:t>	</a:t>
-            </a:r>
-            <a:r>
-              <a:rPr lang="en-US" dirty="0" smtClean="0"/>
-              <a:t>&lt;li&gt;Item 1 &lt;/li&gt;</a:t>
-            </a:r>
-          </a:p>
-          <a:p>
-            <a:pPr marL="118872" indent="0">
-              <a:buNone/>
-            </a:pPr>
-            <a:r>
-              <a:rPr lang="en-US" dirty="0"/>
-              <a:t>	</a:t>
-            </a:r>
-            <a:r>
-              <a:rPr lang="en-US" dirty="0" smtClean="0"/>
-              <a:t>&lt;li&gt;Item 2&lt;li&gt;</a:t>
-            </a:r>
-          </a:p>
-          <a:p>
-            <a:pPr marL="118872" indent="0">
-              <a:buNone/>
-            </a:pPr>
-            <a:r>
-              <a:rPr lang="en-US" dirty="0" smtClean="0"/>
-              <a:t>&lt;/</a:t>
-            </a:r>
-            <a:r>
-              <a:rPr lang="en-US" dirty="0" err="1" smtClean="0"/>
-              <a:t>ol</a:t>
-            </a:r>
-            <a:r>
-              <a:rPr lang="en-US" dirty="0" smtClean="0"/>
-              <a:t>&gt;</a:t>
+              <a:rPr lang="en-IE" dirty="0" smtClean="0"/>
+              <a:t>&lt;/html&gt;</a:t>
             </a:r>
             <a:endParaRPr lang="en-IE" dirty="0"/>
           </a:p>
@@ -8410,7 +8664,7 @@
     </p:spTree>
     <p:extLst>
       <p:ext uri="{BB962C8B-B14F-4D97-AF65-F5344CB8AC3E}">
-        <p14:creationId xmlns:p14="http://schemas.microsoft.com/office/powerpoint/2010/main" val="613016341"/>
+        <p14:creationId xmlns:p14="http://schemas.microsoft.com/office/powerpoint/2010/main" val="4210354779"/>
       </p:ext>
     </p:extLst>
   </p:cSld>
@@ -8457,13 +8711,13 @@
         <p:spPr/>
         <p:txBody>
           <a:bodyPr>
-            <a:normAutofit/>
+            <a:normAutofit fontScale="90000"/>
           </a:bodyPr>
           <a:lstStyle/>
           <a:p>
             <a:r>
-              <a:rPr lang="en-US" dirty="0" smtClean="0"/>
-              <a:t>A List of Pages: a website</a:t>
+              <a:rPr lang="en-IE" dirty="0" smtClean="0"/>
+              <a:t>Lists: Unordered and Ordered</a:t>
             </a:r>
             <a:endParaRPr lang="en-IE" dirty="0"/>
           </a:p>
@@ -8486,66 +8740,130 @@
           </a:bodyPr>
           <a:lstStyle/>
           <a:p>
-            <a:r>
-              <a:rPr lang="en-US" dirty="0" smtClean="0"/>
-              <a:t>Up until now we worked on one page at a time</a:t>
-            </a:r>
-          </a:p>
-          <a:p>
-            <a:r>
-              <a:rPr lang="en-US" dirty="0" smtClean="0"/>
-              <a:t>Now it’s time to make your first web</a:t>
-            </a:r>
-            <a:r>
-              <a:rPr lang="en-US" b="1" dirty="0" smtClean="0"/>
-              <a:t>site</a:t>
-            </a:r>
-            <a:r>
-              <a:rPr lang="en-US" dirty="0" smtClean="0"/>
-              <a:t>: more than one page, linked together</a:t>
-            </a:r>
-          </a:p>
-          <a:p>
-            <a:r>
-              <a:rPr lang="en-US" dirty="0" smtClean="0"/>
-              <a:t>We use the </a:t>
-            </a:r>
-            <a:r>
-              <a:rPr lang="en-US" i="1" dirty="0" smtClean="0"/>
-              <a:t>anchor</a:t>
-            </a:r>
-            <a:r>
-              <a:rPr lang="en-US" b="1" i="1" dirty="0" smtClean="0"/>
-              <a:t> </a:t>
-            </a:r>
-            <a:r>
-              <a:rPr lang="en-US" dirty="0" smtClean="0"/>
-              <a:t>tag &lt;a&gt; to link pages together</a:t>
-            </a:r>
-          </a:p>
-          <a:p>
+            <a:pPr marL="118872" indent="0">
+              <a:buNone/>
+            </a:pPr>
+            <a:r>
+              <a:rPr lang="en-IE" dirty="0" smtClean="0"/>
+              <a:t>&lt;</a:t>
+            </a:r>
+            <a:r>
+              <a:rPr lang="en-IE" dirty="0" err="1" smtClean="0"/>
+              <a:t>ul</a:t>
+            </a:r>
+            <a:r>
+              <a:rPr lang="en-IE" dirty="0" smtClean="0"/>
+              <a:t>&gt;</a:t>
+            </a:r>
+          </a:p>
+          <a:p>
+            <a:pPr marL="118872" indent="0">
+              <a:buNone/>
+            </a:pPr>
+            <a:r>
+              <a:rPr lang="en-US" dirty="0"/>
+              <a:t>	</a:t>
+            </a:r>
+            <a:r>
+              <a:rPr lang="en-US" dirty="0" smtClean="0"/>
+              <a:t>&lt;li&gt;Item 1&lt;/li&gt;</a:t>
+            </a:r>
+          </a:p>
+          <a:p>
+            <a:pPr marL="118872" indent="0">
+              <a:buNone/>
+            </a:pPr>
+            <a:r>
+              <a:rPr lang="en-US" dirty="0"/>
+              <a:t>	</a:t>
+            </a:r>
+            <a:r>
+              <a:rPr lang="en-US" dirty="0" smtClean="0"/>
+              <a:t>&lt;li&gt;Item 2&gt;/li&gt;</a:t>
+            </a:r>
+            <a:endParaRPr lang="en-IE" dirty="0" smtClean="0"/>
+          </a:p>
+          <a:p>
+            <a:pPr marL="118872" indent="0">
+              <a:buNone/>
+            </a:pPr>
+            <a:r>
+              <a:rPr lang="en-US" dirty="0" smtClean="0"/>
+              <a:t>&lt;/</a:t>
+            </a:r>
+            <a:r>
+              <a:rPr lang="en-US" dirty="0" err="1" smtClean="0"/>
+              <a:t>ul</a:t>
+            </a:r>
+            <a:r>
+              <a:rPr lang="en-US" dirty="0" smtClean="0"/>
+              <a:t>&gt;</a:t>
+            </a:r>
+          </a:p>
+          <a:p>
+            <a:pPr marL="118872" indent="0">
+              <a:buNone/>
+            </a:pPr>
             <a:endParaRPr lang="en-US" dirty="0"/>
           </a:p>
           <a:p>
-            <a:r>
-              <a:rPr lang="en-US" b="1" dirty="0" smtClean="0"/>
-              <a:t>&lt;a </a:t>
-            </a:r>
-            <a:r>
-              <a:rPr lang="en-US" b="1" dirty="0" err="1" smtClean="0"/>
-              <a:t>href</a:t>
-            </a:r>
-            <a:r>
-              <a:rPr lang="en-US" b="1" dirty="0" smtClean="0"/>
-              <a:t>=“page.html”&gt;</a:t>
-            </a:r>
-            <a:r>
-              <a:rPr lang="en-US" b="1" dirty="0" err="1" smtClean="0"/>
-              <a:t>PageName</a:t>
-            </a:r>
-            <a:r>
-              <a:rPr lang="en-US" b="1" dirty="0" smtClean="0"/>
-              <a:t>&lt;/a&gt;</a:t>
+            <a:pPr marL="118872" indent="0">
+              <a:buNone/>
+            </a:pPr>
+            <a:r>
+              <a:rPr lang="en-US" dirty="0" smtClean="0"/>
+              <a:t>&lt;</a:t>
+            </a:r>
+            <a:r>
+              <a:rPr lang="en-US" dirty="0" err="1" smtClean="0"/>
+              <a:t>ol</a:t>
+            </a:r>
+            <a:r>
+              <a:rPr lang="en-US" dirty="0" smtClean="0"/>
+              <a:t>&gt;</a:t>
+            </a:r>
+          </a:p>
+          <a:p>
+            <a:pPr marL="118872" indent="0">
+              <a:buNone/>
+            </a:pPr>
+            <a:r>
+              <a:rPr lang="en-US" dirty="0"/>
+              <a:t>	</a:t>
+            </a:r>
+            <a:r>
+              <a:rPr lang="en-US" dirty="0" smtClean="0"/>
+              <a:t>&lt;li&gt;Item 1 &lt;/li&gt;</a:t>
+            </a:r>
+          </a:p>
+          <a:p>
+            <a:pPr marL="118872" indent="0">
+              <a:buNone/>
+            </a:pPr>
+            <a:r>
+              <a:rPr lang="en-US" dirty="0"/>
+              <a:t>	</a:t>
+            </a:r>
+            <a:r>
+              <a:rPr lang="en-US" dirty="0" smtClean="0"/>
+              <a:t>&lt;li&gt;Item 2&lt;li&gt;</a:t>
+            </a:r>
+          </a:p>
+          <a:p>
+            <a:pPr marL="118872" indent="0">
+              <a:buNone/>
+            </a:pPr>
+            <a:r>
+              <a:rPr lang="en-US" dirty="0" smtClean="0"/>
+              <a:t>&lt;/</a:t>
+            </a:r>
+            <a:r>
+              <a:rPr lang="en-US" dirty="0" err="1" smtClean="0"/>
+              <a:t>ol</a:t>
+            </a:r>
+            <a:r>
+              <a:rPr lang="en-US" dirty="0" smtClean="0"/>
+              <a:t>&gt;</a:t>
             </a:r>
             <a:endParaRPr lang="en-IE" dirty="0"/>
           </a:p>
@@ -8554,7 +8872,7 @@
     </p:spTree>
     <p:extLst>
       <p:ext uri="{BB962C8B-B14F-4D97-AF65-F5344CB8AC3E}">
-        <p14:creationId xmlns:p14="http://schemas.microsoft.com/office/powerpoint/2010/main" val="3620655394"/>
+        <p14:creationId xmlns:p14="http://schemas.microsoft.com/office/powerpoint/2010/main" val="613016341"/>
       </p:ext>
     </p:extLst>
   </p:cSld>
@@ -8600,20 +8918,14 @@
         </p:nvSpPr>
         <p:spPr/>
         <p:txBody>
-          <a:bodyPr/>
-          <a:lstStyle/>
-          <a:p>
-            <a:r>
-              <a:rPr lang="en-US" dirty="0" smtClean="0"/>
-              <a:t>Using &lt;</a:t>
-            </a:r>
-            <a:r>
-              <a:rPr lang="en-US" dirty="0" err="1" smtClean="0"/>
-              <a:t>ul</a:t>
-            </a:r>
-            <a:r>
-              <a:rPr lang="en-US" dirty="0" smtClean="0"/>
-              <a:t>&gt; to link pages</a:t>
+          <a:bodyPr>
+            <a:normAutofit/>
+          </a:bodyPr>
+          <a:lstStyle/>
+          <a:p>
+            <a:r>
+              <a:rPr lang="en-US" dirty="0" smtClean="0"/>
+              <a:t>A List of Pages: a website</a:t>
             </a:r>
             <a:endParaRPr lang="en-IE" dirty="0"/>
           </a:p>
@@ -8632,108 +8944,70 @@
         <p:spPr/>
         <p:txBody>
           <a:bodyPr>
-            <a:normAutofit lnSpcReduction="10000"/>
+            <a:normAutofit/>
           </a:bodyPr>
           <a:lstStyle/>
           <a:p>
-            <a:pPr marL="118872" indent="0">
-              <a:buNone/>
-            </a:pPr>
-            <a:r>
-              <a:rPr lang="en-IE" dirty="0" smtClean="0"/>
-              <a:t>Now let’s </a:t>
-            </a:r>
-            <a:r>
-              <a:rPr lang="en-IE" dirty="0" smtClean="0"/>
-              <a:t>link all our pages to the main page</a:t>
-            </a:r>
-            <a:endParaRPr lang="en-IE" dirty="0" smtClean="0"/>
-          </a:p>
-          <a:p>
-            <a:pPr marL="118872" indent="0">
-              <a:buNone/>
-            </a:pPr>
-            <a:endParaRPr lang="en-US" dirty="0" smtClean="0"/>
-          </a:p>
-          <a:p>
-            <a:pPr marL="118872" indent="0">
-              <a:buNone/>
-            </a:pPr>
-            <a:r>
-              <a:rPr lang="en-US" dirty="0" smtClean="0"/>
-              <a:t>&lt;</a:t>
-            </a:r>
-            <a:r>
-              <a:rPr lang="en-US" dirty="0" err="1" smtClean="0"/>
-              <a:t>ul</a:t>
-            </a:r>
-            <a:r>
-              <a:rPr lang="en-US" dirty="0" smtClean="0"/>
-              <a:t>&gt;</a:t>
-            </a:r>
-          </a:p>
-          <a:p>
-            <a:pPr marL="118872" indent="0">
-              <a:buNone/>
-            </a:pPr>
-            <a:r>
-              <a:rPr lang="en-US" dirty="0" smtClean="0"/>
-              <a:t>	&lt;li&gt;&lt;a </a:t>
-            </a:r>
-            <a:r>
-              <a:rPr lang="en-US" dirty="0" err="1" smtClean="0"/>
+            <a:r>
+              <a:rPr lang="en-US" dirty="0" smtClean="0"/>
+              <a:t>Up until now we worked on one page at a time</a:t>
+            </a:r>
+          </a:p>
+          <a:p>
+            <a:r>
+              <a:rPr lang="en-US" dirty="0" smtClean="0"/>
+              <a:t>Now it’s time to make your first web</a:t>
+            </a:r>
+            <a:r>
+              <a:rPr lang="en-US" b="1" dirty="0" smtClean="0"/>
+              <a:t>site</a:t>
+            </a:r>
+            <a:r>
+              <a:rPr lang="en-US" dirty="0" smtClean="0"/>
+              <a:t>: more than one page, linked together</a:t>
+            </a:r>
+          </a:p>
+          <a:p>
+            <a:r>
+              <a:rPr lang="en-US" dirty="0" smtClean="0"/>
+              <a:t>We use the </a:t>
+            </a:r>
+            <a:r>
+              <a:rPr lang="en-US" i="1" dirty="0" smtClean="0"/>
+              <a:t>anchor</a:t>
+            </a:r>
+            <a:r>
+              <a:rPr lang="en-US" b="1" i="1" dirty="0" smtClean="0"/>
+              <a:t> </a:t>
+            </a:r>
+            <a:r>
+              <a:rPr lang="en-US" dirty="0" smtClean="0"/>
+              <a:t>tag &lt;a&gt; to link pages together</a:t>
+            </a:r>
+          </a:p>
+          <a:p>
+            <a:endParaRPr lang="en-US" dirty="0"/>
+          </a:p>
+          <a:p>
+            <a:r>
+              <a:rPr lang="en-US" b="1" dirty="0" smtClean="0"/>
+              <a:t>&lt;a </a:t>
+            </a:r>
+            <a:r>
+              <a:rPr lang="en-US" b="1" dirty="0" err="1" smtClean="0"/>
               <a:t>href</a:t>
             </a:r>
             <a:r>
-              <a:rPr lang="en-US" dirty="0" smtClean="0"/>
-              <a:t>=“session2_b.html”&gt;Two&lt;/a&gt;</a:t>
-            </a:r>
-          </a:p>
-          <a:p>
-            <a:pPr marL="118872" indent="0">
-              <a:buNone/>
-            </a:pPr>
-            <a:r>
-              <a:rPr lang="en-US" dirty="0" smtClean="0"/>
-              <a:t>&lt;/</a:t>
-            </a:r>
-            <a:r>
-              <a:rPr lang="en-US" dirty="0" err="1" smtClean="0"/>
-              <a:t>ul</a:t>
-            </a:r>
-            <a:r>
-              <a:rPr lang="en-US" dirty="0" smtClean="0"/>
-              <a:t>&gt;</a:t>
-            </a:r>
-          </a:p>
-          <a:p>
-            <a:pPr marL="118872" indent="0">
-              <a:buNone/>
-            </a:pPr>
-            <a:endParaRPr lang="en-IE" dirty="0" smtClean="0"/>
-          </a:p>
-          <a:p>
-            <a:pPr marL="118872" indent="0">
-              <a:buNone/>
-            </a:pPr>
-            <a:r>
-              <a:rPr lang="en-IE" dirty="0" smtClean="0"/>
-              <a:t>Don’t forget a heading, a title, some text explaining what your website is …</a:t>
-            </a:r>
-          </a:p>
-          <a:p>
-            <a:pPr marL="118872" indent="0">
-              <a:buNone/>
-            </a:pPr>
-            <a:endParaRPr lang="en-US" dirty="0"/>
-          </a:p>
-          <a:p>
-            <a:pPr marL="118872" indent="0">
-              <a:buNone/>
-            </a:pPr>
-            <a:r>
-              <a:rPr lang="en-US" dirty="0" smtClean="0"/>
-              <a:t>We will come back and fancy this up this later </a:t>
+              <a:rPr lang="en-US" b="1" dirty="0" smtClean="0"/>
+              <a:t>=“page.html”&gt;</a:t>
+            </a:r>
+            <a:r>
+              <a:rPr lang="en-US" b="1" dirty="0" err="1" smtClean="0"/>
+              <a:t>PageName</a:t>
+            </a:r>
+            <a:r>
+              <a:rPr lang="en-US" b="1" dirty="0" smtClean="0"/>
+              <a:t>&lt;/a&gt;</a:t>
             </a:r>
             <a:endParaRPr lang="en-IE" dirty="0"/>
           </a:p>
@@ -8742,7 +9016,7 @@
     </p:spTree>
     <p:extLst>
       <p:ext uri="{BB962C8B-B14F-4D97-AF65-F5344CB8AC3E}">
-        <p14:creationId xmlns:p14="http://schemas.microsoft.com/office/powerpoint/2010/main" val="136623678"/>
+        <p14:creationId xmlns:p14="http://schemas.microsoft.com/office/powerpoint/2010/main" val="3620655394"/>
       </p:ext>
     </p:extLst>
   </p:cSld>
@@ -8792,56 +9066,116 @@
           <a:lstStyle/>
           <a:p>
             <a:r>
+              <a:rPr lang="en-US" dirty="0" smtClean="0"/>
+              <a:t>Using &lt;</a:t>
+            </a:r>
+            <a:r>
+              <a:rPr lang="en-US" dirty="0" err="1" smtClean="0"/>
+              <a:t>ul</a:t>
+            </a:r>
+            <a:r>
+              <a:rPr lang="en-US" dirty="0" smtClean="0"/>
+              <a:t>&gt; to link pages</a:t>
+            </a:r>
+            <a:endParaRPr lang="en-IE" dirty="0"/>
+          </a:p>
+        </p:txBody>
+      </p:sp>
+      <p:sp>
+        <p:nvSpPr>
+          <p:cNvPr id="3" name="Content Placeholder 2"/>
+          <p:cNvSpPr>
+            <a:spLocks noGrp="1"/>
+          </p:cNvSpPr>
+          <p:nvPr>
+            <p:ph idx="1"/>
+          </p:nvPr>
+        </p:nvSpPr>
+        <p:spPr/>
+        <p:txBody>
+          <a:bodyPr>
+            <a:normAutofit lnSpcReduction="10000"/>
+          </a:bodyPr>
+          <a:lstStyle/>
+          <a:p>
+            <a:pPr marL="118872" indent="0">
+              <a:buNone/>
+            </a:pPr>
+            <a:r>
               <a:rPr lang="en-IE" dirty="0" smtClean="0"/>
-              <a:t>Adding Tables </a:t>
-            </a:r>
-            <a:endParaRPr lang="en-IE" dirty="0"/>
-          </a:p>
-        </p:txBody>
-      </p:sp>
-      <p:sp>
-        <p:nvSpPr>
-          <p:cNvPr id="3" name="Content Placeholder 2"/>
-          <p:cNvSpPr>
-            <a:spLocks noGrp="1"/>
-          </p:cNvSpPr>
-          <p:nvPr>
-            <p:ph idx="1"/>
-          </p:nvPr>
-        </p:nvSpPr>
-        <p:spPr/>
-        <p:txBody>
-          <a:bodyPr>
-            <a:normAutofit fontScale="92500" lnSpcReduction="20000"/>
-          </a:bodyPr>
-          <a:lstStyle/>
+              <a:t>Now let’s link all our pages to the main page</a:t>
+            </a:r>
+          </a:p>
           <a:p>
             <a:pPr marL="118872" indent="0">
               <a:buNone/>
             </a:pPr>
+            <a:endParaRPr lang="en-US" dirty="0" smtClean="0"/>
+          </a:p>
+          <a:p>
+            <a:pPr marL="118872" indent="0">
+              <a:buNone/>
+            </a:pPr>
+            <a:r>
+              <a:rPr lang="en-US" dirty="0" smtClean="0"/>
+              <a:t>&lt;</a:t>
+            </a:r>
+            <a:r>
+              <a:rPr lang="en-US" dirty="0" err="1" smtClean="0"/>
+              <a:t>ul</a:t>
+            </a:r>
+            <a:r>
+              <a:rPr lang="en-US" dirty="0" smtClean="0"/>
+              <a:t>&gt;</a:t>
+            </a:r>
+          </a:p>
+          <a:p>
+            <a:pPr marL="118872" indent="0">
+              <a:buNone/>
+            </a:pPr>
+            <a:r>
+              <a:rPr lang="en-US" dirty="0" smtClean="0"/>
+              <a:t>	&lt;li&gt;&lt;a </a:t>
+            </a:r>
+            <a:r>
+              <a:rPr lang="en-US" dirty="0" err="1" smtClean="0"/>
+              <a:t>href</a:t>
+            </a:r>
+            <a:r>
+              <a:rPr lang="en-US" dirty="0" smtClean="0"/>
+              <a:t>=“session2_b.html”&gt;Two&lt;/a&gt;</a:t>
+            </a:r>
+          </a:p>
+          <a:p>
+            <a:pPr marL="118872" indent="0">
+              <a:buNone/>
+            </a:pPr>
+            <a:r>
+              <a:rPr lang="en-US" dirty="0" smtClean="0"/>
+              <a:t>&lt;/</a:t>
+            </a:r>
+            <a:r>
+              <a:rPr lang="en-US" dirty="0" err="1" smtClean="0"/>
+              <a:t>ul</a:t>
+            </a:r>
+            <a:r>
+              <a:rPr lang="en-US" dirty="0" smtClean="0"/>
+              <a:t>&gt;</a:t>
+            </a:r>
+          </a:p>
+          <a:p>
+            <a:pPr marL="118872" indent="0">
+              <a:buNone/>
+            </a:pPr>
+            <a:endParaRPr lang="en-IE" dirty="0" smtClean="0"/>
+          </a:p>
+          <a:p>
+            <a:pPr marL="118872" indent="0">
+              <a:buNone/>
+            </a:pPr>
             <a:r>
               <a:rPr lang="en-IE" dirty="0" smtClean="0"/>
-              <a:t>Tables are another really useful way of laying out your webpage</a:t>
-            </a:r>
-            <a:endParaRPr lang="en-IE" dirty="0" smtClean="0"/>
-          </a:p>
-          <a:p>
-            <a:pPr marL="118872" indent="0">
-              <a:buNone/>
-            </a:pPr>
-            <a:endParaRPr lang="en-IE" dirty="0"/>
-          </a:p>
-          <a:p>
-            <a:pPr marL="118872" indent="0">
-              <a:buNone/>
-            </a:pPr>
-            <a:r>
-              <a:rPr lang="en-IE" dirty="0" smtClean="0"/>
-              <a:t>A table </a:t>
-            </a:r>
-            <a:r>
-              <a:rPr lang="en-IE" dirty="0" smtClean="0"/>
-              <a:t>has some rows, and each row is divided up into one or more “cells”</a:t>
+              <a:t>Don’t forget a heading, a title, some text explaining what your website is …</a:t>
             </a:r>
           </a:p>
           <a:p>
@@ -8856,31 +9190,16 @@
             </a:pPr>
             <a:r>
               <a:rPr lang="en-US" dirty="0" smtClean="0"/>
-              <a:t>Each cell can have text, or pictures, or another table … anything you like really</a:t>
-            </a:r>
-          </a:p>
-          <a:p>
-            <a:pPr marL="118872" indent="0">
-              <a:buNone/>
-            </a:pPr>
-            <a:endParaRPr lang="en-US" dirty="0"/>
-          </a:p>
-          <a:p>
-            <a:pPr marL="118872" indent="0">
-              <a:buNone/>
-            </a:pPr>
-            <a:r>
-              <a:rPr lang="en-US" dirty="0" smtClean="0"/>
-              <a:t>In the olden days (like 10 years ago) tables were usually used to layout web pages.</a:t>
-            </a:r>
-            <a:endParaRPr lang="en-IE" dirty="0" smtClean="0"/>
+              <a:t>We will come back and fancy this up this later </a:t>
+            </a:r>
+            <a:endParaRPr lang="en-IE" dirty="0"/>
           </a:p>
         </p:txBody>
       </p:sp>
     </p:spTree>
     <p:extLst>
       <p:ext uri="{BB962C8B-B14F-4D97-AF65-F5344CB8AC3E}">
-        <p14:creationId xmlns:p14="http://schemas.microsoft.com/office/powerpoint/2010/main" val="3697065676"/>
+        <p14:creationId xmlns:p14="http://schemas.microsoft.com/office/powerpoint/2010/main" val="136623678"/>
       </p:ext>
     </p:extLst>
   </p:cSld>
@@ -8931,7 +9250,7 @@
           <a:p>
             <a:r>
               <a:rPr lang="en-IE" dirty="0" smtClean="0"/>
-              <a:t>A Table in HTML</a:t>
+              <a:t>Adding Tables </a:t>
             </a:r>
             <a:endParaRPr lang="en-IE" dirty="0"/>
           </a:p>
@@ -8958,85 +9277,30 @@
               <a:buNone/>
             </a:pPr>
             <a:r>
-              <a:rPr lang="en-US" dirty="0" smtClean="0"/>
-              <a:t>&lt;table&gt;</a:t>
+              <a:rPr lang="en-IE" dirty="0" smtClean="0"/>
+              <a:t>Tables are another really useful way of laying out your webpage</a:t>
             </a:r>
           </a:p>
           <a:p>
             <a:pPr marL="118872" indent="0">
               <a:buNone/>
             </a:pPr>
-            <a:r>
-              <a:rPr lang="en-US" dirty="0" smtClean="0"/>
-              <a:t>&lt;</a:t>
-            </a:r>
-            <a:r>
-              <a:rPr lang="en-US" dirty="0" err="1" smtClean="0"/>
-              <a:t>tr</a:t>
-            </a:r>
-            <a:r>
-              <a:rPr lang="en-US" dirty="0" smtClean="0"/>
-              <a:t>&gt;</a:t>
-            </a:r>
+            <a:endParaRPr lang="en-IE" dirty="0"/>
           </a:p>
           <a:p>
             <a:pPr marL="118872" indent="0">
               <a:buNone/>
             </a:pPr>
             <a:r>
-              <a:rPr lang="en-US" dirty="0"/>
-              <a:t>	</a:t>
-            </a:r>
-            <a:r>
-              <a:rPr lang="en-US" dirty="0" smtClean="0"/>
-              <a:t>&lt;</a:t>
-            </a:r>
-            <a:r>
-              <a:rPr lang="en-US" dirty="0" err="1" smtClean="0"/>
-              <a:t>th</a:t>
-            </a:r>
-            <a:r>
-              <a:rPr lang="en-US" dirty="0" smtClean="0"/>
-              <a:t>&gt;&lt;/</a:t>
-            </a:r>
-            <a:r>
-              <a:rPr lang="en-US" dirty="0" err="1" smtClean="0"/>
-              <a:t>th</a:t>
-            </a:r>
-            <a:r>
-              <a:rPr lang="en-US" dirty="0" smtClean="0"/>
-              <a:t>&gt;</a:t>
+              <a:rPr lang="en-IE" dirty="0" smtClean="0"/>
+              <a:t>A table has some rows, and each row is divided up into one or more “cells”</a:t>
             </a:r>
           </a:p>
           <a:p>
             <a:pPr marL="118872" indent="0">
               <a:buNone/>
             </a:pPr>
-            <a:r>
-              <a:rPr lang="en-US" dirty="0"/>
-              <a:t>	</a:t>
-            </a:r>
-            <a:r>
-              <a:rPr lang="en-US" dirty="0" smtClean="0"/>
-              <a:t>&lt;</a:t>
-            </a:r>
-            <a:r>
-              <a:rPr lang="en-US" dirty="0" err="1" smtClean="0"/>
-              <a:t>th</a:t>
-            </a:r>
-            <a:r>
-              <a:rPr lang="en-US" dirty="0" smtClean="0"/>
-              <a:t>&gt;&lt;/</a:t>
-            </a:r>
-            <a:r>
-              <a:rPr lang="en-US" dirty="0" err="1" smtClean="0"/>
-              <a:t>th</a:t>
-            </a:r>
-            <a:r>
-              <a:rPr lang="en-US" dirty="0"/>
-              <a:t>&gt;</a:t>
-            </a:r>
-            <a:endParaRPr lang="en-US" dirty="0" smtClean="0"/>
+            <a:endParaRPr lang="en-US" dirty="0"/>
           </a:p>
           <a:p>
             <a:pPr marL="118872" indent="0">
@@ -9044,16 +9308,13 @@
             </a:pPr>
             <a:r>
               <a:rPr lang="en-US" dirty="0" smtClean="0"/>
-              <a:t>&lt;/</a:t>
-            </a:r>
-            <a:r>
-              <a:rPr lang="en-US" dirty="0" err="1" smtClean="0"/>
-              <a:t>tr</a:t>
-            </a:r>
-            <a:r>
-              <a:rPr lang="en-US" dirty="0" smtClean="0"/>
-              <a:t>&gt;</a:t>
-            </a:r>
+              <a:t>Each cell can have text, or pictures, or another table … anything you like really</a:t>
+            </a:r>
+          </a:p>
+          <a:p>
+            <a:pPr marL="118872" indent="0">
+              <a:buNone/>
+            </a:pPr>
             <a:endParaRPr lang="en-US" dirty="0"/>
           </a:p>
           <a:p>
@@ -9062,73 +9323,7 @@
             </a:pPr>
             <a:r>
               <a:rPr lang="en-US" dirty="0" smtClean="0"/>
-              <a:t>&lt;</a:t>
-            </a:r>
-            <a:r>
-              <a:rPr lang="en-US" dirty="0" err="1" smtClean="0"/>
-              <a:t>tr</a:t>
-            </a:r>
-            <a:r>
-              <a:rPr lang="en-US" dirty="0" smtClean="0"/>
-              <a:t>&gt;</a:t>
-            </a:r>
-          </a:p>
-          <a:p>
-            <a:pPr marL="118872" indent="0">
-              <a:buNone/>
-            </a:pPr>
-            <a:r>
-              <a:rPr lang="en-US" dirty="0"/>
-              <a:t>	</a:t>
-            </a:r>
-            <a:r>
-              <a:rPr lang="en-US" dirty="0" smtClean="0"/>
-              <a:t>&lt;td&gt;&lt;/td&gt;</a:t>
-            </a:r>
-          </a:p>
-          <a:p>
-            <a:pPr marL="118872" indent="0">
-              <a:buNone/>
-            </a:pPr>
-            <a:r>
-              <a:rPr lang="en-US" dirty="0"/>
-              <a:t>	</a:t>
-            </a:r>
-            <a:r>
-              <a:rPr lang="en-US" dirty="0" smtClean="0"/>
-              <a:t>&lt;td&gt;&lt;/td&gt;</a:t>
-            </a:r>
-          </a:p>
-          <a:p>
-            <a:pPr marL="118872" indent="0">
-              <a:buNone/>
-            </a:pPr>
-            <a:r>
-              <a:rPr lang="en-US" dirty="0" smtClean="0"/>
-              <a:t>&lt;/</a:t>
-            </a:r>
-            <a:r>
-              <a:rPr lang="en-US" dirty="0" err="1" smtClean="0"/>
-              <a:t>tr</a:t>
-            </a:r>
-            <a:r>
-              <a:rPr lang="en-US" dirty="0" smtClean="0"/>
-              <a:t>&gt;</a:t>
-            </a:r>
-          </a:p>
-          <a:p>
-            <a:pPr marL="118872" indent="0">
-              <a:buNone/>
-            </a:pPr>
-            <a:endParaRPr lang="en-US" dirty="0" smtClean="0"/>
-          </a:p>
-          <a:p>
-            <a:pPr marL="118872" indent="0">
-              <a:buNone/>
-            </a:pPr>
-            <a:r>
-              <a:rPr lang="en-US" dirty="0" smtClean="0"/>
-              <a:t>&lt;/table&gt;</a:t>
+              <a:t>In the olden days (like 10 years ago) tables were usually used to layout web pages.</a:t>
             </a:r>
             <a:endParaRPr lang="en-IE" dirty="0" smtClean="0"/>
           </a:p>
@@ -9137,7 +9332,7 @@
     </p:spTree>
     <p:extLst>
       <p:ext uri="{BB962C8B-B14F-4D97-AF65-F5344CB8AC3E}">
-        <p14:creationId xmlns:p14="http://schemas.microsoft.com/office/powerpoint/2010/main" val="1420006174"/>
+        <p14:creationId xmlns:p14="http://schemas.microsoft.com/office/powerpoint/2010/main" val="3697065676"/>
       </p:ext>
     </p:extLst>
   </p:cSld>

--- a/html/presentations/CoderDojoBrayHTML_session2.pptx
+++ b/html/presentations/CoderDojoBrayHTML_session2.pptx
@@ -543,7 +543,7 @@
           <a:p>
             <a:fld id="{ABE5CB41-8F34-4FAE-BDD8-10A032863583}" type="slidenum">
               <a:rPr lang="en-IE" smtClean="0"/>
-              <a:t>2</a:t>
+              <a:t>1</a:t>
             </a:fld>
             <a:endParaRPr lang="en-IE"/>
           </a:p>
@@ -552,7 +552,7 @@
     </p:spTree>
     <p:extLst>
       <p:ext uri="{BB962C8B-B14F-4D97-AF65-F5344CB8AC3E}">
-        <p14:creationId xmlns:p14="http://schemas.microsoft.com/office/powerpoint/2010/main" val="564335125"/>
+        <p14:creationId xmlns:p14="http://schemas.microsoft.com/office/powerpoint/2010/main" val="1751254594"/>
       </p:ext>
     </p:extLst>
   </p:cSld>
@@ -608,7 +608,7 @@
           <a:p>
             <a:r>
               <a:rPr lang="en-US" baseline="0" dirty="0" smtClean="0"/>
-              <a:t>Now get the kids to add a table of their own, on their own pages</a:t>
+              <a:t>We’re looking at the &lt;table&gt; tag here</a:t>
             </a:r>
           </a:p>
           <a:p>
@@ -617,14 +617,82 @@
           <a:p>
             <a:r>
               <a:rPr lang="en-US" baseline="0" dirty="0" smtClean="0"/>
-              <a:t>This might take a while to get it to look right … tables are a bit of a pain. No wonder nobody uses them any more …</a:t>
+              <a:t>&lt;</a:t>
+            </a:r>
+            <a:r>
+              <a:rPr lang="en-US" baseline="0" dirty="0" err="1" smtClean="0"/>
+              <a:t>th</a:t>
+            </a:r>
+            <a:r>
+              <a:rPr lang="en-US" baseline="0" dirty="0" smtClean="0"/>
+              <a:t>&gt; is the heading cell</a:t>
+            </a:r>
+          </a:p>
+          <a:p>
+            <a:r>
+              <a:rPr lang="en-US" baseline="0" dirty="0" smtClean="0"/>
+              <a:t>&lt;td&gt; is a standard data cell</a:t>
             </a:r>
           </a:p>
           <a:p>
             <a:endParaRPr lang="en-US" baseline="0" dirty="0" smtClean="0"/>
           </a:p>
           <a:p>
+            <a:r>
+              <a:rPr lang="en-US" baseline="0" dirty="0" smtClean="0"/>
+              <a:t>The best thing to do here is to work through some examples, using the session2_c.html as a framework.</a:t>
+            </a:r>
+          </a:p>
+          <a:p>
+            <a:r>
+              <a:rPr lang="en-US" baseline="0" dirty="0" smtClean="0"/>
+              <a:t>The attributes we will mention are border=, </a:t>
+            </a:r>
+            <a:r>
+              <a:rPr lang="en-US" baseline="0" dirty="0" err="1" smtClean="0"/>
+              <a:t>colspan</a:t>
+            </a:r>
+            <a:r>
+              <a:rPr lang="en-US" baseline="0" dirty="0" smtClean="0"/>
+              <a:t>=, </a:t>
+            </a:r>
+            <a:r>
+              <a:rPr lang="en-US" baseline="0" dirty="0" err="1" smtClean="0"/>
+              <a:t>rowspan</a:t>
+            </a:r>
+            <a:r>
+              <a:rPr lang="en-US" baseline="0" dirty="0" smtClean="0"/>
+              <a:t>=, and width=X%</a:t>
+            </a:r>
+          </a:p>
+          <a:p>
             <a:endParaRPr lang="en-US" baseline="0" dirty="0" smtClean="0"/>
+          </a:p>
+          <a:p>
+            <a:r>
+              <a:rPr lang="en-US" baseline="0" dirty="0" smtClean="0"/>
+              <a:t>In going through the &lt;table&gt;, first leave out the </a:t>
+            </a:r>
+            <a:r>
+              <a:rPr lang="en-US" baseline="0" dirty="0" err="1" smtClean="0"/>
+              <a:t>colspan</a:t>
+            </a:r>
+            <a:r>
+              <a:rPr lang="en-US" baseline="0" dirty="0" smtClean="0"/>
+              <a:t>. You will see that the title does not match up.</a:t>
+            </a:r>
+          </a:p>
+          <a:p>
+            <a:r>
+              <a:rPr lang="en-US" baseline="0" dirty="0" smtClean="0"/>
+              <a:t>Then add it in: now the title matches the cells below.</a:t>
+            </a:r>
+          </a:p>
+          <a:p>
+            <a:r>
+              <a:rPr lang="en-US" baseline="0" dirty="0" smtClean="0"/>
+              <a:t>Also omit the width specification for the images, then add it in and you will see the images resize maintaining aspect ratio.</a:t>
+            </a:r>
           </a:p>
           <a:p>
             <a:endParaRPr lang="en-US" baseline="0" dirty="0" smtClean="0"/>
@@ -648,7 +716,7 @@
           <a:p>
             <a:fld id="{ABE5CB41-8F34-4FAE-BDD8-10A032863583}" type="slidenum">
               <a:rPr lang="en-IE" smtClean="0"/>
-              <a:t>11</a:t>
+              <a:t>10</a:t>
             </a:fld>
             <a:endParaRPr lang="en-IE"/>
           </a:p>
@@ -712,16 +780,8 @@
           <a:lstStyle/>
           <a:p>
             <a:r>
-              <a:rPr lang="en-IE" baseline="0" dirty="0" smtClean="0"/>
-              <a:t>We just add some CSS styling to make the &lt;</a:t>
-            </a:r>
-            <a:r>
-              <a:rPr lang="en-IE" baseline="0" dirty="0" err="1" smtClean="0"/>
-              <a:t>ul</a:t>
-            </a:r>
-            <a:r>
-              <a:rPr lang="en-IE" baseline="0" dirty="0" smtClean="0"/>
-              <a:t>&gt; into a horizontal menu</a:t>
+              <a:rPr lang="en-US" baseline="0" dirty="0" smtClean="0"/>
+              <a:t>Now get the kids to add a table of their own, on their own pages</a:t>
             </a:r>
           </a:p>
           <a:p>
@@ -730,74 +790,17 @@
           <a:p>
             <a:r>
               <a:rPr lang="en-US" baseline="0" dirty="0" smtClean="0"/>
-              <a:t>Note that we have not introduced proper CSS “classes” or “id” notions here, that is for the next session which will focus on CSS</a:t>
-            </a:r>
-          </a:p>
-          <a:p>
-            <a:r>
-              <a:rPr lang="en-US" baseline="0" dirty="0" smtClean="0"/>
-              <a:t>This one will be just apply the styling to all &lt;</a:t>
-            </a:r>
-            <a:r>
-              <a:rPr lang="en-US" baseline="0" dirty="0" err="1" smtClean="0"/>
-              <a:t>ul</a:t>
-            </a:r>
-            <a:r>
-              <a:rPr lang="en-US" baseline="0" dirty="0" smtClean="0"/>
-              <a:t>&gt; lists it finds on the page</a:t>
+              <a:t>This might take a while to get it to look right … tables are a bit of a pain. No wonder nobody uses them any more …</a:t>
             </a:r>
           </a:p>
           <a:p>
             <a:endParaRPr lang="en-US" baseline="0" dirty="0" smtClean="0"/>
           </a:p>
           <a:p>
-            <a:r>
-              <a:rPr lang="en-US" baseline="0" dirty="0" smtClean="0"/>
-              <a:t>If a kid have &gt;1 &lt;</a:t>
-            </a:r>
-            <a:r>
-              <a:rPr lang="en-US" baseline="0" dirty="0" err="1" smtClean="0"/>
-              <a:t>ul</a:t>
-            </a:r>
-            <a:r>
-              <a:rPr lang="en-US" baseline="0" dirty="0" smtClean="0"/>
-              <a:t>&gt; list and their page looks silly, then just to the “class” trick for their CSS and explain that we will come back to that later.</a:t>
-            </a:r>
-          </a:p>
-          <a:p>
             <a:endParaRPr lang="en-US" baseline="0" dirty="0" smtClean="0"/>
           </a:p>
           <a:p>
-            <a:r>
-              <a:rPr lang="en-US" baseline="0" dirty="0" smtClean="0"/>
-              <a:t>The easiest way to show this is to take the session2_d.css and uncomment, one at a time, each of the CSS directives in the li {} block in the &lt;style&gt; </a:t>
-            </a:r>
-            <a:r>
-              <a:rPr lang="en-US" baseline="0" dirty="0" smtClean="0"/>
-              <a:t>section</a:t>
-            </a:r>
-            <a:endParaRPr lang="en-IE" baseline="0" dirty="0" smtClean="0"/>
-          </a:p>
-          <a:p>
-            <a:endParaRPr lang="en-IE" baseline="0" dirty="0" smtClean="0"/>
-          </a:p>
-          <a:p>
-            <a:r>
-              <a:rPr lang="en-IE" baseline="0" dirty="0" smtClean="0"/>
-              <a:t>You can also fire up Chrome, open up Tools-&gt;Developer Tools, find an item controlled by CSS and selectively turn them off using the </a:t>
-            </a:r>
-            <a:r>
-              <a:rPr lang="en-IE" baseline="0" dirty="0" err="1" smtClean="0"/>
-              <a:t>tickboxes</a:t>
-            </a:r>
-            <a:r>
-              <a:rPr lang="en-IE" baseline="0" dirty="0" smtClean="0"/>
-              <a:t> on the right hand side.</a:t>
-            </a:r>
-            <a:endParaRPr lang="en-IE" baseline="0" dirty="0" smtClean="0"/>
-          </a:p>
-          <a:p>
-            <a:endParaRPr lang="en-IE" baseline="0" dirty="0" smtClean="0"/>
+            <a:endParaRPr lang="en-US" baseline="0" dirty="0" smtClean="0"/>
           </a:p>
         </p:txBody>
       </p:sp>
@@ -818,7 +821,7 @@
           <a:p>
             <a:fld id="{ABE5CB41-8F34-4FAE-BDD8-10A032863583}" type="slidenum">
               <a:rPr lang="en-IE" smtClean="0"/>
-              <a:t>12</a:t>
+              <a:t>11</a:t>
             </a:fld>
             <a:endParaRPr lang="en-IE"/>
           </a:p>
@@ -882,8 +885,31 @@
           <a:lstStyle/>
           <a:p>
             <a:r>
+              <a:rPr lang="en-IE" baseline="0" dirty="0" smtClean="0"/>
+              <a:t>We just add some CSS styling to make the &lt;</a:t>
+            </a:r>
+            <a:r>
+              <a:rPr lang="en-IE" baseline="0" dirty="0" err="1" smtClean="0"/>
+              <a:t>ul</a:t>
+            </a:r>
+            <a:r>
+              <a:rPr lang="en-IE" baseline="0" dirty="0" smtClean="0"/>
+              <a:t>&gt; into a horizontal menu</a:t>
+            </a:r>
+          </a:p>
+          <a:p>
+            <a:endParaRPr lang="en-US" baseline="0" dirty="0" smtClean="0"/>
+          </a:p>
+          <a:p>
+            <a:r>
               <a:rPr lang="en-US" baseline="0" dirty="0" smtClean="0"/>
-              <a:t>These are the example styles we use, to turn a &lt;</a:t>
+              <a:t>Note that we have not introduced proper CSS “classes” or “id” notions here, that is for the next session which will focus on CSS</a:t>
+            </a:r>
+          </a:p>
+          <a:p>
+            <a:r>
+              <a:rPr lang="en-US" baseline="0" dirty="0" smtClean="0"/>
+              <a:t>This one will be just apply the styling to all &lt;</a:t>
             </a:r>
             <a:r>
               <a:rPr lang="en-US" baseline="0" dirty="0" err="1" smtClean="0"/>
@@ -891,7 +917,7 @@
             </a:r>
             <a:r>
               <a:rPr lang="en-US" baseline="0" dirty="0" smtClean="0"/>
-              <a:t>&gt; into a horizontal menu</a:t>
+              <a:t>&gt; lists it finds on the page</a:t>
             </a:r>
           </a:p>
           <a:p>
@@ -900,57 +926,47 @@
           <a:p>
             <a:r>
               <a:rPr lang="en-US" baseline="0" dirty="0" smtClean="0"/>
-              <a:t>In a later session (next week probably) we will look at doing this differently, using </a:t>
+              <a:t>If a kid have &gt;1 &lt;</a:t>
             </a:r>
             <a:r>
               <a:rPr lang="en-US" baseline="0" dirty="0" err="1" smtClean="0"/>
-              <a:t>float:left</a:t>
+              <a:t>ul</a:t>
             </a:r>
             <a:r>
               <a:rPr lang="en-US" baseline="0" dirty="0" smtClean="0"/>
-              <a:t> and </a:t>
-            </a:r>
-            <a:r>
-              <a:rPr lang="en-US" baseline="0" dirty="0" err="1" smtClean="0"/>
-              <a:t>float:right</a:t>
-            </a:r>
+              <a:t>&gt; list and their page looks silly, then just to the “class” trick for their CSS and explain that we will come back to that later.</a:t>
+            </a:r>
+          </a:p>
+          <a:p>
+            <a:endParaRPr lang="en-US" baseline="0" dirty="0" smtClean="0"/>
+          </a:p>
+          <a:p>
             <a:r>
               <a:rPr lang="en-US" baseline="0" dirty="0" smtClean="0"/>
-              <a:t> for menus</a:t>
-            </a:r>
-          </a:p>
-          <a:p>
+              <a:t>The easiest way to show this is to take the session2_d.css and uncomment, one at a time, each of the CSS directives in the li {} block in the &lt;style&gt; </a:t>
+            </a:r>
             <a:r>
               <a:rPr lang="en-US" baseline="0" dirty="0" smtClean="0"/>
-              <a:t>And identifying menus properly with CSS class identifiers</a:t>
-            </a:r>
-          </a:p>
-          <a:p>
-            <a:endParaRPr lang="en-US" baseline="0" dirty="0" smtClean="0"/>
-          </a:p>
-          <a:p>
-            <a:r>
-              <a:rPr lang="en-US" baseline="0" dirty="0" smtClean="0"/>
-              <a:t>For now, this will do nicely … </a:t>
-            </a:r>
-          </a:p>
-          <a:p>
-            <a:endParaRPr lang="en-US" baseline="0" dirty="0" smtClean="0"/>
-          </a:p>
-          <a:p>
-            <a:r>
-              <a:rPr lang="en-US" baseline="0" dirty="0" smtClean="0"/>
-              <a:t>The easiest way to show this is to do it online, commenting in one row at a time and showing what this does to the display</a:t>
-            </a:r>
-          </a:p>
-          <a:p>
-            <a:r>
-              <a:rPr lang="en-US" baseline="0" dirty="0" smtClean="0"/>
-              <a:t>/* and */ are the CSS comment delimiters</a:t>
+              <a:t>section</a:t>
             </a:r>
             <a:endParaRPr lang="en-IE" baseline="0" dirty="0" smtClean="0"/>
           </a:p>
           <a:p>
+            <a:endParaRPr lang="en-IE" baseline="0" dirty="0" smtClean="0"/>
+          </a:p>
+          <a:p>
+            <a:r>
+              <a:rPr lang="en-IE" baseline="0" dirty="0" smtClean="0"/>
+              <a:t>You can also fire up Chrome, open up Tools-&gt;Developer Tools, find an item controlled by CSS and selectively turn them off using the </a:t>
+            </a:r>
+            <a:r>
+              <a:rPr lang="en-IE" baseline="0" dirty="0" err="1" smtClean="0"/>
+              <a:t>tickboxes</a:t>
+            </a:r>
+            <a:r>
+              <a:rPr lang="en-IE" baseline="0" dirty="0" smtClean="0"/>
+              <a:t> on the right hand side.</a:t>
+            </a:r>
             <a:endParaRPr lang="en-IE" baseline="0" dirty="0" smtClean="0"/>
           </a:p>
           <a:p>
@@ -975,7 +991,7 @@
           <a:p>
             <a:fld id="{ABE5CB41-8F34-4FAE-BDD8-10A032863583}" type="slidenum">
               <a:rPr lang="en-IE" smtClean="0"/>
-              <a:t>13</a:t>
+              <a:t>12</a:t>
             </a:fld>
             <a:endParaRPr lang="en-IE"/>
           </a:p>
@@ -1038,6 +1054,76 @@
           <a:bodyPr/>
           <a:lstStyle/>
           <a:p>
+            <a:r>
+              <a:rPr lang="en-US" baseline="0" dirty="0" smtClean="0"/>
+              <a:t>These are the example styles we use, to turn a &lt;</a:t>
+            </a:r>
+            <a:r>
+              <a:rPr lang="en-US" baseline="0" dirty="0" err="1" smtClean="0"/>
+              <a:t>ul</a:t>
+            </a:r>
+            <a:r>
+              <a:rPr lang="en-US" baseline="0" dirty="0" smtClean="0"/>
+              <a:t>&gt; into a horizontal menu</a:t>
+            </a:r>
+          </a:p>
+          <a:p>
+            <a:endParaRPr lang="en-US" baseline="0" dirty="0" smtClean="0"/>
+          </a:p>
+          <a:p>
+            <a:r>
+              <a:rPr lang="en-US" baseline="0" dirty="0" smtClean="0"/>
+              <a:t>In a later session (next week probably) we will look at doing this differently, using </a:t>
+            </a:r>
+            <a:r>
+              <a:rPr lang="en-US" baseline="0" dirty="0" err="1" smtClean="0"/>
+              <a:t>float:left</a:t>
+            </a:r>
+            <a:r>
+              <a:rPr lang="en-US" baseline="0" dirty="0" smtClean="0"/>
+              <a:t> and </a:t>
+            </a:r>
+            <a:r>
+              <a:rPr lang="en-US" baseline="0" dirty="0" err="1" smtClean="0"/>
+              <a:t>float:right</a:t>
+            </a:r>
+            <a:r>
+              <a:rPr lang="en-US" baseline="0" dirty="0" smtClean="0"/>
+              <a:t> for menus</a:t>
+            </a:r>
+          </a:p>
+          <a:p>
+            <a:r>
+              <a:rPr lang="en-US" baseline="0" dirty="0" smtClean="0"/>
+              <a:t>And identifying menus properly with CSS class identifiers</a:t>
+            </a:r>
+          </a:p>
+          <a:p>
+            <a:endParaRPr lang="en-US" baseline="0" dirty="0" smtClean="0"/>
+          </a:p>
+          <a:p>
+            <a:r>
+              <a:rPr lang="en-US" baseline="0" dirty="0" smtClean="0"/>
+              <a:t>For now, this will do nicely … </a:t>
+            </a:r>
+          </a:p>
+          <a:p>
+            <a:endParaRPr lang="en-US" baseline="0" dirty="0" smtClean="0"/>
+          </a:p>
+          <a:p>
+            <a:r>
+              <a:rPr lang="en-US" baseline="0" dirty="0" smtClean="0"/>
+              <a:t>The easiest way to show this is to do it online, commenting in one row at a time and showing what this does to the display</a:t>
+            </a:r>
+          </a:p>
+          <a:p>
+            <a:r>
+              <a:rPr lang="en-US" baseline="0" dirty="0" smtClean="0"/>
+              <a:t>/* and */ are the CSS comment delimiters</a:t>
+            </a:r>
+            <a:endParaRPr lang="en-IE" baseline="0" dirty="0" smtClean="0"/>
+          </a:p>
+          <a:p>
             <a:endParaRPr lang="en-IE" baseline="0" dirty="0" smtClean="0"/>
           </a:p>
           <a:p>
@@ -1062,7 +1148,7 @@
           <a:p>
             <a:fld id="{ABE5CB41-8F34-4FAE-BDD8-10A032863583}" type="slidenum">
               <a:rPr lang="en-IE" smtClean="0"/>
-              <a:t>14</a:t>
+              <a:t>13</a:t>
             </a:fld>
             <a:endParaRPr lang="en-IE"/>
           </a:p>
@@ -1128,19 +1214,6 @@
             <a:endParaRPr lang="en-IE" baseline="0" dirty="0" smtClean="0"/>
           </a:p>
           <a:p>
-            <a:r>
-              <a:rPr lang="en-US" baseline="0" dirty="0" smtClean="0"/>
-              <a:t>This moves the CSS into a separate file</a:t>
-            </a:r>
-          </a:p>
-          <a:p>
-            <a:endParaRPr lang="en-US" baseline="0" dirty="0" smtClean="0"/>
-          </a:p>
-          <a:p>
-            <a:r>
-              <a:rPr lang="en-US" baseline="0" dirty="0" smtClean="0"/>
-              <a:t>After moving the web page should display properly as before</a:t>
-            </a:r>
             <a:endParaRPr lang="en-IE" baseline="0" dirty="0" smtClean="0"/>
           </a:p>
         </p:txBody>
@@ -1162,7 +1235,7 @@
           <a:p>
             <a:fld id="{ABE5CB41-8F34-4FAE-BDD8-10A032863583}" type="slidenum">
               <a:rPr lang="en-IE" smtClean="0"/>
-              <a:t>15</a:t>
+              <a:t>14</a:t>
             </a:fld>
             <a:endParaRPr lang="en-IE"/>
           </a:p>
@@ -1262,7 +1335,7 @@
           <a:p>
             <a:fld id="{ABE5CB41-8F34-4FAE-BDD8-10A032863583}" type="slidenum">
               <a:rPr lang="en-IE" smtClean="0"/>
-              <a:t>16</a:t>
+              <a:t>15</a:t>
             </a:fld>
             <a:endParaRPr lang="en-IE"/>
           </a:p>
@@ -1325,9 +1398,12 @@
           <a:bodyPr/>
           <a:lstStyle/>
           <a:p>
+            <a:endParaRPr lang="en-IE" baseline="0" dirty="0" smtClean="0"/>
+          </a:p>
+          <a:p>
             <a:r>
               <a:rPr lang="en-US" baseline="0" dirty="0" smtClean="0"/>
-              <a:t>We could throw up on the screen now the few “planet” styled backgrounds which are in the session2 data</a:t>
+              <a:t>This moves the CSS into a separate file</a:t>
             </a:r>
           </a:p>
           <a:p>
@@ -1336,7 +1412,7 @@
           <a:p>
             <a:r>
               <a:rPr lang="en-US" baseline="0" dirty="0" smtClean="0"/>
-              <a:t>These have a simple, ugly-but-functional </a:t>
+              <a:t>After moving the web page should display properly as before</a:t>
             </a:r>
             <a:endParaRPr lang="en-IE" baseline="0" dirty="0" smtClean="0"/>
           </a:p>
@@ -1359,7 +1435,7 @@
           <a:p>
             <a:fld id="{ABE5CB41-8F34-4FAE-BDD8-10A032863583}" type="slidenum">
               <a:rPr lang="en-IE" smtClean="0"/>
-              <a:t>17</a:t>
+              <a:t>16</a:t>
             </a:fld>
             <a:endParaRPr lang="en-IE"/>
           </a:p>
@@ -1422,6 +1498,19 @@
           <a:bodyPr/>
           <a:lstStyle/>
           <a:p>
+            <a:r>
+              <a:rPr lang="en-US" baseline="0" dirty="0" smtClean="0"/>
+              <a:t>We could throw up on the screen now the few “planet” styled backgrounds which are in the session2 data</a:t>
+            </a:r>
+          </a:p>
+          <a:p>
+            <a:endParaRPr lang="en-US" baseline="0" dirty="0" smtClean="0"/>
+          </a:p>
+          <a:p>
+            <a:r>
+              <a:rPr lang="en-US" baseline="0" dirty="0" smtClean="0"/>
+              <a:t>These have a simple, ugly-but-functional </a:t>
+            </a:r>
             <a:endParaRPr lang="en-IE" baseline="0" dirty="0" smtClean="0"/>
           </a:p>
         </p:txBody>
@@ -1443,7 +1532,7 @@
           <a:p>
             <a:fld id="{ABE5CB41-8F34-4FAE-BDD8-10A032863583}" type="slidenum">
               <a:rPr lang="en-IE" smtClean="0"/>
-              <a:t>18</a:t>
+              <a:t>17</a:t>
             </a:fld>
             <a:endParaRPr lang="en-IE"/>
           </a:p>
@@ -1527,6 +1616,90 @@
           <a:p>
             <a:fld id="{ABE5CB41-8F34-4FAE-BDD8-10A032863583}" type="slidenum">
               <a:rPr lang="en-IE" smtClean="0"/>
+              <a:t>18</a:t>
+            </a:fld>
+            <a:endParaRPr lang="en-IE"/>
+          </a:p>
+        </p:txBody>
+      </p:sp>
+    </p:spTree>
+    <p:extLst>
+      <p:ext uri="{BB962C8B-B14F-4D97-AF65-F5344CB8AC3E}">
+        <p14:creationId xmlns:p14="http://schemas.microsoft.com/office/powerpoint/2010/main" val="2154761357"/>
+      </p:ext>
+    </p:extLst>
+  </p:cSld>
+  <p:clrMapOvr>
+    <a:masterClrMapping/>
+  </p:clrMapOvr>
+</p:notes>
+</file>
+
+<file path=ppt/notesSlides/notesSlide19.xml><?xml version="1.0" encoding="utf-8"?>
+<p:notes xmlns:a="http://schemas.openxmlformats.org/drawingml/2006/main" xmlns:r="http://schemas.openxmlformats.org/officeDocument/2006/relationships" xmlns:p="http://schemas.openxmlformats.org/presentationml/2006/main">
+  <p:cSld>
+    <p:spTree>
+      <p:nvGrpSpPr>
+        <p:cNvPr id="1" name=""/>
+        <p:cNvGrpSpPr/>
+        <p:nvPr/>
+      </p:nvGrpSpPr>
+      <p:grpSpPr>
+        <a:xfrm>
+          <a:off x="0" y="0"/>
+          <a:ext cx="0" cy="0"/>
+          <a:chOff x="0" y="0"/>
+          <a:chExt cx="0" cy="0"/>
+        </a:xfrm>
+      </p:grpSpPr>
+      <p:sp>
+        <p:nvSpPr>
+          <p:cNvPr id="2" name="Slide Image Placeholder 1"/>
+          <p:cNvSpPr>
+            <a:spLocks noGrp="1" noRot="1" noChangeAspect="1"/>
+          </p:cNvSpPr>
+          <p:nvPr>
+            <p:ph type="sldImg"/>
+          </p:nvPr>
+        </p:nvSpPr>
+        <p:spPr/>
+      </p:sp>
+      <p:sp>
+        <p:nvSpPr>
+          <p:cNvPr id="3" name="Notes Placeholder 2"/>
+          <p:cNvSpPr>
+            <a:spLocks noGrp="1"/>
+          </p:cNvSpPr>
+          <p:nvPr>
+            <p:ph type="body" idx="1"/>
+          </p:nvPr>
+        </p:nvSpPr>
+        <p:spPr/>
+        <p:txBody>
+          <a:bodyPr/>
+          <a:lstStyle/>
+          <a:p>
+            <a:endParaRPr lang="en-IE" baseline="0" dirty="0" smtClean="0"/>
+          </a:p>
+        </p:txBody>
+      </p:sp>
+      <p:sp>
+        <p:nvSpPr>
+          <p:cNvPr id="4" name="Slide Number Placeholder 3"/>
+          <p:cNvSpPr>
+            <a:spLocks noGrp="1"/>
+          </p:cNvSpPr>
+          <p:nvPr>
+            <p:ph type="sldNum" sz="quarter" idx="10"/>
+          </p:nvPr>
+        </p:nvSpPr>
+        <p:spPr/>
+        <p:txBody>
+          <a:bodyPr/>
+          <a:lstStyle/>
+          <a:p>
+            <a:fld id="{ABE5CB41-8F34-4FAE-BDD8-10A032863583}" type="slidenum">
+              <a:rPr lang="en-IE" smtClean="0"/>
               <a:t>19</a:t>
             </a:fld>
             <a:endParaRPr lang="en-IE"/>
@@ -1611,7 +1784,7 @@
           <a:p>
             <a:fld id="{ABE5CB41-8F34-4FAE-BDD8-10A032863583}" type="slidenum">
               <a:rPr lang="en-IE" smtClean="0"/>
-              <a:t>3</a:t>
+              <a:t>2</a:t>
             </a:fld>
             <a:endParaRPr lang="en-IE"/>
           </a:p>
@@ -1620,7 +1793,7 @@
     </p:spTree>
     <p:extLst>
       <p:ext uri="{BB962C8B-B14F-4D97-AF65-F5344CB8AC3E}">
-        <p14:creationId xmlns:p14="http://schemas.microsoft.com/office/powerpoint/2010/main" val="2067379537"/>
+        <p14:creationId xmlns:p14="http://schemas.microsoft.com/office/powerpoint/2010/main" val="564335125"/>
       </p:ext>
     </p:extLst>
   </p:cSld>
@@ -1674,67 +1847,6 @@
           <a:bodyPr/>
           <a:lstStyle/>
           <a:p>
-            <a:r>
-              <a:rPr lang="en-US" dirty="0" smtClean="0"/>
-              <a:t>Mentors should identify new attendees, and run through the standard</a:t>
-            </a:r>
-            <a:r>
-              <a:rPr lang="en-US" baseline="0" dirty="0" smtClean="0"/>
-              <a:t> setup with them: </a:t>
-            </a:r>
-            <a:r>
-              <a:rPr lang="en-IE" dirty="0" smtClean="0"/>
-              <a:t>check that all laptops are up and running, are</a:t>
-            </a:r>
-            <a:r>
-              <a:rPr lang="en-IE" baseline="0" dirty="0" smtClean="0"/>
-              <a:t> on the wireless network, can see the internet (google.ie</a:t>
-            </a:r>
-            <a:r>
-              <a:rPr lang="en-IE" baseline="0" dirty="0" smtClean="0"/>
-              <a:t>, </a:t>
-            </a:r>
-            <a:r>
-              <a:rPr lang="en-IE" baseline="0" dirty="0" smtClean="0"/>
-              <a:t>https://thimble.webmaker.org, dojo.hallamor.org)</a:t>
-            </a:r>
-          </a:p>
-          <a:p>
-            <a:endParaRPr lang="en-IE" baseline="0" dirty="0" smtClean="0"/>
-          </a:p>
-          <a:p>
-            <a:r>
-              <a:rPr lang="en-IE" baseline="0" dirty="0" smtClean="0"/>
-              <a:t>We would also like to have a decent editor (komodo edit is good: is saves on errors) and ideally Chrome as the browser installed.</a:t>
-            </a:r>
-          </a:p>
-          <a:p>
-            <a:endParaRPr lang="en-IE" baseline="0" dirty="0" smtClean="0"/>
-          </a:p>
-          <a:p>
-            <a:r>
-              <a:rPr lang="en-IE" baseline="0" dirty="0" smtClean="0"/>
-              <a:t>Having the same browser everywhere makes it much easier for mentors to help out in later sessions.</a:t>
-            </a:r>
-          </a:p>
-          <a:p>
-            <a:r>
-              <a:rPr lang="en-IE" baseline="0" dirty="0" smtClean="0"/>
-              <a:t>So now we need to go around and make sure everyone is setup.</a:t>
-            </a:r>
-          </a:p>
-          <a:p>
-            <a:endParaRPr lang="en-IE" baseline="0" dirty="0" smtClean="0"/>
-          </a:p>
-          <a:p>
-            <a:r>
-              <a:rPr lang="en-IE" baseline="0" dirty="0" smtClean="0"/>
-              <a:t>USB keys should have the installs for our </a:t>
-            </a:r>
-            <a:r>
-              <a:rPr lang="en-IE" baseline="0" dirty="0" smtClean="0"/>
-              <a:t>tools, although sometimes these have been seen not to work and a download from the internet was required.</a:t>
-            </a:r>
             <a:endParaRPr lang="en-IE" dirty="0"/>
           </a:p>
         </p:txBody>
@@ -1756,7 +1868,7 @@
           <a:p>
             <a:fld id="{ABE5CB41-8F34-4FAE-BDD8-10A032863583}" type="slidenum">
               <a:rPr lang="en-IE" smtClean="0"/>
-              <a:t>4</a:t>
+              <a:t>3</a:t>
             </a:fld>
             <a:endParaRPr lang="en-IE"/>
           </a:p>
@@ -1765,7 +1877,7 @@
     </p:spTree>
     <p:extLst>
       <p:ext uri="{BB962C8B-B14F-4D97-AF65-F5344CB8AC3E}">
-        <p14:creationId xmlns:p14="http://schemas.microsoft.com/office/powerpoint/2010/main" val="45962937"/>
+        <p14:creationId xmlns:p14="http://schemas.microsoft.com/office/powerpoint/2010/main" val="2067379537"/>
       </p:ext>
     </p:extLst>
   </p:cSld>
@@ -1820,53 +1932,67 @@
           <a:lstStyle/>
           <a:p>
             <a:r>
+              <a:rPr lang="en-US" dirty="0" smtClean="0"/>
+              <a:t>Mentors should identify new attendees, and run through the standard</a:t>
+            </a:r>
+            <a:r>
+              <a:rPr lang="en-US" baseline="0" dirty="0" smtClean="0"/>
+              <a:t> setup with them: </a:t>
+            </a:r>
+            <a:r>
               <a:rPr lang="en-IE" dirty="0" smtClean="0"/>
-              <a:t>Start with an empty page again,</a:t>
+              <a:t>check that all laptops are up and running, are</a:t>
             </a:r>
             <a:r>
               <a:rPr lang="en-IE" baseline="0" dirty="0" smtClean="0"/>
-              <a:t> saved locally.</a:t>
-            </a:r>
-          </a:p>
-          <a:p>
-            <a:endParaRPr lang="en-US" baseline="0" dirty="0" smtClean="0"/>
-          </a:p>
-          <a:p>
-            <a:r>
-              <a:rPr lang="en-US" baseline="0" dirty="0" smtClean="0"/>
-              <a:t>This is just a reminder of what a page looks like: &lt;html&gt;, &lt;head&gt;, &lt;body&gt; tags …</a:t>
-            </a:r>
-          </a:p>
-          <a:p>
-            <a:endParaRPr lang="en-US" baseline="0" dirty="0" smtClean="0"/>
-          </a:p>
-          <a:p>
-            <a:r>
-              <a:rPr lang="en-US" baseline="0" dirty="0" smtClean="0"/>
-              <a:t>If they have a page from last week, just copy and rename that to a new file.</a:t>
-            </a:r>
-          </a:p>
-          <a:p>
-            <a:r>
-              <a:rPr lang="en-US" baseline="0" dirty="0" smtClean="0"/>
-              <a:t>And start off by deleting the content they don’t want out of last week’s page</a:t>
-            </a:r>
-          </a:p>
-          <a:p>
-            <a:r>
-              <a:rPr lang="en-US" baseline="0" dirty="0" smtClean="0"/>
-              <a:t>Or of course you can keep it, and just add to it.</a:t>
-            </a:r>
-          </a:p>
-          <a:p>
-            <a:endParaRPr lang="en-US" baseline="0" dirty="0" smtClean="0"/>
-          </a:p>
-          <a:p>
-            <a:r>
-              <a:rPr lang="en-US" baseline="0" dirty="0" smtClean="0"/>
-              <a:t>When we show the &lt;tags&gt; we will show part of the page only</a:t>
-            </a:r>
+              <a:t> on the wireless network, can see the internet (google.ie</a:t>
+            </a:r>
+            <a:r>
+              <a:rPr lang="en-IE" baseline="0" dirty="0" smtClean="0"/>
+              <a:t>, </a:t>
+            </a:r>
+            <a:r>
+              <a:rPr lang="en-IE" baseline="0" dirty="0" smtClean="0"/>
+              <a:t>https://thimble.webmaker.org, dojo.hallamor.org)</a:t>
+            </a:r>
+          </a:p>
+          <a:p>
             <a:endParaRPr lang="en-IE" baseline="0" dirty="0" smtClean="0"/>
+          </a:p>
+          <a:p>
+            <a:r>
+              <a:rPr lang="en-IE" baseline="0" dirty="0" smtClean="0"/>
+              <a:t>We would also like to have a decent editor (komodo edit is good: is saves on errors) and ideally Chrome as the browser installed.</a:t>
+            </a:r>
+          </a:p>
+          <a:p>
+            <a:endParaRPr lang="en-IE" baseline="0" dirty="0" smtClean="0"/>
+          </a:p>
+          <a:p>
+            <a:r>
+              <a:rPr lang="en-IE" baseline="0" dirty="0" smtClean="0"/>
+              <a:t>Having the same browser everywhere makes it much easier for mentors to help out in later sessions.</a:t>
+            </a:r>
+          </a:p>
+          <a:p>
+            <a:r>
+              <a:rPr lang="en-IE" baseline="0" dirty="0" smtClean="0"/>
+              <a:t>So now we need to go around and make sure everyone is setup.</a:t>
+            </a:r>
+          </a:p>
+          <a:p>
+            <a:endParaRPr lang="en-IE" baseline="0" dirty="0" smtClean="0"/>
+          </a:p>
+          <a:p>
+            <a:r>
+              <a:rPr lang="en-IE" baseline="0" dirty="0" smtClean="0"/>
+              <a:t>USB keys should have the installs for our </a:t>
+            </a:r>
+            <a:r>
+              <a:rPr lang="en-IE" baseline="0" dirty="0" smtClean="0"/>
+              <a:t>tools, although sometimes these have been seen not to work and a download from the internet was required.</a:t>
+            </a:r>
+            <a:endParaRPr lang="en-IE" dirty="0"/>
           </a:p>
         </p:txBody>
       </p:sp>
@@ -1887,7 +2013,7 @@
           <a:p>
             <a:fld id="{ABE5CB41-8F34-4FAE-BDD8-10A032863583}" type="slidenum">
               <a:rPr lang="en-IE" smtClean="0"/>
-              <a:t>5</a:t>
+              <a:t>4</a:t>
             </a:fld>
             <a:endParaRPr lang="en-IE"/>
           </a:p>
@@ -1896,7 +2022,7 @@
     </p:spTree>
     <p:extLst>
       <p:ext uri="{BB962C8B-B14F-4D97-AF65-F5344CB8AC3E}">
-        <p14:creationId xmlns:p14="http://schemas.microsoft.com/office/powerpoint/2010/main" val="2154761357"/>
+        <p14:creationId xmlns:p14="http://schemas.microsoft.com/office/powerpoint/2010/main" val="45962937"/>
       </p:ext>
     </p:extLst>
   </p:cSld>
@@ -1951,27 +2077,42 @@
           <a:lstStyle/>
           <a:p>
             <a:r>
-              <a:rPr lang="en-US" dirty="0" smtClean="0"/>
-              <a:t>So we’ll add some list elements to a page</a:t>
-            </a:r>
-          </a:p>
-          <a:p>
-            <a:endParaRPr lang="en-US" dirty="0" smtClean="0"/>
-          </a:p>
-          <a:p>
-            <a:r>
-              <a:rPr lang="en-US" dirty="0" smtClean="0"/>
-              <a:t>Lists are very</a:t>
-            </a:r>
+              <a:rPr lang="en-IE" dirty="0" smtClean="0"/>
+              <a:t>Start with an empty page again,</a:t>
+            </a:r>
+            <a:r>
+              <a:rPr lang="en-IE" baseline="0" dirty="0" smtClean="0"/>
+              <a:t> saved locally.</a:t>
+            </a:r>
+          </a:p>
+          <a:p>
+            <a:endParaRPr lang="en-US" baseline="0" dirty="0" smtClean="0"/>
+          </a:p>
+          <a:p>
             <a:r>
               <a:rPr lang="en-US" baseline="0" dirty="0" smtClean="0"/>
-              <a:t> important because they are used all the time on webpages</a:t>
-            </a:r>
+              <a:t>This is just a reminder of what a page looks like: &lt;html&gt;, &lt;head&gt;, &lt;body&gt; tags …</a:t>
+            </a:r>
+          </a:p>
+          <a:p>
+            <a:endParaRPr lang="en-US" baseline="0" dirty="0" smtClean="0"/>
           </a:p>
           <a:p>
             <a:r>
               <a:rPr lang="en-US" baseline="0" dirty="0" smtClean="0"/>
-              <a:t>We will see later on today how using some CSS, we can turn a simple list into a menu to navigate through our website.</a:t>
+              <a:t>If they have a page from last week, just copy and rename that to a new file.</a:t>
+            </a:r>
+          </a:p>
+          <a:p>
+            <a:r>
+              <a:rPr lang="en-US" baseline="0" dirty="0" smtClean="0"/>
+              <a:t>And start off by deleting the content they don’t want out of last week’s page</a:t>
+            </a:r>
+          </a:p>
+          <a:p>
+            <a:r>
+              <a:rPr lang="en-US" baseline="0" dirty="0" smtClean="0"/>
+              <a:t>Or of course you can keep it, and just add to it.</a:t>
             </a:r>
           </a:p>
           <a:p>
@@ -1980,41 +2121,9 @@
           <a:p>
             <a:r>
               <a:rPr lang="en-US" baseline="0" dirty="0" smtClean="0"/>
-              <a:t>Lists can contain text, or images, or they can be lists of links to other pages.</a:t>
-            </a:r>
-          </a:p>
-          <a:p>
-            <a:endParaRPr lang="en-US" baseline="0" dirty="0" smtClean="0"/>
-          </a:p>
-          <a:p>
-            <a:r>
-              <a:rPr lang="en-US" baseline="0" dirty="0" smtClean="0"/>
-              <a:t>Now following session2_a.html, go through making an unordered and an ordered list</a:t>
-            </a:r>
-          </a:p>
-          <a:p>
-            <a:r>
-              <a:rPr lang="en-US" baseline="0" dirty="0" smtClean="0"/>
-              <a:t>Show that when you insert a new item into the middle of an ordered list, the remaining items automatically renumber.</a:t>
-            </a:r>
-          </a:p>
-          <a:p>
-            <a:endParaRPr lang="en-US" baseline="0" dirty="0" smtClean="0"/>
-          </a:p>
-          <a:p>
-            <a:r>
-              <a:rPr lang="en-US" baseline="0" dirty="0" smtClean="0"/>
-              <a:t>Kids should create some lists on a sample page, and experiment with adding in text, images </a:t>
-            </a:r>
-            <a:r>
-              <a:rPr lang="en-US" baseline="0" dirty="0" err="1" smtClean="0"/>
-              <a:t>etc</a:t>
-            </a:r>
-            <a:r>
-              <a:rPr lang="en-US" baseline="0" dirty="0" smtClean="0"/>
-              <a:t> into the list.</a:t>
-            </a:r>
-            <a:endParaRPr lang="en-IE" dirty="0"/>
+              <a:t>When we show the &lt;tags&gt; we will show part of the page only</a:t>
+            </a:r>
+            <a:endParaRPr lang="en-IE" baseline="0" dirty="0" smtClean="0"/>
           </a:p>
         </p:txBody>
       </p:sp>
@@ -2035,7 +2144,7 @@
           <a:p>
             <a:fld id="{ABE5CB41-8F34-4FAE-BDD8-10A032863583}" type="slidenum">
               <a:rPr lang="en-IE" smtClean="0"/>
-              <a:t>6</a:t>
+              <a:t>5</a:t>
             </a:fld>
             <a:endParaRPr lang="en-IE"/>
           </a:p>
@@ -2100,15 +2209,26 @@
           <a:p>
             <a:r>
               <a:rPr lang="en-US" dirty="0" smtClean="0"/>
-              <a:t>Now the</a:t>
+              <a:t>So we’ll add some list elements to a page</a:t>
+            </a:r>
+          </a:p>
+          <a:p>
+            <a:endParaRPr lang="en-US" dirty="0" smtClean="0"/>
+          </a:p>
+          <a:p>
+            <a:r>
+              <a:rPr lang="en-US" dirty="0" smtClean="0"/>
+              <a:t>Lists are very</a:t>
             </a:r>
             <a:r>
               <a:rPr lang="en-US" baseline="0" dirty="0" smtClean="0"/>
-              <a:t> kids need to create a few HTML pages in the same directory, say </a:t>
-            </a:r>
+              <a:t> important because they are used all the time on webpages</a:t>
+            </a:r>
+          </a:p>
+          <a:p>
             <a:r>
               <a:rPr lang="en-US" baseline="0" dirty="0" smtClean="0"/>
-              <a:t>three</a:t>
+              <a:t>We will see later on today how using some CSS, we can turn a simple list into a menu to navigate through our website.</a:t>
             </a:r>
           </a:p>
           <a:p>
@@ -2117,13 +2237,22 @@
           <a:p>
             <a:r>
               <a:rPr lang="en-US" baseline="0" dirty="0" smtClean="0"/>
-              <a:t>The main page of the website should be called “main.html” or “index.html”</a:t>
-            </a:r>
+              <a:t>Lists can contain text, or images, or they can be lists of links to other pages.</a:t>
+            </a:r>
+          </a:p>
+          <a:p>
+            <a:endParaRPr lang="en-US" baseline="0" dirty="0" smtClean="0"/>
           </a:p>
           <a:p>
             <a:r>
               <a:rPr lang="en-US" baseline="0" dirty="0" smtClean="0"/>
-              <a:t>The other pages can be called anything</a:t>
+              <a:t>Now following session2_a.html, go through making an unordered and an ordered list</a:t>
+            </a:r>
+          </a:p>
+          <a:p>
+            <a:r>
+              <a:rPr lang="en-US" baseline="0" dirty="0" smtClean="0"/>
+              <a:t>Show that when you insert a new item into the middle of an ordered list, the remaining items automatically renumber.</a:t>
             </a:r>
           </a:p>
           <a:p>
@@ -2132,47 +2261,17 @@
           <a:p>
             <a:r>
               <a:rPr lang="en-US" baseline="0" dirty="0" smtClean="0"/>
-              <a:t>The easiest way to do this is to copy the page they already have been working on, and rename it</a:t>
-            </a:r>
-          </a:p>
-          <a:p>
-            <a:endParaRPr lang="en-US" baseline="0" dirty="0" smtClean="0"/>
-          </a:p>
-          <a:p>
+              <a:t>Kids should create some lists on a sample page, and experiment with adding in text, images </a:t>
+            </a:r>
+            <a:r>
+              <a:rPr lang="en-US" baseline="0" dirty="0" err="1" smtClean="0"/>
+              <a:t>etc</a:t>
+            </a:r>
             <a:r>
               <a:rPr lang="en-US" baseline="0" dirty="0" smtClean="0"/>
-              <a:t>Then modify each page so that it is different</a:t>
-            </a:r>
-            <a:r>
-              <a:rPr lang="en-IE" baseline="0" dirty="0" smtClean="0"/>
-              <a:t> and they can tell them apart (change the heading and title)</a:t>
-            </a:r>
-          </a:p>
-          <a:p>
-            <a:r>
-              <a:rPr lang="en-US" baseline="0" dirty="0" smtClean="0"/>
-              <a:t>They should choose what their website is going to be about (their family, school, a band, a team, the </a:t>
-            </a:r>
-            <a:r>
-              <a:rPr lang="en-US" baseline="0" dirty="0" err="1" smtClean="0"/>
-              <a:t>olympics</a:t>
-            </a:r>
-            <a:r>
-              <a:rPr lang="en-US" baseline="0" dirty="0" smtClean="0"/>
-              <a:t> … ) with one page per topic</a:t>
-            </a:r>
-          </a:p>
-          <a:p>
-            <a:endParaRPr lang="en-US" baseline="0" dirty="0" smtClean="0"/>
-          </a:p>
-          <a:p>
-            <a:r>
-              <a:rPr lang="en-US" baseline="0" dirty="0" smtClean="0"/>
-              <a:t>Now they have their three pages done, we will link them all together using a menu on the first page</a:t>
-            </a:r>
-          </a:p>
-          <a:p>
-            <a:endParaRPr lang="en-US" baseline="0" dirty="0" smtClean="0"/>
+              <a:t> into the list.</a:t>
+            </a:r>
+            <a:endParaRPr lang="en-IE" dirty="0"/>
           </a:p>
         </p:txBody>
       </p:sp>
@@ -2193,7 +2292,7 @@
           <a:p>
             <a:fld id="{ABE5CB41-8F34-4FAE-BDD8-10A032863583}" type="slidenum">
               <a:rPr lang="en-IE" smtClean="0"/>
-              <a:t>7</a:t>
+              <a:t>6</a:t>
             </a:fld>
             <a:endParaRPr lang="en-IE"/>
           </a:p>
@@ -2257,10 +2356,80 @@
           <a:lstStyle/>
           <a:p>
             <a:r>
+              <a:rPr lang="en-US" dirty="0" smtClean="0"/>
+              <a:t>Now the</a:t>
+            </a:r>
+            <a:r>
               <a:rPr lang="en-US" baseline="0" dirty="0" smtClean="0"/>
-              <a:t>Work through on screen as per session2_b.html making a list of all the items</a:t>
-            </a:r>
-            <a:endParaRPr lang="en-IE" baseline="0" dirty="0" smtClean="0"/>
+              <a:t> kids need to create a few HTML pages in the same directory, say </a:t>
+            </a:r>
+            <a:r>
+              <a:rPr lang="en-US" baseline="0" dirty="0" smtClean="0"/>
+              <a:t>three</a:t>
+            </a:r>
+          </a:p>
+          <a:p>
+            <a:endParaRPr lang="en-US" baseline="0" dirty="0" smtClean="0"/>
+          </a:p>
+          <a:p>
+            <a:r>
+              <a:rPr lang="en-US" baseline="0" dirty="0" smtClean="0"/>
+              <a:t>The main page of the website should be called “main.html” or “index.html”</a:t>
+            </a:r>
+          </a:p>
+          <a:p>
+            <a:r>
+              <a:rPr lang="en-US" baseline="0" dirty="0" smtClean="0"/>
+              <a:t>The other pages can be called anything</a:t>
+            </a:r>
+          </a:p>
+          <a:p>
+            <a:endParaRPr lang="en-US" baseline="0" dirty="0" smtClean="0"/>
+          </a:p>
+          <a:p>
+            <a:r>
+              <a:rPr lang="en-US" baseline="0" dirty="0" smtClean="0"/>
+              <a:t>The easiest way to do this is to copy the page they already have been working on, and rename it</a:t>
+            </a:r>
+          </a:p>
+          <a:p>
+            <a:endParaRPr lang="en-US" baseline="0" dirty="0" smtClean="0"/>
+          </a:p>
+          <a:p>
+            <a:r>
+              <a:rPr lang="en-US" baseline="0" dirty="0" smtClean="0"/>
+              <a:t>Then modify each page so that it is different</a:t>
+            </a:r>
+            <a:r>
+              <a:rPr lang="en-IE" baseline="0" dirty="0" smtClean="0"/>
+              <a:t> and they can tell them apart (change the heading and title)</a:t>
+            </a:r>
+          </a:p>
+          <a:p>
+            <a:r>
+              <a:rPr lang="en-US" baseline="0" dirty="0" smtClean="0"/>
+              <a:t>They should choose what their website is going to be about (their family, school, a band, a team, the </a:t>
+            </a:r>
+            <a:r>
+              <a:rPr lang="en-US" baseline="0" dirty="0" err="1" smtClean="0"/>
+              <a:t>olympics</a:t>
+            </a:r>
+            <a:r>
+              <a:rPr lang="en-US" baseline="0" dirty="0" smtClean="0"/>
+              <a:t> … ) with one page per topic</a:t>
+            </a:r>
+          </a:p>
+          <a:p>
+            <a:endParaRPr lang="en-US" baseline="0" dirty="0" smtClean="0"/>
+          </a:p>
+          <a:p>
+            <a:r>
+              <a:rPr lang="en-US" baseline="0" dirty="0" smtClean="0"/>
+              <a:t>Now they have their three pages done, we will link them all together using a menu on the first page</a:t>
+            </a:r>
+          </a:p>
+          <a:p>
+            <a:endParaRPr lang="en-US" baseline="0" dirty="0" smtClean="0"/>
           </a:p>
         </p:txBody>
       </p:sp>
@@ -2281,7 +2450,7 @@
           <a:p>
             <a:fld id="{ABE5CB41-8F34-4FAE-BDD8-10A032863583}" type="slidenum">
               <a:rPr lang="en-IE" smtClean="0"/>
-              <a:t>8</a:t>
+              <a:t>7</a:t>
             </a:fld>
             <a:endParaRPr lang="en-IE"/>
           </a:p>
@@ -2346,11 +2515,9 @@
           <a:p>
             <a:r>
               <a:rPr lang="en-US" baseline="0" dirty="0" smtClean="0"/>
-              <a:t>We’re looking at the &lt;table&gt; tag here</a:t>
-            </a:r>
-          </a:p>
-          <a:p>
-            <a:endParaRPr lang="en-US" baseline="0" dirty="0" smtClean="0"/>
+              <a:t>Work through on screen as per session2_b.html making a list of all the items</a:t>
+            </a:r>
+            <a:endParaRPr lang="en-IE" baseline="0" dirty="0" smtClean="0"/>
           </a:p>
         </p:txBody>
       </p:sp>
@@ -2371,7 +2538,7 @@
           <a:p>
             <a:fld id="{ABE5CB41-8F34-4FAE-BDD8-10A032863583}" type="slidenum">
               <a:rPr lang="en-IE" smtClean="0"/>
-              <a:t>9</a:t>
+              <a:t>8</a:t>
             </a:fld>
             <a:endParaRPr lang="en-IE"/>
           </a:p>
@@ -2442,89 +2609,6 @@
           <a:p>
             <a:endParaRPr lang="en-US" baseline="0" dirty="0" smtClean="0"/>
           </a:p>
-          <a:p>
-            <a:r>
-              <a:rPr lang="en-US" baseline="0" dirty="0" smtClean="0"/>
-              <a:t>&lt;</a:t>
-            </a:r>
-            <a:r>
-              <a:rPr lang="en-US" baseline="0" dirty="0" err="1" smtClean="0"/>
-              <a:t>th</a:t>
-            </a:r>
-            <a:r>
-              <a:rPr lang="en-US" baseline="0" dirty="0" smtClean="0"/>
-              <a:t>&gt; is the heading cell</a:t>
-            </a:r>
-          </a:p>
-          <a:p>
-            <a:r>
-              <a:rPr lang="en-US" baseline="0" dirty="0" smtClean="0"/>
-              <a:t>&lt;td&gt; is a standard data cell</a:t>
-            </a:r>
-          </a:p>
-          <a:p>
-            <a:endParaRPr lang="en-US" baseline="0" dirty="0" smtClean="0"/>
-          </a:p>
-          <a:p>
-            <a:r>
-              <a:rPr lang="en-US" baseline="0" dirty="0" smtClean="0"/>
-              <a:t>The best thing to do here is to work through some examples, using the session2_c.html as a framework.</a:t>
-            </a:r>
-          </a:p>
-          <a:p>
-            <a:r>
-              <a:rPr lang="en-US" baseline="0" dirty="0" smtClean="0"/>
-              <a:t>The attributes we will mention are border=, </a:t>
-            </a:r>
-            <a:r>
-              <a:rPr lang="en-US" baseline="0" dirty="0" err="1" smtClean="0"/>
-              <a:t>colspan</a:t>
-            </a:r>
-            <a:r>
-              <a:rPr lang="en-US" baseline="0" dirty="0" smtClean="0"/>
-              <a:t>=, </a:t>
-            </a:r>
-            <a:r>
-              <a:rPr lang="en-US" baseline="0" dirty="0" err="1" smtClean="0"/>
-              <a:t>rowspan</a:t>
-            </a:r>
-            <a:r>
-              <a:rPr lang="en-US" baseline="0" dirty="0" smtClean="0"/>
-              <a:t>=, and width=X%</a:t>
-            </a:r>
-          </a:p>
-          <a:p>
-            <a:endParaRPr lang="en-US" baseline="0" dirty="0" smtClean="0"/>
-          </a:p>
-          <a:p>
-            <a:r>
-              <a:rPr lang="en-US" baseline="0" dirty="0" smtClean="0"/>
-              <a:t>In going through the &lt;table&gt;, first leave out the </a:t>
-            </a:r>
-            <a:r>
-              <a:rPr lang="en-US" baseline="0" dirty="0" err="1" smtClean="0"/>
-              <a:t>colspan</a:t>
-            </a:r>
-            <a:r>
-              <a:rPr lang="en-US" baseline="0" dirty="0" smtClean="0"/>
-              <a:t>. You will see that the title does not match up.</a:t>
-            </a:r>
-          </a:p>
-          <a:p>
-            <a:r>
-              <a:rPr lang="en-US" baseline="0" dirty="0" smtClean="0"/>
-              <a:t>Then add it in: now the title matches the cells below.</a:t>
-            </a:r>
-          </a:p>
-          <a:p>
-            <a:r>
-              <a:rPr lang="en-US" baseline="0" dirty="0" smtClean="0"/>
-              <a:t>Also omit the width specification for the images, then add it in and you will see the images resize maintaining aspect ratio.</a:t>
-            </a:r>
-          </a:p>
-          <a:p>
-            <a:endParaRPr lang="en-US" baseline="0" dirty="0" smtClean="0"/>
-          </a:p>
         </p:txBody>
       </p:sp>
       <p:sp>
@@ -2544,7 +2628,7 @@
           <a:p>
             <a:fld id="{ABE5CB41-8F34-4FAE-BDD8-10A032863583}" type="slidenum">
               <a:rPr lang="en-IE" smtClean="0"/>
-              <a:t>10</a:t>
+              <a:t>9</a:t>
             </a:fld>
             <a:endParaRPr lang="en-IE"/>
           </a:p>
@@ -6333,7 +6417,7 @@
           <p:nvPr/>
         </p:nvPicPr>
         <p:blipFill>
-          <a:blip r:embed="rId2">
+          <a:blip r:embed="rId3">
             <a:extLst>
               <a:ext uri="{28A0092B-C50C-407E-A947-70E740481C1C}">
                 <a14:useLocalDpi xmlns:a14="http://schemas.microsoft.com/office/drawing/2010/main" val="0"/>
@@ -6374,7 +6458,7 @@
         <p:spPr>
           <a:xfrm>
             <a:off x="1881983" y="6329850"/>
-            <a:ext cx="1394934" cy="400110"/>
+            <a:ext cx="3216522" cy="400110"/>
           </a:xfrm>
           <a:prstGeom prst="rect">
             <a:avLst/>
@@ -6389,7 +6473,11 @@
           <a:p>
             <a:r>
               <a:rPr lang="en-US" sz="2000" dirty="0" smtClean="0"/>
-              <a:t>Session #2 </a:t>
+              <a:t>Session #</a:t>
+            </a:r>
+            <a:r>
+              <a:rPr lang="en-US" sz="2000" dirty="0" smtClean="0"/>
+              <a:t>2 : Lists and Tables </a:t>
             </a:r>
             <a:endParaRPr lang="en-IE" sz="2000" dirty="0"/>
           </a:p>

--- a/html/presentations/CoderDojoBrayHTML_session2.pptx
+++ b/html/presentations/CoderDojoBrayHTML_session2.pptx
@@ -9,7 +9,7 @@
   </p:notesMasterIdLst>
   <p:sldIdLst>
     <p:sldId id="256" r:id="rId2"/>
-    <p:sldId id="275" r:id="rId3"/>
+    <p:sldId id="276" r:id="rId3"/>
     <p:sldId id="257" r:id="rId4"/>
     <p:sldId id="258" r:id="rId5"/>
     <p:sldId id="259" r:id="rId6"/>
@@ -210,7 +210,7 @@
           <a:p>
             <a:fld id="{9650A110-E0B9-45FC-A343-D8EC5640BF3F}" type="datetimeFigureOut">
               <a:rPr lang="en-IE" smtClean="0"/>
-              <a:t>12/09/2012</a:t>
+              <a:t>13/09/2012</a:t>
             </a:fld>
             <a:endParaRPr lang="en-IE"/>
           </a:p>
@@ -943,11 +943,7 @@
           <a:p>
             <a:r>
               <a:rPr lang="en-US" baseline="0" dirty="0" smtClean="0"/>
-              <a:t>The easiest way to show this is to take the session2_d.css and uncomment, one at a time, each of the CSS directives in the li {} block in the &lt;style&gt; </a:t>
-            </a:r>
-            <a:r>
-              <a:rPr lang="en-US" baseline="0" dirty="0" smtClean="0"/>
-              <a:t>section</a:t>
+              <a:t>The easiest way to show this is to take the session2_d.css and uncomment, one at a time, each of the CSS directives in the li {} block in the &lt;style&gt; section</a:t>
             </a:r>
             <a:endParaRPr lang="en-IE" baseline="0" dirty="0" smtClean="0"/>
           </a:p>
@@ -967,7 +963,6 @@
               <a:rPr lang="en-IE" baseline="0" dirty="0" smtClean="0"/>
               <a:t> on the right hand side.</a:t>
             </a:r>
-            <a:endParaRPr lang="en-IE" baseline="0" dirty="0" smtClean="0"/>
           </a:p>
           <a:p>
             <a:endParaRPr lang="en-IE" baseline="0" dirty="0" smtClean="0"/>
@@ -1945,15 +1940,7 @@
             </a:r>
             <a:r>
               <a:rPr lang="en-IE" baseline="0" dirty="0" smtClean="0"/>
-              <a:t> on the wireless network, can see the internet (google.ie</a:t>
-            </a:r>
-            <a:r>
-              <a:rPr lang="en-IE" baseline="0" dirty="0" smtClean="0"/>
-              <a:t>, </a:t>
-            </a:r>
-            <a:r>
-              <a:rPr lang="en-IE" baseline="0" dirty="0" smtClean="0"/>
-              <a:t>https://thimble.webmaker.org, dojo.hallamor.org)</a:t>
+              <a:t> on the wireless network, can see the internet (google.ie, https://thimble.webmaker.org, dojo.hallamor.org)</a:t>
             </a:r>
           </a:p>
           <a:p>
@@ -1986,11 +1973,7 @@
           <a:p>
             <a:r>
               <a:rPr lang="en-IE" baseline="0" dirty="0" smtClean="0"/>
-              <a:t>USB keys should have the installs for our </a:t>
-            </a:r>
-            <a:r>
-              <a:rPr lang="en-IE" baseline="0" dirty="0" smtClean="0"/>
-              <a:t>tools, although sometimes these have been seen not to work and a download from the internet was required.</a:t>
+              <a:t>USB keys should have the installs for our tools, although sometimes these have been seen not to work and a download from the internet was required.</a:t>
             </a:r>
             <a:endParaRPr lang="en-IE" dirty="0"/>
           </a:p>
@@ -2361,11 +2344,7 @@
             </a:r>
             <a:r>
               <a:rPr lang="en-US" baseline="0" dirty="0" smtClean="0"/>
-              <a:t> kids need to create a few HTML pages in the same directory, say </a:t>
-            </a:r>
-            <a:r>
-              <a:rPr lang="en-US" baseline="0" dirty="0" smtClean="0"/>
-              <a:t>three</a:t>
+              <a:t> kids need to create a few HTML pages in the same directory, say three</a:t>
             </a:r>
           </a:p>
           <a:p>
@@ -2890,7 +2869,7 @@
           <a:p>
             <a:fld id="{6D57282B-8A94-4CFA-A812-B2453AD9C772}" type="datetimeFigureOut">
               <a:rPr lang="en-IE" smtClean="0"/>
-              <a:t>12/09/2012</a:t>
+              <a:t>13/09/2012</a:t>
             </a:fld>
             <a:endParaRPr lang="en-IE" dirty="0"/>
           </a:p>
@@ -3113,7 +3092,7 @@
           <a:p>
             <a:fld id="{6D57282B-8A94-4CFA-A812-B2453AD9C772}" type="datetimeFigureOut">
               <a:rPr lang="en-IE" smtClean="0"/>
-              <a:t>12/09/2012</a:t>
+              <a:t>13/09/2012</a:t>
             </a:fld>
             <a:endParaRPr lang="en-IE"/>
           </a:p>
@@ -3393,7 +3372,7 @@
           <a:p>
             <a:fld id="{6D57282B-8A94-4CFA-A812-B2453AD9C772}" type="datetimeFigureOut">
               <a:rPr lang="en-IE" smtClean="0"/>
-              <a:t>12/09/2012</a:t>
+              <a:t>13/09/2012</a:t>
             </a:fld>
             <a:endParaRPr lang="en-IE"/>
           </a:p>
@@ -3572,7 +3551,7 @@
           <a:p>
             <a:fld id="{6D57282B-8A94-4CFA-A812-B2453AD9C772}" type="datetimeFigureOut">
               <a:rPr lang="en-IE" smtClean="0"/>
-              <a:t>12/09/2012</a:t>
+              <a:t>13/09/2012</a:t>
             </a:fld>
             <a:endParaRPr lang="en-IE"/>
           </a:p>
@@ -3966,7 +3945,7 @@
           <a:p>
             <a:fld id="{6D57282B-8A94-4CFA-A812-B2453AD9C772}" type="datetimeFigureOut">
               <a:rPr lang="en-IE" smtClean="0"/>
-              <a:t>12/09/2012</a:t>
+              <a:t>13/09/2012</a:t>
             </a:fld>
             <a:endParaRPr lang="en-IE"/>
           </a:p>
@@ -4253,7 +4232,7 @@
           <a:p>
             <a:fld id="{6D57282B-8A94-4CFA-A812-B2453AD9C772}" type="datetimeFigureOut">
               <a:rPr lang="en-IE" smtClean="0"/>
-              <a:t>12/09/2012</a:t>
+              <a:t>13/09/2012</a:t>
             </a:fld>
             <a:endParaRPr lang="en-IE"/>
           </a:p>
@@ -4675,7 +4654,7 @@
           <a:p>
             <a:fld id="{6D57282B-8A94-4CFA-A812-B2453AD9C772}" type="datetimeFigureOut">
               <a:rPr lang="en-IE" smtClean="0"/>
-              <a:t>12/09/2012</a:t>
+              <a:t>13/09/2012</a:t>
             </a:fld>
             <a:endParaRPr lang="en-IE"/>
           </a:p>
@@ -4790,7 +4769,7 @@
           <a:p>
             <a:fld id="{6D57282B-8A94-4CFA-A812-B2453AD9C772}" type="datetimeFigureOut">
               <a:rPr lang="en-IE" smtClean="0"/>
-              <a:t>12/09/2012</a:t>
+              <a:t>13/09/2012</a:t>
             </a:fld>
             <a:endParaRPr lang="en-IE"/>
           </a:p>
@@ -4880,7 +4859,7 @@
           <a:p>
             <a:fld id="{6D57282B-8A94-4CFA-A812-B2453AD9C772}" type="datetimeFigureOut">
               <a:rPr lang="en-IE" smtClean="0"/>
-              <a:t>12/09/2012</a:t>
+              <a:t>13/09/2012</a:t>
             </a:fld>
             <a:endParaRPr lang="en-IE"/>
           </a:p>
@@ -5158,7 +5137,7 @@
           <a:p>
             <a:fld id="{6D57282B-8A94-4CFA-A812-B2453AD9C772}" type="datetimeFigureOut">
               <a:rPr lang="en-IE" smtClean="0"/>
-              <a:t>12/09/2012</a:t>
+              <a:t>13/09/2012</a:t>
             </a:fld>
             <a:endParaRPr lang="en-IE"/>
           </a:p>
@@ -5519,7 +5498,7 @@
           <a:p>
             <a:fld id="{6D57282B-8A94-4CFA-A812-B2453AD9C772}" type="datetimeFigureOut">
               <a:rPr lang="en-IE" smtClean="0"/>
-              <a:t>12/09/2012</a:t>
+              <a:t>13/09/2012</a:t>
             </a:fld>
             <a:endParaRPr lang="en-IE"/>
           </a:p>
@@ -5956,7 +5935,7 @@
           <a:p>
             <a:fld id="{6D57282B-8A94-4CFA-A812-B2453AD9C772}" type="datetimeFigureOut">
               <a:rPr lang="en-IE" smtClean="0"/>
-              <a:t>12/09/2012</a:t>
+              <a:t>13/09/2012</a:t>
             </a:fld>
             <a:endParaRPr lang="en-IE"/>
           </a:p>
@@ -6473,11 +6452,7 @@
           <a:p>
             <a:r>
               <a:rPr lang="en-US" sz="2000" dirty="0" smtClean="0"/>
-              <a:t>Session #</a:t>
-            </a:r>
-            <a:r>
-              <a:rPr lang="en-US" sz="2000" dirty="0" smtClean="0"/>
-              <a:t>2 : Lists and Tables </a:t>
+              <a:t>Session #2 : Lists and Tables </a:t>
             </a:r>
             <a:endParaRPr lang="en-IE" sz="2000" dirty="0"/>
           </a:p>
@@ -7862,15 +7837,7 @@
           <a:p>
             <a:r>
               <a:rPr lang="en-US" dirty="0" smtClean="0"/>
-              <a:t>Add in pictures and </a:t>
-            </a:r>
-            <a:r>
-              <a:rPr lang="en-US" dirty="0" smtClean="0"/>
-              <a:t>maps from </a:t>
-            </a:r>
-            <a:r>
-              <a:rPr lang="en-US" dirty="0" smtClean="0"/>
-              <a:t>last week</a:t>
+              <a:t>Add in pictures and maps from last week</a:t>
             </a:r>
           </a:p>
           <a:p>
@@ -8156,7 +8123,6 @@
               <a:rPr lang="en-IE" dirty="0" smtClean="0"/>
               <a:t>We’ll show you how to publish your website onto dojo.hallamor.org</a:t>
             </a:r>
-            <a:endParaRPr lang="en-IE" dirty="0" smtClean="0"/>
           </a:p>
           <a:p>
             <a:pPr marL="118872" indent="0">
@@ -8242,45 +8208,87 @@
         </p:nvSpPr>
         <p:spPr/>
         <p:txBody>
-          <a:bodyPr/>
-          <a:lstStyle/>
-          <a:p>
+          <a:bodyPr>
+            <a:normAutofit/>
+          </a:bodyPr>
+          <a:lstStyle/>
+          <a:p>
+            <a:r>
+              <a:rPr lang="en-IE" sz="5400" dirty="0" smtClean="0"/>
+              <a:t>Join w</a:t>
+            </a:r>
+            <a:r>
+              <a:rPr lang="en-IE" sz="5400" dirty="0" smtClean="0"/>
+              <a:t>ireless network</a:t>
+            </a:r>
             <a:r>
               <a:rPr lang="en-IE" sz="6600" dirty="0" smtClean="0"/>
-              <a:t>Wireless network is: </a:t>
+              <a:t>: </a:t>
+            </a:r>
+            <a:r>
+              <a:rPr lang="en-IE" sz="6600" dirty="0" smtClean="0"/>
+              <a:t/>
             </a:r>
             <a:br>
               <a:rPr lang="en-IE" sz="6600" dirty="0" smtClean="0"/>
             </a:br>
             <a:r>
               <a:rPr lang="en-IE" sz="6600" dirty="0" smtClean="0"/>
+              <a:t>       </a:t>
+            </a:r>
+            <a:r>
+              <a:rPr lang="en-IE" sz="7200" b="1" dirty="0" err="1" smtClean="0"/>
+              <a:t>coderdojo</a:t>
+            </a:r>
+            <a:endParaRPr lang="en-IE" sz="7200" b="1" dirty="0"/>
+          </a:p>
+          <a:p>
+            <a:r>
+              <a:rPr lang="en-IE" sz="3000" dirty="0" smtClean="0"/>
+              <a:t>Have you got:</a:t>
+            </a:r>
+            <a:br>
+              <a:rPr lang="en-IE" sz="3000" dirty="0" smtClean="0"/>
+            </a:br>
+            <a:r>
+              <a:rPr lang="en-IE" sz="3000" dirty="0" smtClean="0"/>
+              <a:t>- Google Chrome</a:t>
+            </a:r>
+            <a:br>
+              <a:rPr lang="en-IE" sz="3000" dirty="0" smtClean="0"/>
+            </a:br>
+            <a:r>
+              <a:rPr lang="en-IE" sz="3000" dirty="0" smtClean="0"/>
+              <a:t>- Komodo Edit</a:t>
+            </a:r>
+            <a:br>
+              <a:rPr lang="en-IE" sz="3000" dirty="0" smtClean="0"/>
+            </a:br>
+            <a:r>
+              <a:rPr lang="en-IE" sz="3000" dirty="0" smtClean="0"/>
               <a:t/>
             </a:r>
             <a:br>
-              <a:rPr lang="en-IE" sz="6600" dirty="0" smtClean="0"/>
+              <a:rPr lang="en-IE" sz="3000" dirty="0" smtClean="0"/>
             </a:br>
             <a:r>
-              <a:rPr lang="en-IE" sz="6600" dirty="0" smtClean="0"/>
-              <a:t>       </a:t>
-            </a:r>
-            <a:r>
-              <a:rPr lang="en-IE" sz="8800" b="1" dirty="0" err="1" smtClean="0"/>
-              <a:t>coderdojo</a:t>
-            </a:r>
-            <a:endParaRPr lang="en-IE" sz="8800" b="1" dirty="0" smtClean="0"/>
+              <a:rPr lang="en-IE" sz="3000" dirty="0" smtClean="0"/>
+              <a:t>Installed on your laptop?</a:t>
+            </a:r>
+            <a:endParaRPr lang="en-IE" sz="3000" dirty="0" smtClean="0"/>
           </a:p>
           <a:p>
             <a:pPr marL="118872" indent="0">
               <a:buNone/>
             </a:pPr>
-            <a:endParaRPr lang="en-IE" b="1" dirty="0"/>
+            <a:endParaRPr lang="en-IE" sz="3000" dirty="0"/>
           </a:p>
         </p:txBody>
       </p:sp>
     </p:spTree>
     <p:extLst>
       <p:ext uri="{BB962C8B-B14F-4D97-AF65-F5344CB8AC3E}">
-        <p14:creationId xmlns:p14="http://schemas.microsoft.com/office/powerpoint/2010/main" val="3427478695"/>
+        <p14:creationId xmlns:p14="http://schemas.microsoft.com/office/powerpoint/2010/main" val="2886376364"/>
       </p:ext>
     </p:extLst>
   </p:cSld>
@@ -8546,15 +8554,7 @@
           <a:p>
             <a:r>
               <a:rPr lang="en-US" dirty="0" smtClean="0"/>
-              <a:t>We embedded </a:t>
-            </a:r>
-            <a:r>
-              <a:rPr lang="en-US" dirty="0" smtClean="0"/>
-              <a:t>a map and </a:t>
-            </a:r>
-            <a:r>
-              <a:rPr lang="en-US" dirty="0" smtClean="0"/>
-              <a:t>published your page on Mozilla Thimble</a:t>
+              <a:t>We embedded a map and published your page on Mozilla Thimble</a:t>
             </a:r>
             <a:endParaRPr lang="en-IE" dirty="0"/>
           </a:p>

--- a/html/presentations/CoderDojoBrayHTML_session2.pptx
+++ b/html/presentations/CoderDojoBrayHTML_session2.pptx
@@ -5,28 +5,29 @@
     <p:sldMasterId id="2147483672" r:id="rId1"/>
   </p:sldMasterIdLst>
   <p:notesMasterIdLst>
-    <p:notesMasterId r:id="rId21"/>
+    <p:notesMasterId r:id="rId22"/>
   </p:notesMasterIdLst>
   <p:sldIdLst>
     <p:sldId id="256" r:id="rId2"/>
-    <p:sldId id="276" r:id="rId3"/>
-    <p:sldId id="257" r:id="rId4"/>
-    <p:sldId id="258" r:id="rId5"/>
-    <p:sldId id="259" r:id="rId6"/>
-    <p:sldId id="266" r:id="rId7"/>
-    <p:sldId id="267" r:id="rId8"/>
-    <p:sldId id="260" r:id="rId9"/>
-    <p:sldId id="261" r:id="rId10"/>
-    <p:sldId id="268" r:id="rId11"/>
-    <p:sldId id="269" r:id="rId12"/>
-    <p:sldId id="262" r:id="rId13"/>
-    <p:sldId id="273" r:id="rId14"/>
-    <p:sldId id="263" r:id="rId15"/>
-    <p:sldId id="270" r:id="rId16"/>
-    <p:sldId id="274" r:id="rId17"/>
-    <p:sldId id="272" r:id="rId18"/>
-    <p:sldId id="265" r:id="rId19"/>
-    <p:sldId id="271" r:id="rId20"/>
+    <p:sldId id="277" r:id="rId3"/>
+    <p:sldId id="278" r:id="rId4"/>
+    <p:sldId id="257" r:id="rId5"/>
+    <p:sldId id="258" r:id="rId6"/>
+    <p:sldId id="259" r:id="rId7"/>
+    <p:sldId id="266" r:id="rId8"/>
+    <p:sldId id="267" r:id="rId9"/>
+    <p:sldId id="260" r:id="rId10"/>
+    <p:sldId id="261" r:id="rId11"/>
+    <p:sldId id="268" r:id="rId12"/>
+    <p:sldId id="269" r:id="rId13"/>
+    <p:sldId id="262" r:id="rId14"/>
+    <p:sldId id="273" r:id="rId15"/>
+    <p:sldId id="263" r:id="rId16"/>
+    <p:sldId id="270" r:id="rId17"/>
+    <p:sldId id="274" r:id="rId18"/>
+    <p:sldId id="272" r:id="rId19"/>
+    <p:sldId id="265" r:id="rId20"/>
+    <p:sldId id="271" r:id="rId21"/>
   </p:sldIdLst>
   <p:sldSz cx="9144000" cy="6858000" type="screen4x3"/>
   <p:notesSz cx="6858000" cy="9144000"/>
@@ -210,7 +211,7 @@
           <a:p>
             <a:fld id="{9650A110-E0B9-45FC-A343-D8EC5640BF3F}" type="datetimeFigureOut">
               <a:rPr lang="en-IE" smtClean="0"/>
-              <a:t>13/09/2012</a:t>
+              <a:t>18/09/2012</a:t>
             </a:fld>
             <a:endParaRPr lang="en-IE"/>
           </a:p>
@@ -614,89 +615,6 @@
           <a:p>
             <a:endParaRPr lang="en-US" baseline="0" dirty="0" smtClean="0"/>
           </a:p>
-          <a:p>
-            <a:r>
-              <a:rPr lang="en-US" baseline="0" dirty="0" smtClean="0"/>
-              <a:t>&lt;</a:t>
-            </a:r>
-            <a:r>
-              <a:rPr lang="en-US" baseline="0" dirty="0" err="1" smtClean="0"/>
-              <a:t>th</a:t>
-            </a:r>
-            <a:r>
-              <a:rPr lang="en-US" baseline="0" dirty="0" smtClean="0"/>
-              <a:t>&gt; is the heading cell</a:t>
-            </a:r>
-          </a:p>
-          <a:p>
-            <a:r>
-              <a:rPr lang="en-US" baseline="0" dirty="0" smtClean="0"/>
-              <a:t>&lt;td&gt; is a standard data cell</a:t>
-            </a:r>
-          </a:p>
-          <a:p>
-            <a:endParaRPr lang="en-US" baseline="0" dirty="0" smtClean="0"/>
-          </a:p>
-          <a:p>
-            <a:r>
-              <a:rPr lang="en-US" baseline="0" dirty="0" smtClean="0"/>
-              <a:t>The best thing to do here is to work through some examples, using the session2_c.html as a framework.</a:t>
-            </a:r>
-          </a:p>
-          <a:p>
-            <a:r>
-              <a:rPr lang="en-US" baseline="0" dirty="0" smtClean="0"/>
-              <a:t>The attributes we will mention are border=, </a:t>
-            </a:r>
-            <a:r>
-              <a:rPr lang="en-US" baseline="0" dirty="0" err="1" smtClean="0"/>
-              <a:t>colspan</a:t>
-            </a:r>
-            <a:r>
-              <a:rPr lang="en-US" baseline="0" dirty="0" smtClean="0"/>
-              <a:t>=, </a:t>
-            </a:r>
-            <a:r>
-              <a:rPr lang="en-US" baseline="0" dirty="0" err="1" smtClean="0"/>
-              <a:t>rowspan</a:t>
-            </a:r>
-            <a:r>
-              <a:rPr lang="en-US" baseline="0" dirty="0" smtClean="0"/>
-              <a:t>=, and width=X%</a:t>
-            </a:r>
-          </a:p>
-          <a:p>
-            <a:endParaRPr lang="en-US" baseline="0" dirty="0" smtClean="0"/>
-          </a:p>
-          <a:p>
-            <a:r>
-              <a:rPr lang="en-US" baseline="0" dirty="0" smtClean="0"/>
-              <a:t>In going through the &lt;table&gt;, first leave out the </a:t>
-            </a:r>
-            <a:r>
-              <a:rPr lang="en-US" baseline="0" dirty="0" err="1" smtClean="0"/>
-              <a:t>colspan</a:t>
-            </a:r>
-            <a:r>
-              <a:rPr lang="en-US" baseline="0" dirty="0" smtClean="0"/>
-              <a:t>. You will see that the title does not match up.</a:t>
-            </a:r>
-          </a:p>
-          <a:p>
-            <a:r>
-              <a:rPr lang="en-US" baseline="0" dirty="0" smtClean="0"/>
-              <a:t>Then add it in: now the title matches the cells below.</a:t>
-            </a:r>
-          </a:p>
-          <a:p>
-            <a:r>
-              <a:rPr lang="en-US" baseline="0" dirty="0" smtClean="0"/>
-              <a:t>Also omit the width specification for the images, then add it in and you will see the images resize maintaining aspect ratio.</a:t>
-            </a:r>
-          </a:p>
-          <a:p>
-            <a:endParaRPr lang="en-US" baseline="0" dirty="0" smtClean="0"/>
-          </a:p>
         </p:txBody>
       </p:sp>
       <p:sp>
@@ -781,7 +699,7 @@
           <a:p>
             <a:r>
               <a:rPr lang="en-US" baseline="0" dirty="0" smtClean="0"/>
-              <a:t>Now get the kids to add a table of their own, on their own pages</a:t>
+              <a:t>We’re looking at the &lt;table&gt; tag here</a:t>
             </a:r>
           </a:p>
           <a:p>
@@ -790,14 +708,82 @@
           <a:p>
             <a:r>
               <a:rPr lang="en-US" baseline="0" dirty="0" smtClean="0"/>
-              <a:t>This might take a while to get it to look right … tables are a bit of a pain. No wonder nobody uses them any more …</a:t>
+              <a:t>&lt;</a:t>
+            </a:r>
+            <a:r>
+              <a:rPr lang="en-US" baseline="0" dirty="0" err="1" smtClean="0"/>
+              <a:t>th</a:t>
+            </a:r>
+            <a:r>
+              <a:rPr lang="en-US" baseline="0" dirty="0" smtClean="0"/>
+              <a:t>&gt; is the heading cell</a:t>
+            </a:r>
+          </a:p>
+          <a:p>
+            <a:r>
+              <a:rPr lang="en-US" baseline="0" dirty="0" smtClean="0"/>
+              <a:t>&lt;td&gt; is a standard data cell</a:t>
             </a:r>
           </a:p>
           <a:p>
             <a:endParaRPr lang="en-US" baseline="0" dirty="0" smtClean="0"/>
           </a:p>
           <a:p>
+            <a:r>
+              <a:rPr lang="en-US" baseline="0" dirty="0" smtClean="0"/>
+              <a:t>The best thing to do here is to work through some examples, using the session2_c.html as a framework.</a:t>
+            </a:r>
+          </a:p>
+          <a:p>
+            <a:r>
+              <a:rPr lang="en-US" baseline="0" dirty="0" smtClean="0"/>
+              <a:t>The attributes we will mention are border=, </a:t>
+            </a:r>
+            <a:r>
+              <a:rPr lang="en-US" baseline="0" dirty="0" err="1" smtClean="0"/>
+              <a:t>colspan</a:t>
+            </a:r>
+            <a:r>
+              <a:rPr lang="en-US" baseline="0" dirty="0" smtClean="0"/>
+              <a:t>=, </a:t>
+            </a:r>
+            <a:r>
+              <a:rPr lang="en-US" baseline="0" dirty="0" err="1" smtClean="0"/>
+              <a:t>rowspan</a:t>
+            </a:r>
+            <a:r>
+              <a:rPr lang="en-US" baseline="0" dirty="0" smtClean="0"/>
+              <a:t>=, and width=X%</a:t>
+            </a:r>
+          </a:p>
+          <a:p>
             <a:endParaRPr lang="en-US" baseline="0" dirty="0" smtClean="0"/>
+          </a:p>
+          <a:p>
+            <a:r>
+              <a:rPr lang="en-US" baseline="0" dirty="0" smtClean="0"/>
+              <a:t>In going through the &lt;table&gt;, first leave out the </a:t>
+            </a:r>
+            <a:r>
+              <a:rPr lang="en-US" baseline="0" dirty="0" err="1" smtClean="0"/>
+              <a:t>colspan</a:t>
+            </a:r>
+            <a:r>
+              <a:rPr lang="en-US" baseline="0" dirty="0" smtClean="0"/>
+              <a:t>. You will see that the title does not match up.</a:t>
+            </a:r>
+          </a:p>
+          <a:p>
+            <a:r>
+              <a:rPr lang="en-US" baseline="0" dirty="0" smtClean="0"/>
+              <a:t>Then add it in: now the title matches the cells below.</a:t>
+            </a:r>
+          </a:p>
+          <a:p>
+            <a:r>
+              <a:rPr lang="en-US" baseline="0" dirty="0" smtClean="0"/>
+              <a:t>Also omit the width specification for the images, then add it in and you will see the images resize maintaining aspect ratio.</a:t>
+            </a:r>
           </a:p>
           <a:p>
             <a:endParaRPr lang="en-US" baseline="0" dirty="0" smtClean="0"/>
@@ -885,16 +871,8 @@
           <a:lstStyle/>
           <a:p>
             <a:r>
-              <a:rPr lang="en-IE" baseline="0" dirty="0" smtClean="0"/>
-              <a:t>We just add some CSS styling to make the &lt;</a:t>
-            </a:r>
-            <a:r>
-              <a:rPr lang="en-IE" baseline="0" dirty="0" err="1" smtClean="0"/>
-              <a:t>ul</a:t>
-            </a:r>
-            <a:r>
-              <a:rPr lang="en-IE" baseline="0" dirty="0" smtClean="0"/>
-              <a:t>&gt; into a horizontal menu</a:t>
+              <a:rPr lang="en-US" baseline="0" dirty="0" smtClean="0"/>
+              <a:t>Now get the kids to add a table of their own, on their own pages</a:t>
             </a:r>
           </a:p>
           <a:p>
@@ -903,69 +881,17 @@
           <a:p>
             <a:r>
               <a:rPr lang="en-US" baseline="0" dirty="0" smtClean="0"/>
-              <a:t>Note that we have not introduced proper CSS “classes” or “id” notions here, that is for the next session which will focus on CSS</a:t>
-            </a:r>
-          </a:p>
-          <a:p>
-            <a:r>
-              <a:rPr lang="en-US" baseline="0" dirty="0" smtClean="0"/>
-              <a:t>This one will be just apply the styling to all &lt;</a:t>
-            </a:r>
-            <a:r>
-              <a:rPr lang="en-US" baseline="0" dirty="0" err="1" smtClean="0"/>
-              <a:t>ul</a:t>
-            </a:r>
-            <a:r>
-              <a:rPr lang="en-US" baseline="0" dirty="0" smtClean="0"/>
-              <a:t>&gt; lists it finds on the page</a:t>
+              <a:t>This might take a while to get it to look right … tables are a bit of a pain. No wonder nobody uses them any more …</a:t>
             </a:r>
           </a:p>
           <a:p>
             <a:endParaRPr lang="en-US" baseline="0" dirty="0" smtClean="0"/>
           </a:p>
           <a:p>
-            <a:r>
-              <a:rPr lang="en-US" baseline="0" dirty="0" smtClean="0"/>
-              <a:t>If a kid have &gt;1 &lt;</a:t>
-            </a:r>
-            <a:r>
-              <a:rPr lang="en-US" baseline="0" dirty="0" err="1" smtClean="0"/>
-              <a:t>ul</a:t>
-            </a:r>
-            <a:r>
-              <a:rPr lang="en-US" baseline="0" dirty="0" smtClean="0"/>
-              <a:t>&gt; list and their page looks silly, then just to the “class” trick for their CSS and explain that we will come back to that later.</a:t>
-            </a:r>
-          </a:p>
-          <a:p>
             <a:endParaRPr lang="en-US" baseline="0" dirty="0" smtClean="0"/>
           </a:p>
           <a:p>
-            <a:r>
-              <a:rPr lang="en-US" baseline="0" dirty="0" smtClean="0"/>
-              <a:t>The easiest way to show this is to take the session2_d.css and uncomment, one at a time, each of the CSS directives in the li {} block in the &lt;style&gt; section</a:t>
-            </a:r>
-            <a:endParaRPr lang="en-IE" baseline="0" dirty="0" smtClean="0"/>
-          </a:p>
-          <a:p>
-            <a:endParaRPr lang="en-IE" baseline="0" dirty="0" smtClean="0"/>
-          </a:p>
-          <a:p>
-            <a:r>
-              <a:rPr lang="en-IE" baseline="0" dirty="0" smtClean="0"/>
-              <a:t>You can also fire up Chrome, open up Tools-&gt;Developer Tools, find an item controlled by CSS and selectively turn them off using the </a:t>
-            </a:r>
-            <a:r>
-              <a:rPr lang="en-IE" baseline="0" dirty="0" err="1" smtClean="0"/>
-              <a:t>tickboxes</a:t>
-            </a:r>
-            <a:r>
-              <a:rPr lang="en-IE" baseline="0" dirty="0" smtClean="0"/>
-              <a:t> on the right hand side.</a:t>
-            </a:r>
-          </a:p>
-          <a:p>
-            <a:endParaRPr lang="en-IE" baseline="0" dirty="0" smtClean="0"/>
+            <a:endParaRPr lang="en-US" baseline="0" dirty="0" smtClean="0"/>
           </a:p>
         </p:txBody>
       </p:sp>
@@ -1050,8 +976,31 @@
           <a:lstStyle/>
           <a:p>
             <a:r>
+              <a:rPr lang="en-IE" baseline="0" dirty="0" smtClean="0"/>
+              <a:t>We just add some CSS styling to make the &lt;</a:t>
+            </a:r>
+            <a:r>
+              <a:rPr lang="en-IE" baseline="0" dirty="0" err="1" smtClean="0"/>
+              <a:t>ul</a:t>
+            </a:r>
+            <a:r>
+              <a:rPr lang="en-IE" baseline="0" dirty="0" smtClean="0"/>
+              <a:t>&gt; into a horizontal menu</a:t>
+            </a:r>
+          </a:p>
+          <a:p>
+            <a:endParaRPr lang="en-US" baseline="0" dirty="0" smtClean="0"/>
+          </a:p>
+          <a:p>
+            <a:r>
               <a:rPr lang="en-US" baseline="0" dirty="0" smtClean="0"/>
-              <a:t>These are the example styles we use, to turn a &lt;</a:t>
+              <a:t>Note that we have not introduced proper CSS “classes” or “id” notions here, that is for the next session which will focus on CSS</a:t>
+            </a:r>
+          </a:p>
+          <a:p>
+            <a:r>
+              <a:rPr lang="en-US" baseline="0" dirty="0" smtClean="0"/>
+              <a:t>This one will be just apply the styling to all &lt;</a:t>
             </a:r>
             <a:r>
               <a:rPr lang="en-US" baseline="0" dirty="0" err="1" smtClean="0"/>
@@ -1059,7 +1008,7 @@
             </a:r>
             <a:r>
               <a:rPr lang="en-US" baseline="0" dirty="0" smtClean="0"/>
-              <a:t>&gt; into a horizontal menu</a:t>
+              <a:t>&gt; lists it finds on the page</a:t>
             </a:r>
           </a:p>
           <a:p>
@@ -1068,58 +1017,43 @@
           <a:p>
             <a:r>
               <a:rPr lang="en-US" baseline="0" dirty="0" smtClean="0"/>
-              <a:t>In a later session (next week probably) we will look at doing this differently, using </a:t>
+              <a:t>If a kid have &gt;1 &lt;</a:t>
             </a:r>
             <a:r>
               <a:rPr lang="en-US" baseline="0" dirty="0" err="1" smtClean="0"/>
-              <a:t>float:left</a:t>
+              <a:t>ul</a:t>
             </a:r>
             <a:r>
               <a:rPr lang="en-US" baseline="0" dirty="0" smtClean="0"/>
-              <a:t> and </a:t>
-            </a:r>
-            <a:r>
-              <a:rPr lang="en-US" baseline="0" dirty="0" err="1" smtClean="0"/>
-              <a:t>float:right</a:t>
-            </a:r>
+              <a:t>&gt; list and their page looks silly, then just to the “class” trick for their CSS and explain that we will come back to that later.</a:t>
+            </a:r>
+          </a:p>
+          <a:p>
+            <a:endParaRPr lang="en-US" baseline="0" dirty="0" smtClean="0"/>
+          </a:p>
+          <a:p>
             <a:r>
               <a:rPr lang="en-US" baseline="0" dirty="0" smtClean="0"/>
-              <a:t> for menus</a:t>
-            </a:r>
-          </a:p>
-          <a:p>
-            <a:r>
-              <a:rPr lang="en-US" baseline="0" dirty="0" smtClean="0"/>
-              <a:t>And identifying menus properly with CSS class identifiers</a:t>
-            </a:r>
-          </a:p>
-          <a:p>
-            <a:endParaRPr lang="en-US" baseline="0" dirty="0" smtClean="0"/>
-          </a:p>
-          <a:p>
-            <a:r>
-              <a:rPr lang="en-US" baseline="0" dirty="0" smtClean="0"/>
-              <a:t>For now, this will do nicely … </a:t>
-            </a:r>
-          </a:p>
-          <a:p>
-            <a:endParaRPr lang="en-US" baseline="0" dirty="0" smtClean="0"/>
-          </a:p>
-          <a:p>
-            <a:r>
-              <a:rPr lang="en-US" baseline="0" dirty="0" smtClean="0"/>
-              <a:t>The easiest way to show this is to do it online, commenting in one row at a time and showing what this does to the display</a:t>
-            </a:r>
-          </a:p>
-          <a:p>
-            <a:r>
-              <a:rPr lang="en-US" baseline="0" dirty="0" smtClean="0"/>
-              <a:t>/* and */ are the CSS comment delimiters</a:t>
+              <a:t>The easiest way to show this is to take the session2_d.css and uncomment, one at a time, each of the CSS directives in the li {} block in the &lt;style&gt; section</a:t>
             </a:r>
             <a:endParaRPr lang="en-IE" baseline="0" dirty="0" smtClean="0"/>
           </a:p>
           <a:p>
             <a:endParaRPr lang="en-IE" baseline="0" dirty="0" smtClean="0"/>
+          </a:p>
+          <a:p>
+            <a:r>
+              <a:rPr lang="en-IE" baseline="0" dirty="0" smtClean="0"/>
+              <a:t>You can also fire up Chrome, open up Tools-&gt;Developer Tools, find an item controlled by CSS and selectively turn them off using the </a:t>
+            </a:r>
+            <a:r>
+              <a:rPr lang="en-IE" baseline="0" dirty="0" err="1" smtClean="0"/>
+              <a:t>tickboxes</a:t>
+            </a:r>
+            <a:r>
+              <a:rPr lang="en-IE" baseline="0" dirty="0" smtClean="0"/>
+              <a:t> on the right hand side.</a:t>
+            </a:r>
           </a:p>
           <a:p>
             <a:endParaRPr lang="en-IE" baseline="0" dirty="0" smtClean="0"/>
@@ -1206,6 +1140,76 @@
           <a:bodyPr/>
           <a:lstStyle/>
           <a:p>
+            <a:r>
+              <a:rPr lang="en-US" baseline="0" dirty="0" smtClean="0"/>
+              <a:t>These are the example styles we use, to turn a &lt;</a:t>
+            </a:r>
+            <a:r>
+              <a:rPr lang="en-US" baseline="0" dirty="0" err="1" smtClean="0"/>
+              <a:t>ul</a:t>
+            </a:r>
+            <a:r>
+              <a:rPr lang="en-US" baseline="0" dirty="0" smtClean="0"/>
+              <a:t>&gt; into a horizontal menu</a:t>
+            </a:r>
+          </a:p>
+          <a:p>
+            <a:endParaRPr lang="en-US" baseline="0" dirty="0" smtClean="0"/>
+          </a:p>
+          <a:p>
+            <a:r>
+              <a:rPr lang="en-US" baseline="0" dirty="0" smtClean="0"/>
+              <a:t>In a later session (next week probably) we will look at doing this differently, using </a:t>
+            </a:r>
+            <a:r>
+              <a:rPr lang="en-US" baseline="0" dirty="0" err="1" smtClean="0"/>
+              <a:t>float:left</a:t>
+            </a:r>
+            <a:r>
+              <a:rPr lang="en-US" baseline="0" dirty="0" smtClean="0"/>
+              <a:t> and </a:t>
+            </a:r>
+            <a:r>
+              <a:rPr lang="en-US" baseline="0" dirty="0" err="1" smtClean="0"/>
+              <a:t>float:right</a:t>
+            </a:r>
+            <a:r>
+              <a:rPr lang="en-US" baseline="0" dirty="0" smtClean="0"/>
+              <a:t> for menus</a:t>
+            </a:r>
+          </a:p>
+          <a:p>
+            <a:r>
+              <a:rPr lang="en-US" baseline="0" dirty="0" smtClean="0"/>
+              <a:t>And identifying menus properly with CSS class identifiers</a:t>
+            </a:r>
+          </a:p>
+          <a:p>
+            <a:endParaRPr lang="en-US" baseline="0" dirty="0" smtClean="0"/>
+          </a:p>
+          <a:p>
+            <a:r>
+              <a:rPr lang="en-US" baseline="0" dirty="0" smtClean="0"/>
+              <a:t>For now, this will do nicely … </a:t>
+            </a:r>
+          </a:p>
+          <a:p>
+            <a:endParaRPr lang="en-US" baseline="0" dirty="0" smtClean="0"/>
+          </a:p>
+          <a:p>
+            <a:r>
+              <a:rPr lang="en-US" baseline="0" dirty="0" smtClean="0"/>
+              <a:t>The easiest way to show this is to do it online, commenting in one row at a time and showing what this does to the display</a:t>
+            </a:r>
+          </a:p>
+          <a:p>
+            <a:r>
+              <a:rPr lang="en-US" baseline="0" dirty="0" smtClean="0"/>
+              <a:t>/* and */ are the CSS comment delimiters</a:t>
+            </a:r>
+            <a:endParaRPr lang="en-IE" baseline="0" dirty="0" smtClean="0"/>
+          </a:p>
+          <a:p>
             <a:endParaRPr lang="en-IE" baseline="0" dirty="0" smtClean="0"/>
           </a:p>
           <a:p>
@@ -1296,19 +1300,6 @@
             <a:endParaRPr lang="en-IE" baseline="0" dirty="0" smtClean="0"/>
           </a:p>
           <a:p>
-            <a:r>
-              <a:rPr lang="en-US" baseline="0" dirty="0" smtClean="0"/>
-              <a:t>This moves the CSS into a separate file</a:t>
-            </a:r>
-          </a:p>
-          <a:p>
-            <a:endParaRPr lang="en-US" baseline="0" dirty="0" smtClean="0"/>
-          </a:p>
-          <a:p>
-            <a:r>
-              <a:rPr lang="en-US" baseline="0" dirty="0" smtClean="0"/>
-              <a:t>After moving the web page should display properly as before</a:t>
-            </a:r>
             <a:endParaRPr lang="en-IE" baseline="0" dirty="0" smtClean="0"/>
           </a:p>
         </p:txBody>
@@ -1493,9 +1484,12 @@
           <a:bodyPr/>
           <a:lstStyle/>
           <a:p>
+            <a:endParaRPr lang="en-IE" baseline="0" dirty="0" smtClean="0"/>
+          </a:p>
+          <a:p>
             <a:r>
               <a:rPr lang="en-US" baseline="0" dirty="0" smtClean="0"/>
-              <a:t>We could throw up on the screen now the few “planet” styled backgrounds which are in the session2 data</a:t>
+              <a:t>This moves the CSS into a separate file</a:t>
             </a:r>
           </a:p>
           <a:p>
@@ -1504,7 +1498,7 @@
           <a:p>
             <a:r>
               <a:rPr lang="en-US" baseline="0" dirty="0" smtClean="0"/>
-              <a:t>These have a simple, ugly-but-functional </a:t>
+              <a:t>After moving the web page should display properly as before</a:t>
             </a:r>
             <a:endParaRPr lang="en-IE" baseline="0" dirty="0" smtClean="0"/>
           </a:p>
@@ -1590,6 +1584,19 @@
           <a:bodyPr/>
           <a:lstStyle/>
           <a:p>
+            <a:r>
+              <a:rPr lang="en-US" baseline="0" dirty="0" smtClean="0"/>
+              <a:t>We could throw up on the screen now the few “planet” styled backgrounds which are in the session2 data</a:t>
+            </a:r>
+          </a:p>
+          <a:p>
+            <a:endParaRPr lang="en-US" baseline="0" dirty="0" smtClean="0"/>
+          </a:p>
+          <a:p>
+            <a:r>
+              <a:rPr lang="en-US" baseline="0" dirty="0" smtClean="0"/>
+              <a:t>These have a simple, ugly-but-functional </a:t>
+            </a:r>
             <a:endParaRPr lang="en-IE" baseline="0" dirty="0" smtClean="0"/>
           </a:p>
         </p:txBody>
@@ -1798,6 +1805,90 @@
 </p:notes>
 </file>
 
+<file path=ppt/notesSlides/notesSlide20.xml><?xml version="1.0" encoding="utf-8"?>
+<p:notes xmlns:a="http://schemas.openxmlformats.org/drawingml/2006/main" xmlns:r="http://schemas.openxmlformats.org/officeDocument/2006/relationships" xmlns:p="http://schemas.openxmlformats.org/presentationml/2006/main">
+  <p:cSld>
+    <p:spTree>
+      <p:nvGrpSpPr>
+        <p:cNvPr id="1" name=""/>
+        <p:cNvGrpSpPr/>
+        <p:nvPr/>
+      </p:nvGrpSpPr>
+      <p:grpSpPr>
+        <a:xfrm>
+          <a:off x="0" y="0"/>
+          <a:ext cx="0" cy="0"/>
+          <a:chOff x="0" y="0"/>
+          <a:chExt cx="0" cy="0"/>
+        </a:xfrm>
+      </p:grpSpPr>
+      <p:sp>
+        <p:nvSpPr>
+          <p:cNvPr id="2" name="Slide Image Placeholder 1"/>
+          <p:cNvSpPr>
+            <a:spLocks noGrp="1" noRot="1" noChangeAspect="1"/>
+          </p:cNvSpPr>
+          <p:nvPr>
+            <p:ph type="sldImg"/>
+          </p:nvPr>
+        </p:nvSpPr>
+        <p:spPr/>
+      </p:sp>
+      <p:sp>
+        <p:nvSpPr>
+          <p:cNvPr id="3" name="Notes Placeholder 2"/>
+          <p:cNvSpPr>
+            <a:spLocks noGrp="1"/>
+          </p:cNvSpPr>
+          <p:nvPr>
+            <p:ph type="body" idx="1"/>
+          </p:nvPr>
+        </p:nvSpPr>
+        <p:spPr/>
+        <p:txBody>
+          <a:bodyPr/>
+          <a:lstStyle/>
+          <a:p>
+            <a:endParaRPr lang="en-IE" baseline="0" dirty="0" smtClean="0"/>
+          </a:p>
+        </p:txBody>
+      </p:sp>
+      <p:sp>
+        <p:nvSpPr>
+          <p:cNvPr id="4" name="Slide Number Placeholder 3"/>
+          <p:cNvSpPr>
+            <a:spLocks noGrp="1"/>
+          </p:cNvSpPr>
+          <p:nvPr>
+            <p:ph type="sldNum" sz="quarter" idx="10"/>
+          </p:nvPr>
+        </p:nvSpPr>
+        <p:spPr/>
+        <p:txBody>
+          <a:bodyPr/>
+          <a:lstStyle/>
+          <a:p>
+            <a:fld id="{ABE5CB41-8F34-4FAE-BDD8-10A032863583}" type="slidenum">
+              <a:rPr lang="en-IE" smtClean="0"/>
+              <a:t>20</a:t>
+            </a:fld>
+            <a:endParaRPr lang="en-IE"/>
+          </a:p>
+        </p:txBody>
+      </p:sp>
+    </p:spTree>
+    <p:extLst>
+      <p:ext uri="{BB962C8B-B14F-4D97-AF65-F5344CB8AC3E}">
+        <p14:creationId xmlns:p14="http://schemas.microsoft.com/office/powerpoint/2010/main" val="2154761357"/>
+      </p:ext>
+    </p:extLst>
+  </p:cSld>
+  <p:clrMapOvr>
+    <a:masterClrMapping/>
+  </p:clrMapOvr>
+</p:notes>
+</file>
+
 <file path=ppt/notesSlides/notesSlide3.xml><?xml version="1.0" encoding="utf-8"?>
 <p:notes xmlns:a="http://schemas.openxmlformats.org/drawingml/2006/main" xmlns:r="http://schemas.openxmlformats.org/officeDocument/2006/relationships" xmlns:p="http://schemas.openxmlformats.org/presentationml/2006/main">
   <p:cSld>
@@ -1842,7 +1933,7 @@
           <a:bodyPr/>
           <a:lstStyle/>
           <a:p>
-            <a:endParaRPr lang="en-IE" dirty="0"/>
+            <a:endParaRPr lang="en-IE" baseline="0" dirty="0" smtClean="0"/>
           </a:p>
         </p:txBody>
       </p:sp>
@@ -1872,7 +1963,7 @@
     </p:spTree>
     <p:extLst>
       <p:ext uri="{BB962C8B-B14F-4D97-AF65-F5344CB8AC3E}">
-        <p14:creationId xmlns:p14="http://schemas.microsoft.com/office/powerpoint/2010/main" val="2067379537"/>
+        <p14:creationId xmlns:p14="http://schemas.microsoft.com/office/powerpoint/2010/main" val="2154761357"/>
       </p:ext>
     </p:extLst>
   </p:cSld>
@@ -1926,55 +2017,6 @@
           <a:bodyPr/>
           <a:lstStyle/>
           <a:p>
-            <a:r>
-              <a:rPr lang="en-US" dirty="0" smtClean="0"/>
-              <a:t>Mentors should identify new attendees, and run through the standard</a:t>
-            </a:r>
-            <a:r>
-              <a:rPr lang="en-US" baseline="0" dirty="0" smtClean="0"/>
-              <a:t> setup with them: </a:t>
-            </a:r>
-            <a:r>
-              <a:rPr lang="en-IE" dirty="0" smtClean="0"/>
-              <a:t>check that all laptops are up and running, are</a:t>
-            </a:r>
-            <a:r>
-              <a:rPr lang="en-IE" baseline="0" dirty="0" smtClean="0"/>
-              <a:t> on the wireless network, can see the internet (google.ie, https://thimble.webmaker.org, dojo.hallamor.org)</a:t>
-            </a:r>
-          </a:p>
-          <a:p>
-            <a:endParaRPr lang="en-IE" baseline="0" dirty="0" smtClean="0"/>
-          </a:p>
-          <a:p>
-            <a:r>
-              <a:rPr lang="en-IE" baseline="0" dirty="0" smtClean="0"/>
-              <a:t>We would also like to have a decent editor (komodo edit is good: is saves on errors) and ideally Chrome as the browser installed.</a:t>
-            </a:r>
-          </a:p>
-          <a:p>
-            <a:endParaRPr lang="en-IE" baseline="0" dirty="0" smtClean="0"/>
-          </a:p>
-          <a:p>
-            <a:r>
-              <a:rPr lang="en-IE" baseline="0" dirty="0" smtClean="0"/>
-              <a:t>Having the same browser everywhere makes it much easier for mentors to help out in later sessions.</a:t>
-            </a:r>
-          </a:p>
-          <a:p>
-            <a:r>
-              <a:rPr lang="en-IE" baseline="0" dirty="0" smtClean="0"/>
-              <a:t>So now we need to go around and make sure everyone is setup.</a:t>
-            </a:r>
-          </a:p>
-          <a:p>
-            <a:endParaRPr lang="en-IE" baseline="0" dirty="0" smtClean="0"/>
-          </a:p>
-          <a:p>
-            <a:r>
-              <a:rPr lang="en-IE" baseline="0" dirty="0" smtClean="0"/>
-              <a:t>USB keys should have the installs for our tools, although sometimes these have been seen not to work and a download from the internet was required.</a:t>
-            </a:r>
             <a:endParaRPr lang="en-IE" dirty="0"/>
           </a:p>
         </p:txBody>
@@ -2005,7 +2047,7 @@
     </p:spTree>
     <p:extLst>
       <p:ext uri="{BB962C8B-B14F-4D97-AF65-F5344CB8AC3E}">
-        <p14:creationId xmlns:p14="http://schemas.microsoft.com/office/powerpoint/2010/main" val="45962937"/>
+        <p14:creationId xmlns:p14="http://schemas.microsoft.com/office/powerpoint/2010/main" val="2067379537"/>
       </p:ext>
     </p:extLst>
   </p:cSld>
@@ -2060,53 +2102,55 @@
           <a:lstStyle/>
           <a:p>
             <a:r>
+              <a:rPr lang="en-US" dirty="0" smtClean="0"/>
+              <a:t>Mentors should identify new attendees, and run through the standard</a:t>
+            </a:r>
+            <a:r>
+              <a:rPr lang="en-US" baseline="0" dirty="0" smtClean="0"/>
+              <a:t> setup with them: </a:t>
+            </a:r>
+            <a:r>
               <a:rPr lang="en-IE" dirty="0" smtClean="0"/>
-              <a:t>Start with an empty page again,</a:t>
+              <a:t>check that all laptops are up and running, are</a:t>
             </a:r>
             <a:r>
               <a:rPr lang="en-IE" baseline="0" dirty="0" smtClean="0"/>
-              <a:t> saved locally.</a:t>
-            </a:r>
-          </a:p>
-          <a:p>
-            <a:endParaRPr lang="en-US" baseline="0" dirty="0" smtClean="0"/>
-          </a:p>
-          <a:p>
-            <a:r>
-              <a:rPr lang="en-US" baseline="0" dirty="0" smtClean="0"/>
-              <a:t>This is just a reminder of what a page looks like: &lt;html&gt;, &lt;head&gt;, &lt;body&gt; tags …</a:t>
-            </a:r>
-          </a:p>
-          <a:p>
-            <a:endParaRPr lang="en-US" baseline="0" dirty="0" smtClean="0"/>
-          </a:p>
-          <a:p>
-            <a:r>
-              <a:rPr lang="en-US" baseline="0" dirty="0" smtClean="0"/>
-              <a:t>If they have a page from last week, just copy and rename that to a new file.</a:t>
-            </a:r>
-          </a:p>
-          <a:p>
-            <a:r>
-              <a:rPr lang="en-US" baseline="0" dirty="0" smtClean="0"/>
-              <a:t>And start off by deleting the content they don’t want out of last week’s page</a:t>
-            </a:r>
-          </a:p>
-          <a:p>
-            <a:r>
-              <a:rPr lang="en-US" baseline="0" dirty="0" smtClean="0"/>
-              <a:t>Or of course you can keep it, and just add to it.</a:t>
-            </a:r>
-          </a:p>
-          <a:p>
-            <a:endParaRPr lang="en-US" baseline="0" dirty="0" smtClean="0"/>
-          </a:p>
-          <a:p>
-            <a:r>
-              <a:rPr lang="en-US" baseline="0" dirty="0" smtClean="0"/>
-              <a:t>When we show the &lt;tags&gt; we will show part of the page only</a:t>
-            </a:r>
+              <a:t> on the wireless network, can see the internet (google.ie, https://thimble.webmaker.org, dojo.hallamor.org)</a:t>
+            </a:r>
+          </a:p>
+          <a:p>
             <a:endParaRPr lang="en-IE" baseline="0" dirty="0" smtClean="0"/>
+          </a:p>
+          <a:p>
+            <a:r>
+              <a:rPr lang="en-IE" baseline="0" dirty="0" smtClean="0"/>
+              <a:t>We would also like to have a decent editor (komodo edit is good: is saves on errors) and ideally Chrome as the browser installed.</a:t>
+            </a:r>
+          </a:p>
+          <a:p>
+            <a:endParaRPr lang="en-IE" baseline="0" dirty="0" smtClean="0"/>
+          </a:p>
+          <a:p>
+            <a:r>
+              <a:rPr lang="en-IE" baseline="0" dirty="0" smtClean="0"/>
+              <a:t>Having the same browser everywhere makes it much easier for mentors to help out in later sessions.</a:t>
+            </a:r>
+          </a:p>
+          <a:p>
+            <a:r>
+              <a:rPr lang="en-IE" baseline="0" dirty="0" smtClean="0"/>
+              <a:t>So now we need to go around and make sure everyone is setup.</a:t>
+            </a:r>
+          </a:p>
+          <a:p>
+            <a:endParaRPr lang="en-IE" baseline="0" dirty="0" smtClean="0"/>
+          </a:p>
+          <a:p>
+            <a:r>
+              <a:rPr lang="en-IE" baseline="0" dirty="0" smtClean="0"/>
+              <a:t>USB keys should have the installs for our tools, although sometimes these have been seen not to work and a download from the internet was required.</a:t>
+            </a:r>
+            <a:endParaRPr lang="en-IE" dirty="0"/>
           </a:p>
         </p:txBody>
       </p:sp>
@@ -2136,7 +2180,7 @@
     </p:spTree>
     <p:extLst>
       <p:ext uri="{BB962C8B-B14F-4D97-AF65-F5344CB8AC3E}">
-        <p14:creationId xmlns:p14="http://schemas.microsoft.com/office/powerpoint/2010/main" val="2154761357"/>
+        <p14:creationId xmlns:p14="http://schemas.microsoft.com/office/powerpoint/2010/main" val="45962937"/>
       </p:ext>
     </p:extLst>
   </p:cSld>
@@ -2191,27 +2235,42 @@
           <a:lstStyle/>
           <a:p>
             <a:r>
-              <a:rPr lang="en-US" dirty="0" smtClean="0"/>
-              <a:t>So we’ll add some list elements to a page</a:t>
-            </a:r>
-          </a:p>
-          <a:p>
-            <a:endParaRPr lang="en-US" dirty="0" smtClean="0"/>
-          </a:p>
-          <a:p>
-            <a:r>
-              <a:rPr lang="en-US" dirty="0" smtClean="0"/>
-              <a:t>Lists are very</a:t>
-            </a:r>
+              <a:rPr lang="en-IE" dirty="0" smtClean="0"/>
+              <a:t>Start with an empty page again,</a:t>
+            </a:r>
+            <a:r>
+              <a:rPr lang="en-IE" baseline="0" dirty="0" smtClean="0"/>
+              <a:t> saved locally.</a:t>
+            </a:r>
+          </a:p>
+          <a:p>
+            <a:endParaRPr lang="en-US" baseline="0" dirty="0" smtClean="0"/>
+          </a:p>
+          <a:p>
             <a:r>
               <a:rPr lang="en-US" baseline="0" dirty="0" smtClean="0"/>
-              <a:t> important because they are used all the time on webpages</a:t>
-            </a:r>
+              <a:t>This is just a reminder of what a page looks like: &lt;html&gt;, &lt;head&gt;, &lt;body&gt; tags …</a:t>
+            </a:r>
+          </a:p>
+          <a:p>
+            <a:endParaRPr lang="en-US" baseline="0" dirty="0" smtClean="0"/>
           </a:p>
           <a:p>
             <a:r>
               <a:rPr lang="en-US" baseline="0" dirty="0" smtClean="0"/>
-              <a:t>We will see later on today how using some CSS, we can turn a simple list into a menu to navigate through our website.</a:t>
+              <a:t>If they have a page from last week, just copy and rename that to a new file.</a:t>
+            </a:r>
+          </a:p>
+          <a:p>
+            <a:r>
+              <a:rPr lang="en-US" baseline="0" dirty="0" smtClean="0"/>
+              <a:t>And start off by deleting the content they don’t want out of last week’s page</a:t>
+            </a:r>
+          </a:p>
+          <a:p>
+            <a:r>
+              <a:rPr lang="en-US" baseline="0" dirty="0" smtClean="0"/>
+              <a:t>Or of course you can keep it, and just add to it.</a:t>
             </a:r>
           </a:p>
           <a:p>
@@ -2220,41 +2279,9 @@
           <a:p>
             <a:r>
               <a:rPr lang="en-US" baseline="0" dirty="0" smtClean="0"/>
-              <a:t>Lists can contain text, or images, or they can be lists of links to other pages.</a:t>
-            </a:r>
-          </a:p>
-          <a:p>
-            <a:endParaRPr lang="en-US" baseline="0" dirty="0" smtClean="0"/>
-          </a:p>
-          <a:p>
-            <a:r>
-              <a:rPr lang="en-US" baseline="0" dirty="0" smtClean="0"/>
-              <a:t>Now following session2_a.html, go through making an unordered and an ordered list</a:t>
-            </a:r>
-          </a:p>
-          <a:p>
-            <a:r>
-              <a:rPr lang="en-US" baseline="0" dirty="0" smtClean="0"/>
-              <a:t>Show that when you insert a new item into the middle of an ordered list, the remaining items automatically renumber.</a:t>
-            </a:r>
-          </a:p>
-          <a:p>
-            <a:endParaRPr lang="en-US" baseline="0" dirty="0" smtClean="0"/>
-          </a:p>
-          <a:p>
-            <a:r>
-              <a:rPr lang="en-US" baseline="0" dirty="0" smtClean="0"/>
-              <a:t>Kids should create some lists on a sample page, and experiment with adding in text, images </a:t>
-            </a:r>
-            <a:r>
-              <a:rPr lang="en-US" baseline="0" dirty="0" err="1" smtClean="0"/>
-              <a:t>etc</a:t>
-            </a:r>
-            <a:r>
-              <a:rPr lang="en-US" baseline="0" dirty="0" smtClean="0"/>
-              <a:t> into the list.</a:t>
-            </a:r>
-            <a:endParaRPr lang="en-IE" dirty="0"/>
+              <a:t>When we show the &lt;tags&gt; we will show part of the page only</a:t>
+            </a:r>
+            <a:endParaRPr lang="en-IE" baseline="0" dirty="0" smtClean="0"/>
           </a:p>
         </p:txBody>
       </p:sp>
@@ -2340,11 +2367,26 @@
           <a:p>
             <a:r>
               <a:rPr lang="en-US" dirty="0" smtClean="0"/>
-              <a:t>Now the</a:t>
+              <a:t>So we’ll add some list elements to a page</a:t>
+            </a:r>
+          </a:p>
+          <a:p>
+            <a:endParaRPr lang="en-US" dirty="0" smtClean="0"/>
+          </a:p>
+          <a:p>
+            <a:r>
+              <a:rPr lang="en-US" dirty="0" smtClean="0"/>
+              <a:t>Lists are very</a:t>
             </a:r>
             <a:r>
               <a:rPr lang="en-US" baseline="0" dirty="0" smtClean="0"/>
-              <a:t> kids need to create a few HTML pages in the same directory, say three</a:t>
+              <a:t> important because they are used all the time on webpages</a:t>
+            </a:r>
+          </a:p>
+          <a:p>
+            <a:r>
+              <a:rPr lang="en-US" baseline="0" dirty="0" smtClean="0"/>
+              <a:t>We will see later on today how using some CSS, we can turn a simple list into a menu to navigate through our website.</a:t>
             </a:r>
           </a:p>
           <a:p>
@@ -2353,13 +2395,22 @@
           <a:p>
             <a:r>
               <a:rPr lang="en-US" baseline="0" dirty="0" smtClean="0"/>
-              <a:t>The main page of the website should be called “main.html” or “index.html”</a:t>
-            </a:r>
+              <a:t>Lists can contain text, or images, or they can be lists of links to other pages.</a:t>
+            </a:r>
+          </a:p>
+          <a:p>
+            <a:endParaRPr lang="en-US" baseline="0" dirty="0" smtClean="0"/>
           </a:p>
           <a:p>
             <a:r>
               <a:rPr lang="en-US" baseline="0" dirty="0" smtClean="0"/>
-              <a:t>The other pages can be called anything</a:t>
+              <a:t>Now following session2_a.html, go through making an unordered and an ordered list</a:t>
+            </a:r>
+          </a:p>
+          <a:p>
+            <a:r>
+              <a:rPr lang="en-US" baseline="0" dirty="0" smtClean="0"/>
+              <a:t>Show that when you insert a new item into the middle of an ordered list, the remaining items automatically renumber.</a:t>
             </a:r>
           </a:p>
           <a:p>
@@ -2368,47 +2419,17 @@
           <a:p>
             <a:r>
               <a:rPr lang="en-US" baseline="0" dirty="0" smtClean="0"/>
-              <a:t>The easiest way to do this is to copy the page they already have been working on, and rename it</a:t>
-            </a:r>
-          </a:p>
-          <a:p>
-            <a:endParaRPr lang="en-US" baseline="0" dirty="0" smtClean="0"/>
-          </a:p>
-          <a:p>
+              <a:t>Kids should create some lists on a sample page, and experiment with adding in text, images </a:t>
+            </a:r>
+            <a:r>
+              <a:rPr lang="en-US" baseline="0" dirty="0" err="1" smtClean="0"/>
+              <a:t>etc</a:t>
+            </a:r>
             <a:r>
               <a:rPr lang="en-US" baseline="0" dirty="0" smtClean="0"/>
-              <a:t>Then modify each page so that it is different</a:t>
-            </a:r>
-            <a:r>
-              <a:rPr lang="en-IE" baseline="0" dirty="0" smtClean="0"/>
-              <a:t> and they can tell them apart (change the heading and title)</a:t>
-            </a:r>
-          </a:p>
-          <a:p>
-            <a:r>
-              <a:rPr lang="en-US" baseline="0" dirty="0" smtClean="0"/>
-              <a:t>They should choose what their website is going to be about (their family, school, a band, a team, the </a:t>
-            </a:r>
-            <a:r>
-              <a:rPr lang="en-US" baseline="0" dirty="0" err="1" smtClean="0"/>
-              <a:t>olympics</a:t>
-            </a:r>
-            <a:r>
-              <a:rPr lang="en-US" baseline="0" dirty="0" smtClean="0"/>
-              <a:t> … ) with one page per topic</a:t>
-            </a:r>
-          </a:p>
-          <a:p>
-            <a:endParaRPr lang="en-US" baseline="0" dirty="0" smtClean="0"/>
-          </a:p>
-          <a:p>
-            <a:r>
-              <a:rPr lang="en-US" baseline="0" dirty="0" smtClean="0"/>
-              <a:t>Now they have their three pages done, we will link them all together using a menu on the first page</a:t>
-            </a:r>
-          </a:p>
-          <a:p>
-            <a:endParaRPr lang="en-US" baseline="0" dirty="0" smtClean="0"/>
+              <a:t> into the list.</a:t>
+            </a:r>
+            <a:endParaRPr lang="en-IE" dirty="0"/>
           </a:p>
         </p:txBody>
       </p:sp>
@@ -2493,10 +2514,76 @@
           <a:lstStyle/>
           <a:p>
             <a:r>
+              <a:rPr lang="en-US" dirty="0" smtClean="0"/>
+              <a:t>Now the</a:t>
+            </a:r>
+            <a:r>
               <a:rPr lang="en-US" baseline="0" dirty="0" smtClean="0"/>
-              <a:t>Work through on screen as per session2_b.html making a list of all the items</a:t>
-            </a:r>
-            <a:endParaRPr lang="en-IE" baseline="0" dirty="0" smtClean="0"/>
+              <a:t> kids need to create a few HTML pages in the same directory, say three</a:t>
+            </a:r>
+          </a:p>
+          <a:p>
+            <a:endParaRPr lang="en-US" baseline="0" dirty="0" smtClean="0"/>
+          </a:p>
+          <a:p>
+            <a:r>
+              <a:rPr lang="en-US" baseline="0" dirty="0" smtClean="0"/>
+              <a:t>The main page of the website should be called “main.html” or “index.html”</a:t>
+            </a:r>
+          </a:p>
+          <a:p>
+            <a:r>
+              <a:rPr lang="en-US" baseline="0" dirty="0" smtClean="0"/>
+              <a:t>The other pages can be called anything</a:t>
+            </a:r>
+          </a:p>
+          <a:p>
+            <a:endParaRPr lang="en-US" baseline="0" dirty="0" smtClean="0"/>
+          </a:p>
+          <a:p>
+            <a:r>
+              <a:rPr lang="en-US" baseline="0" dirty="0" smtClean="0"/>
+              <a:t>The easiest way to do this is to copy the page they already have been working on, and rename it</a:t>
+            </a:r>
+          </a:p>
+          <a:p>
+            <a:endParaRPr lang="en-US" baseline="0" dirty="0" smtClean="0"/>
+          </a:p>
+          <a:p>
+            <a:r>
+              <a:rPr lang="en-US" baseline="0" dirty="0" smtClean="0"/>
+              <a:t>Then modify each page so that it is different</a:t>
+            </a:r>
+            <a:r>
+              <a:rPr lang="en-IE" baseline="0" dirty="0" smtClean="0"/>
+              <a:t> and they can tell them apart (change the heading and title)</a:t>
+            </a:r>
+          </a:p>
+          <a:p>
+            <a:r>
+              <a:rPr lang="en-US" baseline="0" dirty="0" smtClean="0"/>
+              <a:t>They should choose what their website is going to be about (their family, school, a band, a team, the </a:t>
+            </a:r>
+            <a:r>
+              <a:rPr lang="en-US" baseline="0" dirty="0" err="1" smtClean="0"/>
+              <a:t>olympics</a:t>
+            </a:r>
+            <a:r>
+              <a:rPr lang="en-US" baseline="0" dirty="0" smtClean="0"/>
+              <a:t> … ) with one page per topic</a:t>
+            </a:r>
+          </a:p>
+          <a:p>
+            <a:endParaRPr lang="en-US" baseline="0" dirty="0" smtClean="0"/>
+          </a:p>
+          <a:p>
+            <a:r>
+              <a:rPr lang="en-US" baseline="0" dirty="0" smtClean="0"/>
+              <a:t>Now they have their three pages done, we will link them all together using a menu on the first page</a:t>
+            </a:r>
+          </a:p>
+          <a:p>
+            <a:endParaRPr lang="en-US" baseline="0" dirty="0" smtClean="0"/>
           </a:p>
         </p:txBody>
       </p:sp>
@@ -2582,11 +2669,9 @@
           <a:p>
             <a:r>
               <a:rPr lang="en-US" baseline="0" dirty="0" smtClean="0"/>
-              <a:t>We’re looking at the &lt;table&gt; tag here</a:t>
-            </a:r>
-          </a:p>
-          <a:p>
-            <a:endParaRPr lang="en-US" baseline="0" dirty="0" smtClean="0"/>
+              <a:t>Work through on screen as per session2_b.html making a list of all the items</a:t>
+            </a:r>
+            <a:endParaRPr lang="en-IE" baseline="0" dirty="0" smtClean="0"/>
           </a:p>
         </p:txBody>
       </p:sp>
@@ -2869,7 +2954,7 @@
           <a:p>
             <a:fld id="{6D57282B-8A94-4CFA-A812-B2453AD9C772}" type="datetimeFigureOut">
               <a:rPr lang="en-IE" smtClean="0"/>
-              <a:t>13/09/2012</a:t>
+              <a:t>18/09/2012</a:t>
             </a:fld>
             <a:endParaRPr lang="en-IE" dirty="0"/>
           </a:p>
@@ -3092,7 +3177,7 @@
           <a:p>
             <a:fld id="{6D57282B-8A94-4CFA-A812-B2453AD9C772}" type="datetimeFigureOut">
               <a:rPr lang="en-IE" smtClean="0"/>
-              <a:t>13/09/2012</a:t>
+              <a:t>18/09/2012</a:t>
             </a:fld>
             <a:endParaRPr lang="en-IE"/>
           </a:p>
@@ -3372,7 +3457,7 @@
           <a:p>
             <a:fld id="{6D57282B-8A94-4CFA-A812-B2453AD9C772}" type="datetimeFigureOut">
               <a:rPr lang="en-IE" smtClean="0"/>
-              <a:t>13/09/2012</a:t>
+              <a:t>18/09/2012</a:t>
             </a:fld>
             <a:endParaRPr lang="en-IE"/>
           </a:p>
@@ -3551,7 +3636,7 @@
           <a:p>
             <a:fld id="{6D57282B-8A94-4CFA-A812-B2453AD9C772}" type="datetimeFigureOut">
               <a:rPr lang="en-IE" smtClean="0"/>
-              <a:t>13/09/2012</a:t>
+              <a:t>18/09/2012</a:t>
             </a:fld>
             <a:endParaRPr lang="en-IE"/>
           </a:p>
@@ -3945,7 +4030,7 @@
           <a:p>
             <a:fld id="{6D57282B-8A94-4CFA-A812-B2453AD9C772}" type="datetimeFigureOut">
               <a:rPr lang="en-IE" smtClean="0"/>
-              <a:t>13/09/2012</a:t>
+              <a:t>18/09/2012</a:t>
             </a:fld>
             <a:endParaRPr lang="en-IE"/>
           </a:p>
@@ -4232,7 +4317,7 @@
           <a:p>
             <a:fld id="{6D57282B-8A94-4CFA-A812-B2453AD9C772}" type="datetimeFigureOut">
               <a:rPr lang="en-IE" smtClean="0"/>
-              <a:t>13/09/2012</a:t>
+              <a:t>18/09/2012</a:t>
             </a:fld>
             <a:endParaRPr lang="en-IE"/>
           </a:p>
@@ -4654,7 +4739,7 @@
           <a:p>
             <a:fld id="{6D57282B-8A94-4CFA-A812-B2453AD9C772}" type="datetimeFigureOut">
               <a:rPr lang="en-IE" smtClean="0"/>
-              <a:t>13/09/2012</a:t>
+              <a:t>18/09/2012</a:t>
             </a:fld>
             <a:endParaRPr lang="en-IE"/>
           </a:p>
@@ -4769,7 +4854,7 @@
           <a:p>
             <a:fld id="{6D57282B-8A94-4CFA-A812-B2453AD9C772}" type="datetimeFigureOut">
               <a:rPr lang="en-IE" smtClean="0"/>
-              <a:t>13/09/2012</a:t>
+              <a:t>18/09/2012</a:t>
             </a:fld>
             <a:endParaRPr lang="en-IE"/>
           </a:p>
@@ -4859,7 +4944,7 @@
           <a:p>
             <a:fld id="{6D57282B-8A94-4CFA-A812-B2453AD9C772}" type="datetimeFigureOut">
               <a:rPr lang="en-IE" smtClean="0"/>
-              <a:t>13/09/2012</a:t>
+              <a:t>18/09/2012</a:t>
             </a:fld>
             <a:endParaRPr lang="en-IE"/>
           </a:p>
@@ -5137,7 +5222,7 @@
           <a:p>
             <a:fld id="{6D57282B-8A94-4CFA-A812-B2453AD9C772}" type="datetimeFigureOut">
               <a:rPr lang="en-IE" smtClean="0"/>
-              <a:t>13/09/2012</a:t>
+              <a:t>18/09/2012</a:t>
             </a:fld>
             <a:endParaRPr lang="en-IE"/>
           </a:p>
@@ -5498,7 +5583,7 @@
           <a:p>
             <a:fld id="{6D57282B-8A94-4CFA-A812-B2453AD9C772}" type="datetimeFigureOut">
               <a:rPr lang="en-IE" smtClean="0"/>
-              <a:t>13/09/2012</a:t>
+              <a:t>18/09/2012</a:t>
             </a:fld>
             <a:endParaRPr lang="en-IE"/>
           </a:p>
@@ -5935,7 +6020,7 @@
           <a:p>
             <a:fld id="{6D57282B-8A94-4CFA-A812-B2453AD9C772}" type="datetimeFigureOut">
               <a:rPr lang="en-IE" smtClean="0"/>
-              <a:t>13/09/2012</a:t>
+              <a:t>18/09/2012</a:t>
             </a:fld>
             <a:endParaRPr lang="en-IE"/>
           </a:p>
@@ -6512,7 +6597,7 @@
           <a:p>
             <a:r>
               <a:rPr lang="en-IE" dirty="0" smtClean="0"/>
-              <a:t>A Table in HTML</a:t>
+              <a:t>Adding Tables </a:t>
             </a:r>
             <a:endParaRPr lang="en-IE" dirty="0"/>
           </a:p>
@@ -6539,177 +6624,53 @@
               <a:buNone/>
             </a:pPr>
             <a:r>
+              <a:rPr lang="en-IE" dirty="0" smtClean="0"/>
+              <a:t>Tables are another really useful way of laying out your webpage</a:t>
+            </a:r>
+          </a:p>
+          <a:p>
+            <a:pPr marL="118872" indent="0">
+              <a:buNone/>
+            </a:pPr>
+            <a:endParaRPr lang="en-IE" dirty="0"/>
+          </a:p>
+          <a:p>
+            <a:pPr marL="118872" indent="0">
+              <a:buNone/>
+            </a:pPr>
+            <a:r>
+              <a:rPr lang="en-IE" dirty="0" smtClean="0"/>
+              <a:t>A table has some rows, and each row is divided up into one or more “cells”</a:t>
+            </a:r>
+          </a:p>
+          <a:p>
+            <a:pPr marL="118872" indent="0">
+              <a:buNone/>
+            </a:pPr>
+            <a:endParaRPr lang="en-US" dirty="0"/>
+          </a:p>
+          <a:p>
+            <a:pPr marL="118872" indent="0">
+              <a:buNone/>
+            </a:pPr>
+            <a:r>
               <a:rPr lang="en-US" dirty="0" smtClean="0"/>
-              <a:t>&lt;table&gt;</a:t>
+              <a:t>Each cell can have text, or pictures, or another table … anything you like really</a:t>
             </a:r>
           </a:p>
           <a:p>
             <a:pPr marL="118872" indent="0">
               <a:buNone/>
             </a:pPr>
+            <a:endParaRPr lang="en-US" dirty="0"/>
+          </a:p>
+          <a:p>
+            <a:pPr marL="118872" indent="0">
+              <a:buNone/>
+            </a:pPr>
             <a:r>
               <a:rPr lang="en-US" dirty="0" smtClean="0"/>
-              <a:t>&lt;</a:t>
-            </a:r>
-            <a:r>
-              <a:rPr lang="en-US" dirty="0" err="1" smtClean="0"/>
-              <a:t>tr</a:t>
-            </a:r>
-            <a:r>
-              <a:rPr lang="en-US" dirty="0" smtClean="0"/>
-              <a:t>&gt;</a:t>
-            </a:r>
-          </a:p>
-          <a:p>
-            <a:pPr marL="118872" indent="0">
-              <a:buNone/>
-            </a:pPr>
-            <a:r>
-              <a:rPr lang="en-US" dirty="0"/>
-              <a:t>	</a:t>
-            </a:r>
-            <a:r>
-              <a:rPr lang="en-US" dirty="0" smtClean="0"/>
-              <a:t>&lt;</a:t>
-            </a:r>
-            <a:r>
-              <a:rPr lang="en-US" dirty="0" err="1" smtClean="0"/>
-              <a:t>th</a:t>
-            </a:r>
-            <a:r>
-              <a:rPr lang="en-US" dirty="0" smtClean="0"/>
-              <a:t>&gt;&lt;/</a:t>
-            </a:r>
-            <a:r>
-              <a:rPr lang="en-US" dirty="0" err="1" smtClean="0"/>
-              <a:t>th</a:t>
-            </a:r>
-            <a:r>
-              <a:rPr lang="en-US" dirty="0" smtClean="0"/>
-              <a:t>&gt;</a:t>
-            </a:r>
-          </a:p>
-          <a:p>
-            <a:pPr marL="118872" indent="0">
-              <a:buNone/>
-            </a:pPr>
-            <a:r>
-              <a:rPr lang="en-US" dirty="0"/>
-              <a:t>	</a:t>
-            </a:r>
-            <a:r>
-              <a:rPr lang="en-US" dirty="0" smtClean="0"/>
-              <a:t>&lt;</a:t>
-            </a:r>
-            <a:r>
-              <a:rPr lang="en-US" dirty="0" err="1" smtClean="0"/>
-              <a:t>th</a:t>
-            </a:r>
-            <a:r>
-              <a:rPr lang="en-US" dirty="0" smtClean="0"/>
-              <a:t>&gt;&lt;/</a:t>
-            </a:r>
-            <a:r>
-              <a:rPr lang="en-US" dirty="0" err="1" smtClean="0"/>
-              <a:t>th</a:t>
-            </a:r>
-            <a:r>
-              <a:rPr lang="en-US" dirty="0"/>
-              <a:t>&gt;</a:t>
-            </a:r>
-            <a:endParaRPr lang="en-US" dirty="0" smtClean="0"/>
-          </a:p>
-          <a:p>
-            <a:pPr marL="118872" indent="0">
-              <a:buNone/>
-            </a:pPr>
-            <a:r>
-              <a:rPr lang="en-US" dirty="0" smtClean="0"/>
-              <a:t>&lt;/</a:t>
-            </a:r>
-            <a:r>
-              <a:rPr lang="en-US" dirty="0" err="1" smtClean="0"/>
-              <a:t>tr</a:t>
-            </a:r>
-            <a:r>
-              <a:rPr lang="en-US" dirty="0" smtClean="0"/>
-              <a:t>&gt;</a:t>
-            </a:r>
-            <a:endParaRPr lang="en-US" dirty="0"/>
-          </a:p>
-          <a:p>
-            <a:pPr marL="118872" indent="0">
-              <a:buNone/>
-            </a:pPr>
-            <a:r>
-              <a:rPr lang="en-US" dirty="0" smtClean="0"/>
-              <a:t>&lt;</a:t>
-            </a:r>
-            <a:r>
-              <a:rPr lang="en-US" dirty="0" err="1" smtClean="0"/>
-              <a:t>tr</a:t>
-            </a:r>
-            <a:r>
-              <a:rPr lang="en-US" dirty="0" smtClean="0"/>
-              <a:t>&gt;</a:t>
-            </a:r>
-          </a:p>
-          <a:p>
-            <a:pPr marL="118872" indent="0">
-              <a:buNone/>
-            </a:pPr>
-            <a:r>
-              <a:rPr lang="en-US" dirty="0"/>
-              <a:t>	</a:t>
-            </a:r>
-            <a:r>
-              <a:rPr lang="en-US" dirty="0" smtClean="0"/>
-              <a:t>&lt;td&gt;&lt;/td&gt;</a:t>
-            </a:r>
-          </a:p>
-          <a:p>
-            <a:pPr marL="118872" indent="0">
-              <a:buNone/>
-            </a:pPr>
-            <a:r>
-              <a:rPr lang="en-US" dirty="0"/>
-              <a:t>	</a:t>
-            </a:r>
-            <a:r>
-              <a:rPr lang="en-US" dirty="0" smtClean="0"/>
-              <a:t>&lt;td&gt;&lt;/td&gt;</a:t>
-            </a:r>
-          </a:p>
-          <a:p>
-            <a:pPr marL="118872" indent="0">
-              <a:buNone/>
-            </a:pPr>
-            <a:r>
-              <a:rPr lang="en-US" dirty="0" smtClean="0"/>
-              <a:t>&lt;/</a:t>
-            </a:r>
-            <a:r>
-              <a:rPr lang="en-US" dirty="0" err="1" smtClean="0"/>
-              <a:t>tr</a:t>
-            </a:r>
-            <a:r>
-              <a:rPr lang="en-US" dirty="0" smtClean="0"/>
-              <a:t>&gt;</a:t>
-            </a:r>
-          </a:p>
-          <a:p>
-            <a:pPr marL="118872" indent="0">
-              <a:buNone/>
-            </a:pPr>
-            <a:endParaRPr lang="en-US" dirty="0" smtClean="0"/>
-          </a:p>
-          <a:p>
-            <a:pPr marL="118872" indent="0">
-              <a:buNone/>
-            </a:pPr>
-            <a:r>
-              <a:rPr lang="en-US" dirty="0" smtClean="0"/>
-              <a:t>&lt;/table&gt;</a:t>
+              <a:t>In the olden days (like 10 years ago) tables were usually used to layout web pages.</a:t>
             </a:r>
             <a:endParaRPr lang="en-IE" dirty="0" smtClean="0"/>
           </a:p>
@@ -6718,7 +6679,7 @@
     </p:spTree>
     <p:extLst>
       <p:ext uri="{BB962C8B-B14F-4D97-AF65-F5344CB8AC3E}">
-        <p14:creationId xmlns:p14="http://schemas.microsoft.com/office/powerpoint/2010/main" val="1420006174"/>
+        <p14:creationId xmlns:p14="http://schemas.microsoft.com/office/powerpoint/2010/main" val="3697065676"/>
       </p:ext>
     </p:extLst>
   </p:cSld>
@@ -6769,7 +6730,7 @@
           <a:p>
             <a:r>
               <a:rPr lang="en-IE" dirty="0" smtClean="0"/>
-              <a:t>Now add a Table to your site</a:t>
+              <a:t>A Table in HTML</a:t>
             </a:r>
             <a:endParaRPr lang="en-IE" dirty="0"/>
           </a:p>
@@ -6788,7 +6749,7 @@
         <p:spPr/>
         <p:txBody>
           <a:bodyPr>
-            <a:normAutofit/>
+            <a:normAutofit fontScale="92500" lnSpcReduction="20000"/>
           </a:bodyPr>
           <a:lstStyle/>
           <a:p>
@@ -6797,13 +6758,101 @@
             </a:pPr>
             <a:r>
               <a:rPr lang="en-US" dirty="0" smtClean="0"/>
-              <a:t>You can have as many rows or columns as you like</a:t>
+              <a:t>&lt;table&gt;</a:t>
             </a:r>
           </a:p>
           <a:p>
             <a:pPr marL="118872" indent="0">
               <a:buNone/>
             </a:pPr>
+            <a:r>
+              <a:rPr lang="en-US" dirty="0" smtClean="0"/>
+              <a:t>&lt;</a:t>
+            </a:r>
+            <a:r>
+              <a:rPr lang="en-US" dirty="0" err="1" smtClean="0"/>
+              <a:t>tr</a:t>
+            </a:r>
+            <a:r>
+              <a:rPr lang="en-US" dirty="0" smtClean="0"/>
+              <a:t>&gt;</a:t>
+            </a:r>
+          </a:p>
+          <a:p>
+            <a:pPr marL="118872" indent="0">
+              <a:buNone/>
+            </a:pPr>
+            <a:r>
+              <a:rPr lang="en-US" dirty="0"/>
+              <a:t>	</a:t>
+            </a:r>
+            <a:r>
+              <a:rPr lang="en-US" dirty="0" smtClean="0"/>
+              <a:t>&lt;</a:t>
+            </a:r>
+            <a:r>
+              <a:rPr lang="en-US" dirty="0" err="1" smtClean="0"/>
+              <a:t>th</a:t>
+            </a:r>
+            <a:r>
+              <a:rPr lang="en-US" dirty="0" smtClean="0"/>
+              <a:t>&gt;&lt;/</a:t>
+            </a:r>
+            <a:r>
+              <a:rPr lang="en-US" dirty="0" err="1" smtClean="0"/>
+              <a:t>th</a:t>
+            </a:r>
+            <a:r>
+              <a:rPr lang="en-US" dirty="0" smtClean="0"/>
+              <a:t>&gt;</a:t>
+            </a:r>
+          </a:p>
+          <a:p>
+            <a:pPr marL="118872" indent="0">
+              <a:buNone/>
+            </a:pPr>
+            <a:r>
+              <a:rPr lang="en-US" dirty="0"/>
+              <a:t>	</a:t>
+            </a:r>
+            <a:r>
+              <a:rPr lang="en-US" dirty="0" smtClean="0"/>
+              <a:t>&lt;</a:t>
+            </a:r>
+            <a:r>
+              <a:rPr lang="en-US" dirty="0" err="1" smtClean="0"/>
+              <a:t>th</a:t>
+            </a:r>
+            <a:r>
+              <a:rPr lang="en-US" dirty="0" smtClean="0"/>
+              <a:t>&gt;&lt;/</a:t>
+            </a:r>
+            <a:r>
+              <a:rPr lang="en-US" dirty="0" err="1" smtClean="0"/>
+              <a:t>th</a:t>
+            </a:r>
+            <a:r>
+              <a:rPr lang="en-US" dirty="0"/>
+              <a:t>&gt;</a:t>
+            </a:r>
+            <a:endParaRPr lang="en-US" dirty="0" smtClean="0"/>
+          </a:p>
+          <a:p>
+            <a:pPr marL="118872" indent="0">
+              <a:buNone/>
+            </a:pPr>
+            <a:r>
+              <a:rPr lang="en-US" dirty="0" smtClean="0"/>
+              <a:t>&lt;/</a:t>
+            </a:r>
+            <a:r>
+              <a:rPr lang="en-US" dirty="0" err="1" smtClean="0"/>
+              <a:t>tr</a:t>
+            </a:r>
+            <a:r>
+              <a:rPr lang="en-US" dirty="0" smtClean="0"/>
+              <a:t>&gt;</a:t>
+            </a:r>
             <a:endParaRPr lang="en-US" dirty="0"/>
           </a:p>
           <a:p>
@@ -6812,7 +6861,73 @@
             </a:pPr>
             <a:r>
               <a:rPr lang="en-US" dirty="0" smtClean="0"/>
-              <a:t>Remember you can put anything, not just text, into a table cell … links, pictures, lists, other tables … </a:t>
+              <a:t>&lt;</a:t>
+            </a:r>
+            <a:r>
+              <a:rPr lang="en-US" dirty="0" err="1" smtClean="0"/>
+              <a:t>tr</a:t>
+            </a:r>
+            <a:r>
+              <a:rPr lang="en-US" dirty="0" smtClean="0"/>
+              <a:t>&gt;</a:t>
+            </a:r>
+          </a:p>
+          <a:p>
+            <a:pPr marL="118872" indent="0">
+              <a:buNone/>
+            </a:pPr>
+            <a:r>
+              <a:rPr lang="en-US" dirty="0"/>
+              <a:t>	</a:t>
+            </a:r>
+            <a:r>
+              <a:rPr lang="en-US" dirty="0" smtClean="0"/>
+              <a:t>&lt;td&gt;&lt;/td&gt;</a:t>
+            </a:r>
+          </a:p>
+          <a:p>
+            <a:pPr marL="118872" indent="0">
+              <a:buNone/>
+            </a:pPr>
+            <a:r>
+              <a:rPr lang="en-US" dirty="0"/>
+              <a:t>	</a:t>
+            </a:r>
+            <a:r>
+              <a:rPr lang="en-US" dirty="0" smtClean="0"/>
+              <a:t>&lt;td&gt;&lt;/td&gt;</a:t>
+            </a:r>
+          </a:p>
+          <a:p>
+            <a:pPr marL="118872" indent="0">
+              <a:buNone/>
+            </a:pPr>
+            <a:r>
+              <a:rPr lang="en-US" dirty="0" smtClean="0"/>
+              <a:t>&lt;/</a:t>
+            </a:r>
+            <a:r>
+              <a:rPr lang="en-US" dirty="0" err="1" smtClean="0"/>
+              <a:t>tr</a:t>
+            </a:r>
+            <a:r>
+              <a:rPr lang="en-US" dirty="0" smtClean="0"/>
+              <a:t>&gt;</a:t>
+            </a:r>
+          </a:p>
+          <a:p>
+            <a:pPr marL="118872" indent="0">
+              <a:buNone/>
+            </a:pPr>
+            <a:endParaRPr lang="en-US" dirty="0" smtClean="0"/>
+          </a:p>
+          <a:p>
+            <a:pPr marL="118872" indent="0">
+              <a:buNone/>
+            </a:pPr>
+            <a:r>
+              <a:rPr lang="en-US" dirty="0" smtClean="0"/>
+              <a:t>&lt;/table&gt;</a:t>
             </a:r>
             <a:endParaRPr lang="en-IE" dirty="0" smtClean="0"/>
           </a:p>
@@ -6821,7 +6936,7 @@
     </p:spTree>
     <p:extLst>
       <p:ext uri="{BB962C8B-B14F-4D97-AF65-F5344CB8AC3E}">
-        <p14:creationId xmlns:p14="http://schemas.microsoft.com/office/powerpoint/2010/main" val="144294739"/>
+        <p14:creationId xmlns:p14="http://schemas.microsoft.com/office/powerpoint/2010/main" val="1420006174"/>
       </p:ext>
     </p:extLst>
   </p:cSld>
@@ -6871,44 +6986,36 @@
           <a:lstStyle/>
           <a:p>
             <a:r>
+              <a:rPr lang="en-IE" dirty="0" smtClean="0"/>
+              <a:t>Now add a Table to your site</a:t>
+            </a:r>
+            <a:endParaRPr lang="en-IE" dirty="0"/>
+          </a:p>
+        </p:txBody>
+      </p:sp>
+      <p:sp>
+        <p:nvSpPr>
+          <p:cNvPr id="3" name="Content Placeholder 2"/>
+          <p:cNvSpPr>
+            <a:spLocks noGrp="1"/>
+          </p:cNvSpPr>
+          <p:nvPr>
+            <p:ph idx="1"/>
+          </p:nvPr>
+        </p:nvSpPr>
+        <p:spPr/>
+        <p:txBody>
+          <a:bodyPr>
+            <a:normAutofit/>
+          </a:bodyPr>
+          <a:lstStyle/>
+          <a:p>
+            <a:pPr marL="118872" indent="0">
+              <a:buNone/>
+            </a:pPr>
+            <a:r>
               <a:rPr lang="en-US" dirty="0" smtClean="0"/>
-              <a:t>Adding some CSS Style</a:t>
-            </a:r>
-            <a:endParaRPr lang="en-IE" dirty="0"/>
-          </a:p>
-        </p:txBody>
-      </p:sp>
-      <p:sp>
-        <p:nvSpPr>
-          <p:cNvPr id="3" name="Content Placeholder 2"/>
-          <p:cNvSpPr>
-            <a:spLocks noGrp="1"/>
-          </p:cNvSpPr>
-          <p:nvPr>
-            <p:ph idx="1"/>
-          </p:nvPr>
-        </p:nvSpPr>
-        <p:spPr/>
-        <p:txBody>
-          <a:bodyPr>
-            <a:normAutofit lnSpcReduction="10000"/>
-          </a:bodyPr>
-          <a:lstStyle/>
-          <a:p>
-            <a:pPr marL="118872" indent="0">
-              <a:buNone/>
-            </a:pPr>
-            <a:r>
-              <a:rPr lang="en-IE" dirty="0" smtClean="0"/>
-              <a:t>Now: let’s turn your &lt;</a:t>
-            </a:r>
-            <a:r>
-              <a:rPr lang="en-IE" dirty="0" err="1" smtClean="0"/>
-              <a:t>ul</a:t>
-            </a:r>
-            <a:r>
-              <a:rPr lang="en-IE" dirty="0" smtClean="0"/>
-              <a:t>&gt; into a real menu using CSS styling</a:t>
+              <a:t>You can have as many rows or columns as you like</a:t>
             </a:r>
           </a:p>
           <a:p>
@@ -6918,64 +7025,21 @@
             <a:endParaRPr lang="en-US" dirty="0"/>
           </a:p>
           <a:p>
+            <a:pPr marL="118872" indent="0">
+              <a:buNone/>
+            </a:pPr>
             <a:r>
               <a:rPr lang="en-US" dirty="0" smtClean="0"/>
-              <a:t>We’ll make a menu first …</a:t>
-            </a:r>
-          </a:p>
-          <a:p>
-            <a:r>
-              <a:rPr lang="en-US" dirty="0" smtClean="0"/>
-              <a:t>… then put all the CSS into a separate file</a:t>
-            </a:r>
-          </a:p>
-          <a:p>
-            <a:endParaRPr lang="en-US" dirty="0"/>
-          </a:p>
-          <a:p>
-            <a:r>
-              <a:rPr lang="en-US" dirty="0" smtClean="0"/>
-              <a:t>Look at </a:t>
-            </a:r>
-            <a:r>
-              <a:rPr lang="en-IE" dirty="0">
-                <a:hlinkClick r:id="rId3"/>
-              </a:rPr>
-              <a:t>http://html-color-codes.info</a:t>
-            </a:r>
-            <a:r>
-              <a:rPr lang="en-IE" dirty="0" smtClean="0">
-                <a:hlinkClick r:id="rId3"/>
-              </a:rPr>
-              <a:t>/</a:t>
-            </a:r>
-            <a:r>
-              <a:rPr lang="en-IE" dirty="0" smtClean="0"/>
-              <a:t> for colour information</a:t>
-            </a:r>
-          </a:p>
-          <a:p>
-            <a:r>
-              <a:rPr lang="en-US" dirty="0" smtClean="0"/>
-              <a:t>Look at </a:t>
-            </a:r>
-            <a:r>
-              <a:rPr lang="en-IE" dirty="0">
-                <a:hlinkClick r:id="rId4"/>
-              </a:rPr>
-              <a:t>http://www.w3schools.com</a:t>
-            </a:r>
-            <a:r>
-              <a:rPr lang="en-US" dirty="0" smtClean="0"/>
-              <a:t> for HTML and CSS info</a:t>
-            </a:r>
+              <a:t>Remember you can put anything, not just text, into a table cell … links, pictures, lists, other tables … </a:t>
+            </a:r>
+            <a:endParaRPr lang="en-IE" dirty="0" smtClean="0"/>
           </a:p>
         </p:txBody>
       </p:sp>
     </p:spTree>
     <p:extLst>
       <p:ext uri="{BB962C8B-B14F-4D97-AF65-F5344CB8AC3E}">
-        <p14:creationId xmlns:p14="http://schemas.microsoft.com/office/powerpoint/2010/main" val="3253493219"/>
+        <p14:creationId xmlns:p14="http://schemas.microsoft.com/office/powerpoint/2010/main" val="144294739"/>
       </p:ext>
     </p:extLst>
   </p:cSld>
@@ -7045,7 +7109,7 @@
         <p:spPr/>
         <p:txBody>
           <a:bodyPr>
-            <a:normAutofit fontScale="85000" lnSpcReduction="20000"/>
+            <a:normAutofit lnSpcReduction="10000"/>
           </a:bodyPr>
           <a:lstStyle/>
           <a:p>
@@ -7053,198 +7117,83 @@
               <a:buNone/>
             </a:pPr>
             <a:r>
+              <a:rPr lang="en-IE" dirty="0" smtClean="0"/>
+              <a:t>Now: let’s turn your &lt;</a:t>
+            </a:r>
+            <a:r>
+              <a:rPr lang="en-IE" dirty="0" err="1" smtClean="0"/>
+              <a:t>ul</a:t>
+            </a:r>
+            <a:r>
+              <a:rPr lang="en-IE" dirty="0" smtClean="0"/>
+              <a:t>&gt; into a real menu using CSS styling</a:t>
+            </a:r>
+          </a:p>
+          <a:p>
+            <a:pPr marL="118872" indent="0">
+              <a:buNone/>
+            </a:pPr>
+            <a:endParaRPr lang="en-US" dirty="0"/>
+          </a:p>
+          <a:p>
+            <a:r>
               <a:rPr lang="en-US" dirty="0" smtClean="0"/>
-              <a:t>&lt;</a:t>
-            </a:r>
-            <a:r>
-              <a:rPr lang="en-US" dirty="0"/>
-              <a:t>style&gt;		</a:t>
-            </a:r>
-            <a:endParaRPr lang="en-US" dirty="0" smtClean="0"/>
-          </a:p>
-          <a:p>
-            <a:pPr marL="118872" indent="0">
-              <a:buNone/>
-            </a:pPr>
+              <a:t>We’ll make a menu first …</a:t>
+            </a:r>
+          </a:p>
+          <a:p>
             <a:r>
               <a:rPr lang="en-US" dirty="0" smtClean="0"/>
-              <a:t>li</a:t>
-            </a:r>
-            <a:r>
-              <a:rPr lang="en-US" dirty="0"/>
-              <a:t>		</a:t>
-            </a:r>
-            <a:endParaRPr lang="en-US" dirty="0" smtClean="0"/>
-          </a:p>
-          <a:p>
-            <a:pPr marL="118872" indent="0">
-              <a:buNone/>
-            </a:pPr>
+              <a:t>… then put all the CSS into a separate file</a:t>
+            </a:r>
+          </a:p>
+          <a:p>
+            <a:endParaRPr lang="en-US" dirty="0"/>
+          </a:p>
+          <a:p>
             <a:r>
               <a:rPr lang="en-US" dirty="0" smtClean="0"/>
-              <a:t>{</a:t>
-            </a:r>
-            <a:r>
-              <a:rPr lang="en-US" dirty="0"/>
-              <a:t>			</a:t>
-            </a:r>
-            <a:endParaRPr lang="en-US" dirty="0" smtClean="0"/>
-          </a:p>
-          <a:p>
-            <a:pPr marL="118872" indent="0">
-              <a:buNone/>
-            </a:pPr>
+              <a:t>Look at </a:t>
+            </a:r>
+            <a:r>
+              <a:rPr lang="en-IE" dirty="0">
+                <a:hlinkClick r:id="rId3"/>
+              </a:rPr>
+              <a:t>http://html-color-codes.info</a:t>
+            </a:r>
+            <a:r>
+              <a:rPr lang="en-IE" dirty="0" smtClean="0">
+                <a:hlinkClick r:id="rId3"/>
+              </a:rPr>
+              <a:t>/</a:t>
+            </a:r>
+            <a:r>
+              <a:rPr lang="en-IE" dirty="0" smtClean="0"/>
+              <a:t> for colour information</a:t>
+            </a:r>
+          </a:p>
+          <a:p>
             <a:r>
               <a:rPr lang="en-US" dirty="0" smtClean="0"/>
-              <a:t>list-style-type</a:t>
-            </a:r>
-            <a:r>
-              <a:rPr lang="en-US" dirty="0"/>
-              <a:t>: none;			</a:t>
-            </a:r>
-            <a:endParaRPr lang="en-US" dirty="0" smtClean="0"/>
-          </a:p>
-          <a:p>
-            <a:pPr marL="118872" indent="0">
-              <a:buNone/>
-            </a:pPr>
+              <a:t>Look at </a:t>
+            </a:r>
+            <a:r>
+              <a:rPr lang="en-IE" dirty="0">
+                <a:hlinkClick r:id="rId4"/>
+              </a:rPr>
+              <a:t>http://www.w3schools.com</a:t>
+            </a:r>
             <a:r>
               <a:rPr lang="en-US" dirty="0" smtClean="0"/>
-              <a:t>display</a:t>
-            </a:r>
-            <a:r>
-              <a:rPr lang="en-US" dirty="0"/>
-              <a:t>: inline;		    </a:t>
-            </a:r>
-            <a:endParaRPr lang="en-US" dirty="0" smtClean="0"/>
-          </a:p>
-          <a:p>
-            <a:pPr marL="118872" indent="0">
-              <a:buNone/>
-            </a:pPr>
-            <a:r>
-              <a:rPr lang="en-US" dirty="0" smtClean="0"/>
-              <a:t>padding</a:t>
-            </a:r>
-            <a:r>
-              <a:rPr lang="en-US" dirty="0"/>
-              <a:t>: 20px;			</a:t>
-            </a:r>
-            <a:endParaRPr lang="en-US" dirty="0" smtClean="0"/>
-          </a:p>
-          <a:p>
-            <a:pPr marL="118872" indent="0">
-              <a:buNone/>
-            </a:pPr>
-            <a:r>
-              <a:rPr lang="en-US" dirty="0" smtClean="0"/>
-              <a:t>border</a:t>
-            </a:r>
-            <a:r>
-              <a:rPr lang="en-US" dirty="0"/>
-              <a:t>: 2px Solid </a:t>
-            </a:r>
-            <a:r>
-              <a:rPr lang="en-US" dirty="0" err="1"/>
-              <a:t>Lightgray</a:t>
-            </a:r>
-            <a:r>
-              <a:rPr lang="en-US" dirty="0"/>
-              <a:t>;		</a:t>
-            </a:r>
-            <a:endParaRPr lang="en-US" dirty="0" smtClean="0"/>
-          </a:p>
-          <a:p>
-            <a:pPr marL="118872" indent="0">
-              <a:buNone/>
-            </a:pPr>
-            <a:r>
-              <a:rPr lang="en-US" dirty="0" smtClean="0"/>
-              <a:t>background-color</a:t>
-            </a:r>
-            <a:r>
-              <a:rPr lang="en-US" dirty="0"/>
-              <a:t>: #01DFD7;		</a:t>
-            </a:r>
-            <a:endParaRPr lang="en-US" dirty="0" smtClean="0"/>
-          </a:p>
-          <a:p>
-            <a:pPr marL="118872" indent="0">
-              <a:buNone/>
-            </a:pPr>
-            <a:r>
-              <a:rPr lang="en-US" dirty="0" smtClean="0"/>
-              <a:t>font-size:16px;</a:t>
-            </a:r>
-          </a:p>
-          <a:p>
-            <a:pPr marL="118872" indent="0">
-              <a:buNone/>
-            </a:pPr>
-            <a:r>
-              <a:rPr lang="en-US" dirty="0" smtClean="0"/>
-              <a:t>font-weight</a:t>
-            </a:r>
-            <a:r>
-              <a:rPr lang="en-US" dirty="0"/>
-              <a:t>: </a:t>
-            </a:r>
-            <a:r>
-              <a:rPr lang="en-US" dirty="0" smtClean="0"/>
-              <a:t>bold;</a:t>
-            </a:r>
-          </a:p>
-          <a:p>
-            <a:pPr marL="118872" indent="0">
-              <a:buNone/>
-            </a:pPr>
-            <a:r>
-              <a:rPr lang="en-US" dirty="0" smtClean="0"/>
-              <a:t>font-family</a:t>
-            </a:r>
-            <a:r>
-              <a:rPr lang="en-US" dirty="0"/>
-              <a:t>: Arial</a:t>
-            </a:r>
-            <a:r>
-              <a:rPr lang="en-US" dirty="0" smtClean="0"/>
-              <a:t>;</a:t>
-            </a:r>
-          </a:p>
-          <a:p>
-            <a:pPr marL="118872" indent="0">
-              <a:buNone/>
-            </a:pPr>
-            <a:r>
-              <a:rPr lang="en-US" dirty="0" smtClean="0"/>
-              <a:t>}</a:t>
-            </a:r>
-            <a:r>
-              <a:rPr lang="en-US" dirty="0"/>
-              <a:t>		</a:t>
-            </a:r>
-            <a:endParaRPr lang="en-US" dirty="0" smtClean="0"/>
-          </a:p>
-          <a:p>
-            <a:pPr marL="118872" indent="0">
-              <a:buNone/>
-            </a:pPr>
-            <a:r>
-              <a:rPr lang="en-US" dirty="0" smtClean="0"/>
-              <a:t>&lt;/</a:t>
-            </a:r>
-            <a:r>
-              <a:rPr lang="en-US" dirty="0"/>
-              <a:t>style&gt;</a:t>
-            </a:r>
-            <a:endParaRPr lang="en-US" dirty="0" smtClean="0"/>
+              <a:t> for HTML and CSS info</a:t>
+            </a:r>
           </a:p>
         </p:txBody>
       </p:sp>
     </p:spTree>
     <p:extLst>
       <p:ext uri="{BB962C8B-B14F-4D97-AF65-F5344CB8AC3E}">
-        <p14:creationId xmlns:p14="http://schemas.microsoft.com/office/powerpoint/2010/main" val="3709497951"/>
+        <p14:creationId xmlns:p14="http://schemas.microsoft.com/office/powerpoint/2010/main" val="3253493219"/>
       </p:ext>
     </p:extLst>
   </p:cSld>
@@ -7294,8 +7243,8 @@
           <a:lstStyle/>
           <a:p>
             <a:r>
-              <a:rPr lang="en-IE" dirty="0" smtClean="0"/>
-              <a:t>Moving CSS to a file</a:t>
+              <a:rPr lang="en-US" dirty="0" smtClean="0"/>
+              <a:t>Adding some CSS Style</a:t>
             </a:r>
             <a:endParaRPr lang="en-IE" dirty="0"/>
           </a:p>
@@ -7314,7 +7263,7 @@
         <p:spPr/>
         <p:txBody>
           <a:bodyPr>
-            <a:normAutofit/>
+            <a:normAutofit fontScale="85000" lnSpcReduction="20000"/>
           </a:bodyPr>
           <a:lstStyle/>
           <a:p>
@@ -7322,15 +7271,28 @@
               <a:buNone/>
             </a:pPr>
             <a:r>
-              <a:rPr lang="en-IE" dirty="0" smtClean="0"/>
-              <a:t>We’ve been putting CSS into the main HTML file: that’s not the usual way it’s done</a:t>
-            </a:r>
+              <a:rPr lang="en-US" dirty="0" smtClean="0"/>
+              <a:t>&lt;</a:t>
+            </a:r>
+            <a:r>
+              <a:rPr lang="en-US" dirty="0"/>
+              <a:t>style&gt;		</a:t>
+            </a:r>
+            <a:endParaRPr lang="en-US" dirty="0" smtClean="0"/>
           </a:p>
           <a:p>
             <a:pPr marL="118872" indent="0">
               <a:buNone/>
             </a:pPr>
-            <a:endParaRPr lang="en-US" dirty="0"/>
+            <a:r>
+              <a:rPr lang="en-US" dirty="0" smtClean="0"/>
+              <a:t>li</a:t>
+            </a:r>
+            <a:r>
+              <a:rPr lang="en-US" dirty="0"/>
+              <a:t>		</a:t>
+            </a:r>
+            <a:endParaRPr lang="en-US" dirty="0" smtClean="0"/>
           </a:p>
           <a:p>
             <a:pPr marL="118872" indent="0">
@@ -7338,36 +7300,169 @@
             </a:pPr>
             <a:r>
               <a:rPr lang="en-US" dirty="0" smtClean="0"/>
-              <a:t>Normally it lives in it’s own file</a:t>
-            </a:r>
+              <a:t>{</a:t>
+            </a:r>
+            <a:r>
+              <a:rPr lang="en-US" dirty="0"/>
+              <a:t>			</a:t>
+            </a:r>
+            <a:endParaRPr lang="en-US" dirty="0" smtClean="0"/>
           </a:p>
           <a:p>
             <a:pPr marL="118872" indent="0">
               <a:buNone/>
             </a:pPr>
-            <a:endParaRPr lang="en-US" dirty="0"/>
-          </a:p>
-          <a:p>
             <a:r>
               <a:rPr lang="en-US" dirty="0" smtClean="0"/>
-              <a:t>Easy to change</a:t>
-            </a:r>
-          </a:p>
-          <a:p>
+              <a:t>list-style-type</a:t>
+            </a:r>
+            <a:r>
+              <a:rPr lang="en-US" dirty="0"/>
+              <a:t>: none;			</a:t>
+            </a:r>
+            <a:endParaRPr lang="en-US" dirty="0" smtClean="0"/>
+          </a:p>
+          <a:p>
+            <a:pPr marL="118872" indent="0">
+              <a:buNone/>
+            </a:pPr>
             <a:r>
               <a:rPr lang="en-US" dirty="0" smtClean="0"/>
-              <a:t>Easy to share between pages</a:t>
-            </a:r>
-          </a:p>
-          <a:p>
-            <a:endParaRPr lang="en-IE" dirty="0" smtClean="0"/>
+              <a:t>display</a:t>
+            </a:r>
+            <a:r>
+              <a:rPr lang="en-US" dirty="0"/>
+              <a:t>: inline;		    </a:t>
+            </a:r>
+            <a:endParaRPr lang="en-US" dirty="0" smtClean="0"/>
+          </a:p>
+          <a:p>
+            <a:pPr marL="118872" indent="0">
+              <a:buNone/>
+            </a:pPr>
+            <a:r>
+              <a:rPr lang="en-US" dirty="0" smtClean="0"/>
+              <a:t>padding</a:t>
+            </a:r>
+            <a:r>
+              <a:rPr lang="en-US" dirty="0"/>
+              <a:t>: 20px;			</a:t>
+            </a:r>
+            <a:endParaRPr lang="en-US" dirty="0" smtClean="0"/>
+          </a:p>
+          <a:p>
+            <a:pPr marL="118872" indent="0">
+              <a:buNone/>
+            </a:pPr>
+            <a:r>
+              <a:rPr lang="en-US" dirty="0" smtClean="0"/>
+              <a:t>border</a:t>
+            </a:r>
+            <a:r>
+              <a:rPr lang="en-US" dirty="0"/>
+              <a:t>: 2px Solid </a:t>
+            </a:r>
+            <a:r>
+              <a:rPr lang="en-US" dirty="0" err="1"/>
+              <a:t>Lightgray</a:t>
+            </a:r>
+            <a:r>
+              <a:rPr lang="en-US" dirty="0"/>
+              <a:t>;		</a:t>
+            </a:r>
+            <a:endParaRPr lang="en-US" dirty="0" smtClean="0"/>
+          </a:p>
+          <a:p>
+            <a:pPr marL="118872" indent="0">
+              <a:buNone/>
+            </a:pPr>
+            <a:r>
+              <a:rPr lang="en-US" dirty="0" smtClean="0"/>
+              <a:t>background-color</a:t>
+            </a:r>
+            <a:r>
+              <a:rPr lang="en-US" dirty="0"/>
+              <a:t>: #01DFD7;		</a:t>
+            </a:r>
+            <a:endParaRPr lang="en-US" dirty="0" smtClean="0"/>
+          </a:p>
+          <a:p>
+            <a:pPr marL="118872" indent="0">
+              <a:buNone/>
+            </a:pPr>
+            <a:r>
+              <a:rPr lang="en-US" dirty="0" smtClean="0"/>
+              <a:t>font-size:16px;</a:t>
+            </a:r>
+          </a:p>
+          <a:p>
+            <a:pPr marL="118872" indent="0">
+              <a:buNone/>
+            </a:pPr>
+            <a:r>
+              <a:rPr lang="en-US" dirty="0" smtClean="0"/>
+              <a:t>font-weight</a:t>
+            </a:r>
+            <a:r>
+              <a:rPr lang="en-US" dirty="0"/>
+              <a:t>: </a:t>
+            </a:r>
+            <a:r>
+              <a:rPr lang="en-US" dirty="0" smtClean="0"/>
+              <a:t>bold;</a:t>
+            </a:r>
+          </a:p>
+          <a:p>
+            <a:pPr marL="118872" indent="0">
+              <a:buNone/>
+            </a:pPr>
+            <a:r>
+              <a:rPr lang="en-US" dirty="0" smtClean="0"/>
+              <a:t>font-family</a:t>
+            </a:r>
+            <a:r>
+              <a:rPr lang="en-US" dirty="0"/>
+              <a:t>: Arial</a:t>
+            </a:r>
+            <a:r>
+              <a:rPr lang="en-US" dirty="0" smtClean="0"/>
+              <a:t>;</a:t>
+            </a:r>
+          </a:p>
+          <a:p>
+            <a:pPr marL="118872" indent="0">
+              <a:buNone/>
+            </a:pPr>
+            <a:r>
+              <a:rPr lang="en-US" dirty="0" smtClean="0"/>
+              <a:t>}</a:t>
+            </a:r>
+            <a:r>
+              <a:rPr lang="en-US" dirty="0"/>
+              <a:t>		</a:t>
+            </a:r>
+            <a:endParaRPr lang="en-US" dirty="0" smtClean="0"/>
+          </a:p>
+          <a:p>
+            <a:pPr marL="118872" indent="0">
+              <a:buNone/>
+            </a:pPr>
+            <a:r>
+              <a:rPr lang="en-US" dirty="0" smtClean="0"/>
+              <a:t>&lt;/</a:t>
+            </a:r>
+            <a:r>
+              <a:rPr lang="en-US" dirty="0"/>
+              <a:t>style&gt;</a:t>
+            </a:r>
+            <a:endParaRPr lang="en-US" dirty="0" smtClean="0"/>
           </a:p>
         </p:txBody>
       </p:sp>
     </p:spTree>
     <p:extLst>
       <p:ext uri="{BB962C8B-B14F-4D97-AF65-F5344CB8AC3E}">
-        <p14:creationId xmlns:p14="http://schemas.microsoft.com/office/powerpoint/2010/main" val="2463035431"/>
+        <p14:creationId xmlns:p14="http://schemas.microsoft.com/office/powerpoint/2010/main" val="3709497951"/>
       </p:ext>
     </p:extLst>
   </p:cSld>
@@ -7437,109 +7532,52 @@
         <p:spPr/>
         <p:txBody>
           <a:bodyPr>
-            <a:normAutofit lnSpcReduction="10000"/>
+            <a:normAutofit/>
           </a:bodyPr>
           <a:lstStyle/>
           <a:p>
+            <a:pPr marL="118872" indent="0">
+              <a:buNone/>
+            </a:pPr>
+            <a:r>
+              <a:rPr lang="en-IE" dirty="0" smtClean="0"/>
+              <a:t>We’ve been putting CSS into the main HTML file: that’s not the usual way it’s done</a:t>
+            </a:r>
+          </a:p>
+          <a:p>
+            <a:pPr marL="118872" indent="0">
+              <a:buNone/>
+            </a:pPr>
+            <a:endParaRPr lang="en-US" dirty="0"/>
+          </a:p>
+          <a:p>
+            <a:pPr marL="118872" indent="0">
+              <a:buNone/>
+            </a:pPr>
             <a:r>
               <a:rPr lang="en-US" dirty="0" smtClean="0"/>
-              <a:t>Make an empty file called “styles.css” </a:t>
-            </a:r>
+              <a:t>Normally it lives in it’s own file</a:t>
+            </a:r>
+          </a:p>
+          <a:p>
+            <a:pPr marL="118872" indent="0">
+              <a:buNone/>
+            </a:pPr>
+            <a:endParaRPr lang="en-US" dirty="0"/>
           </a:p>
           <a:p>
             <a:r>
               <a:rPr lang="en-US" dirty="0" smtClean="0"/>
-              <a:t>Copy everything between &lt;style&gt;…&lt;/style&gt; into that file and save it</a:t>
+              <a:t>Easy to change</a:t>
             </a:r>
           </a:p>
           <a:p>
             <a:r>
               <a:rPr lang="en-US" dirty="0" smtClean="0"/>
-              <a:t>Change your HTML to be like this:</a:t>
-            </a:r>
-          </a:p>
-          <a:p>
-            <a:pPr marL="118872" indent="0">
-              <a:buNone/>
-            </a:pPr>
-            <a:endParaRPr lang="en-US" dirty="0" smtClean="0"/>
-          </a:p>
-          <a:p>
-            <a:pPr marL="118872" indent="0">
-              <a:buNone/>
-            </a:pPr>
-            <a:r>
-              <a:rPr lang="en-US" dirty="0" smtClean="0"/>
-              <a:t>&lt;head&gt;</a:t>
-            </a:r>
-          </a:p>
-          <a:p>
-            <a:pPr marL="118872" indent="0">
-              <a:buNone/>
-            </a:pPr>
-            <a:r>
-              <a:rPr lang="en-US" sz="2400" dirty="0" smtClean="0"/>
-              <a:t>…</a:t>
-            </a:r>
-          </a:p>
-          <a:p>
-            <a:pPr marL="118872" indent="0">
-              <a:buNone/>
-            </a:pPr>
-            <a:r>
-              <a:rPr lang="en-US" sz="2400" dirty="0" smtClean="0"/>
-              <a:t>&lt;link </a:t>
-            </a:r>
-            <a:r>
-              <a:rPr lang="en-US" sz="2400" dirty="0" err="1" smtClean="0"/>
-              <a:t>href</a:t>
-            </a:r>
-            <a:r>
-              <a:rPr lang="en-US" sz="2400" dirty="0" smtClean="0"/>
-              <a:t>=“styles.css” </a:t>
-            </a:r>
-            <a:r>
-              <a:rPr lang="en-US" sz="2400" dirty="0" err="1" smtClean="0"/>
-              <a:t>rel</a:t>
-            </a:r>
-            <a:r>
-              <a:rPr lang="en-US" sz="2400" dirty="0" smtClean="0"/>
-              <a:t>=“</a:t>
-            </a:r>
-            <a:r>
-              <a:rPr lang="en-US" sz="2400" dirty="0" err="1" smtClean="0"/>
-              <a:t>stylesheet</a:t>
-            </a:r>
-            <a:r>
-              <a:rPr lang="en-US" sz="2400" dirty="0" smtClean="0"/>
-              <a:t>” type=“text/</a:t>
-            </a:r>
-            <a:r>
-              <a:rPr lang="en-US" sz="2400" dirty="0" err="1" smtClean="0"/>
-              <a:t>css</a:t>
-            </a:r>
-            <a:r>
-              <a:rPr lang="en-US" sz="2400" dirty="0" smtClean="0"/>
-              <a:t>” /&gt;</a:t>
-            </a:r>
-          </a:p>
-          <a:p>
-            <a:pPr marL="118872" indent="0">
-              <a:buNone/>
-            </a:pPr>
-            <a:r>
-              <a:rPr lang="en-US" dirty="0" smtClean="0"/>
-              <a:t>…</a:t>
-            </a:r>
-          </a:p>
-          <a:p>
-            <a:pPr marL="118872" indent="0">
-              <a:buNone/>
-            </a:pPr>
-            <a:r>
-              <a:rPr lang="en-US" dirty="0" smtClean="0"/>
-              <a:t>&lt;/head&gt;</a:t>
-            </a:r>
+              <a:t>Easy to share between pages</a:t>
+            </a:r>
+          </a:p>
+          <a:p>
             <a:endParaRPr lang="en-IE" dirty="0" smtClean="0"/>
           </a:p>
         </p:txBody>
@@ -7547,7 +7585,7 @@
     </p:spTree>
     <p:extLst>
       <p:ext uri="{BB962C8B-B14F-4D97-AF65-F5344CB8AC3E}">
-        <p14:creationId xmlns:p14="http://schemas.microsoft.com/office/powerpoint/2010/main" val="1705139460"/>
+        <p14:creationId xmlns:p14="http://schemas.microsoft.com/office/powerpoint/2010/main" val="2463035431"/>
       </p:ext>
     </p:extLst>
   </p:cSld>
@@ -7597,50 +7635,45 @@
           <a:lstStyle/>
           <a:p>
             <a:r>
+              <a:rPr lang="en-IE" dirty="0" smtClean="0"/>
+              <a:t>Moving CSS to a file</a:t>
+            </a:r>
+            <a:endParaRPr lang="en-IE" dirty="0"/>
+          </a:p>
+        </p:txBody>
+      </p:sp>
+      <p:sp>
+        <p:nvSpPr>
+          <p:cNvPr id="3" name="Content Placeholder 2"/>
+          <p:cNvSpPr>
+            <a:spLocks noGrp="1"/>
+          </p:cNvSpPr>
+          <p:nvPr>
+            <p:ph idx="1"/>
+          </p:nvPr>
+        </p:nvSpPr>
+        <p:spPr/>
+        <p:txBody>
+          <a:bodyPr>
+            <a:normAutofit lnSpcReduction="10000"/>
+          </a:bodyPr>
+          <a:lstStyle/>
+          <a:p>
+            <a:r>
               <a:rPr lang="en-US" dirty="0" smtClean="0"/>
-              <a:t>Changing our Menu</a:t>
-            </a:r>
-            <a:endParaRPr lang="en-IE" dirty="0"/>
-          </a:p>
-        </p:txBody>
-      </p:sp>
-      <p:sp>
-        <p:nvSpPr>
-          <p:cNvPr id="3" name="Content Placeholder 2"/>
-          <p:cNvSpPr>
-            <a:spLocks noGrp="1"/>
-          </p:cNvSpPr>
-          <p:nvPr>
-            <p:ph idx="1"/>
-          </p:nvPr>
-        </p:nvSpPr>
-        <p:spPr/>
-        <p:txBody>
-          <a:bodyPr>
-            <a:normAutofit fontScale="85000" lnSpcReduction="20000"/>
-          </a:bodyPr>
-          <a:lstStyle/>
+              <a:t>Make an empty file called “styles.css” </a:t>
+            </a:r>
+          </a:p>
           <a:p>
             <a:r>
               <a:rPr lang="en-US" dirty="0" smtClean="0"/>
-              <a:t>We can also use CSS to make the menu change when you move your mouse over an item</a:t>
-            </a:r>
-          </a:p>
-          <a:p>
-            <a:pPr lvl="1"/>
+              <a:t>Copy everything between &lt;style&gt;…&lt;/style&gt; into that file and save it</a:t>
+            </a:r>
+          </a:p>
+          <a:p>
             <a:r>
               <a:rPr lang="en-US" dirty="0" smtClean="0"/>
-              <a:t>This is called “hovering” you mouse over an item</a:t>
-            </a:r>
-          </a:p>
-          <a:p>
-            <a:pPr lvl="1"/>
-            <a:endParaRPr lang="en-US" dirty="0" smtClean="0"/>
-          </a:p>
-          <a:p>
-            <a:r>
-              <a:rPr lang="en-US" dirty="0" smtClean="0"/>
-              <a:t>Open up “styles.css” and add this:</a:t>
+              <a:t>Change your HTML to be like this:</a:t>
             </a:r>
           </a:p>
           <a:p>
@@ -7654,18 +7687,67 @@
               <a:buNone/>
             </a:pPr>
             <a:r>
-              <a:rPr lang="en-US" dirty="0" err="1" smtClean="0"/>
-              <a:t>li:hover</a:t>
-            </a:r>
-            <a:endParaRPr lang="en-US" dirty="0" smtClean="0"/>
+              <a:rPr lang="en-US" dirty="0" smtClean="0"/>
+              <a:t>&lt;head&gt;</a:t>
+            </a:r>
           </a:p>
           <a:p>
             <a:pPr marL="118872" indent="0">
               <a:buNone/>
             </a:pPr>
             <a:r>
+              <a:rPr lang="en-US" sz="2400" dirty="0" smtClean="0"/>
+              <a:t>…</a:t>
+            </a:r>
+          </a:p>
+          <a:p>
+            <a:pPr marL="118872" indent="0">
+              <a:buNone/>
+            </a:pPr>
+            <a:r>
+              <a:rPr lang="en-US" sz="2400" dirty="0" smtClean="0"/>
+              <a:t>&lt;link </a:t>
+            </a:r>
+            <a:r>
+              <a:rPr lang="en-US" sz="2400" dirty="0" err="1" smtClean="0"/>
+              <a:t>href</a:t>
+            </a:r>
+            <a:r>
+              <a:rPr lang="en-US" sz="2400" dirty="0" smtClean="0"/>
+              <a:t>=“styles.css” </a:t>
+            </a:r>
+            <a:r>
+              <a:rPr lang="en-US" sz="2400" dirty="0" err="1" smtClean="0"/>
+              <a:t>rel</a:t>
+            </a:r>
+            <a:r>
+              <a:rPr lang="en-US" sz="2400" dirty="0" smtClean="0"/>
+              <a:t>=“</a:t>
+            </a:r>
+            <a:r>
+              <a:rPr lang="en-US" sz="2400" dirty="0" err="1" smtClean="0"/>
+              <a:t>stylesheet</a:t>
+            </a:r>
+            <a:r>
+              <a:rPr lang="en-US" sz="2400" dirty="0" smtClean="0"/>
+              <a:t>” type=“text/</a:t>
+            </a:r>
+            <a:r>
+              <a:rPr lang="en-US" sz="2400" dirty="0" err="1" smtClean="0"/>
+              <a:t>css</a:t>
+            </a:r>
+            <a:r>
+              <a:rPr lang="en-US" sz="2400" dirty="0" smtClean="0"/>
+              <a:t>” /&gt;</a:t>
+            </a:r>
+          </a:p>
+          <a:p>
+            <a:pPr marL="118872" indent="0">
+              <a:buNone/>
+            </a:pPr>
+            <a:r>
               <a:rPr lang="en-US" dirty="0" smtClean="0"/>
-              <a:t>{</a:t>
+              <a:t>…</a:t>
             </a:r>
           </a:p>
           <a:p>
@@ -7673,80 +7755,17 @@
               <a:buNone/>
             </a:pPr>
             <a:r>
-              <a:rPr lang="en-IE" dirty="0"/>
-              <a:t>	border: 2px Solid Red;	</a:t>
+              <a:rPr lang="en-US" dirty="0" smtClean="0"/>
+              <a:t>&lt;/head&gt;</a:t>
             </a:r>
             <a:endParaRPr lang="en-IE" dirty="0" smtClean="0"/>
-          </a:p>
-          <a:p>
-            <a:pPr marL="118872" indent="0">
-              <a:buNone/>
-            </a:pPr>
-            <a:r>
-              <a:rPr lang="en-IE" dirty="0"/>
-              <a:t>	</a:t>
-            </a:r>
-            <a:r>
-              <a:rPr lang="en-IE" dirty="0" smtClean="0"/>
-              <a:t>background-</a:t>
-            </a:r>
-            <a:r>
-              <a:rPr lang="en-IE" dirty="0" err="1" smtClean="0"/>
-              <a:t>color</a:t>
-            </a:r>
-            <a:r>
-              <a:rPr lang="en-IE" dirty="0"/>
-              <a:t>: </a:t>
-            </a:r>
-            <a:r>
-              <a:rPr lang="en-IE" dirty="0" err="1"/>
-              <a:t>Lightgreen</a:t>
-            </a:r>
-            <a:r>
-              <a:rPr lang="en-IE" dirty="0"/>
-              <a:t>;</a:t>
-            </a:r>
-            <a:endParaRPr lang="en-US" dirty="0" smtClean="0"/>
-          </a:p>
-          <a:p>
-            <a:pPr marL="118872" indent="0">
-              <a:buNone/>
-            </a:pPr>
-            <a:r>
-              <a:rPr lang="en-US" dirty="0"/>
-              <a:t>}</a:t>
-            </a:r>
-            <a:endParaRPr lang="en-US" dirty="0" smtClean="0"/>
-          </a:p>
-          <a:p>
-            <a:pPr marL="118872" indent="0">
-              <a:buNone/>
-            </a:pPr>
-            <a:endParaRPr lang="en-US" dirty="0" smtClean="0"/>
-          </a:p>
-          <a:p>
-            <a:pPr marL="118872" indent="0">
-              <a:buNone/>
-            </a:pPr>
-            <a:r>
-              <a:rPr lang="en-US" dirty="0" smtClean="0"/>
-              <a:t>Pick your own </a:t>
-            </a:r>
-            <a:r>
-              <a:rPr lang="en-US" dirty="0" err="1" smtClean="0"/>
-              <a:t>colours</a:t>
-            </a:r>
-            <a:r>
-              <a:rPr lang="en-US" dirty="0" smtClean="0"/>
-              <a:t> and see how it looks …</a:t>
-            </a:r>
           </a:p>
         </p:txBody>
       </p:sp>
     </p:spTree>
     <p:extLst>
       <p:ext uri="{BB962C8B-B14F-4D97-AF65-F5344CB8AC3E}">
-        <p14:creationId xmlns:p14="http://schemas.microsoft.com/office/powerpoint/2010/main" val="1860791689"/>
+        <p14:creationId xmlns:p14="http://schemas.microsoft.com/office/powerpoint/2010/main" val="1705139460"/>
       </p:ext>
     </p:extLst>
   </p:cSld>
@@ -7796,79 +7815,156 @@
           <a:lstStyle/>
           <a:p>
             <a:r>
+              <a:rPr lang="en-US" dirty="0" smtClean="0"/>
+              <a:t>Changing our Menu</a:t>
+            </a:r>
+            <a:endParaRPr lang="en-IE" dirty="0"/>
+          </a:p>
+        </p:txBody>
+      </p:sp>
+      <p:sp>
+        <p:nvSpPr>
+          <p:cNvPr id="3" name="Content Placeholder 2"/>
+          <p:cNvSpPr>
+            <a:spLocks noGrp="1"/>
+          </p:cNvSpPr>
+          <p:nvPr>
+            <p:ph idx="1"/>
+          </p:nvPr>
+        </p:nvSpPr>
+        <p:spPr/>
+        <p:txBody>
+          <a:bodyPr>
+            <a:normAutofit fontScale="85000" lnSpcReduction="20000"/>
+          </a:bodyPr>
+          <a:lstStyle/>
+          <a:p>
+            <a:r>
+              <a:rPr lang="en-US" dirty="0" smtClean="0"/>
+              <a:t>We can also use CSS to make the menu change when you move your mouse over an item</a:t>
+            </a:r>
+          </a:p>
+          <a:p>
+            <a:pPr lvl="1"/>
+            <a:r>
+              <a:rPr lang="en-US" dirty="0" smtClean="0"/>
+              <a:t>This is called “hovering” you mouse over an item</a:t>
+            </a:r>
+          </a:p>
+          <a:p>
+            <a:pPr lvl="1"/>
+            <a:endParaRPr lang="en-US" dirty="0" smtClean="0"/>
+          </a:p>
+          <a:p>
+            <a:r>
+              <a:rPr lang="en-US" dirty="0" smtClean="0"/>
+              <a:t>Open up “styles.css” and add this:</a:t>
+            </a:r>
+          </a:p>
+          <a:p>
+            <a:pPr marL="118872" indent="0">
+              <a:buNone/>
+            </a:pPr>
+            <a:endParaRPr lang="en-US" dirty="0" smtClean="0"/>
+          </a:p>
+          <a:p>
+            <a:pPr marL="118872" indent="0">
+              <a:buNone/>
+            </a:pPr>
+            <a:r>
+              <a:rPr lang="en-US" dirty="0" err="1" smtClean="0"/>
+              <a:t>li:hover</a:t>
+            </a:r>
+            <a:endParaRPr lang="en-US" dirty="0" smtClean="0"/>
+          </a:p>
+          <a:p>
+            <a:pPr marL="118872" indent="0">
+              <a:buNone/>
+            </a:pPr>
+            <a:r>
+              <a:rPr lang="en-US" dirty="0" smtClean="0"/>
+              <a:t>{</a:t>
+            </a:r>
+          </a:p>
+          <a:p>
+            <a:pPr marL="118872" indent="0">
+              <a:buNone/>
+            </a:pPr>
+            <a:r>
+              <a:rPr lang="en-IE" dirty="0"/>
+              <a:t>	border: 2px Solid Red;	</a:t>
+            </a:r>
+            <a:endParaRPr lang="en-IE" dirty="0" smtClean="0"/>
+          </a:p>
+          <a:p>
+            <a:pPr marL="118872" indent="0">
+              <a:buNone/>
+            </a:pPr>
+            <a:r>
+              <a:rPr lang="en-IE" dirty="0"/>
+              <a:t>	</a:t>
+            </a:r>
+            <a:r>
               <a:rPr lang="en-IE" dirty="0" smtClean="0"/>
-              <a:t>Work on your web site!</a:t>
-            </a:r>
-            <a:endParaRPr lang="en-IE" dirty="0"/>
-          </a:p>
-        </p:txBody>
-      </p:sp>
-      <p:sp>
-        <p:nvSpPr>
-          <p:cNvPr id="3" name="Content Placeholder 2"/>
-          <p:cNvSpPr>
-            <a:spLocks noGrp="1"/>
-          </p:cNvSpPr>
-          <p:nvPr>
-            <p:ph idx="1"/>
-          </p:nvPr>
-        </p:nvSpPr>
-        <p:spPr/>
-        <p:txBody>
-          <a:bodyPr>
-            <a:normAutofit/>
-          </a:bodyPr>
-          <a:lstStyle/>
+              <a:t>background-</a:t>
+            </a:r>
+            <a:r>
+              <a:rPr lang="en-IE" dirty="0" err="1" smtClean="0"/>
+              <a:t>color</a:t>
+            </a:r>
+            <a:r>
+              <a:rPr lang="en-IE" dirty="0"/>
+              <a:t>: </a:t>
+            </a:r>
+            <a:r>
+              <a:rPr lang="en-IE" dirty="0" err="1"/>
+              <a:t>Lightgreen</a:t>
+            </a:r>
+            <a:r>
+              <a:rPr lang="en-IE" dirty="0"/>
+              <a:t>;</a:t>
+            </a:r>
+            <a:endParaRPr lang="en-US" dirty="0" smtClean="0"/>
+          </a:p>
           <a:p>
             <a:pPr marL="118872" indent="0">
               <a:buNone/>
             </a:pPr>
             <a:r>
+              <a:rPr lang="en-US" dirty="0"/>
+              <a:t>}</a:t>
+            </a:r>
+            <a:endParaRPr lang="en-US" dirty="0" smtClean="0"/>
+          </a:p>
+          <a:p>
+            <a:pPr marL="118872" indent="0">
+              <a:buNone/>
+            </a:pPr>
+            <a:endParaRPr lang="en-US" dirty="0" smtClean="0"/>
+          </a:p>
+          <a:p>
+            <a:pPr marL="118872" indent="0">
+              <a:buNone/>
+            </a:pPr>
+            <a:r>
               <a:rPr lang="en-US" dirty="0" smtClean="0"/>
-              <a:t>Now in the time we have left, work on your web site!</a:t>
-            </a:r>
-          </a:p>
-          <a:p>
-            <a:pPr marL="118872" indent="0">
-              <a:buNone/>
-            </a:pPr>
-            <a:endParaRPr lang="en-US" dirty="0"/>
-          </a:p>
-          <a:p>
-            <a:r>
-              <a:rPr lang="en-US" dirty="0" smtClean="0"/>
-              <a:t>Add in pictures and maps from last week</a:t>
-            </a:r>
-          </a:p>
-          <a:p>
-            <a:r>
-              <a:rPr lang="en-US" dirty="0" smtClean="0"/>
-              <a:t>Layout your pages using tables</a:t>
-            </a:r>
-          </a:p>
-          <a:p>
-            <a:r>
-              <a:rPr lang="en-US" dirty="0" smtClean="0"/>
-              <a:t>Style your menus and backgrounds using </a:t>
+              <a:t>Pick your own </a:t>
             </a:r>
             <a:r>
               <a:rPr lang="en-US" dirty="0" err="1" smtClean="0"/>
               <a:t>colours</a:t>
             </a:r>
-            <a:endParaRPr lang="en-US" dirty="0" smtClean="0"/>
-          </a:p>
-          <a:p>
-            <a:endParaRPr lang="en-US" dirty="0" smtClean="0"/>
-          </a:p>
-          <a:p>
-            <a:endParaRPr lang="en-IE" dirty="0" smtClean="0"/>
+            <a:r>
+              <a:rPr lang="en-US" dirty="0" smtClean="0"/>
+              <a:t> and see how it looks …</a:t>
+            </a:r>
           </a:p>
         </p:txBody>
       </p:sp>
     </p:spTree>
     <p:extLst>
       <p:ext uri="{BB962C8B-B14F-4D97-AF65-F5344CB8AC3E}">
-        <p14:creationId xmlns:p14="http://schemas.microsoft.com/office/powerpoint/2010/main" val="661884775"/>
+        <p14:creationId xmlns:p14="http://schemas.microsoft.com/office/powerpoint/2010/main" val="1860791689"/>
       </p:ext>
     </p:extLst>
   </p:cSld>
@@ -7919,7 +8015,7 @@
           <a:p>
             <a:r>
               <a:rPr lang="en-IE" dirty="0" smtClean="0"/>
-              <a:t>Now Practice Some More!</a:t>
+              <a:t>Work on your web site!</a:t>
             </a:r>
             <a:endParaRPr lang="en-IE" dirty="0"/>
           </a:p>
@@ -7946,77 +8042,51 @@
               <a:buNone/>
             </a:pPr>
             <a:r>
-              <a:rPr lang="en-IE" dirty="0" smtClean="0"/>
-              <a:t>Now you’ve made your first web site!</a:t>
+              <a:rPr lang="en-US" dirty="0" smtClean="0"/>
+              <a:t>Now in the time we have left, work on your web site!</a:t>
             </a:r>
           </a:p>
           <a:p>
             <a:pPr marL="118872" indent="0">
               <a:buNone/>
             </a:pPr>
+            <a:endParaRPr lang="en-US" dirty="0"/>
+          </a:p>
+          <a:p>
+            <a:r>
+              <a:rPr lang="en-US" dirty="0" smtClean="0"/>
+              <a:t>Add in pictures and maps from last week</a:t>
+            </a:r>
+          </a:p>
+          <a:p>
+            <a:r>
+              <a:rPr lang="en-US" dirty="0" smtClean="0"/>
+              <a:t>Layout your pages using tables</a:t>
+            </a:r>
+          </a:p>
+          <a:p>
+            <a:r>
+              <a:rPr lang="en-US" dirty="0" smtClean="0"/>
+              <a:t>Style your menus and backgrounds using </a:t>
+            </a:r>
+            <a:r>
+              <a:rPr lang="en-US" dirty="0" err="1" smtClean="0"/>
+              <a:t>colours</a:t>
+            </a:r>
+            <a:endParaRPr lang="en-US" dirty="0" smtClean="0"/>
+          </a:p>
+          <a:p>
+            <a:endParaRPr lang="en-US" dirty="0" smtClean="0"/>
+          </a:p>
+          <a:p>
             <a:endParaRPr lang="en-IE" dirty="0" smtClean="0"/>
-          </a:p>
-          <a:p>
-            <a:pPr marL="118872" indent="0">
-              <a:buNone/>
-            </a:pPr>
-            <a:r>
-              <a:rPr lang="en-IE" dirty="0"/>
-              <a:t>At home, practice what you learned this week</a:t>
-            </a:r>
-          </a:p>
-          <a:p>
-            <a:pPr marL="118872" indent="0">
-              <a:buNone/>
-            </a:pPr>
-            <a:endParaRPr lang="en-IE" dirty="0"/>
-          </a:p>
-          <a:p>
-            <a:pPr marL="118872" indent="0">
-              <a:buNone/>
-            </a:pPr>
-            <a:r>
-              <a:rPr lang="en-IE" dirty="0" smtClean="0"/>
-              <a:t>Look at </a:t>
-            </a:r>
-            <a:r>
-              <a:rPr lang="en-IE" dirty="0" smtClean="0">
-                <a:hlinkClick r:id="rId3"/>
-              </a:rPr>
-              <a:t>www.w3schools.com</a:t>
-            </a:r>
-            <a:r>
-              <a:rPr lang="en-IE" dirty="0" smtClean="0"/>
-              <a:t> for examples of other CSS styles (we will look more at this next week)</a:t>
-            </a:r>
-          </a:p>
-          <a:p>
-            <a:pPr marL="118872" indent="0">
-              <a:buNone/>
-            </a:pPr>
-            <a:endParaRPr lang="en-IE" dirty="0"/>
-          </a:p>
-          <a:p>
-            <a:pPr marL="118872" indent="0">
-              <a:buNone/>
-            </a:pPr>
-            <a:r>
-              <a:rPr lang="en-IE" dirty="0" smtClean="0"/>
-              <a:t>See you next week for more HTML and CSS</a:t>
-            </a:r>
-          </a:p>
-          <a:p>
-            <a:pPr marL="118872" indent="0">
-              <a:buNone/>
-            </a:pPr>
-            <a:endParaRPr lang="en-IE" sz="2800" dirty="0" smtClean="0"/>
           </a:p>
         </p:txBody>
       </p:sp>
     </p:spTree>
     <p:extLst>
       <p:ext uri="{BB962C8B-B14F-4D97-AF65-F5344CB8AC3E}">
-        <p14:creationId xmlns:p14="http://schemas.microsoft.com/office/powerpoint/2010/main" val="3785644732"/>
+        <p14:creationId xmlns:p14="http://schemas.microsoft.com/office/powerpoint/2010/main" val="661884775"/>
       </p:ext>
     </p:extLst>
   </p:cSld>
@@ -8067,7 +8137,7 @@
           <a:p>
             <a:r>
               <a:rPr lang="en-IE" dirty="0" smtClean="0"/>
-              <a:t>Next Week … </a:t>
+              <a:t>Now Practice Some More!</a:t>
             </a:r>
             <a:endParaRPr lang="en-IE" dirty="0"/>
           </a:p>
@@ -8094,34 +8164,63 @@
               <a:buNone/>
             </a:pPr>
             <a:r>
-              <a:rPr lang="en-US" dirty="0" smtClean="0"/>
-              <a:t>Next Week:</a:t>
+              <a:rPr lang="en-IE" dirty="0" smtClean="0"/>
+              <a:t>Now you’ve made your first web site!</a:t>
             </a:r>
           </a:p>
           <a:p>
             <a:pPr marL="118872" indent="0">
               <a:buNone/>
             </a:pPr>
-            <a:endParaRPr lang="en-US" dirty="0"/>
-          </a:p>
-          <a:p>
-            <a:r>
-              <a:rPr lang="en-US" dirty="0" smtClean="0"/>
-              <a:t>We’ll look at </a:t>
-            </a:r>
+            <a:endParaRPr lang="en-IE" dirty="0" smtClean="0"/>
+          </a:p>
+          <a:p>
+            <a:pPr marL="118872" indent="0">
+              <a:buNone/>
+            </a:pPr>
+            <a:r>
+              <a:rPr lang="en-IE" dirty="0"/>
+              <a:t>At home, practice what you learned this week</a:t>
+            </a:r>
+          </a:p>
+          <a:p>
+            <a:pPr marL="118872" indent="0">
+              <a:buNone/>
+            </a:pPr>
+            <a:endParaRPr lang="en-IE" dirty="0"/>
+          </a:p>
+          <a:p>
+            <a:pPr marL="118872" indent="0">
+              <a:buNone/>
+            </a:pPr>
             <a:r>
               <a:rPr lang="en-IE" dirty="0" smtClean="0"/>
-              <a:t>how to use CSS to turn a list into a professional-looking menu that you can reuse</a:t>
-            </a:r>
-            <a:br>
+              <a:t>Look at </a:t>
+            </a:r>
+            <a:r>
+              <a:rPr lang="en-IE" dirty="0" smtClean="0">
+                <a:hlinkClick r:id="rId3"/>
+              </a:rPr>
+              <a:t>www.w3schools.com</a:t>
+            </a:r>
+            <a:r>
               <a:rPr lang="en-IE" dirty="0" smtClean="0"/>
-            </a:br>
-            <a:endParaRPr lang="en-IE" dirty="0" smtClean="0"/>
-          </a:p>
-          <a:p>
+              <a:t> for examples of other CSS styles (we will look more at this next week)</a:t>
+            </a:r>
+          </a:p>
+          <a:p>
+            <a:pPr marL="118872" indent="0">
+              <a:buNone/>
+            </a:pPr>
+            <a:endParaRPr lang="en-IE" dirty="0"/>
+          </a:p>
+          <a:p>
+            <a:pPr marL="118872" indent="0">
+              <a:buNone/>
+            </a:pPr>
             <a:r>
               <a:rPr lang="en-IE" dirty="0" smtClean="0"/>
-              <a:t>We’ll show you how to publish your website onto dojo.hallamor.org</a:t>
+              <a:t>See you next week for more HTML and CSS</a:t>
             </a:r>
           </a:p>
           <a:p>
@@ -8135,7 +8234,7 @@
     </p:spTree>
     <p:extLst>
       <p:ext uri="{BB962C8B-B14F-4D97-AF65-F5344CB8AC3E}">
-        <p14:creationId xmlns:p14="http://schemas.microsoft.com/office/powerpoint/2010/main" val="1534108769"/>
+        <p14:creationId xmlns:p14="http://schemas.microsoft.com/office/powerpoint/2010/main" val="3785644732"/>
       </p:ext>
     </p:extLst>
   </p:cSld>
@@ -8214,38 +8313,48 @@
           <a:lstStyle/>
           <a:p>
             <a:r>
-              <a:rPr lang="en-IE" sz="5400" dirty="0" smtClean="0"/>
-              <a:t>Join w</a:t>
-            </a:r>
-            <a:r>
-              <a:rPr lang="en-IE" sz="5400" dirty="0" smtClean="0"/>
-              <a:t>ireless network</a:t>
-            </a:r>
-            <a:r>
-              <a:rPr lang="en-IE" sz="6600" dirty="0" smtClean="0"/>
-              <a:t>: </a:t>
-            </a:r>
-            <a:r>
-              <a:rPr lang="en-IE" sz="6600" dirty="0" smtClean="0"/>
-              <a:t/>
+              <a:rPr lang="en-IE" sz="4800" dirty="0" smtClean="0"/>
+              <a:t>Join wireless </a:t>
+            </a:r>
+            <a:r>
+              <a:rPr lang="en-IE" sz="4800" dirty="0" smtClean="0"/>
+              <a:t>network:</a:t>
             </a:r>
             <a:br>
-              <a:rPr lang="en-IE" sz="6600" dirty="0" smtClean="0"/>
+              <a:rPr lang="en-IE" sz="4800" dirty="0" smtClean="0"/>
             </a:br>
             <a:r>
-              <a:rPr lang="en-IE" sz="6600" dirty="0" smtClean="0"/>
-              <a:t>       </a:t>
-            </a:r>
-            <a:r>
-              <a:rPr lang="en-IE" sz="7200" b="1" dirty="0" err="1" smtClean="0"/>
+              <a:rPr lang="en-IE" sz="4800" dirty="0" smtClean="0"/>
+              <a:t>            </a:t>
+            </a:r>
+            <a:r>
+              <a:rPr lang="en-IE" sz="4400" b="1" dirty="0" err="1" smtClean="0"/>
               <a:t>coderdojo</a:t>
             </a:r>
-            <a:endParaRPr lang="en-IE" sz="7200" b="1" dirty="0"/>
+            <a:r>
+              <a:rPr lang="en-IE" sz="4400" b="1" dirty="0" smtClean="0"/>
+              <a:t>&lt;x&gt;</a:t>
+            </a:r>
+            <a:br>
+              <a:rPr lang="en-IE" sz="4400" b="1" dirty="0" smtClean="0"/>
+            </a:br>
+            <a:r>
+              <a:rPr lang="en-IE" sz="4400" b="1" dirty="0" smtClean="0"/>
+              <a:t>where &lt;x&gt; is your table number</a:t>
+            </a:r>
+            <a:endParaRPr lang="en-IE" sz="4400" b="1" dirty="0"/>
+          </a:p>
+          <a:p>
+            <a:endParaRPr lang="en-IE" sz="3000" dirty="0" smtClean="0"/>
           </a:p>
           <a:p>
             <a:r>
               <a:rPr lang="en-IE" sz="3000" dirty="0" smtClean="0"/>
-              <a:t>Have you got:</a:t>
+              <a:t>Have </a:t>
+            </a:r>
+            <a:r>
+              <a:rPr lang="en-IE" sz="3000" dirty="0" smtClean="0"/>
+              <a:t>you got:</a:t>
             </a:r>
             <a:br>
               <a:rPr lang="en-IE" sz="3000" dirty="0" smtClean="0"/>
@@ -8259,23 +8368,23 @@
             </a:br>
             <a:r>
               <a:rPr lang="en-IE" sz="3000" dirty="0" smtClean="0"/>
-              <a:t>- Komodo Edit</a:t>
+              <a:t>- Komodo </a:t>
+            </a:r>
+            <a:r>
+              <a:rPr lang="en-IE" sz="3000" dirty="0" smtClean="0"/>
+              <a:t>Edit</a:t>
+            </a:r>
+            <a:r>
+              <a:rPr lang="en-IE" sz="3000" dirty="0" smtClean="0"/>
+              <a:t/>
             </a:r>
             <a:br>
               <a:rPr lang="en-IE" sz="3000" dirty="0" smtClean="0"/>
             </a:br>
             <a:r>
               <a:rPr lang="en-IE" sz="3000" dirty="0" smtClean="0"/>
-              <a:t/>
-            </a:r>
-            <a:br>
-              <a:rPr lang="en-IE" sz="3000" dirty="0" smtClean="0"/>
-            </a:br>
-            <a:r>
-              <a:rPr lang="en-IE" sz="3000" dirty="0" smtClean="0"/>
               <a:t>Installed on your laptop?</a:t>
             </a:r>
-            <a:endParaRPr lang="en-IE" sz="3000" dirty="0" smtClean="0"/>
           </a:p>
           <a:p>
             <a:pPr marL="118872" indent="0">
@@ -8288,13 +8397,132 @@
     </p:spTree>
     <p:extLst>
       <p:ext uri="{BB962C8B-B14F-4D97-AF65-F5344CB8AC3E}">
-        <p14:creationId xmlns:p14="http://schemas.microsoft.com/office/powerpoint/2010/main" val="2886376364"/>
+        <p14:creationId xmlns:p14="http://schemas.microsoft.com/office/powerpoint/2010/main" val="972367935"/>
       </p:ext>
     </p:extLst>
   </p:cSld>
   <p:clrMapOvr>
     <a:masterClrMapping/>
   </p:clrMapOvr>
+</p:sld>
+</file>
+
+<file path=ppt/slides/slide20.xml><?xml version="1.0" encoding="utf-8"?>
+<p:sld xmlns:a="http://schemas.openxmlformats.org/drawingml/2006/main" xmlns:r="http://schemas.openxmlformats.org/officeDocument/2006/relationships" xmlns:p="http://schemas.openxmlformats.org/presentationml/2006/main">
+  <p:cSld>
+    <p:spTree>
+      <p:nvGrpSpPr>
+        <p:cNvPr id="1" name=""/>
+        <p:cNvGrpSpPr/>
+        <p:nvPr/>
+      </p:nvGrpSpPr>
+      <p:grpSpPr>
+        <a:xfrm>
+          <a:off x="0" y="0"/>
+          <a:ext cx="0" cy="0"/>
+          <a:chOff x="0" y="0"/>
+          <a:chExt cx="0" cy="0"/>
+        </a:xfrm>
+      </p:grpSpPr>
+      <p:sp>
+        <p:nvSpPr>
+          <p:cNvPr id="2" name="Title 1"/>
+          <p:cNvSpPr>
+            <a:spLocks noGrp="1"/>
+          </p:cNvSpPr>
+          <p:nvPr>
+            <p:ph type="title"/>
+          </p:nvPr>
+        </p:nvSpPr>
+        <p:spPr/>
+        <p:txBody>
+          <a:bodyPr/>
+          <a:lstStyle/>
+          <a:p>
+            <a:r>
+              <a:rPr lang="en-IE" dirty="0" smtClean="0"/>
+              <a:t>Next Week … </a:t>
+            </a:r>
+            <a:endParaRPr lang="en-IE" dirty="0"/>
+          </a:p>
+        </p:txBody>
+      </p:sp>
+      <p:sp>
+        <p:nvSpPr>
+          <p:cNvPr id="3" name="Content Placeholder 2"/>
+          <p:cNvSpPr>
+            <a:spLocks noGrp="1"/>
+          </p:cNvSpPr>
+          <p:nvPr>
+            <p:ph idx="1"/>
+          </p:nvPr>
+        </p:nvSpPr>
+        <p:spPr/>
+        <p:txBody>
+          <a:bodyPr>
+            <a:normAutofit/>
+          </a:bodyPr>
+          <a:lstStyle/>
+          <a:p>
+            <a:pPr marL="118872" indent="0">
+              <a:buNone/>
+            </a:pPr>
+            <a:r>
+              <a:rPr lang="en-US" dirty="0" smtClean="0"/>
+              <a:t>Next Week:</a:t>
+            </a:r>
+          </a:p>
+          <a:p>
+            <a:pPr marL="118872" indent="0">
+              <a:buNone/>
+            </a:pPr>
+            <a:endParaRPr lang="en-US" dirty="0"/>
+          </a:p>
+          <a:p>
+            <a:r>
+              <a:rPr lang="en-US" dirty="0" smtClean="0"/>
+              <a:t>We’ll look at </a:t>
+            </a:r>
+            <a:r>
+              <a:rPr lang="en-IE" dirty="0" smtClean="0"/>
+              <a:t>how to use CSS to turn a list into a professional-looking menu that you can reuse</a:t>
+            </a:r>
+            <a:br>
+              <a:rPr lang="en-IE" dirty="0" smtClean="0"/>
+            </a:br>
+            <a:endParaRPr lang="en-IE" dirty="0" smtClean="0"/>
+          </a:p>
+          <a:p>
+            <a:r>
+              <a:rPr lang="en-IE" dirty="0" smtClean="0"/>
+              <a:t>We’ll show you how to publish your website onto dojo.hallamor.org</a:t>
+            </a:r>
+          </a:p>
+          <a:p>
+            <a:pPr marL="118872" indent="0">
+              <a:buNone/>
+            </a:pPr>
+            <a:endParaRPr lang="en-IE" sz="2800" dirty="0" smtClean="0"/>
+          </a:p>
+        </p:txBody>
+      </p:sp>
+    </p:spTree>
+    <p:extLst>
+      <p:ext uri="{BB962C8B-B14F-4D97-AF65-F5344CB8AC3E}">
+        <p14:creationId xmlns:p14="http://schemas.microsoft.com/office/powerpoint/2010/main" val="1534108769"/>
+      </p:ext>
+    </p:extLst>
+  </p:cSld>
+  <p:clrMapOvr>
+    <a:masterClrMapping/>
+  </p:clrMapOvr>
+  <p:timing>
+    <p:tnLst>
+      <p:par>
+        <p:cTn id="1" dur="indefinite" restart="never" nodeType="tmRoot"/>
+      </p:par>
+    </p:tnLst>
+  </p:timing>
 </p:sld>
 </file>
 
@@ -8325,28 +8553,14 @@
             <p:ph type="title"/>
           </p:nvPr>
         </p:nvSpPr>
-        <p:spPr>
-          <a:xfrm>
-            <a:off x="1571625" y="155448"/>
-            <a:ext cx="7115175" cy="1252728"/>
-          </a:xfrm>
-        </p:spPr>
-        <p:txBody>
-          <a:bodyPr>
-            <a:normAutofit fontScale="90000"/>
-          </a:bodyPr>
+        <p:spPr/>
+        <p:txBody>
+          <a:bodyPr/>
           <a:lstStyle/>
           <a:p>
             <a:r>
               <a:rPr lang="en-IE" dirty="0" smtClean="0"/>
-              <a:t>Session #2</a:t>
-            </a:r>
-            <a:br>
-              <a:rPr lang="en-IE" dirty="0" smtClean="0"/>
-            </a:br>
-            <a:r>
-              <a:rPr lang="en-IE" dirty="0" smtClean="0"/>
-              <a:t>What will you do today?</a:t>
+              <a:t>Homework: Make us a Logo</a:t>
             </a:r>
             <a:endParaRPr lang="en-IE" dirty="0"/>
           </a:p>
@@ -8369,67 +8583,351 @@
           </a:bodyPr>
           <a:lstStyle/>
           <a:p>
+            <a:endParaRPr lang="en-US" dirty="0"/>
+          </a:p>
+          <a:p>
             <a:endParaRPr lang="en-IE" dirty="0" smtClean="0"/>
           </a:p>
           <a:p>
-            <a:r>
-              <a:rPr lang="en-IE" dirty="0" smtClean="0"/>
-              <a:t>Review last week’s work</a:t>
-            </a:r>
-          </a:p>
-          <a:p>
-            <a:r>
-              <a:rPr lang="en-IE" dirty="0" smtClean="0"/>
-              <a:t>Add some more HTML tags</a:t>
-            </a:r>
-          </a:p>
-          <a:p>
-            <a:pPr lvl="1"/>
-            <a:r>
-              <a:rPr lang="en-IE" dirty="0"/>
-              <a:t>Lists</a:t>
-            </a:r>
-          </a:p>
-          <a:p>
-            <a:pPr lvl="1"/>
-            <a:r>
-              <a:rPr lang="en-US" dirty="0" smtClean="0"/>
-              <a:t>Links</a:t>
-            </a:r>
-            <a:endParaRPr lang="en-IE" dirty="0" smtClean="0"/>
-          </a:p>
-          <a:p>
-            <a:pPr lvl="1"/>
-            <a:r>
-              <a:rPr lang="en-US" dirty="0" smtClean="0"/>
-              <a:t>Tables</a:t>
-            </a:r>
-            <a:endParaRPr lang="en-IE" dirty="0" smtClean="0"/>
-          </a:p>
-          <a:p>
-            <a:pPr lvl="1"/>
-            <a:r>
-              <a:rPr lang="en-US" dirty="0" smtClean="0"/>
-              <a:t>… and make a complete website</a:t>
-            </a:r>
-            <a:endParaRPr lang="en-IE" dirty="0" smtClean="0"/>
-          </a:p>
-          <a:p>
-            <a:r>
-              <a:rPr lang="en-US" dirty="0" smtClean="0"/>
-              <a:t>… and tidy up our CSS</a:t>
-            </a:r>
-            <a:endParaRPr lang="en-IE" dirty="0" smtClean="0"/>
-          </a:p>
-          <a:p>
-            <a:endParaRPr lang="en-IE" dirty="0"/>
-          </a:p>
-        </p:txBody>
-      </p:sp>
+            <a:pPr marL="118872" indent="0">
+              <a:buNone/>
+            </a:pPr>
+            <a:endParaRPr lang="en-IE" sz="2800" dirty="0" smtClean="0"/>
+          </a:p>
+        </p:txBody>
+      </p:sp>
+      <p:pic>
+        <p:nvPicPr>
+          <p:cNvPr id="1026" name="Picture 2" descr="C:\Projects\CoderDojo\coderdojo-bray\html\images\coderdojo_reasonably_small.jpg"/>
+          <p:cNvPicPr>
+            <a:picLocks noChangeAspect="1" noChangeArrowheads="1"/>
+          </p:cNvPicPr>
+          <p:nvPr/>
+        </p:nvPicPr>
+        <p:blipFill>
+          <a:blip r:embed="rId3">
+            <a:extLst>
+              <a:ext uri="{28A0092B-C50C-407E-A947-70E740481C1C}">
+                <a14:useLocalDpi xmlns:a14="http://schemas.microsoft.com/office/drawing/2010/main" val="0"/>
+              </a:ext>
+            </a:extLst>
+          </a:blip>
+          <a:srcRect/>
+          <a:stretch>
+            <a:fillRect/>
+          </a:stretch>
+        </p:blipFill>
+        <p:spPr bwMode="auto">
+          <a:xfrm>
+            <a:off x="2824250" y="2190650"/>
+            <a:ext cx="1219200" cy="1219200"/>
+          </a:xfrm>
+          <a:prstGeom prst="rect">
+            <a:avLst/>
+          </a:prstGeom>
+          <a:noFill/>
+          <a:extLst>
+            <a:ext uri="{909E8E84-426E-40DD-AFC4-6F175D3DCCD1}">
+              <a14:hiddenFill xmlns:a14="http://schemas.microsoft.com/office/drawing/2010/main">
+                <a:solidFill>
+                  <a:srgbClr val="FFFFFF"/>
+                </a:solidFill>
+              </a14:hiddenFill>
+            </a:ext>
+          </a:extLst>
+        </p:spPr>
+      </p:pic>
+      <p:pic>
+        <p:nvPicPr>
+          <p:cNvPr id="1027" name="Picture 3" descr="C:\Projects\CoderDojo\coderdojo-bray\html\images\coder.png"/>
+          <p:cNvPicPr>
+            <a:picLocks noChangeAspect="1" noChangeArrowheads="1"/>
+          </p:cNvPicPr>
+          <p:nvPr/>
+        </p:nvPicPr>
+        <p:blipFill>
+          <a:blip r:embed="rId4">
+            <a:extLst>
+              <a:ext uri="{28A0092B-C50C-407E-A947-70E740481C1C}">
+                <a14:useLocalDpi xmlns:a14="http://schemas.microsoft.com/office/drawing/2010/main" val="0"/>
+              </a:ext>
+            </a:extLst>
+          </a:blip>
+          <a:srcRect/>
+          <a:stretch>
+            <a:fillRect/>
+          </a:stretch>
+        </p:blipFill>
+        <p:spPr bwMode="auto">
+          <a:xfrm>
+            <a:off x="893964" y="2067495"/>
+            <a:ext cx="1342355" cy="1342355"/>
+          </a:xfrm>
+          <a:prstGeom prst="rect">
+            <a:avLst/>
+          </a:prstGeom>
+          <a:noFill/>
+          <a:extLst>
+            <a:ext uri="{909E8E84-426E-40DD-AFC4-6F175D3DCCD1}">
+              <a14:hiddenFill xmlns:a14="http://schemas.microsoft.com/office/drawing/2010/main">
+                <a:solidFill>
+                  <a:srgbClr val="FFFFFF"/>
+                </a:solidFill>
+              </a14:hiddenFill>
+            </a:ext>
+          </a:extLst>
+        </p:spPr>
+      </p:pic>
+      <p:pic>
+        <p:nvPicPr>
+          <p:cNvPr id="1028" name="Picture 4" descr="C:\Projects\CoderDojo\coderdojo-bray\html\images\592320_296945370379907_485003099_n.jpg"/>
+          <p:cNvPicPr>
+            <a:picLocks noChangeAspect="1" noChangeArrowheads="1"/>
+          </p:cNvPicPr>
+          <p:nvPr/>
+        </p:nvPicPr>
+        <p:blipFill>
+          <a:blip r:embed="rId5">
+            <a:extLst>
+              <a:ext uri="{28A0092B-C50C-407E-A947-70E740481C1C}">
+                <a14:useLocalDpi xmlns:a14="http://schemas.microsoft.com/office/drawing/2010/main" val="0"/>
+              </a:ext>
+            </a:extLst>
+          </a:blip>
+          <a:srcRect/>
+          <a:stretch>
+            <a:fillRect/>
+          </a:stretch>
+        </p:blipFill>
+        <p:spPr bwMode="auto">
+          <a:xfrm>
+            <a:off x="4644008" y="2109795"/>
+            <a:ext cx="1391213" cy="1391213"/>
+          </a:xfrm>
+          <a:prstGeom prst="rect">
+            <a:avLst/>
+          </a:prstGeom>
+          <a:noFill/>
+          <a:extLst>
+            <a:ext uri="{909E8E84-426E-40DD-AFC4-6F175D3DCCD1}">
+              <a14:hiddenFill xmlns:a14="http://schemas.microsoft.com/office/drawing/2010/main">
+                <a:solidFill>
+                  <a:srgbClr val="FFFFFF"/>
+                </a:solidFill>
+              </a14:hiddenFill>
+            </a:ext>
+          </a:extLst>
+        </p:spPr>
+      </p:pic>
+      <p:pic>
+        <p:nvPicPr>
+          <p:cNvPr id="1029" name="Picture 5" descr="C:\Projects\CoderDojo\coderdojo-bray\html\images\coder_dojo_waterford_logo.png"/>
+          <p:cNvPicPr>
+            <a:picLocks noChangeAspect="1" noChangeArrowheads="1"/>
+          </p:cNvPicPr>
+          <p:nvPr/>
+        </p:nvPicPr>
+        <p:blipFill>
+          <a:blip r:embed="rId6">
+            <a:extLst>
+              <a:ext uri="{28A0092B-C50C-407E-A947-70E740481C1C}">
+                <a14:useLocalDpi xmlns:a14="http://schemas.microsoft.com/office/drawing/2010/main" val="0"/>
+              </a:ext>
+            </a:extLst>
+          </a:blip>
+          <a:srcRect/>
+          <a:stretch>
+            <a:fillRect/>
+          </a:stretch>
+        </p:blipFill>
+        <p:spPr bwMode="auto">
+          <a:xfrm>
+            <a:off x="6613453" y="3725306"/>
+            <a:ext cx="1651000" cy="1943100"/>
+          </a:xfrm>
+          <a:prstGeom prst="rect">
+            <a:avLst/>
+          </a:prstGeom>
+          <a:noFill/>
+          <a:extLst>
+            <a:ext uri="{909E8E84-426E-40DD-AFC4-6F175D3DCCD1}">
+              <a14:hiddenFill xmlns:a14="http://schemas.microsoft.com/office/drawing/2010/main">
+                <a:solidFill>
+                  <a:srgbClr val="FFFFFF"/>
+                </a:solidFill>
+              </a14:hiddenFill>
+            </a:ext>
+          </a:extLst>
+        </p:spPr>
+      </p:pic>
+      <p:pic>
+        <p:nvPicPr>
+          <p:cNvPr id="1030" name="Picture 6" descr="C:\Projects\CoderDojo\coderdojo-bray\html\images\coderdojoEnnis_normal.png"/>
+          <p:cNvPicPr>
+            <a:picLocks noChangeAspect="1" noChangeArrowheads="1"/>
+          </p:cNvPicPr>
+          <p:nvPr/>
+        </p:nvPicPr>
+        <p:blipFill>
+          <a:blip r:embed="rId7">
+            <a:extLst>
+              <a:ext uri="{28A0092B-C50C-407E-A947-70E740481C1C}">
+                <a14:useLocalDpi xmlns:a14="http://schemas.microsoft.com/office/drawing/2010/main" val="0"/>
+              </a:ext>
+            </a:extLst>
+          </a:blip>
+          <a:srcRect/>
+          <a:stretch>
+            <a:fillRect/>
+          </a:stretch>
+        </p:blipFill>
+        <p:spPr bwMode="auto">
+          <a:xfrm>
+            <a:off x="6779186" y="2181474"/>
+            <a:ext cx="1319534" cy="1319534"/>
+          </a:xfrm>
+          <a:prstGeom prst="rect">
+            <a:avLst/>
+          </a:prstGeom>
+          <a:noFill/>
+          <a:extLst>
+            <a:ext uri="{909E8E84-426E-40DD-AFC4-6F175D3DCCD1}">
+              <a14:hiddenFill xmlns:a14="http://schemas.microsoft.com/office/drawing/2010/main">
+                <a:solidFill>
+                  <a:srgbClr val="FFFFFF"/>
+                </a:solidFill>
+              </a14:hiddenFill>
+            </a:ext>
+          </a:extLst>
+        </p:spPr>
+      </p:pic>
+      <p:pic>
+        <p:nvPicPr>
+          <p:cNvPr id="1031" name="Picture 7" descr="C:\Projects\CoderDojo\coderdojo-bray\html\images\dojo_normal.png"/>
+          <p:cNvPicPr>
+            <a:picLocks noChangeAspect="1" noChangeArrowheads="1"/>
+          </p:cNvPicPr>
+          <p:nvPr/>
+        </p:nvPicPr>
+        <p:blipFill>
+          <a:blip r:embed="rId8">
+            <a:extLst>
+              <a:ext uri="{28A0092B-C50C-407E-A947-70E740481C1C}">
+                <a14:useLocalDpi xmlns:a14="http://schemas.microsoft.com/office/drawing/2010/main" val="0"/>
+              </a:ext>
+            </a:extLst>
+          </a:blip>
+          <a:srcRect/>
+          <a:stretch>
+            <a:fillRect/>
+          </a:stretch>
+        </p:blipFill>
+        <p:spPr bwMode="auto">
+          <a:xfrm>
+            <a:off x="893964" y="3955530"/>
+            <a:ext cx="1296144" cy="1296144"/>
+          </a:xfrm>
+          <a:prstGeom prst="rect">
+            <a:avLst/>
+          </a:prstGeom>
+          <a:noFill/>
+          <a:extLst>
+            <a:ext uri="{909E8E84-426E-40DD-AFC4-6F175D3DCCD1}">
+              <a14:hiddenFill xmlns:a14="http://schemas.microsoft.com/office/drawing/2010/main">
+                <a:solidFill>
+                  <a:srgbClr val="FFFFFF"/>
+                </a:solidFill>
+              </a14:hiddenFill>
+            </a:ext>
+          </a:extLst>
+        </p:spPr>
+      </p:pic>
+      <p:pic>
+        <p:nvPicPr>
+          <p:cNvPr id="1032" name="Picture 8" descr="C:\Projects\CoderDojo\coderdojo-bray\html\images\Logo_normal.gif"/>
+          <p:cNvPicPr>
+            <a:picLocks noChangeAspect="1" noChangeArrowheads="1"/>
+          </p:cNvPicPr>
+          <p:nvPr/>
+        </p:nvPicPr>
+        <p:blipFill>
+          <a:blip r:embed="rId9">
+            <a:extLst>
+              <a:ext uri="{28A0092B-C50C-407E-A947-70E740481C1C}">
+                <a14:useLocalDpi xmlns:a14="http://schemas.microsoft.com/office/drawing/2010/main" val="0"/>
+              </a:ext>
+            </a:extLst>
+          </a:blip>
+          <a:srcRect/>
+          <a:stretch>
+            <a:fillRect/>
+          </a:stretch>
+        </p:blipFill>
+        <p:spPr bwMode="auto">
+          <a:xfrm>
+            <a:off x="2824250" y="4013338"/>
+            <a:ext cx="1176965" cy="1201485"/>
+          </a:xfrm>
+          <a:prstGeom prst="rect">
+            <a:avLst/>
+          </a:prstGeom>
+          <a:noFill/>
+          <a:extLst>
+            <a:ext uri="{909E8E84-426E-40DD-AFC4-6F175D3DCCD1}">
+              <a14:hiddenFill xmlns:a14="http://schemas.microsoft.com/office/drawing/2010/main">
+                <a:solidFill>
+                  <a:srgbClr val="FFFFFF"/>
+                </a:solidFill>
+              </a14:hiddenFill>
+            </a:ext>
+          </a:extLst>
+        </p:spPr>
+      </p:pic>
+      <p:pic>
+        <p:nvPicPr>
+          <p:cNvPr id="1033" name="Picture 9" descr="C:\Projects\CoderDojo\coderdojo-bray\html\images\logoCoderDojoDavid_normal.png"/>
+          <p:cNvPicPr>
+            <a:picLocks noChangeAspect="1" noChangeArrowheads="1"/>
+          </p:cNvPicPr>
+          <p:nvPr/>
+        </p:nvPicPr>
+        <p:blipFill>
+          <a:blip r:embed="rId10">
+            <a:extLst>
+              <a:ext uri="{28A0092B-C50C-407E-A947-70E740481C1C}">
+                <a14:useLocalDpi xmlns:a14="http://schemas.microsoft.com/office/drawing/2010/main" val="0"/>
+              </a:ext>
+            </a:extLst>
+          </a:blip>
+          <a:srcRect/>
+          <a:stretch>
+            <a:fillRect/>
+          </a:stretch>
+        </p:blipFill>
+        <p:spPr bwMode="auto">
+          <a:xfrm>
+            <a:off x="4644008" y="3859421"/>
+            <a:ext cx="1355402" cy="1355402"/>
+          </a:xfrm>
+          <a:prstGeom prst="rect">
+            <a:avLst/>
+          </a:prstGeom>
+          <a:noFill/>
+          <a:extLst>
+            <a:ext uri="{909E8E84-426E-40DD-AFC4-6F175D3DCCD1}">
+              <a14:hiddenFill xmlns:a14="http://schemas.microsoft.com/office/drawing/2010/main">
+                <a:solidFill>
+                  <a:srgbClr val="FFFFFF"/>
+                </a:solidFill>
+              </a14:hiddenFill>
+            </a:ext>
+          </a:extLst>
+        </p:spPr>
+      </p:pic>
     </p:spTree>
     <p:extLst>
       <p:ext uri="{BB962C8B-B14F-4D97-AF65-F5344CB8AC3E}">
-        <p14:creationId xmlns:p14="http://schemas.microsoft.com/office/powerpoint/2010/main" val="621390032"/>
+        <p14:creationId xmlns:p14="http://schemas.microsoft.com/office/powerpoint/2010/main" val="3429508823"/>
       </p:ext>
     </p:extLst>
   </p:cSld>
@@ -8473,89 +8971,103 @@
             <p:ph type="title"/>
           </p:nvPr>
         </p:nvSpPr>
-        <p:spPr/>
-        <p:txBody>
-          <a:bodyPr/>
-          <a:lstStyle/>
-          <a:p>
+        <p:spPr>
+          <a:xfrm>
+            <a:off x="1571625" y="155448"/>
+            <a:ext cx="7115175" cy="1252728"/>
+          </a:xfrm>
+        </p:spPr>
+        <p:txBody>
+          <a:bodyPr>
+            <a:normAutofit fontScale="90000"/>
+          </a:bodyPr>
+          <a:lstStyle/>
+          <a:p>
+            <a:r>
+              <a:rPr lang="en-IE" dirty="0" smtClean="0"/>
+              <a:t>Session #2</a:t>
+            </a:r>
+            <a:br>
+              <a:rPr lang="en-IE" dirty="0" smtClean="0"/>
+            </a:br>
+            <a:r>
+              <a:rPr lang="en-IE" dirty="0" smtClean="0"/>
+              <a:t>What will you do today?</a:t>
+            </a:r>
+            <a:endParaRPr lang="en-IE" dirty="0"/>
+          </a:p>
+        </p:txBody>
+      </p:sp>
+      <p:sp>
+        <p:nvSpPr>
+          <p:cNvPr id="3" name="Content Placeholder 2"/>
+          <p:cNvSpPr>
+            <a:spLocks noGrp="1"/>
+          </p:cNvSpPr>
+          <p:nvPr>
+            <p:ph idx="1"/>
+          </p:nvPr>
+        </p:nvSpPr>
+        <p:spPr/>
+        <p:txBody>
+          <a:bodyPr>
+            <a:normAutofit/>
+          </a:bodyPr>
+          <a:lstStyle/>
+          <a:p>
+            <a:endParaRPr lang="en-IE" dirty="0" smtClean="0"/>
+          </a:p>
+          <a:p>
+            <a:r>
+              <a:rPr lang="en-IE" dirty="0" smtClean="0"/>
+              <a:t>Review last week’s work</a:t>
+            </a:r>
+          </a:p>
+          <a:p>
+            <a:r>
+              <a:rPr lang="en-IE" dirty="0" smtClean="0"/>
+              <a:t>Add some more HTML tags</a:t>
+            </a:r>
+          </a:p>
+          <a:p>
+            <a:pPr lvl="1"/>
+            <a:r>
+              <a:rPr lang="en-IE" dirty="0"/>
+              <a:t>Lists</a:t>
+            </a:r>
+          </a:p>
+          <a:p>
+            <a:pPr lvl="1"/>
             <a:r>
               <a:rPr lang="en-US" dirty="0" smtClean="0"/>
-              <a:t>Last week @ CoderDojo</a:t>
-            </a:r>
-            <a:endParaRPr lang="en-IE" dirty="0"/>
-          </a:p>
-        </p:txBody>
-      </p:sp>
-      <p:sp>
-        <p:nvSpPr>
-          <p:cNvPr id="3" name="Content Placeholder 2"/>
-          <p:cNvSpPr>
-            <a:spLocks noGrp="1"/>
-          </p:cNvSpPr>
-          <p:nvPr>
-            <p:ph idx="1"/>
-          </p:nvPr>
-        </p:nvSpPr>
-        <p:spPr/>
-        <p:txBody>
-          <a:bodyPr>
-            <a:normAutofit lnSpcReduction="10000"/>
-          </a:bodyPr>
-          <a:lstStyle/>
-          <a:p>
-            <a:r>
-              <a:rPr lang="en-IE" dirty="0" smtClean="0"/>
-              <a:t>Don’t worry if you weren’t here</a:t>
-            </a:r>
+              <a:t>Links</a:t>
+            </a:r>
+            <a:endParaRPr lang="en-IE" dirty="0" smtClean="0"/>
           </a:p>
           <a:p>
             <a:pPr lvl="1"/>
             <a:r>
               <a:rPr lang="en-US" dirty="0" smtClean="0"/>
-              <a:t>The mentors will get you started and help you catch up</a:t>
-            </a:r>
-          </a:p>
-          <a:p>
+              <a:t>Tables</a:t>
+            </a:r>
+            <a:endParaRPr lang="en-IE" dirty="0" smtClean="0"/>
+          </a:p>
+          <a:p>
+            <a:pPr lvl="1"/>
             <a:r>
               <a:rPr lang="en-US" dirty="0" smtClean="0"/>
-              <a:t>We looked at what HTML source code looks like</a:t>
+              <a:t>… and make a complete website</a:t>
             </a:r>
             <a:endParaRPr lang="en-IE" dirty="0" smtClean="0"/>
           </a:p>
           <a:p>
             <a:r>
-              <a:rPr lang="en-IE" dirty="0" smtClean="0"/>
-              <a:t>We looked at &lt;h1&gt;, &lt;h2&gt;, &lt;</a:t>
-            </a:r>
-            <a:r>
-              <a:rPr lang="en-IE" dirty="0" err="1" smtClean="0"/>
-              <a:t>img</a:t>
-            </a:r>
-            <a:r>
-              <a:rPr lang="en-IE" dirty="0" smtClean="0"/>
-              <a:t>&gt;, &lt;marquee&gt;, &lt;p&gt;, &lt;</a:t>
-            </a:r>
-            <a:r>
-              <a:rPr lang="en-IE" dirty="0" err="1" smtClean="0"/>
-              <a:t>br</a:t>
-            </a:r>
-            <a:r>
-              <a:rPr lang="en-IE" dirty="0" smtClean="0"/>
-              <a:t>/&gt;, &lt;a&gt; tags</a:t>
-            </a:r>
-          </a:p>
-          <a:p>
-            <a:r>
               <a:rPr lang="en-US" dirty="0" smtClean="0"/>
-              <a:t>We added some CSS style!</a:t>
+              <a:t>… and tidy up our CSS</a:t>
             </a:r>
             <a:endParaRPr lang="en-IE" dirty="0" smtClean="0"/>
           </a:p>
           <a:p>
-            <a:r>
-              <a:rPr lang="en-US" dirty="0" smtClean="0"/>
-              <a:t>We embedded a map and published your page on Mozilla Thimble</a:t>
-            </a:r>
             <a:endParaRPr lang="en-IE" dirty="0"/>
           </a:p>
         </p:txBody>
@@ -8563,7 +9075,7 @@
     </p:spTree>
     <p:extLst>
       <p:ext uri="{BB962C8B-B14F-4D97-AF65-F5344CB8AC3E}">
-        <p14:creationId xmlns:p14="http://schemas.microsoft.com/office/powerpoint/2010/main" val="446287894"/>
+        <p14:creationId xmlns:p14="http://schemas.microsoft.com/office/powerpoint/2010/main" val="621390032"/>
       </p:ext>
     </p:extLst>
   </p:cSld>
@@ -8609,14 +9121,12 @@
         </p:nvSpPr>
         <p:spPr/>
         <p:txBody>
-          <a:bodyPr>
-            <a:normAutofit/>
-          </a:bodyPr>
+          <a:bodyPr/>
           <a:lstStyle/>
           <a:p>
             <a:r>
               <a:rPr lang="en-US" dirty="0" smtClean="0"/>
-              <a:t>HTML: reminder</a:t>
+              <a:t>Last week @ CoderDojo</a:t>
             </a:r>
             <a:endParaRPr lang="en-IE" dirty="0"/>
           </a:p>
@@ -8639,111 +9149,58 @@
           </a:bodyPr>
           <a:lstStyle/>
           <a:p>
-            <a:pPr marL="118872" indent="0">
-              <a:buNone/>
-            </a:pPr>
             <a:r>
               <a:rPr lang="en-IE" dirty="0" smtClean="0"/>
-              <a:t>&lt;html&gt;</a:t>
-            </a:r>
-          </a:p>
-          <a:p>
-            <a:pPr marL="118872" indent="0">
-              <a:buNone/>
-            </a:pPr>
-            <a:r>
-              <a:rPr lang="en-IE" dirty="0"/>
-              <a:t> </a:t>
-            </a:r>
+              <a:t>Don’t worry if you weren’t here</a:t>
+            </a:r>
+          </a:p>
+          <a:p>
+            <a:pPr lvl="1"/>
+            <a:r>
+              <a:rPr lang="en-US" dirty="0" smtClean="0"/>
+              <a:t>The mentors will get you started and help you catch up</a:t>
+            </a:r>
+          </a:p>
+          <a:p>
+            <a:r>
+              <a:rPr lang="en-US" dirty="0" smtClean="0"/>
+              <a:t>We looked at what HTML source code looks like</a:t>
+            </a:r>
+            <a:endParaRPr lang="en-IE" dirty="0" smtClean="0"/>
+          </a:p>
+          <a:p>
             <a:r>
               <a:rPr lang="en-IE" dirty="0" smtClean="0"/>
-              <a:t>   &lt;head&gt;</a:t>
-            </a:r>
-          </a:p>
-          <a:p>
-            <a:pPr marL="118872" indent="0">
-              <a:buNone/>
-            </a:pPr>
-            <a:r>
-              <a:rPr lang="en-IE" dirty="0"/>
-              <a:t>	</a:t>
+              <a:t>We looked at &lt;h1&gt;, &lt;h2&gt;, &lt;</a:t>
+            </a:r>
+            <a:r>
+              <a:rPr lang="en-IE" dirty="0" err="1" smtClean="0"/>
+              <a:t>img</a:t>
             </a:r>
             <a:r>
               <a:rPr lang="en-IE" dirty="0" smtClean="0"/>
-              <a:t>&lt;title&gt;My Website&lt;/title&gt;</a:t>
-            </a:r>
-          </a:p>
-          <a:p>
-            <a:pPr marL="118872" indent="0">
-              <a:buNone/>
-            </a:pPr>
-            <a:r>
-              <a:rPr lang="en-IE" dirty="0"/>
-              <a:t> </a:t>
+              <a:t>&gt;, &lt;marquee&gt;, &lt;p&gt;, &lt;</a:t>
+            </a:r>
+            <a:r>
+              <a:rPr lang="en-IE" dirty="0" err="1" smtClean="0"/>
+              <a:t>br</a:t>
             </a:r>
             <a:r>
               <a:rPr lang="en-IE" dirty="0" smtClean="0"/>
-              <a:t>   &lt;/head&gt;</a:t>
-            </a:r>
-          </a:p>
-          <a:p>
-            <a:pPr marL="118872" indent="0">
-              <a:buNone/>
-            </a:pPr>
+              <a:t>/&gt;, &lt;a&gt; tags</a:t>
+            </a:r>
+          </a:p>
+          <a:p>
+            <a:r>
+              <a:rPr lang="en-US" dirty="0" smtClean="0"/>
+              <a:t>We added some CSS style!</a:t>
+            </a:r>
             <a:endParaRPr lang="en-IE" dirty="0" smtClean="0"/>
           </a:p>
           <a:p>
-            <a:pPr marL="118872" indent="0">
-              <a:buNone/>
-            </a:pPr>
-            <a:r>
-              <a:rPr lang="en-IE" dirty="0" smtClean="0"/>
-              <a:t>    &lt;body&gt;</a:t>
-            </a:r>
-          </a:p>
-          <a:p>
-            <a:pPr marL="118872" indent="0">
-              <a:buNone/>
-            </a:pPr>
-            <a:r>
-              <a:rPr lang="en-IE" dirty="0"/>
-              <a:t>	</a:t>
-            </a:r>
-            <a:r>
-              <a:rPr lang="en-IE" b="1" dirty="0" smtClean="0">
-                <a:solidFill>
-                  <a:srgbClr val="C00000"/>
-                </a:solidFill>
-              </a:rPr>
-              <a:t>… most stuff goes in here …</a:t>
-            </a:r>
-          </a:p>
-          <a:p>
-            <a:pPr marL="118872" indent="0">
-              <a:buNone/>
-            </a:pPr>
-            <a:r>
-              <a:rPr lang="en-IE" dirty="0"/>
-              <a:t> </a:t>
-            </a:r>
-            <a:r>
-              <a:rPr lang="en-IE" dirty="0" smtClean="0"/>
-              <a:t>   &lt;/body&gt;</a:t>
-            </a:r>
-          </a:p>
-          <a:p>
-            <a:pPr marL="118872" indent="0">
-              <a:buNone/>
-            </a:pPr>
-            <a:endParaRPr lang="en-IE" dirty="0" smtClean="0"/>
-          </a:p>
-          <a:p>
-            <a:pPr marL="118872" indent="0">
-              <a:buNone/>
-            </a:pPr>
-            <a:r>
-              <a:rPr lang="en-IE" dirty="0" smtClean="0"/>
-              <a:t>&lt;/html&gt;</a:t>
+            <a:r>
+              <a:rPr lang="en-US" dirty="0" smtClean="0"/>
+              <a:t>We embedded a map and published your page on Mozilla Thimble</a:t>
             </a:r>
             <a:endParaRPr lang="en-IE" dirty="0"/>
           </a:p>
@@ -8752,7 +9209,7 @@
     </p:spTree>
     <p:extLst>
       <p:ext uri="{BB962C8B-B14F-4D97-AF65-F5344CB8AC3E}">
-        <p14:creationId xmlns:p14="http://schemas.microsoft.com/office/powerpoint/2010/main" val="4210354779"/>
+        <p14:creationId xmlns:p14="http://schemas.microsoft.com/office/powerpoint/2010/main" val="446287894"/>
       </p:ext>
     </p:extLst>
   </p:cSld>
@@ -8799,49 +9256,54 @@
         <p:spPr/>
         <p:txBody>
           <a:bodyPr>
-            <a:normAutofit fontScale="90000"/>
-          </a:bodyPr>
-          <a:lstStyle/>
-          <a:p>
-            <a:r>
-              <a:rPr lang="en-IE" dirty="0" smtClean="0"/>
-              <a:t>Lists: Unordered and Ordered</a:t>
-            </a:r>
-            <a:endParaRPr lang="en-IE" dirty="0"/>
-          </a:p>
-        </p:txBody>
-      </p:sp>
-      <p:sp>
-        <p:nvSpPr>
-          <p:cNvPr id="3" name="Content Placeholder 2"/>
-          <p:cNvSpPr>
-            <a:spLocks noGrp="1"/>
-          </p:cNvSpPr>
-          <p:nvPr>
-            <p:ph idx="1"/>
-          </p:nvPr>
-        </p:nvSpPr>
-        <p:spPr/>
-        <p:txBody>
-          <a:bodyPr>
             <a:normAutofit/>
           </a:bodyPr>
           <a:lstStyle/>
           <a:p>
+            <a:r>
+              <a:rPr lang="en-US" dirty="0" smtClean="0"/>
+              <a:t>HTML: reminder</a:t>
+            </a:r>
+            <a:endParaRPr lang="en-IE" dirty="0"/>
+          </a:p>
+        </p:txBody>
+      </p:sp>
+      <p:sp>
+        <p:nvSpPr>
+          <p:cNvPr id="3" name="Content Placeholder 2"/>
+          <p:cNvSpPr>
+            <a:spLocks noGrp="1"/>
+          </p:cNvSpPr>
+          <p:nvPr>
+            <p:ph idx="1"/>
+          </p:nvPr>
+        </p:nvSpPr>
+        <p:spPr/>
+        <p:txBody>
+          <a:bodyPr>
+            <a:normAutofit lnSpcReduction="10000"/>
+          </a:bodyPr>
+          <a:lstStyle/>
+          <a:p>
             <a:pPr marL="118872" indent="0">
               <a:buNone/>
             </a:pPr>
             <a:r>
               <a:rPr lang="en-IE" dirty="0" smtClean="0"/>
-              <a:t>&lt;</a:t>
-            </a:r>
-            <a:r>
-              <a:rPr lang="en-IE" dirty="0" err="1" smtClean="0"/>
-              <a:t>ul</a:t>
+              <a:t>&lt;html&gt;</a:t>
+            </a:r>
+          </a:p>
+          <a:p>
+            <a:pPr marL="118872" indent="0">
+              <a:buNone/>
+            </a:pPr>
+            <a:r>
+              <a:rPr lang="en-IE" dirty="0"/>
+              <a:t> </a:t>
             </a:r>
             <a:r>
               <a:rPr lang="en-IE" dirty="0" smtClean="0"/>
-              <a:t>&gt;</a:t>
+              <a:t>   &lt;head&gt;</a:t>
             </a:r>
           </a:p>
           <a:p>
@@ -8849,12 +9311,12 @@
               <a:buNone/>
             </a:pPr>
             <a:r>
-              <a:rPr lang="en-US" dirty="0"/>
+              <a:rPr lang="en-IE" dirty="0"/>
               <a:t>	</a:t>
             </a:r>
             <a:r>
-              <a:rPr lang="en-US" dirty="0" smtClean="0"/>
-              <a:t>&lt;li&gt;Item 1&lt;/li&gt;</a:t>
+              <a:rPr lang="en-IE" dirty="0" smtClean="0"/>
+              <a:t>&lt;title&gt;My Website&lt;/title&gt;</a:t>
             </a:r>
           </a:p>
           <a:p>
@@ -8862,13 +9324,63 @@
               <a:buNone/>
             </a:pPr>
             <a:r>
-              <a:rPr lang="en-US" dirty="0"/>
+              <a:rPr lang="en-IE" dirty="0"/>
+              <a:t> </a:t>
+            </a:r>
+            <a:r>
+              <a:rPr lang="en-IE" dirty="0" smtClean="0"/>
+              <a:t>   &lt;/head&gt;</a:t>
+            </a:r>
+          </a:p>
+          <a:p>
+            <a:pPr marL="118872" indent="0">
+              <a:buNone/>
+            </a:pPr>
+            <a:endParaRPr lang="en-IE" dirty="0" smtClean="0"/>
+          </a:p>
+          <a:p>
+            <a:pPr marL="118872" indent="0">
+              <a:buNone/>
+            </a:pPr>
+            <a:r>
+              <a:rPr lang="en-IE" dirty="0" smtClean="0"/>
+              <a:t>    &lt;body&gt;</a:t>
+            </a:r>
+          </a:p>
+          <a:p>
+            <a:pPr marL="118872" indent="0">
+              <a:buNone/>
+            </a:pPr>
+            <a:r>
+              <a:rPr lang="en-IE" dirty="0"/>
               <a:t>	</a:t>
             </a:r>
             <a:r>
-              <a:rPr lang="en-US" dirty="0" smtClean="0"/>
-              <a:t>&lt;li&gt;Item 2&gt;/li&gt;</a:t>
-            </a:r>
+              <a:rPr lang="en-IE" b="1" dirty="0" smtClean="0">
+                <a:solidFill>
+                  <a:srgbClr val="C00000"/>
+                </a:solidFill>
+              </a:rPr>
+              <a:t>… most stuff goes in here …</a:t>
+            </a:r>
+          </a:p>
+          <a:p>
+            <a:pPr marL="118872" indent="0">
+              <a:buNone/>
+            </a:pPr>
+            <a:r>
+              <a:rPr lang="en-IE" dirty="0"/>
+              <a:t> </a:t>
+            </a:r>
+            <a:r>
+              <a:rPr lang="en-IE" dirty="0" smtClean="0"/>
+              <a:t>   &lt;/body&gt;</a:t>
+            </a:r>
+          </a:p>
+          <a:p>
+            <a:pPr marL="118872" indent="0">
+              <a:buNone/>
+            </a:pPr>
             <a:endParaRPr lang="en-IE" dirty="0" smtClean="0"/>
           </a:p>
           <a:p>
@@ -8876,82 +9388,8 @@
               <a:buNone/>
             </a:pPr>
             <a:r>
-              <a:rPr lang="en-US" dirty="0" smtClean="0"/>
-              <a:t>&lt;/</a:t>
-            </a:r>
-            <a:r>
-              <a:rPr lang="en-US" dirty="0" err="1" smtClean="0"/>
-              <a:t>ul</a:t>
-            </a:r>
-            <a:r>
-              <a:rPr lang="en-US" dirty="0" smtClean="0"/>
-              <a:t>&gt;</a:t>
-            </a:r>
-          </a:p>
-          <a:p>
-            <a:pPr marL="118872" indent="0">
-              <a:buNone/>
-            </a:pPr>
-            <a:endParaRPr lang="en-US" dirty="0"/>
-          </a:p>
-          <a:p>
-            <a:pPr marL="118872" indent="0">
-              <a:buNone/>
-            </a:pPr>
-            <a:r>
-              <a:rPr lang="en-US" dirty="0" smtClean="0"/>
-              <a:t>&lt;</a:t>
-            </a:r>
-            <a:r>
-              <a:rPr lang="en-US" dirty="0" err="1" smtClean="0"/>
-              <a:t>ol</a:t>
-            </a:r>
-            <a:r>
-              <a:rPr lang="en-US" dirty="0" smtClean="0"/>
-              <a:t>&gt;</a:t>
-            </a:r>
-          </a:p>
-          <a:p>
-            <a:pPr marL="118872" indent="0">
-              <a:buNone/>
-            </a:pPr>
-            <a:r>
-              <a:rPr lang="en-US" dirty="0"/>
-              <a:t>	</a:t>
-            </a:r>
-            <a:r>
-              <a:rPr lang="en-US" dirty="0" smtClean="0"/>
-              <a:t>&lt;li&gt;Item 1 &lt;/li&gt;</a:t>
-            </a:r>
-          </a:p>
-          <a:p>
-            <a:pPr marL="118872" indent="0">
-              <a:buNone/>
-            </a:pPr>
-            <a:r>
-              <a:rPr lang="en-US" dirty="0"/>
-              <a:t>	</a:t>
-            </a:r>
-            <a:r>
-              <a:rPr lang="en-US" dirty="0" smtClean="0"/>
-              <a:t>&lt;li&gt;Item 2&lt;li&gt;</a:t>
-            </a:r>
-          </a:p>
-          <a:p>
-            <a:pPr marL="118872" indent="0">
-              <a:buNone/>
-            </a:pPr>
-            <a:r>
-              <a:rPr lang="en-US" dirty="0" smtClean="0"/>
-              <a:t>&lt;/</a:t>
-            </a:r>
-            <a:r>
-              <a:rPr lang="en-US" dirty="0" err="1" smtClean="0"/>
-              <a:t>ol</a:t>
-            </a:r>
-            <a:r>
-              <a:rPr lang="en-US" dirty="0" smtClean="0"/>
-              <a:t>&gt;</a:t>
+              <a:rPr lang="en-IE" dirty="0" smtClean="0"/>
+              <a:t>&lt;/html&gt;</a:t>
             </a:r>
             <a:endParaRPr lang="en-IE" dirty="0"/>
           </a:p>
@@ -8960,7 +9398,7 @@
     </p:spTree>
     <p:extLst>
       <p:ext uri="{BB962C8B-B14F-4D97-AF65-F5344CB8AC3E}">
-        <p14:creationId xmlns:p14="http://schemas.microsoft.com/office/powerpoint/2010/main" val="613016341"/>
+        <p14:creationId xmlns:p14="http://schemas.microsoft.com/office/powerpoint/2010/main" val="4210354779"/>
       </p:ext>
     </p:extLst>
   </p:cSld>
@@ -9007,13 +9445,13 @@
         <p:spPr/>
         <p:txBody>
           <a:bodyPr>
-            <a:normAutofit/>
+            <a:normAutofit fontScale="90000"/>
           </a:bodyPr>
           <a:lstStyle/>
           <a:p>
             <a:r>
-              <a:rPr lang="en-US" dirty="0" smtClean="0"/>
-              <a:t>A List of Pages: a website</a:t>
+              <a:rPr lang="en-IE" dirty="0" smtClean="0"/>
+              <a:t>Lists: Unordered and Ordered</a:t>
             </a:r>
             <a:endParaRPr lang="en-IE" dirty="0"/>
           </a:p>
@@ -9036,66 +9474,130 @@
           </a:bodyPr>
           <a:lstStyle/>
           <a:p>
+            <a:pPr marL="118872" indent="0">
+              <a:buNone/>
+            </a:pPr>
+            <a:r>
+              <a:rPr lang="en-IE" dirty="0" smtClean="0"/>
+              <a:t>&lt;</a:t>
+            </a:r>
+            <a:r>
+              <a:rPr lang="en-IE" dirty="0" err="1" smtClean="0"/>
+              <a:t>ul</a:t>
+            </a:r>
+            <a:r>
+              <a:rPr lang="en-IE" dirty="0" smtClean="0"/>
+              <a:t>&gt;</a:t>
+            </a:r>
+          </a:p>
+          <a:p>
+            <a:pPr marL="118872" indent="0">
+              <a:buNone/>
+            </a:pPr>
+            <a:r>
+              <a:rPr lang="en-US" dirty="0"/>
+              <a:t>	</a:t>
+            </a:r>
             <a:r>
               <a:rPr lang="en-US" dirty="0" smtClean="0"/>
-              <a:t>Up until now we worked on one page at a time</a:t>
-            </a:r>
-          </a:p>
-          <a:p>
+              <a:t>&lt;li&gt;Item 1&lt;/li&gt;</a:t>
+            </a:r>
+          </a:p>
+          <a:p>
+            <a:pPr marL="118872" indent="0">
+              <a:buNone/>
+            </a:pPr>
+            <a:r>
+              <a:rPr lang="en-US" dirty="0"/>
+              <a:t>	</a:t>
+            </a:r>
             <a:r>
               <a:rPr lang="en-US" dirty="0" smtClean="0"/>
-              <a:t>Now it’s time to make your first web</a:t>
-            </a:r>
-            <a:r>
-              <a:rPr lang="en-US" b="1" dirty="0" smtClean="0"/>
-              <a:t>site</a:t>
-            </a:r>
+              <a:t>&lt;li&gt;Item 2&gt;/li&gt;</a:t>
+            </a:r>
+            <a:endParaRPr lang="en-IE" dirty="0" smtClean="0"/>
+          </a:p>
+          <a:p>
+            <a:pPr marL="118872" indent="0">
+              <a:buNone/>
+            </a:pPr>
             <a:r>
               <a:rPr lang="en-US" dirty="0" smtClean="0"/>
-              <a:t>: more than one page, linked together</a:t>
-            </a:r>
-          </a:p>
-          <a:p>
+              <a:t>&lt;/</a:t>
+            </a:r>
+            <a:r>
+              <a:rPr lang="en-US" dirty="0" err="1" smtClean="0"/>
+              <a:t>ul</a:t>
+            </a:r>
             <a:r>
               <a:rPr lang="en-US" dirty="0" smtClean="0"/>
-              <a:t>We use the </a:t>
-            </a:r>
-            <a:r>
-              <a:rPr lang="en-US" i="1" dirty="0" smtClean="0"/>
-              <a:t>anchor</a:t>
-            </a:r>
-            <a:r>
-              <a:rPr lang="en-US" b="1" i="1" dirty="0" smtClean="0"/>
-              <a:t> </a:t>
-            </a:r>
+              <a:t>&gt;</a:t>
+            </a:r>
+          </a:p>
+          <a:p>
+            <a:pPr marL="118872" indent="0">
+              <a:buNone/>
+            </a:pPr>
+            <a:endParaRPr lang="en-US" dirty="0"/>
+          </a:p>
+          <a:p>
+            <a:pPr marL="118872" indent="0">
+              <a:buNone/>
+            </a:pPr>
             <a:r>
               <a:rPr lang="en-US" dirty="0" smtClean="0"/>
-              <a:t>tag &lt;a&gt; to link pages together</a:t>
-            </a:r>
-          </a:p>
-          <a:p>
-            <a:endParaRPr lang="en-US" dirty="0"/>
-          </a:p>
-          <a:p>
-            <a:r>
-              <a:rPr lang="en-US" b="1" dirty="0" smtClean="0"/>
-              <a:t>&lt;a </a:t>
-            </a:r>
-            <a:r>
-              <a:rPr lang="en-US" b="1" dirty="0" err="1" smtClean="0"/>
-              <a:t>href</a:t>
-            </a:r>
-            <a:r>
-              <a:rPr lang="en-US" b="1" dirty="0" smtClean="0"/>
-              <a:t>=“page.html”&gt;</a:t>
-            </a:r>
-            <a:r>
-              <a:rPr lang="en-US" b="1" dirty="0" err="1" smtClean="0"/>
-              <a:t>PageName</a:t>
-            </a:r>
-            <a:r>
-              <a:rPr lang="en-US" b="1" dirty="0" smtClean="0"/>
-              <a:t>&lt;/a&gt;</a:t>
+              <a:t>&lt;</a:t>
+            </a:r>
+            <a:r>
+              <a:rPr lang="en-US" dirty="0" err="1" smtClean="0"/>
+              <a:t>ol</a:t>
+            </a:r>
+            <a:r>
+              <a:rPr lang="en-US" dirty="0" smtClean="0"/>
+              <a:t>&gt;</a:t>
+            </a:r>
+          </a:p>
+          <a:p>
+            <a:pPr marL="118872" indent="0">
+              <a:buNone/>
+            </a:pPr>
+            <a:r>
+              <a:rPr lang="en-US" dirty="0"/>
+              <a:t>	</a:t>
+            </a:r>
+            <a:r>
+              <a:rPr lang="en-US" dirty="0" smtClean="0"/>
+              <a:t>&lt;li&gt;Item 1 &lt;/li&gt;</a:t>
+            </a:r>
+          </a:p>
+          <a:p>
+            <a:pPr marL="118872" indent="0">
+              <a:buNone/>
+            </a:pPr>
+            <a:r>
+              <a:rPr lang="en-US" dirty="0"/>
+              <a:t>	</a:t>
+            </a:r>
+            <a:r>
+              <a:rPr lang="en-US" dirty="0" smtClean="0"/>
+              <a:t>&lt;li&gt;Item 2&lt;li&gt;</a:t>
+            </a:r>
+          </a:p>
+          <a:p>
+            <a:pPr marL="118872" indent="0">
+              <a:buNone/>
+            </a:pPr>
+            <a:r>
+              <a:rPr lang="en-US" dirty="0" smtClean="0"/>
+              <a:t>&lt;/</a:t>
+            </a:r>
+            <a:r>
+              <a:rPr lang="en-US" dirty="0" err="1" smtClean="0"/>
+              <a:t>ol</a:t>
+            </a:r>
+            <a:r>
+              <a:rPr lang="en-US" dirty="0" smtClean="0"/>
+              <a:t>&gt;</a:t>
             </a:r>
             <a:endParaRPr lang="en-IE" dirty="0"/>
           </a:p>
@@ -9104,7 +9606,7 @@
     </p:spTree>
     <p:extLst>
       <p:ext uri="{BB962C8B-B14F-4D97-AF65-F5344CB8AC3E}">
-        <p14:creationId xmlns:p14="http://schemas.microsoft.com/office/powerpoint/2010/main" val="3620655394"/>
+        <p14:creationId xmlns:p14="http://schemas.microsoft.com/office/powerpoint/2010/main" val="613016341"/>
       </p:ext>
     </p:extLst>
   </p:cSld>
@@ -9150,135 +9652,96 @@
         </p:nvSpPr>
         <p:spPr/>
         <p:txBody>
-          <a:bodyPr/>
+          <a:bodyPr>
+            <a:normAutofit/>
+          </a:bodyPr>
           <a:lstStyle/>
           <a:p>
             <a:r>
               <a:rPr lang="en-US" dirty="0" smtClean="0"/>
-              <a:t>Using &lt;</a:t>
-            </a:r>
-            <a:r>
-              <a:rPr lang="en-US" dirty="0" err="1" smtClean="0"/>
-              <a:t>ul</a:t>
-            </a:r>
+              <a:t>A List of Pages: a website</a:t>
+            </a:r>
+            <a:endParaRPr lang="en-IE" dirty="0"/>
+          </a:p>
+        </p:txBody>
+      </p:sp>
+      <p:sp>
+        <p:nvSpPr>
+          <p:cNvPr id="3" name="Content Placeholder 2"/>
+          <p:cNvSpPr>
+            <a:spLocks noGrp="1"/>
+          </p:cNvSpPr>
+          <p:nvPr>
+            <p:ph idx="1"/>
+          </p:nvPr>
+        </p:nvSpPr>
+        <p:spPr/>
+        <p:txBody>
+          <a:bodyPr>
+            <a:normAutofit/>
+          </a:bodyPr>
+          <a:lstStyle/>
+          <a:p>
             <a:r>
               <a:rPr lang="en-US" dirty="0" smtClean="0"/>
-              <a:t>&gt; to link pages</a:t>
-            </a:r>
-            <a:endParaRPr lang="en-IE" dirty="0"/>
-          </a:p>
-        </p:txBody>
-      </p:sp>
-      <p:sp>
-        <p:nvSpPr>
-          <p:cNvPr id="3" name="Content Placeholder 2"/>
-          <p:cNvSpPr>
-            <a:spLocks noGrp="1"/>
-          </p:cNvSpPr>
-          <p:nvPr>
-            <p:ph idx="1"/>
-          </p:nvPr>
-        </p:nvSpPr>
-        <p:spPr/>
-        <p:txBody>
-          <a:bodyPr>
-            <a:normAutofit lnSpcReduction="10000"/>
-          </a:bodyPr>
-          <a:lstStyle/>
-          <a:p>
-            <a:pPr marL="118872" indent="0">
-              <a:buNone/>
-            </a:pPr>
-            <a:r>
-              <a:rPr lang="en-IE" dirty="0" smtClean="0"/>
-              <a:t>Now let’s link all our pages to the main page</a:t>
-            </a:r>
-          </a:p>
-          <a:p>
-            <a:pPr marL="118872" indent="0">
-              <a:buNone/>
-            </a:pPr>
-            <a:endParaRPr lang="en-US" dirty="0" smtClean="0"/>
-          </a:p>
-          <a:p>
-            <a:pPr marL="118872" indent="0">
-              <a:buNone/>
-            </a:pPr>
+              <a:t>Up until now we worked on one page at a time</a:t>
+            </a:r>
+          </a:p>
+          <a:p>
             <a:r>
               <a:rPr lang="en-US" dirty="0" smtClean="0"/>
-              <a:t>&lt;</a:t>
-            </a:r>
-            <a:r>
-              <a:rPr lang="en-US" dirty="0" err="1" smtClean="0"/>
-              <a:t>ul</a:t>
+              <a:t>Now it’s time to make your first web</a:t>
+            </a:r>
+            <a:r>
+              <a:rPr lang="en-US" b="1" dirty="0" smtClean="0"/>
+              <a:t>site</a:t>
             </a:r>
             <a:r>
               <a:rPr lang="en-US" dirty="0" smtClean="0"/>
-              <a:t>&gt;</a:t>
-            </a:r>
-          </a:p>
-          <a:p>
-            <a:pPr marL="118872" indent="0">
-              <a:buNone/>
-            </a:pPr>
+              <a:t>: more than one page, linked together</a:t>
+            </a:r>
+          </a:p>
+          <a:p>
             <a:r>
               <a:rPr lang="en-US" dirty="0" smtClean="0"/>
-              <a:t>	&lt;li&gt;&lt;a </a:t>
-            </a:r>
-            <a:r>
-              <a:rPr lang="en-US" dirty="0" err="1" smtClean="0"/>
+              <a:t>We use the </a:t>
+            </a:r>
+            <a:r>
+              <a:rPr lang="en-US" i="1" dirty="0" smtClean="0"/>
+              <a:t>anchor</a:t>
+            </a:r>
+            <a:r>
+              <a:rPr lang="en-US" b="1" i="1" dirty="0" smtClean="0"/>
+              <a:t> </a:t>
+            </a:r>
+            <a:r>
+              <a:rPr lang="en-US" dirty="0" smtClean="0"/>
+              <a:t>tag &lt;a&gt; to link pages together</a:t>
+            </a:r>
+          </a:p>
+          <a:p>
+            <a:endParaRPr lang="en-US" dirty="0"/>
+          </a:p>
+          <a:p>
+            <a:r>
+              <a:rPr lang="en-US" b="1" dirty="0" smtClean="0"/>
+              <a:t>&lt;a </a:t>
+            </a:r>
+            <a:r>
+              <a:rPr lang="en-US" b="1" dirty="0" err="1" smtClean="0"/>
               <a:t>href</a:t>
             </a:r>
             <a:r>
-              <a:rPr lang="en-US" dirty="0" smtClean="0"/>
-              <a:t>=“session2_b.html”&gt;Two&lt;/a&gt;</a:t>
-            </a:r>
-          </a:p>
-          <a:p>
-            <a:pPr marL="118872" indent="0">
-              <a:buNone/>
-            </a:pPr>
-            <a:r>
-              <a:rPr lang="en-US" dirty="0" smtClean="0"/>
-              <a:t>&lt;/</a:t>
-            </a:r>
-            <a:r>
-              <a:rPr lang="en-US" dirty="0" err="1" smtClean="0"/>
-              <a:t>ul</a:t>
-            </a:r>
-            <a:r>
-              <a:rPr lang="en-US" dirty="0" smtClean="0"/>
-              <a:t>&gt;</a:t>
-            </a:r>
-          </a:p>
-          <a:p>
-            <a:pPr marL="118872" indent="0">
-              <a:buNone/>
-            </a:pPr>
-            <a:endParaRPr lang="en-IE" dirty="0" smtClean="0"/>
-          </a:p>
-          <a:p>
-            <a:pPr marL="118872" indent="0">
-              <a:buNone/>
-            </a:pPr>
-            <a:r>
-              <a:rPr lang="en-IE" dirty="0" smtClean="0"/>
-              <a:t>Don’t forget a heading, a title, some text explaining what your website is …</a:t>
-            </a:r>
-          </a:p>
-          <a:p>
-            <a:pPr marL="118872" indent="0">
-              <a:buNone/>
-            </a:pPr>
-            <a:endParaRPr lang="en-US" dirty="0"/>
-          </a:p>
-          <a:p>
-            <a:pPr marL="118872" indent="0">
-              <a:buNone/>
-            </a:pPr>
-            <a:r>
-              <a:rPr lang="en-US" dirty="0" smtClean="0"/>
-              <a:t>We will come back and fancy this up this later </a:t>
+              <a:rPr lang="en-US" b="1" dirty="0" smtClean="0"/>
+              <a:t>=“page.html”&gt;</a:t>
+            </a:r>
+            <a:r>
+              <a:rPr lang="en-US" b="1" dirty="0" err="1" smtClean="0"/>
+              <a:t>PageName</a:t>
+            </a:r>
+            <a:r>
+              <a:rPr lang="en-US" b="1" dirty="0" smtClean="0"/>
+              <a:t>&lt;/a&gt;</a:t>
             </a:r>
             <a:endParaRPr lang="en-IE" dirty="0"/>
           </a:p>
@@ -9287,7 +9750,7 @@
     </p:spTree>
     <p:extLst>
       <p:ext uri="{BB962C8B-B14F-4D97-AF65-F5344CB8AC3E}">
-        <p14:creationId xmlns:p14="http://schemas.microsoft.com/office/powerpoint/2010/main" val="136623678"/>
+        <p14:creationId xmlns:p14="http://schemas.microsoft.com/office/powerpoint/2010/main" val="3620655394"/>
       </p:ext>
     </p:extLst>
   </p:cSld>
@@ -9337,51 +9800,116 @@
           <a:lstStyle/>
           <a:p>
             <a:r>
+              <a:rPr lang="en-US" dirty="0" smtClean="0"/>
+              <a:t>Using &lt;</a:t>
+            </a:r>
+            <a:r>
+              <a:rPr lang="en-US" dirty="0" err="1" smtClean="0"/>
+              <a:t>ul</a:t>
+            </a:r>
+            <a:r>
+              <a:rPr lang="en-US" dirty="0" smtClean="0"/>
+              <a:t>&gt; to link pages</a:t>
+            </a:r>
+            <a:endParaRPr lang="en-IE" dirty="0"/>
+          </a:p>
+        </p:txBody>
+      </p:sp>
+      <p:sp>
+        <p:nvSpPr>
+          <p:cNvPr id="3" name="Content Placeholder 2"/>
+          <p:cNvSpPr>
+            <a:spLocks noGrp="1"/>
+          </p:cNvSpPr>
+          <p:nvPr>
+            <p:ph idx="1"/>
+          </p:nvPr>
+        </p:nvSpPr>
+        <p:spPr/>
+        <p:txBody>
+          <a:bodyPr>
+            <a:normAutofit lnSpcReduction="10000"/>
+          </a:bodyPr>
+          <a:lstStyle/>
+          <a:p>
+            <a:pPr marL="118872" indent="0">
+              <a:buNone/>
+            </a:pPr>
+            <a:r>
               <a:rPr lang="en-IE" dirty="0" smtClean="0"/>
-              <a:t>Adding Tables </a:t>
-            </a:r>
-            <a:endParaRPr lang="en-IE" dirty="0"/>
-          </a:p>
-        </p:txBody>
-      </p:sp>
-      <p:sp>
-        <p:nvSpPr>
-          <p:cNvPr id="3" name="Content Placeholder 2"/>
-          <p:cNvSpPr>
-            <a:spLocks noGrp="1"/>
-          </p:cNvSpPr>
-          <p:nvPr>
-            <p:ph idx="1"/>
-          </p:nvPr>
-        </p:nvSpPr>
-        <p:spPr/>
-        <p:txBody>
-          <a:bodyPr>
-            <a:normAutofit fontScale="92500" lnSpcReduction="20000"/>
-          </a:bodyPr>
-          <a:lstStyle/>
+              <a:t>Now let’s link all our pages to the main page</a:t>
+            </a:r>
+          </a:p>
           <a:p>
             <a:pPr marL="118872" indent="0">
               <a:buNone/>
             </a:pPr>
+            <a:endParaRPr lang="en-US" dirty="0" smtClean="0"/>
+          </a:p>
+          <a:p>
+            <a:pPr marL="118872" indent="0">
+              <a:buNone/>
+            </a:pPr>
+            <a:r>
+              <a:rPr lang="en-US" dirty="0" smtClean="0"/>
+              <a:t>&lt;</a:t>
+            </a:r>
+            <a:r>
+              <a:rPr lang="en-US" dirty="0" err="1" smtClean="0"/>
+              <a:t>ul</a:t>
+            </a:r>
+            <a:r>
+              <a:rPr lang="en-US" dirty="0" smtClean="0"/>
+              <a:t>&gt;</a:t>
+            </a:r>
+          </a:p>
+          <a:p>
+            <a:pPr marL="118872" indent="0">
+              <a:buNone/>
+            </a:pPr>
+            <a:r>
+              <a:rPr lang="en-US" dirty="0" smtClean="0"/>
+              <a:t>	&lt;li&gt;&lt;a </a:t>
+            </a:r>
+            <a:r>
+              <a:rPr lang="en-US" dirty="0" err="1" smtClean="0"/>
+              <a:t>href</a:t>
+            </a:r>
+            <a:r>
+              <a:rPr lang="en-US" dirty="0" smtClean="0"/>
+              <a:t>=“session2_b.html”&gt;Two&lt;/a&gt;</a:t>
+            </a:r>
+          </a:p>
+          <a:p>
+            <a:pPr marL="118872" indent="0">
+              <a:buNone/>
+            </a:pPr>
+            <a:r>
+              <a:rPr lang="en-US" dirty="0" smtClean="0"/>
+              <a:t>&lt;/</a:t>
+            </a:r>
+            <a:r>
+              <a:rPr lang="en-US" dirty="0" err="1" smtClean="0"/>
+              <a:t>ul</a:t>
+            </a:r>
+            <a:r>
+              <a:rPr lang="en-US" dirty="0" smtClean="0"/>
+              <a:t>&gt;</a:t>
+            </a:r>
+          </a:p>
+          <a:p>
+            <a:pPr marL="118872" indent="0">
+              <a:buNone/>
+            </a:pPr>
+            <a:endParaRPr lang="en-IE" dirty="0" smtClean="0"/>
+          </a:p>
+          <a:p>
+            <a:pPr marL="118872" indent="0">
+              <a:buNone/>
+            </a:pPr>
             <a:r>
               <a:rPr lang="en-IE" dirty="0" smtClean="0"/>
-              <a:t>Tables are another really useful way of laying out your webpage</a:t>
-            </a:r>
-          </a:p>
-          <a:p>
-            <a:pPr marL="118872" indent="0">
-              <a:buNone/>
-            </a:pPr>
-            <a:endParaRPr lang="en-IE" dirty="0"/>
-          </a:p>
-          <a:p>
-            <a:pPr marL="118872" indent="0">
-              <a:buNone/>
-            </a:pPr>
-            <a:r>
-              <a:rPr lang="en-IE" dirty="0" smtClean="0"/>
-              <a:t>A table has some rows, and each row is divided up into one or more “cells”</a:t>
+              <a:t>Don’t forget a heading, a title, some text explaining what your website is …</a:t>
             </a:r>
           </a:p>
           <a:p>
@@ -9396,31 +9924,16 @@
             </a:pPr>
             <a:r>
               <a:rPr lang="en-US" dirty="0" smtClean="0"/>
-              <a:t>Each cell can have text, or pictures, or another table … anything you like really</a:t>
-            </a:r>
-          </a:p>
-          <a:p>
-            <a:pPr marL="118872" indent="0">
-              <a:buNone/>
-            </a:pPr>
-            <a:endParaRPr lang="en-US" dirty="0"/>
-          </a:p>
-          <a:p>
-            <a:pPr marL="118872" indent="0">
-              <a:buNone/>
-            </a:pPr>
-            <a:r>
-              <a:rPr lang="en-US" dirty="0" smtClean="0"/>
-              <a:t>In the olden days (like 10 years ago) tables were usually used to layout web pages.</a:t>
-            </a:r>
-            <a:endParaRPr lang="en-IE" dirty="0" smtClean="0"/>
+              <a:t>We will come back and fancy this up this later </a:t>
+            </a:r>
+            <a:endParaRPr lang="en-IE" dirty="0"/>
           </a:p>
         </p:txBody>
       </p:sp>
     </p:spTree>
     <p:extLst>
       <p:ext uri="{BB962C8B-B14F-4D97-AF65-F5344CB8AC3E}">
-        <p14:creationId xmlns:p14="http://schemas.microsoft.com/office/powerpoint/2010/main" val="3697065676"/>
+        <p14:creationId xmlns:p14="http://schemas.microsoft.com/office/powerpoint/2010/main" val="136623678"/>
       </p:ext>
     </p:extLst>
   </p:cSld>
